--- a/Project4-Capstone/MHD_Capstone/MHD_Twitter_Clustering.pptx
+++ b/Project4-Capstone/MHD_Capstone/MHD_Twitter_Clustering.pptx
@@ -5,7 +5,7 @@
     <p:sldMasterId id="2147483648" r:id="rId1"/>
   </p:sldMasterIdLst>
   <p:notesMasterIdLst>
-    <p:notesMasterId r:id="rId22"/>
+    <p:notesMasterId r:id="rId23"/>
   </p:notesMasterIdLst>
   <p:sldIdLst>
     <p:sldId id="256" r:id="rId2"/>
@@ -23,11 +23,12 @@
     <p:sldId id="275" r:id="rId14"/>
     <p:sldId id="276" r:id="rId15"/>
     <p:sldId id="270" r:id="rId16"/>
-    <p:sldId id="263" r:id="rId17"/>
-    <p:sldId id="269" r:id="rId18"/>
+    <p:sldId id="269" r:id="rId17"/>
+    <p:sldId id="263" r:id="rId18"/>
     <p:sldId id="260" r:id="rId19"/>
-    <p:sldId id="259" r:id="rId20"/>
-    <p:sldId id="262" r:id="rId21"/>
+    <p:sldId id="278" r:id="rId20"/>
+    <p:sldId id="259" r:id="rId21"/>
+    <p:sldId id="262" r:id="rId22"/>
   </p:sldIdLst>
   <p:sldSz cx="12192000" cy="6858000"/>
   <p:notesSz cx="6858000" cy="9144000"/>
@@ -1050,6 +1051,13 @@
         </dgm:presLayoutVars>
       </dgm:prSet>
       <dgm:spPr/>
+      <dgm:t>
+        <a:bodyPr/>
+        <a:lstStyle/>
+        <a:p>
+          <a:endParaRPr lang="en-US"/>
+        </a:p>
+      </dgm:t>
     </dgm:pt>
     <dgm:pt modelId="{7A4BD507-D425-224D-BE51-A75D9500D927}" type="pres">
       <dgm:prSet presAssocID="{28A52C78-D4DC-B74D-9492-3A3882480FD3}" presName="node" presStyleLbl="node1" presStyleIdx="0" presStyleCnt="4">
@@ -1058,14 +1066,35 @@
         </dgm:presLayoutVars>
       </dgm:prSet>
       <dgm:spPr/>
+      <dgm:t>
+        <a:bodyPr/>
+        <a:lstStyle/>
+        <a:p>
+          <a:endParaRPr lang="en-US"/>
+        </a:p>
+      </dgm:t>
     </dgm:pt>
     <dgm:pt modelId="{C8114E63-5FF6-F54D-BCAB-3C9CF7284304}" type="pres">
       <dgm:prSet presAssocID="{3F5CDCA6-7D37-FC46-B593-3E0F8E40CB84}" presName="sibTrans" presStyleLbl="sibTrans2D1" presStyleIdx="0" presStyleCnt="4"/>
       <dgm:spPr/>
+      <dgm:t>
+        <a:bodyPr/>
+        <a:lstStyle/>
+        <a:p>
+          <a:endParaRPr lang="en-US"/>
+        </a:p>
+      </dgm:t>
     </dgm:pt>
     <dgm:pt modelId="{368F34E5-AE53-B84D-9D8E-1C2CE5A55E08}" type="pres">
       <dgm:prSet presAssocID="{3F5CDCA6-7D37-FC46-B593-3E0F8E40CB84}" presName="connectorText" presStyleLbl="sibTrans2D1" presStyleIdx="0" presStyleCnt="4"/>
       <dgm:spPr/>
+      <dgm:t>
+        <a:bodyPr/>
+        <a:lstStyle/>
+        <a:p>
+          <a:endParaRPr lang="en-US"/>
+        </a:p>
+      </dgm:t>
     </dgm:pt>
     <dgm:pt modelId="{3B6F4009-8E6B-E64C-9A2E-0221EA148A46}" type="pres">
       <dgm:prSet presAssocID="{7E7999A6-D92E-D04B-9903-516AD1E0ACFD}" presName="node" presStyleLbl="node1" presStyleIdx="1" presStyleCnt="4">
@@ -1085,10 +1114,24 @@
     <dgm:pt modelId="{76E10CAF-C517-1045-94BD-C33DCFBBD581}" type="pres">
       <dgm:prSet presAssocID="{EDB236E5-26E7-024A-AEC1-0F1B87637FD0}" presName="sibTrans" presStyleLbl="sibTrans2D1" presStyleIdx="1" presStyleCnt="4"/>
       <dgm:spPr/>
+      <dgm:t>
+        <a:bodyPr/>
+        <a:lstStyle/>
+        <a:p>
+          <a:endParaRPr lang="en-US"/>
+        </a:p>
+      </dgm:t>
     </dgm:pt>
     <dgm:pt modelId="{220ED06C-7EBB-3D42-91B6-A25C07CF440A}" type="pres">
       <dgm:prSet presAssocID="{EDB236E5-26E7-024A-AEC1-0F1B87637FD0}" presName="connectorText" presStyleLbl="sibTrans2D1" presStyleIdx="1" presStyleCnt="4"/>
       <dgm:spPr/>
+      <dgm:t>
+        <a:bodyPr/>
+        <a:lstStyle/>
+        <a:p>
+          <a:endParaRPr lang="en-US"/>
+        </a:p>
+      </dgm:t>
     </dgm:pt>
     <dgm:pt modelId="{D5B9FFBD-40C1-6449-8584-6EECD0127038}" type="pres">
       <dgm:prSet presAssocID="{2E52208C-34DB-4C44-BD52-A6A1F4F2FD9F}" presName="node" presStyleLbl="node1" presStyleIdx="2" presStyleCnt="4">
@@ -1097,14 +1140,35 @@
         </dgm:presLayoutVars>
       </dgm:prSet>
       <dgm:spPr/>
+      <dgm:t>
+        <a:bodyPr/>
+        <a:lstStyle/>
+        <a:p>
+          <a:endParaRPr lang="en-US"/>
+        </a:p>
+      </dgm:t>
     </dgm:pt>
     <dgm:pt modelId="{CEBF1FBC-69BF-394A-9715-3EC71C3A6305}" type="pres">
       <dgm:prSet presAssocID="{AD2F79E9-D9FF-F94E-96E8-142AD4DA6BDB}" presName="sibTrans" presStyleLbl="sibTrans2D1" presStyleIdx="2" presStyleCnt="4"/>
       <dgm:spPr/>
+      <dgm:t>
+        <a:bodyPr/>
+        <a:lstStyle/>
+        <a:p>
+          <a:endParaRPr lang="en-US"/>
+        </a:p>
+      </dgm:t>
     </dgm:pt>
     <dgm:pt modelId="{D938EA62-667C-4047-BC70-84BFCA0CD8E1}" type="pres">
       <dgm:prSet presAssocID="{AD2F79E9-D9FF-F94E-96E8-142AD4DA6BDB}" presName="connectorText" presStyleLbl="sibTrans2D1" presStyleIdx="2" presStyleCnt="4"/>
       <dgm:spPr/>
+      <dgm:t>
+        <a:bodyPr/>
+        <a:lstStyle/>
+        <a:p>
+          <a:endParaRPr lang="en-US"/>
+        </a:p>
+      </dgm:t>
     </dgm:pt>
     <dgm:pt modelId="{03F5A787-27A5-6741-A880-5C908A9C4496}" type="pres">
       <dgm:prSet presAssocID="{3874517E-959B-D54A-A3F3-C538A5A95C25}" presName="node" presStyleLbl="node1" presStyleIdx="3" presStyleCnt="4">
@@ -1124,10 +1188,24 @@
     <dgm:pt modelId="{77A5985E-DA18-A743-B5C3-1F091CE813F2}" type="pres">
       <dgm:prSet presAssocID="{51F9548E-551F-7B4F-AE36-76EF6F22018F}" presName="sibTrans" presStyleLbl="sibTrans2D1" presStyleIdx="3" presStyleCnt="4"/>
       <dgm:spPr/>
+      <dgm:t>
+        <a:bodyPr/>
+        <a:lstStyle/>
+        <a:p>
+          <a:endParaRPr lang="en-US"/>
+        </a:p>
+      </dgm:t>
     </dgm:pt>
     <dgm:pt modelId="{31CCABA6-CE8E-5D40-AF50-20BE8256A436}" type="pres">
       <dgm:prSet presAssocID="{51F9548E-551F-7B4F-AE36-76EF6F22018F}" presName="connectorText" presStyleLbl="sibTrans2D1" presStyleIdx="3" presStyleCnt="4"/>
       <dgm:spPr/>
+      <dgm:t>
+        <a:bodyPr/>
+        <a:lstStyle/>
+        <a:p>
+          <a:endParaRPr lang="en-US"/>
+        </a:p>
+      </dgm:t>
     </dgm:pt>
   </dgm:ptLst>
   <dgm:cxnLst>
@@ -3309,7 +3387,7 @@
           <a:p>
             <a:fld id="{EF7D9154-ED5B-5844-8AE4-5FAF79CEBAD8}" type="datetimeFigureOut">
               <a:rPr lang="en-US" smtClean="0"/>
-              <a:t>6/19/17</a:t>
+              <a:t>6/20/17</a:t>
             </a:fld>
             <a:endParaRPr lang="en-US"/>
           </a:p>
@@ -3773,7 +3851,7 @@
           <a:p>
             <a:fld id="{ECD19FB2-3AAB-4D03-B13A-2960828C78E3}" type="datetimeFigureOut">
               <a:rPr lang="en-US" dirty="0"/>
-              <a:t>6/19/17</a:t>
+              <a:t>6/20/17</a:t>
             </a:fld>
             <a:endParaRPr lang="en-US" dirty="0"/>
           </a:p>
@@ -4050,7 +4128,7 @@
           <a:p>
             <a:fld id="{1B80C674-7DFC-42FE-B9CD-82963CDB1557}" type="datetimeFigureOut">
               <a:rPr lang="en-US" dirty="0"/>
-              <a:t>6/19/17</a:t>
+              <a:t>6/20/17</a:t>
             </a:fld>
             <a:endParaRPr lang="en-US" dirty="0"/>
           </a:p>
@@ -4237,7 +4315,7 @@
           <a:p>
             <a:fld id="{2076456F-F47D-4F25-8053-2A695DA0CA7D}" type="datetimeFigureOut">
               <a:rPr lang="en-US" dirty="0"/>
-              <a:t>6/19/17</a:t>
+              <a:t>6/20/17</a:t>
             </a:fld>
             <a:endParaRPr lang="en-US" dirty="0"/>
           </a:p>
@@ -4493,7 +4571,7 @@
           <a:p>
             <a:fld id="{5D6C7379-69CC-4837-9905-BEBA22830C8A}" type="datetimeFigureOut">
               <a:rPr lang="en-US" dirty="0"/>
-              <a:t>6/19/17</a:t>
+              <a:t>6/20/17</a:t>
             </a:fld>
             <a:endParaRPr lang="en-US" dirty="0"/>
           </a:p>
@@ -4914,7 +4992,7 @@
           <a:p>
             <a:fld id="{49EB8B7E-8AEE-4F10-BFEE-C999AD004D36}" type="datetimeFigureOut">
               <a:rPr lang="en-US" dirty="0"/>
-              <a:t>6/19/17</a:t>
+              <a:t>6/20/17</a:t>
             </a:fld>
             <a:endParaRPr lang="en-US" dirty="0"/>
           </a:p>
@@ -5455,7 +5533,7 @@
           <a:p>
             <a:fld id="{8668F3F9-58BC-440B-B37B-805B9055EF92}" type="datetimeFigureOut">
               <a:rPr lang="en-US" dirty="0"/>
-              <a:t>6/19/17</a:t>
+              <a:t>6/20/17</a:t>
             </a:fld>
             <a:endParaRPr lang="en-US" dirty="0"/>
           </a:p>
@@ -6281,7 +6359,7 @@
           <a:p>
             <a:fld id="{0D5A53AF-48EA-489D-8260-9DCAB666386A}" type="datetimeFigureOut">
               <a:rPr lang="en-US" dirty="0"/>
-              <a:t>6/19/17</a:t>
+              <a:t>6/20/17</a:t>
             </a:fld>
             <a:endParaRPr lang="en-US" dirty="0"/>
           </a:p>
@@ -6446,7 +6524,7 @@
           <a:p>
             <a:fld id="{0DED02AE-B9A4-47BD-AF8E-97E16144138B}" type="datetimeFigureOut">
               <a:rPr lang="en-US" dirty="0"/>
-              <a:t>6/19/17</a:t>
+              <a:t>6/20/17</a:t>
             </a:fld>
             <a:endParaRPr lang="en-US" dirty="0"/>
           </a:p>
@@ -6621,7 +6699,7 @@
           <a:p>
             <a:fld id="{CF0FD78B-DB02-4362-BCDC-98A55456977C}" type="datetimeFigureOut">
               <a:rPr lang="en-US" dirty="0"/>
-              <a:t>6/19/17</a:t>
+              <a:t>6/20/17</a:t>
             </a:fld>
             <a:endParaRPr lang="en-US" dirty="0"/>
           </a:p>
@@ -6786,7 +6864,7 @@
           <a:p>
             <a:fld id="{99916976-5D93-46E4-A98A-FAD63E4D0EA8}" type="datetimeFigureOut">
               <a:rPr lang="en-US" dirty="0"/>
-              <a:t>6/19/17</a:t>
+              <a:t>6/20/17</a:t>
             </a:fld>
             <a:endParaRPr lang="en-US" dirty="0"/>
           </a:p>
@@ -7038,7 +7116,7 @@
           <a:p>
             <a:fld id="{0F39F4F5-F4D2-4D2A-AB60-88D37ADCB869}" type="datetimeFigureOut">
               <a:rPr lang="en-US" dirty="0"/>
-              <a:t>6/19/17</a:t>
+              <a:t>6/20/17</a:t>
             </a:fld>
             <a:endParaRPr lang="en-US" dirty="0"/>
           </a:p>
@@ -7265,7 +7343,7 @@
           <a:p>
             <a:fld id="{D23BC6CE-6D1E-47E5-8859-F31AC5380EB2}" type="datetimeFigureOut">
               <a:rPr lang="en-US" dirty="0"/>
-              <a:t>6/19/17</a:t>
+              <a:t>6/20/17</a:t>
             </a:fld>
             <a:endParaRPr lang="en-US" dirty="0"/>
           </a:p>
@@ -7653,7 +7731,7 @@
           <a:p>
             <a:fld id="{B1B4E7C4-4DA4-404D-9965-B13F2DD7D8BF}" type="datetimeFigureOut">
               <a:rPr lang="en-US" dirty="0"/>
-              <a:t>6/19/17</a:t>
+              <a:t>6/20/17</a:t>
             </a:fld>
             <a:endParaRPr lang="en-US" dirty="0"/>
           </a:p>
@@ -7766,7 +7844,7 @@
           <a:p>
             <a:fld id="{476FB7AA-4A53-424F-AD41-70827B6504BA}" type="datetimeFigureOut">
               <a:rPr lang="en-US" dirty="0"/>
-              <a:t>6/19/17</a:t>
+              <a:t>6/20/17</a:t>
             </a:fld>
             <a:endParaRPr lang="en-US" dirty="0"/>
           </a:p>
@@ -7856,7 +7934,7 @@
           <a:p>
             <a:fld id="{E7884882-FB12-4BC8-9960-9AD8104D7FAE}" type="datetimeFigureOut">
               <a:rPr lang="en-US" dirty="0"/>
-              <a:t>6/19/17</a:t>
+              <a:t>6/20/17</a:t>
             </a:fld>
             <a:endParaRPr lang="en-US" dirty="0"/>
           </a:p>
@@ -8124,7 +8202,7 @@
           <a:p>
             <a:fld id="{F7D1BD23-6E54-4D9D-AD88-A2813C73CC25}" type="datetimeFigureOut">
               <a:rPr lang="en-US" dirty="0"/>
-              <a:t>6/19/17</a:t>
+              <a:t>6/20/17</a:t>
             </a:fld>
             <a:endParaRPr lang="en-US" dirty="0"/>
           </a:p>
@@ -8400,7 +8478,7 @@
           <a:p>
             <a:fld id="{1471A834-4F3C-4AF9-9C74-05EC35A0F292}" type="datetimeFigureOut">
               <a:rPr lang="en-US" dirty="0"/>
-              <a:t>6/19/17</a:t>
+              <a:t>6/20/17</a:t>
             </a:fld>
             <a:endParaRPr lang="en-US" dirty="0"/>
           </a:p>
@@ -8635,7 +8713,7 @@
           <a:p>
             <a:fld id="{51CF1133-3259-4C45-BABA-5B62D9C6F78D}" type="datetimeFigureOut">
               <a:rPr lang="en-US" dirty="0"/>
-              <a:t>6/19/17</a:t>
+              <a:t>6/20/17</a:t>
             </a:fld>
             <a:endParaRPr lang="en-US" dirty="0"/>
           </a:p>
@@ -11758,62 +11836,6 @@
       </p:grpSpPr>
       <p:sp>
         <p:nvSpPr>
-          <p:cNvPr id="2" name="Title 1"/>
-          <p:cNvSpPr>
-            <a:spLocks noGrp="1"/>
-          </p:cNvSpPr>
-          <p:nvPr>
-            <p:ph type="title"/>
-          </p:nvPr>
-        </p:nvSpPr>
-        <p:spPr/>
-        <p:txBody>
-          <a:bodyPr/>
-          <a:lstStyle/>
-          <a:p>
-            <a:endParaRPr lang="en-US"/>
-          </a:p>
-        </p:txBody>
-      </p:sp>
-    </p:spTree>
-    <p:extLst>
-      <p:ext uri="{BB962C8B-B14F-4D97-AF65-F5344CB8AC3E}">
-        <p14:creationId xmlns:p14="http://schemas.microsoft.com/office/powerpoint/2010/main" val="1688889702"/>
-      </p:ext>
-    </p:extLst>
-  </p:cSld>
-  <p:clrMapOvr>
-    <a:masterClrMapping/>
-  </p:clrMapOvr>
-  <p:timing>
-    <p:tnLst>
-      <p:par>
-        <p:cTn id="1" dur="indefinite" restart="never" nodeType="tmRoot"/>
-      </p:par>
-    </p:tnLst>
-  </p:timing>
-</p:sld>
-</file>
-
-<file path=ppt/slides/slide17.xml><?xml version="1.0" encoding="utf-8"?>
-<p:sld xmlns:a="http://schemas.openxmlformats.org/drawingml/2006/main" xmlns:r="http://schemas.openxmlformats.org/officeDocument/2006/relationships" xmlns:p="http://schemas.openxmlformats.org/presentationml/2006/main">
-  <p:cSld>
-    <p:spTree>
-      <p:nvGrpSpPr>
-        <p:cNvPr id="1" name=""/>
-        <p:cNvGrpSpPr/>
-        <p:nvPr/>
-      </p:nvGrpSpPr>
-      <p:grpSpPr>
-        <a:xfrm>
-          <a:off x="0" y="0"/>
-          <a:ext cx="0" cy="0"/>
-          <a:chOff x="0" y="0"/>
-          <a:chExt cx="0" cy="0"/>
-        </a:xfrm>
-      </p:grpSpPr>
-      <p:sp>
-        <p:nvSpPr>
           <p:cNvPr id="6" name="Title 1"/>
           <p:cNvSpPr>
             <a:spLocks noGrp="1"/>
@@ -12262,6 +12284,62 @@
     <p:extLst>
       <p:ext uri="{BB962C8B-B14F-4D97-AF65-F5344CB8AC3E}">
         <p14:creationId xmlns:p14="http://schemas.microsoft.com/office/powerpoint/2010/main" val="1328761979"/>
+      </p:ext>
+    </p:extLst>
+  </p:cSld>
+  <p:clrMapOvr>
+    <a:masterClrMapping/>
+  </p:clrMapOvr>
+  <p:timing>
+    <p:tnLst>
+      <p:par>
+        <p:cTn id="1" dur="indefinite" restart="never" nodeType="tmRoot"/>
+      </p:par>
+    </p:tnLst>
+  </p:timing>
+</p:sld>
+</file>
+
+<file path=ppt/slides/slide17.xml><?xml version="1.0" encoding="utf-8"?>
+<p:sld xmlns:a="http://schemas.openxmlformats.org/drawingml/2006/main" xmlns:r="http://schemas.openxmlformats.org/officeDocument/2006/relationships" xmlns:p="http://schemas.openxmlformats.org/presentationml/2006/main">
+  <p:cSld>
+    <p:spTree>
+      <p:nvGrpSpPr>
+        <p:cNvPr id="1" name=""/>
+        <p:cNvGrpSpPr/>
+        <p:nvPr/>
+      </p:nvGrpSpPr>
+      <p:grpSpPr>
+        <a:xfrm>
+          <a:off x="0" y="0"/>
+          <a:ext cx="0" cy="0"/>
+          <a:chOff x="0" y="0"/>
+          <a:chExt cx="0" cy="0"/>
+        </a:xfrm>
+      </p:grpSpPr>
+      <p:sp>
+        <p:nvSpPr>
+          <p:cNvPr id="2" name="Title 1"/>
+          <p:cNvSpPr>
+            <a:spLocks noGrp="1"/>
+          </p:cNvSpPr>
+          <p:nvPr>
+            <p:ph type="title"/>
+          </p:nvPr>
+        </p:nvSpPr>
+        <p:spPr/>
+        <p:txBody>
+          <a:bodyPr/>
+          <a:lstStyle/>
+          <a:p>
+            <a:endParaRPr lang="en-US"/>
+          </a:p>
+        </p:txBody>
+      </p:sp>
+    </p:spTree>
+    <p:extLst>
+      <p:ext uri="{BB962C8B-B14F-4D97-AF65-F5344CB8AC3E}">
+        <p14:creationId xmlns:p14="http://schemas.microsoft.com/office/powerpoint/2010/main" val="1688889702"/>
       </p:ext>
     </p:extLst>
   </p:cSld>
@@ -12778,7 +12856,63 @@
       </p:grpSpPr>
       <p:sp>
         <p:nvSpPr>
-          <p:cNvPr id="5" name="Title 1"/>
+          <p:cNvPr id="2" name="Title 1"/>
+          <p:cNvSpPr>
+            <a:spLocks noGrp="1"/>
+          </p:cNvSpPr>
+          <p:nvPr>
+            <p:ph type="title"/>
+          </p:nvPr>
+        </p:nvSpPr>
+        <p:spPr/>
+        <p:txBody>
+          <a:bodyPr/>
+          <a:lstStyle/>
+          <a:p>
+            <a:endParaRPr lang="en-US"/>
+          </a:p>
+        </p:txBody>
+      </p:sp>
+    </p:spTree>
+    <p:extLst>
+      <p:ext uri="{BB962C8B-B14F-4D97-AF65-F5344CB8AC3E}">
+        <p14:creationId xmlns:p14="http://schemas.microsoft.com/office/powerpoint/2010/main" val="1453585408"/>
+      </p:ext>
+    </p:extLst>
+  </p:cSld>
+  <p:clrMapOvr>
+    <a:masterClrMapping/>
+  </p:clrMapOvr>
+  <p:timing>
+    <p:tnLst>
+      <p:par>
+        <p:cTn id="1" dur="indefinite" restart="never" nodeType="tmRoot"/>
+      </p:par>
+    </p:tnLst>
+  </p:timing>
+</p:sld>
+</file>
+
+<file path=ppt/slides/slide2.xml><?xml version="1.0" encoding="utf-8"?>
+<p:sld xmlns:a="http://schemas.openxmlformats.org/drawingml/2006/main" xmlns:r="http://schemas.openxmlformats.org/officeDocument/2006/relationships" xmlns:p="http://schemas.openxmlformats.org/presentationml/2006/main">
+  <p:cSld>
+    <p:spTree>
+      <p:nvGrpSpPr>
+        <p:cNvPr id="1" name=""/>
+        <p:cNvGrpSpPr/>
+        <p:nvPr/>
+      </p:nvGrpSpPr>
+      <p:grpSpPr>
+        <a:xfrm>
+          <a:off x="0" y="0"/>
+          <a:ext cx="0" cy="0"/>
+          <a:chOff x="0" y="0"/>
+          <a:chExt cx="0" cy="0"/>
+        </a:xfrm>
+      </p:grpSpPr>
+      <p:sp>
+        <p:nvSpPr>
+          <p:cNvPr id="6" name="Title 1"/>
           <p:cNvSpPr>
             <a:spLocks noGrp="1"/>
           </p:cNvSpPr>
@@ -12788,8 +12922,8 @@
         </p:nvSpPr>
         <p:spPr>
           <a:xfrm>
-            <a:off x="496537" y="207470"/>
-            <a:ext cx="10515600" cy="402130"/>
+            <a:off x="507117" y="271786"/>
+            <a:ext cx="10515600" cy="391620"/>
           </a:xfrm>
         </p:spPr>
         <p:txBody>
@@ -12800,7 +12934,7 @@
           <a:p>
             <a:r>
               <a:rPr lang="en-US" dirty="0" smtClean="0"/>
-              <a:t>Future directions</a:t>
+              <a:t>Outline</a:t>
             </a:r>
             <a:endParaRPr lang="en-US" dirty="0"/>
           </a:p>
@@ -12808,13 +12942,13 @@
       </p:sp>
       <p:cxnSp>
         <p:nvCxnSpPr>
-          <p:cNvPr id="6" name="Straight Connector 5"/>
+          <p:cNvPr id="7" name="Straight Connector 6"/>
           <p:cNvCxnSpPr/>
           <p:nvPr/>
         </p:nvCxnSpPr>
         <p:spPr>
           <a:xfrm>
-            <a:off x="588579" y="767257"/>
+            <a:off x="507117" y="803132"/>
             <a:ext cx="11056883" cy="10509"/>
           </a:xfrm>
           <a:prstGeom prst="line">
@@ -12838,7 +12972,7 @@
       </p:cxnSp>
       <p:sp>
         <p:nvSpPr>
-          <p:cNvPr id="7" name="Content Placeholder 2"/>
+          <p:cNvPr id="8" name="Content Placeholder 2"/>
           <p:cNvSpPr txBox="1">
             <a:spLocks/>
           </p:cNvSpPr>
@@ -12846,8 +12980,8 @@
         </p:nvSpPr>
         <p:spPr>
           <a:xfrm>
-            <a:off x="5895237" y="1664406"/>
-            <a:ext cx="10233800" cy="2201228"/>
+            <a:off x="778407" y="1477392"/>
+            <a:ext cx="10530724" cy="4965449"/>
           </a:xfrm>
           <a:prstGeom prst="rect">
             <a:avLst/>
@@ -13116,70 +13250,77 @@
           </a:lstStyle>
           <a:p>
             <a:r>
-              <a:rPr lang="en-US" smtClean="0"/>
-              <a:t>Extend </a:t>
-            </a:r>
-            <a:r>
               <a:rPr lang="en-US" dirty="0" smtClean="0"/>
-              <a:t>to other forms of social media </a:t>
-            </a:r>
-          </a:p>
-          <a:p>
-            <a:pPr lvl="1"/>
+              <a:t>Motivation</a:t>
+            </a:r>
+          </a:p>
+          <a:p>
             <a:r>
               <a:rPr lang="en-US" dirty="0" smtClean="0"/>
-              <a:t>Text analysis</a:t>
-            </a:r>
-          </a:p>
-          <a:p>
-            <a:pPr lvl="1"/>
+              <a:t>Getting the Data</a:t>
+            </a:r>
+          </a:p>
+          <a:p>
             <a:r>
               <a:rPr lang="en-US" dirty="0" smtClean="0"/>
-              <a:t>Image analysis </a:t>
-            </a:r>
-          </a:p>
-          <a:p>
-            <a:pPr lvl="1"/>
+              <a:t>Unsupervised Learning</a:t>
+            </a:r>
+          </a:p>
+          <a:p>
             <a:r>
               <a:rPr lang="en-US" dirty="0" smtClean="0"/>
-              <a:t>Video analysis </a:t>
-            </a:r>
-          </a:p>
-          <a:p>
-            <a:pPr lvl="1"/>
+              <a:t>Keyword Search Tweets</a:t>
+            </a:r>
+          </a:p>
+          <a:p>
             <a:r>
               <a:rPr lang="en-US" dirty="0" smtClean="0"/>
-              <a:t>Facebook/Instagram/Snapchat</a:t>
-            </a:r>
+              <a:t>Open Streaming Tweets</a:t>
+            </a:r>
+          </a:p>
+          <a:p>
+            <a:r>
+              <a:rPr lang="en-US" dirty="0" smtClean="0"/>
+              <a:t>Focused Tweets</a:t>
+            </a:r>
+          </a:p>
+          <a:p>
+            <a:r>
+              <a:rPr lang="en-US" dirty="0" smtClean="0"/>
+              <a:t>Future Directions</a:t>
+            </a:r>
+          </a:p>
+          <a:p>
+            <a:endParaRPr lang="en-US" dirty="0" smtClean="0"/>
+          </a:p>
+          <a:p>
+            <a:endParaRPr lang="en-US" dirty="0" smtClean="0"/>
+          </a:p>
+          <a:p>
+            <a:endParaRPr lang="en-US" dirty="0" smtClean="0"/>
+          </a:p>
+          <a:p>
+            <a:endParaRPr lang="en-US" dirty="0"/>
+          </a:p>
+          <a:p>
+            <a:endParaRPr lang="en-US" dirty="0"/>
+          </a:p>
+          <a:p>
+            <a:endParaRPr lang="en-US" dirty="0" smtClean="0"/>
+          </a:p>
+          <a:p>
+            <a:r>
+              <a:rPr lang="en-US" dirty="0" smtClean="0"/>
+              <a:t>Not so good clustering</a:t>
+            </a:r>
+            <a:endParaRPr lang="en-US" dirty="0"/>
           </a:p>
         </p:txBody>
       </p:sp>
-      <p:graphicFrame>
-        <p:nvGraphicFramePr>
-          <p:cNvPr id="40" name="Diagram 39"/>
-          <p:cNvGraphicFramePr/>
-          <p:nvPr>
-            <p:extLst>
-              <p:ext uri="{D42A27DB-BD31-4B8C-83A1-F6EECF244321}">
-                <p14:modId xmlns:p14="http://schemas.microsoft.com/office/powerpoint/2010/main" val="543053202"/>
-              </p:ext>
-            </p:extLst>
-          </p:nvPr>
-        </p:nvGraphicFramePr>
-        <p:xfrm>
-          <a:off x="-742730" y="1156301"/>
-          <a:ext cx="8128000" cy="5418667"/>
-        </p:xfrm>
-        <a:graphic>
-          <a:graphicData uri="http://schemas.openxmlformats.org/drawingml/2006/diagram">
-            <dgm:relIds xmlns:dgm="http://schemas.openxmlformats.org/drawingml/2006/diagram" xmlns:r="http://schemas.openxmlformats.org/officeDocument/2006/relationships" r:dm="rId2" r:lo="rId3" r:qs="rId4" r:cs="rId5"/>
-          </a:graphicData>
-        </a:graphic>
-      </p:graphicFrame>
     </p:spTree>
     <p:extLst>
       <p:ext uri="{BB962C8B-B14F-4D97-AF65-F5344CB8AC3E}">
-        <p14:creationId xmlns:p14="http://schemas.microsoft.com/office/powerpoint/2010/main" val="1186852876"/>
+        <p14:creationId xmlns:p14="http://schemas.microsoft.com/office/powerpoint/2010/main" val="733759584"/>
       </p:ext>
     </p:extLst>
   </p:cSld>
@@ -13196,7 +13337,7 @@
 </p:sld>
 </file>
 
-<file path=ppt/slides/slide2.xml><?xml version="1.0" encoding="utf-8"?>
+<file path=ppt/slides/slide20.xml><?xml version="1.0" encoding="utf-8"?>
 <p:sld xmlns:a="http://schemas.openxmlformats.org/drawingml/2006/main" xmlns:r="http://schemas.openxmlformats.org/officeDocument/2006/relationships" xmlns:p="http://schemas.openxmlformats.org/presentationml/2006/main">
   <p:cSld>
     <p:spTree>
@@ -13215,7 +13356,7 @@
       </p:grpSpPr>
       <p:sp>
         <p:nvSpPr>
-          <p:cNvPr id="6" name="Title 1"/>
+          <p:cNvPr id="5" name="Title 1"/>
           <p:cNvSpPr>
             <a:spLocks noGrp="1"/>
           </p:cNvSpPr>
@@ -13225,8 +13366,8 @@
         </p:nvSpPr>
         <p:spPr>
           <a:xfrm>
-            <a:off x="507117" y="208726"/>
-            <a:ext cx="10515600" cy="391620"/>
+            <a:off x="496537" y="207470"/>
+            <a:ext cx="10515600" cy="402130"/>
           </a:xfrm>
         </p:spPr>
         <p:txBody>
@@ -13237,7 +13378,7 @@
           <a:p>
             <a:r>
               <a:rPr lang="en-US" dirty="0" smtClean="0"/>
-              <a:t>Outline</a:t>
+              <a:t>Future directions</a:t>
             </a:r>
             <a:endParaRPr lang="en-US" dirty="0"/>
           </a:p>
@@ -13245,13 +13386,13 @@
       </p:sp>
       <p:cxnSp>
         <p:nvCxnSpPr>
-          <p:cNvPr id="7" name="Straight Connector 6"/>
+          <p:cNvPr id="6" name="Straight Connector 5"/>
           <p:cNvCxnSpPr/>
           <p:nvPr/>
         </p:nvCxnSpPr>
         <p:spPr>
           <a:xfrm>
-            <a:off x="507117" y="792622"/>
+            <a:off x="588579" y="767257"/>
             <a:ext cx="11056883" cy="10509"/>
           </a:xfrm>
           <a:prstGeom prst="line">
@@ -13275,7 +13416,7 @@
       </p:cxnSp>
       <p:sp>
         <p:nvSpPr>
-          <p:cNvPr id="8" name="Content Placeholder 2"/>
+          <p:cNvPr id="7" name="Content Placeholder 2"/>
           <p:cNvSpPr txBox="1">
             <a:spLocks/>
           </p:cNvSpPr>
@@ -13283,8 +13424,8 @@
         </p:nvSpPr>
         <p:spPr>
           <a:xfrm>
-            <a:off x="778407" y="1477392"/>
-            <a:ext cx="10530724" cy="4965449"/>
+            <a:off x="5895237" y="1664406"/>
+            <a:ext cx="10233800" cy="2201228"/>
           </a:xfrm>
           <a:prstGeom prst="rect">
             <a:avLst/>
@@ -13553,77 +13694,70 @@
           </a:lstStyle>
           <a:p>
             <a:r>
+              <a:rPr lang="en-US" smtClean="0"/>
+              <a:t>Extend </a:t>
+            </a:r>
+            <a:r>
               <a:rPr lang="en-US" dirty="0" smtClean="0"/>
-              <a:t>Motivation</a:t>
-            </a:r>
-          </a:p>
-          <a:p>
+              <a:t>to other forms of social media </a:t>
+            </a:r>
+          </a:p>
+          <a:p>
+            <a:pPr lvl="1"/>
             <a:r>
               <a:rPr lang="en-US" dirty="0" smtClean="0"/>
-              <a:t>Getting the Data</a:t>
-            </a:r>
-          </a:p>
-          <a:p>
+              <a:t>Text analysis</a:t>
+            </a:r>
+          </a:p>
+          <a:p>
+            <a:pPr lvl="1"/>
             <a:r>
               <a:rPr lang="en-US" dirty="0" smtClean="0"/>
-              <a:t>Unsupervised Learning</a:t>
-            </a:r>
-          </a:p>
-          <a:p>
+              <a:t>Image analysis </a:t>
+            </a:r>
+          </a:p>
+          <a:p>
+            <a:pPr lvl="1"/>
             <a:r>
               <a:rPr lang="en-US" dirty="0" smtClean="0"/>
-              <a:t>Keyword Search Tweets</a:t>
-            </a:r>
-          </a:p>
-          <a:p>
+              <a:t>Video analysis </a:t>
+            </a:r>
+          </a:p>
+          <a:p>
+            <a:pPr lvl="1"/>
             <a:r>
               <a:rPr lang="en-US" dirty="0" smtClean="0"/>
-              <a:t>Open Streaming Tweets</a:t>
-            </a:r>
-          </a:p>
-          <a:p>
-            <a:r>
-              <a:rPr lang="en-US" dirty="0" smtClean="0"/>
-              <a:t>Focused Tweets</a:t>
-            </a:r>
-          </a:p>
-          <a:p>
-            <a:r>
-              <a:rPr lang="en-US" dirty="0" smtClean="0"/>
-              <a:t>Future Directions</a:t>
-            </a:r>
-          </a:p>
-          <a:p>
-            <a:endParaRPr lang="en-US" dirty="0" smtClean="0"/>
-          </a:p>
-          <a:p>
-            <a:endParaRPr lang="en-US" dirty="0" smtClean="0"/>
-          </a:p>
-          <a:p>
-            <a:endParaRPr lang="en-US" dirty="0" smtClean="0"/>
-          </a:p>
-          <a:p>
-            <a:endParaRPr lang="en-US" dirty="0"/>
-          </a:p>
-          <a:p>
-            <a:endParaRPr lang="en-US" dirty="0"/>
-          </a:p>
-          <a:p>
-            <a:endParaRPr lang="en-US" dirty="0" smtClean="0"/>
-          </a:p>
-          <a:p>
-            <a:r>
-              <a:rPr lang="en-US" dirty="0" smtClean="0"/>
-              <a:t>Not so good clustering</a:t>
-            </a:r>
-            <a:endParaRPr lang="en-US" dirty="0"/>
+              <a:t>Facebook/Instagram/Snapchat</a:t>
+            </a:r>
           </a:p>
         </p:txBody>
       </p:sp>
+      <p:graphicFrame>
+        <p:nvGraphicFramePr>
+          <p:cNvPr id="40" name="Diagram 39"/>
+          <p:cNvGraphicFramePr/>
+          <p:nvPr>
+            <p:extLst>
+              <p:ext uri="{D42A27DB-BD31-4B8C-83A1-F6EECF244321}">
+                <p14:modId xmlns:p14="http://schemas.microsoft.com/office/powerpoint/2010/main" val="543053202"/>
+              </p:ext>
+            </p:extLst>
+          </p:nvPr>
+        </p:nvGraphicFramePr>
+        <p:xfrm>
+          <a:off x="-742730" y="1156301"/>
+          <a:ext cx="8128000" cy="5418667"/>
+        </p:xfrm>
+        <a:graphic>
+          <a:graphicData uri="http://schemas.openxmlformats.org/drawingml/2006/diagram">
+            <dgm:relIds xmlns:dgm="http://schemas.openxmlformats.org/drawingml/2006/diagram" xmlns:r="http://schemas.openxmlformats.org/officeDocument/2006/relationships" r:dm="rId2" r:lo="rId3" r:qs="rId4" r:cs="rId5"/>
+          </a:graphicData>
+        </a:graphic>
+      </p:graphicFrame>
     </p:spTree>
     <p:extLst>
       <p:ext uri="{BB962C8B-B14F-4D97-AF65-F5344CB8AC3E}">
-        <p14:creationId xmlns:p14="http://schemas.microsoft.com/office/powerpoint/2010/main" val="733759584"/>
+        <p14:creationId xmlns:p14="http://schemas.microsoft.com/office/powerpoint/2010/main" val="1186852876"/>
       </p:ext>
     </p:extLst>
   </p:cSld>
@@ -13640,7 +13774,7 @@
 </p:sld>
 </file>
 
-<file path=ppt/slides/slide20.xml><?xml version="1.0" encoding="utf-8"?>
+<file path=ppt/slides/slide21.xml><?xml version="1.0" encoding="utf-8"?>
 <p:sld xmlns:a="http://schemas.openxmlformats.org/drawingml/2006/main" xmlns:r="http://schemas.openxmlformats.org/officeDocument/2006/relationships" xmlns:p="http://schemas.openxmlformats.org/presentationml/2006/main">
   <p:cSld>
     <p:spTree>

--- a/Project4-Capstone/MHD_Capstone/MHD_Twitter_Clustering.pptx
+++ b/Project4-Capstone/MHD_Capstone/MHD_Twitter_Clustering.pptx
@@ -5,30 +5,29 @@
     <p:sldMasterId id="2147483648" r:id="rId1"/>
   </p:sldMasterIdLst>
   <p:notesMasterIdLst>
-    <p:notesMasterId r:id="rId23"/>
+    <p:notesMasterId r:id="rId22"/>
   </p:notesMasterIdLst>
   <p:sldIdLst>
     <p:sldId id="256" r:id="rId2"/>
     <p:sldId id="277" r:id="rId3"/>
     <p:sldId id="266" r:id="rId4"/>
-    <p:sldId id="267" r:id="rId5"/>
-    <p:sldId id="268" r:id="rId6"/>
-    <p:sldId id="257" r:id="rId7"/>
-    <p:sldId id="264" r:id="rId8"/>
-    <p:sldId id="265" r:id="rId9"/>
-    <p:sldId id="274" r:id="rId10"/>
-    <p:sldId id="261" r:id="rId11"/>
-    <p:sldId id="271" r:id="rId12"/>
-    <p:sldId id="272" r:id="rId13"/>
-    <p:sldId id="275" r:id="rId14"/>
-    <p:sldId id="276" r:id="rId15"/>
-    <p:sldId id="270" r:id="rId16"/>
-    <p:sldId id="269" r:id="rId17"/>
-    <p:sldId id="263" r:id="rId18"/>
-    <p:sldId id="260" r:id="rId19"/>
-    <p:sldId id="278" r:id="rId20"/>
-    <p:sldId id="259" r:id="rId21"/>
-    <p:sldId id="262" r:id="rId22"/>
+    <p:sldId id="281" r:id="rId5"/>
+    <p:sldId id="257" r:id="rId6"/>
+    <p:sldId id="264" r:id="rId7"/>
+    <p:sldId id="265" r:id="rId8"/>
+    <p:sldId id="274" r:id="rId9"/>
+    <p:sldId id="261" r:id="rId10"/>
+    <p:sldId id="271" r:id="rId11"/>
+    <p:sldId id="272" r:id="rId12"/>
+    <p:sldId id="275" r:id="rId13"/>
+    <p:sldId id="276" r:id="rId14"/>
+    <p:sldId id="270" r:id="rId15"/>
+    <p:sldId id="269" r:id="rId16"/>
+    <p:sldId id="260" r:id="rId17"/>
+    <p:sldId id="279" r:id="rId18"/>
+    <p:sldId id="280" r:id="rId19"/>
+    <p:sldId id="259" r:id="rId20"/>
+    <p:sldId id="262" r:id="rId21"/>
   </p:sldIdLst>
   <p:sldSz cx="12192000" cy="6858000"/>
   <p:notesSz cx="6858000" cy="9144000"/>
@@ -9381,645 +9380,6 @@
       </p:grpSpPr>
       <p:sp>
         <p:nvSpPr>
-          <p:cNvPr id="2" name="Title 1"/>
-          <p:cNvSpPr>
-            <a:spLocks noGrp="1"/>
-          </p:cNvSpPr>
-          <p:nvPr>
-            <p:ph type="title"/>
-          </p:nvPr>
-        </p:nvSpPr>
-        <p:spPr>
-          <a:xfrm>
-            <a:off x="622732" y="207955"/>
-            <a:ext cx="10515600" cy="391620"/>
-          </a:xfrm>
-        </p:spPr>
-        <p:txBody>
-          <a:bodyPr>
-            <a:normAutofit fontScale="90000"/>
-          </a:bodyPr>
-          <a:lstStyle/>
-          <a:p>
-            <a:r>
-              <a:rPr lang="en-US" dirty="0"/>
-              <a:t>Non-negative </a:t>
-            </a:r>
-            <a:r>
-              <a:rPr lang="en-US" dirty="0" smtClean="0"/>
-              <a:t>Matrix </a:t>
-            </a:r>
-            <a:r>
-              <a:rPr lang="en-US" dirty="0"/>
-              <a:t>F</a:t>
-            </a:r>
-            <a:r>
-              <a:rPr lang="en-US" dirty="0" smtClean="0"/>
-              <a:t>actorization</a:t>
-            </a:r>
-            <a:endParaRPr lang="en-US" dirty="0"/>
-          </a:p>
-        </p:txBody>
-      </p:sp>
-      <p:pic>
-        <p:nvPicPr>
-          <p:cNvPr id="3" name="Picture 2"/>
-          <p:cNvPicPr>
-            <a:picLocks noChangeAspect="1"/>
-          </p:cNvPicPr>
-          <p:nvPr/>
-        </p:nvPicPr>
-        <p:blipFill>
-          <a:blip r:embed="rId2">
-            <a:extLst>
-              <a:ext uri="{28A0092B-C50C-407E-A947-70E740481C1C}">
-                <a14:useLocalDpi xmlns:a14="http://schemas.microsoft.com/office/drawing/2010/main" val="0"/>
-              </a:ext>
-            </a:extLst>
-          </a:blip>
-          <a:stretch>
-            <a:fillRect/>
-          </a:stretch>
-        </p:blipFill>
-        <p:spPr>
-          <a:xfrm>
-            <a:off x="1079932" y="4497811"/>
-            <a:ext cx="10058400" cy="745066"/>
-          </a:xfrm>
-          <a:prstGeom prst="rect">
-            <a:avLst/>
-          </a:prstGeom>
-        </p:spPr>
-      </p:pic>
-      <p:pic>
-        <p:nvPicPr>
-          <p:cNvPr id="4" name="Picture 3"/>
-          <p:cNvPicPr>
-            <a:picLocks noChangeAspect="1"/>
-          </p:cNvPicPr>
-          <p:nvPr/>
-        </p:nvPicPr>
-        <p:blipFill>
-          <a:blip r:embed="rId3">
-            <a:extLst>
-              <a:ext uri="{28A0092B-C50C-407E-A947-70E740481C1C}">
-                <a14:useLocalDpi xmlns:a14="http://schemas.microsoft.com/office/drawing/2010/main" val="0"/>
-              </a:ext>
-            </a:extLst>
-          </a:blip>
-          <a:stretch>
-            <a:fillRect/>
-          </a:stretch>
-        </p:blipFill>
-        <p:spPr>
-          <a:xfrm>
-            <a:off x="1079932" y="3983502"/>
-            <a:ext cx="10058400" cy="629919"/>
-          </a:xfrm>
-          <a:prstGeom prst="rect">
-            <a:avLst/>
-          </a:prstGeom>
-        </p:spPr>
-      </p:pic>
-      <p:pic>
-        <p:nvPicPr>
-          <p:cNvPr id="5" name="Picture 4"/>
-          <p:cNvPicPr>
-            <a:picLocks noChangeAspect="1"/>
-          </p:cNvPicPr>
-          <p:nvPr/>
-        </p:nvPicPr>
-        <p:blipFill>
-          <a:blip r:embed="rId4">
-            <a:extLst>
-              <a:ext uri="{28A0092B-C50C-407E-A947-70E740481C1C}">
-                <a14:useLocalDpi xmlns:a14="http://schemas.microsoft.com/office/drawing/2010/main" val="0"/>
-              </a:ext>
-            </a:extLst>
-          </a:blip>
-          <a:stretch>
-            <a:fillRect/>
-          </a:stretch>
-        </p:blipFill>
-        <p:spPr>
-          <a:xfrm>
-            <a:off x="1079932" y="3365035"/>
-            <a:ext cx="10058400" cy="681527"/>
-          </a:xfrm>
-          <a:prstGeom prst="rect">
-            <a:avLst/>
-          </a:prstGeom>
-        </p:spPr>
-      </p:pic>
-      <p:pic>
-        <p:nvPicPr>
-          <p:cNvPr id="6" name="Picture 5"/>
-          <p:cNvPicPr>
-            <a:picLocks noChangeAspect="1"/>
-          </p:cNvPicPr>
-          <p:nvPr/>
-        </p:nvPicPr>
-        <p:blipFill>
-          <a:blip r:embed="rId5">
-            <a:extLst>
-              <a:ext uri="{28A0092B-C50C-407E-A947-70E740481C1C}">
-                <a14:useLocalDpi xmlns:a14="http://schemas.microsoft.com/office/drawing/2010/main" val="0"/>
-              </a:ext>
-            </a:extLst>
-          </a:blip>
-          <a:stretch>
-            <a:fillRect/>
-          </a:stretch>
-        </p:blipFill>
-        <p:spPr>
-          <a:xfrm>
-            <a:off x="1079932" y="1388477"/>
-            <a:ext cx="10058400" cy="667190"/>
-          </a:xfrm>
-          <a:prstGeom prst="rect">
-            <a:avLst/>
-          </a:prstGeom>
-        </p:spPr>
-      </p:pic>
-      <p:cxnSp>
-        <p:nvCxnSpPr>
-          <p:cNvPr id="7" name="Straight Connector 6"/>
-          <p:cNvCxnSpPr/>
-          <p:nvPr/>
-        </p:nvCxnSpPr>
-        <p:spPr>
-          <a:xfrm>
-            <a:off x="580690" y="756999"/>
-            <a:ext cx="11056883" cy="10509"/>
-          </a:xfrm>
-          <a:prstGeom prst="line">
-            <a:avLst/>
-          </a:prstGeom>
-        </p:spPr>
-        <p:style>
-          <a:lnRef idx="1">
-            <a:schemeClr val="accent1"/>
-          </a:lnRef>
-          <a:fillRef idx="0">
-            <a:schemeClr val="accent1"/>
-          </a:fillRef>
-          <a:effectRef idx="0">
-            <a:schemeClr val="accent1"/>
-          </a:effectRef>
-          <a:fontRef idx="minor">
-            <a:schemeClr val="tx1"/>
-          </a:fontRef>
-        </p:style>
-      </p:cxnSp>
-      <p:pic>
-        <p:nvPicPr>
-          <p:cNvPr id="8" name="Picture 7"/>
-          <p:cNvPicPr>
-            <a:picLocks noChangeAspect="1"/>
-          </p:cNvPicPr>
-          <p:nvPr/>
-        </p:nvPicPr>
-        <p:blipFill>
-          <a:blip r:embed="rId6">
-            <a:extLst>
-              <a:ext uri="{28A0092B-C50C-407E-A947-70E740481C1C}">
-                <a14:useLocalDpi xmlns:a14="http://schemas.microsoft.com/office/drawing/2010/main" val="0"/>
-              </a:ext>
-            </a:extLst>
-          </a:blip>
-          <a:stretch>
-            <a:fillRect/>
-          </a:stretch>
-        </p:blipFill>
-        <p:spPr>
-          <a:xfrm>
-            <a:off x="1079932" y="5958436"/>
-            <a:ext cx="10058400" cy="635000"/>
-          </a:xfrm>
-          <a:prstGeom prst="rect">
-            <a:avLst/>
-          </a:prstGeom>
-        </p:spPr>
-      </p:pic>
-      <p:sp>
-        <p:nvSpPr>
-          <p:cNvPr id="9" name="Content Placeholder 2"/>
-          <p:cNvSpPr txBox="1">
-            <a:spLocks/>
-          </p:cNvSpPr>
-          <p:nvPr/>
-        </p:nvSpPr>
-        <p:spPr>
-          <a:xfrm>
-            <a:off x="992231" y="865658"/>
-            <a:ext cx="10233800" cy="4351338"/>
-          </a:xfrm>
-          <a:prstGeom prst="rect">
-            <a:avLst/>
-          </a:prstGeom>
-        </p:spPr>
-        <p:txBody>
-          <a:bodyPr/>
-          <a:lstStyle>
-            <a:lvl1pPr marL="228600" indent="-228600" algn="l" defTabSz="914400" rtl="0" eaLnBrk="1" latinLnBrk="0" hangingPunct="1">
-              <a:lnSpc>
-                <a:spcPct val="90000"/>
-              </a:lnSpc>
-              <a:spcBef>
-                <a:spcPts val="1000"/>
-              </a:spcBef>
-              <a:buFont typeface="Arial" panose="020B0604020202020204" pitchFamily="34" charset="0"/>
-              <a:buChar char="•"/>
-              <a:defRPr sz="2800" kern="1200">
-                <a:gradFill>
-                  <a:gsLst>
-                    <a:gs pos="34000">
-                      <a:schemeClr val="tx1">
-                        <a:lumMod val="93000"/>
-                      </a:schemeClr>
-                    </a:gs>
-                    <a:gs pos="0">
-                      <a:schemeClr val="bg1">
-                        <a:lumMod val="25000"/>
-                        <a:lumOff val="75000"/>
-                      </a:schemeClr>
-                    </a:gs>
-                    <a:gs pos="100000">
-                      <a:schemeClr val="tx2">
-                        <a:lumMod val="0"/>
-                        <a:lumOff val="100000"/>
-                      </a:schemeClr>
-                    </a:gs>
-                  </a:gsLst>
-                  <a:lin ang="4800000" scaled="0"/>
-                </a:gradFill>
-                <a:latin typeface="+mn-lt"/>
-                <a:ea typeface="+mn-ea"/>
-                <a:cs typeface="+mn-cs"/>
-              </a:defRPr>
-            </a:lvl1pPr>
-            <a:lvl2pPr marL="685800" indent="-228600" algn="l" defTabSz="914400" rtl="0" eaLnBrk="1" latinLnBrk="0" hangingPunct="1">
-              <a:lnSpc>
-                <a:spcPct val="90000"/>
-              </a:lnSpc>
-              <a:spcBef>
-                <a:spcPts val="500"/>
-              </a:spcBef>
-              <a:buFont typeface="Arial" panose="020B0604020202020204" pitchFamily="34" charset="0"/>
-              <a:buChar char="•"/>
-              <a:defRPr sz="2400" kern="1200">
-                <a:gradFill>
-                  <a:gsLst>
-                    <a:gs pos="34000">
-                      <a:schemeClr val="tx1">
-                        <a:lumMod val="93000"/>
-                      </a:schemeClr>
-                    </a:gs>
-                    <a:gs pos="0">
-                      <a:schemeClr val="bg1">
-                        <a:lumMod val="25000"/>
-                        <a:lumOff val="75000"/>
-                      </a:schemeClr>
-                    </a:gs>
-                    <a:gs pos="100000">
-                      <a:schemeClr val="tx2">
-                        <a:lumMod val="0"/>
-                        <a:lumOff val="100000"/>
-                      </a:schemeClr>
-                    </a:gs>
-                  </a:gsLst>
-                  <a:lin ang="4800000" scaled="0"/>
-                </a:gradFill>
-                <a:latin typeface="+mn-lt"/>
-                <a:ea typeface="+mn-ea"/>
-                <a:cs typeface="+mn-cs"/>
-              </a:defRPr>
-            </a:lvl2pPr>
-            <a:lvl3pPr marL="1143000" indent="-228600" algn="l" defTabSz="914400" rtl="0" eaLnBrk="1" latinLnBrk="0" hangingPunct="1">
-              <a:lnSpc>
-                <a:spcPct val="90000"/>
-              </a:lnSpc>
-              <a:spcBef>
-                <a:spcPts val="500"/>
-              </a:spcBef>
-              <a:buFont typeface="Arial" panose="020B0604020202020204" pitchFamily="34" charset="0"/>
-              <a:buChar char="•"/>
-              <a:defRPr sz="2000" kern="1200">
-                <a:gradFill>
-                  <a:gsLst>
-                    <a:gs pos="34000">
-                      <a:schemeClr val="tx1">
-                        <a:lumMod val="93000"/>
-                      </a:schemeClr>
-                    </a:gs>
-                    <a:gs pos="0">
-                      <a:schemeClr val="bg1">
-                        <a:lumMod val="25000"/>
-                        <a:lumOff val="75000"/>
-                      </a:schemeClr>
-                    </a:gs>
-                    <a:gs pos="100000">
-                      <a:schemeClr val="tx2">
-                        <a:lumMod val="0"/>
-                        <a:lumOff val="100000"/>
-                      </a:schemeClr>
-                    </a:gs>
-                  </a:gsLst>
-                  <a:lin ang="4800000" scaled="0"/>
-                </a:gradFill>
-                <a:latin typeface="+mn-lt"/>
-                <a:ea typeface="+mn-ea"/>
-                <a:cs typeface="+mn-cs"/>
-              </a:defRPr>
-            </a:lvl3pPr>
-            <a:lvl4pPr marL="1600200" indent="-228600" algn="l" defTabSz="914400" rtl="0" eaLnBrk="1" latinLnBrk="0" hangingPunct="1">
-              <a:lnSpc>
-                <a:spcPct val="90000"/>
-              </a:lnSpc>
-              <a:spcBef>
-                <a:spcPts val="500"/>
-              </a:spcBef>
-              <a:buFont typeface="Arial" panose="020B0604020202020204" pitchFamily="34" charset="0"/>
-              <a:buChar char="•"/>
-              <a:defRPr sz="1800" kern="1200">
-                <a:gradFill>
-                  <a:gsLst>
-                    <a:gs pos="34000">
-                      <a:schemeClr val="tx1">
-                        <a:lumMod val="93000"/>
-                      </a:schemeClr>
-                    </a:gs>
-                    <a:gs pos="0">
-                      <a:schemeClr val="bg1">
-                        <a:lumMod val="25000"/>
-                        <a:lumOff val="75000"/>
-                      </a:schemeClr>
-                    </a:gs>
-                    <a:gs pos="100000">
-                      <a:schemeClr val="tx2">
-                        <a:lumMod val="0"/>
-                        <a:lumOff val="100000"/>
-                      </a:schemeClr>
-                    </a:gs>
-                  </a:gsLst>
-                  <a:lin ang="4800000" scaled="0"/>
-                </a:gradFill>
-                <a:latin typeface="+mn-lt"/>
-                <a:ea typeface="+mn-ea"/>
-                <a:cs typeface="+mn-cs"/>
-              </a:defRPr>
-            </a:lvl4pPr>
-            <a:lvl5pPr marL="2057400" indent="-228600" algn="l" defTabSz="914400" rtl="0" eaLnBrk="1" latinLnBrk="0" hangingPunct="1">
-              <a:lnSpc>
-                <a:spcPct val="90000"/>
-              </a:lnSpc>
-              <a:spcBef>
-                <a:spcPts val="500"/>
-              </a:spcBef>
-              <a:buFont typeface="Arial" panose="020B0604020202020204" pitchFamily="34" charset="0"/>
-              <a:buChar char="•"/>
-              <a:defRPr sz="1800" kern="1200">
-                <a:gradFill>
-                  <a:gsLst>
-                    <a:gs pos="34000">
-                      <a:schemeClr val="tx1">
-                        <a:lumMod val="93000"/>
-                      </a:schemeClr>
-                    </a:gs>
-                    <a:gs pos="0">
-                      <a:schemeClr val="bg1">
-                        <a:lumMod val="25000"/>
-                        <a:lumOff val="75000"/>
-                      </a:schemeClr>
-                    </a:gs>
-                    <a:gs pos="100000">
-                      <a:schemeClr val="tx2">
-                        <a:lumMod val="0"/>
-                        <a:lumOff val="100000"/>
-                      </a:schemeClr>
-                    </a:gs>
-                  </a:gsLst>
-                  <a:lin ang="4800000" scaled="0"/>
-                </a:gradFill>
-                <a:latin typeface="+mn-lt"/>
-                <a:ea typeface="+mn-ea"/>
-                <a:cs typeface="+mn-cs"/>
-              </a:defRPr>
-            </a:lvl5pPr>
-            <a:lvl6pPr marL="2514600" indent="-228600" algn="l" defTabSz="914400" rtl="0" eaLnBrk="1" latinLnBrk="0" hangingPunct="1">
-              <a:lnSpc>
-                <a:spcPct val="90000"/>
-              </a:lnSpc>
-              <a:spcBef>
-                <a:spcPts val="500"/>
-              </a:spcBef>
-              <a:buFont typeface="Arial" panose="020B0604020202020204" pitchFamily="34" charset="0"/>
-              <a:buChar char="•"/>
-              <a:defRPr sz="1800" kern="1200">
-                <a:solidFill>
-                  <a:schemeClr val="tx1"/>
-                </a:solidFill>
-                <a:latin typeface="+mn-lt"/>
-                <a:ea typeface="+mn-ea"/>
-                <a:cs typeface="+mn-cs"/>
-              </a:defRPr>
-            </a:lvl6pPr>
-            <a:lvl7pPr marL="2971800" indent="-228600" algn="l" defTabSz="914400" rtl="0" eaLnBrk="1" latinLnBrk="0" hangingPunct="1">
-              <a:lnSpc>
-                <a:spcPct val="90000"/>
-              </a:lnSpc>
-              <a:spcBef>
-                <a:spcPts val="500"/>
-              </a:spcBef>
-              <a:buFont typeface="Arial" panose="020B0604020202020204" pitchFamily="34" charset="0"/>
-              <a:buChar char="•"/>
-              <a:defRPr sz="1800" kern="1200">
-                <a:solidFill>
-                  <a:schemeClr val="tx1"/>
-                </a:solidFill>
-                <a:latin typeface="+mn-lt"/>
-                <a:ea typeface="+mn-ea"/>
-                <a:cs typeface="+mn-cs"/>
-              </a:defRPr>
-            </a:lvl7pPr>
-            <a:lvl8pPr marL="3429000" indent="-228600" algn="l" defTabSz="914400" rtl="0" eaLnBrk="1" latinLnBrk="0" hangingPunct="1">
-              <a:lnSpc>
-                <a:spcPct val="90000"/>
-              </a:lnSpc>
-              <a:spcBef>
-                <a:spcPts val="500"/>
-              </a:spcBef>
-              <a:buFont typeface="Arial" panose="020B0604020202020204" pitchFamily="34" charset="0"/>
-              <a:buChar char="•"/>
-              <a:defRPr sz="1800" kern="1200">
-                <a:solidFill>
-                  <a:schemeClr val="tx1"/>
-                </a:solidFill>
-                <a:latin typeface="+mn-lt"/>
-                <a:ea typeface="+mn-ea"/>
-                <a:cs typeface="+mn-cs"/>
-              </a:defRPr>
-            </a:lvl8pPr>
-            <a:lvl9pPr marL="3886200" indent="-228600" algn="l" defTabSz="914400" rtl="0" eaLnBrk="1" latinLnBrk="0" hangingPunct="1">
-              <a:lnSpc>
-                <a:spcPct val="90000"/>
-              </a:lnSpc>
-              <a:spcBef>
-                <a:spcPts val="500"/>
-              </a:spcBef>
-              <a:buFont typeface="Arial" panose="020B0604020202020204" pitchFamily="34" charset="0"/>
-              <a:buChar char="•"/>
-              <a:defRPr sz="1800" kern="1200">
-                <a:solidFill>
-                  <a:schemeClr val="tx1"/>
-                </a:solidFill>
-                <a:latin typeface="+mn-lt"/>
-                <a:ea typeface="+mn-ea"/>
-                <a:cs typeface="+mn-cs"/>
-              </a:defRPr>
-            </a:lvl9pPr>
-          </a:lstStyle>
-          <a:p>
-            <a:r>
-              <a:rPr lang="en-US" dirty="0" smtClean="0"/>
-              <a:t>Good grouping</a:t>
-            </a:r>
-          </a:p>
-          <a:p>
-            <a:endParaRPr lang="en-US" dirty="0"/>
-          </a:p>
-          <a:p>
-            <a:endParaRPr lang="en-US" dirty="0" smtClean="0"/>
-          </a:p>
-          <a:p>
-            <a:endParaRPr lang="en-US" dirty="0" smtClean="0"/>
-          </a:p>
-          <a:p>
-            <a:endParaRPr lang="en-US" dirty="0" smtClean="0"/>
-          </a:p>
-          <a:p>
-            <a:endParaRPr lang="en-US" dirty="0" smtClean="0"/>
-          </a:p>
-          <a:p>
-            <a:endParaRPr lang="en-US" dirty="0"/>
-          </a:p>
-          <a:p>
-            <a:r>
-              <a:rPr lang="en-US" dirty="0" smtClean="0"/>
-              <a:t>\</a:t>
-            </a:r>
-          </a:p>
-          <a:p>
-            <a:endParaRPr lang="en-US" dirty="0" smtClean="0"/>
-          </a:p>
-          <a:p>
-            <a:r>
-              <a:rPr lang="en-US" dirty="0" smtClean="0"/>
-              <a:t>Not so good grouping</a:t>
-            </a:r>
-            <a:endParaRPr lang="en-US" dirty="0"/>
-          </a:p>
-        </p:txBody>
-      </p:sp>
-      <p:pic>
-        <p:nvPicPr>
-          <p:cNvPr id="12" name="Picture 11"/>
-          <p:cNvPicPr>
-            <a:picLocks noChangeAspect="1"/>
-          </p:cNvPicPr>
-          <p:nvPr/>
-        </p:nvPicPr>
-        <p:blipFill>
-          <a:blip r:embed="rId7">
-            <a:extLst>
-              <a:ext uri="{28A0092B-C50C-407E-A947-70E740481C1C}">
-                <a14:useLocalDpi xmlns:a14="http://schemas.microsoft.com/office/drawing/2010/main" val="0"/>
-              </a:ext>
-            </a:extLst>
-          </a:blip>
-          <a:stretch>
-            <a:fillRect/>
-          </a:stretch>
-        </p:blipFill>
-        <p:spPr>
-          <a:xfrm>
-            <a:off x="1079932" y="2045378"/>
-            <a:ext cx="10058400" cy="662529"/>
-          </a:xfrm>
-          <a:prstGeom prst="rect">
-            <a:avLst/>
-          </a:prstGeom>
-        </p:spPr>
-      </p:pic>
-      <p:pic>
-        <p:nvPicPr>
-          <p:cNvPr id="13" name="Picture 12"/>
-          <p:cNvPicPr>
-            <a:picLocks noChangeAspect="1"/>
-          </p:cNvPicPr>
-          <p:nvPr/>
-        </p:nvPicPr>
-        <p:blipFill>
-          <a:blip r:embed="rId8">
-            <a:extLst>
-              <a:ext uri="{28A0092B-C50C-407E-A947-70E740481C1C}">
-                <a14:useLocalDpi xmlns:a14="http://schemas.microsoft.com/office/drawing/2010/main" val="0"/>
-              </a:ext>
-            </a:extLst>
-          </a:blip>
-          <a:stretch>
-            <a:fillRect/>
-          </a:stretch>
-        </p:blipFill>
-        <p:spPr>
-          <a:xfrm>
-            <a:off x="1079932" y="2703357"/>
-            <a:ext cx="10058400" cy="675940"/>
-          </a:xfrm>
-          <a:prstGeom prst="rect">
-            <a:avLst/>
-          </a:prstGeom>
-        </p:spPr>
-      </p:pic>
-    </p:spTree>
-    <p:extLst>
-      <p:ext uri="{BB962C8B-B14F-4D97-AF65-F5344CB8AC3E}">
-        <p14:creationId xmlns:p14="http://schemas.microsoft.com/office/powerpoint/2010/main" val="593911464"/>
-      </p:ext>
-    </p:extLst>
-  </p:cSld>
-  <p:clrMapOvr>
-    <a:masterClrMapping/>
-  </p:clrMapOvr>
-  <p:timing>
-    <p:tnLst>
-      <p:par>
-        <p:cTn id="1" dur="indefinite" restart="never" nodeType="tmRoot"/>
-      </p:par>
-    </p:tnLst>
-  </p:timing>
-</p:sld>
-</file>
-
-<file path=ppt/slides/slide11.xml><?xml version="1.0" encoding="utf-8"?>
-<p:sld xmlns:a="http://schemas.openxmlformats.org/drawingml/2006/main" xmlns:r="http://schemas.openxmlformats.org/officeDocument/2006/relationships" xmlns:p="http://schemas.openxmlformats.org/presentationml/2006/main">
-  <p:cSld>
-    <p:spTree>
-      <p:nvGrpSpPr>
-        <p:cNvPr id="1" name=""/>
-        <p:cNvGrpSpPr/>
-        <p:nvPr/>
-      </p:nvGrpSpPr>
-      <p:grpSpPr>
-        <a:xfrm>
-          <a:off x="0" y="0"/>
-          <a:ext cx="0" cy="0"/>
-          <a:chOff x="0" y="0"/>
-          <a:chExt cx="0" cy="0"/>
-        </a:xfrm>
-      </p:grpSpPr>
-      <p:sp>
-        <p:nvSpPr>
           <p:cNvPr id="6" name="Title 1"/>
           <p:cNvSpPr>
             <a:spLocks noGrp="1"/>
@@ -10128,7 +9488,7 @@
 </p:sld>
 </file>
 
-<file path=ppt/slides/slide12.xml><?xml version="1.0" encoding="utf-8"?>
+<file path=ppt/slides/slide11.xml><?xml version="1.0" encoding="utf-8"?>
 <p:sld xmlns:a="http://schemas.openxmlformats.org/drawingml/2006/main" xmlns:r="http://schemas.openxmlformats.org/officeDocument/2006/relationships" xmlns:p="http://schemas.openxmlformats.org/presentationml/2006/main">
   <p:cSld>
     <p:spTree>
@@ -10376,7 +9736,7 @@
 </p:sld>
 </file>
 
-<file path=ppt/slides/slide13.xml><?xml version="1.0" encoding="utf-8"?>
+<file path=ppt/slides/slide12.xml><?xml version="1.0" encoding="utf-8"?>
 <p:sld xmlns:a="http://schemas.openxmlformats.org/drawingml/2006/main" xmlns:r="http://schemas.openxmlformats.org/officeDocument/2006/relationships" xmlns:p="http://schemas.openxmlformats.org/presentationml/2006/main">
   <p:cSld>
     <p:spTree>
@@ -10964,7 +10324,7 @@
 </p:sld>
 </file>
 
-<file path=ppt/slides/slide14.xml><?xml version="1.0" encoding="utf-8"?>
+<file path=ppt/slides/slide13.xml><?xml version="1.0" encoding="utf-8"?>
 <p:sld xmlns:a="http://schemas.openxmlformats.org/drawingml/2006/main" xmlns:r="http://schemas.openxmlformats.org/officeDocument/2006/relationships" xmlns:p="http://schemas.openxmlformats.org/presentationml/2006/main">
   <p:cSld>
     <p:spTree>
@@ -11151,7 +10511,7 @@
 </p:sld>
 </file>
 
-<file path=ppt/slides/slide15.xml><?xml version="1.0" encoding="utf-8"?>
+<file path=ppt/slides/slide14.xml><?xml version="1.0" encoding="utf-8"?>
 <p:sld xmlns:a="http://schemas.openxmlformats.org/drawingml/2006/main" xmlns:r="http://schemas.openxmlformats.org/officeDocument/2006/relationships" xmlns:p="http://schemas.openxmlformats.org/presentationml/2006/main">
   <p:cSld>
     <p:spTree>
@@ -11817,7 +11177,7 @@
 </p:sld>
 </file>
 
-<file path=ppt/slides/slide16.xml><?xml version="1.0" encoding="utf-8"?>
+<file path=ppt/slides/slide15.xml><?xml version="1.0" encoding="utf-8"?>
 <p:sld xmlns:a="http://schemas.openxmlformats.org/drawingml/2006/main" xmlns:r="http://schemas.openxmlformats.org/officeDocument/2006/relationships" xmlns:p="http://schemas.openxmlformats.org/presentationml/2006/main">
   <p:cSld>
     <p:spTree>
@@ -12252,7 +11612,7 @@
       </p:sp>
       <p:pic>
         <p:nvPicPr>
-          <p:cNvPr id="9" name="Picture 8"/>
+          <p:cNvPr id="2" name="Picture 1"/>
           <p:cNvPicPr>
             <a:picLocks noChangeAspect="1"/>
           </p:cNvPicPr>
@@ -12272,8 +11632,8 @@
         </p:blipFill>
         <p:spPr>
           <a:xfrm>
-            <a:off x="4752851" y="995407"/>
-            <a:ext cx="6399607" cy="5195186"/>
+            <a:off x="5045024" y="1225144"/>
+            <a:ext cx="5690207" cy="4619297"/>
           </a:xfrm>
           <a:prstGeom prst="rect">
             <a:avLst/>
@@ -12300,7 +11660,7 @@
 </p:sld>
 </file>
 
-<file path=ppt/slides/slide17.xml><?xml version="1.0" encoding="utf-8"?>
+<file path=ppt/slides/slide16.xml><?xml version="1.0" encoding="utf-8"?>
 <p:sld xmlns:a="http://schemas.openxmlformats.org/drawingml/2006/main" xmlns:r="http://schemas.openxmlformats.org/officeDocument/2006/relationships" xmlns:p="http://schemas.openxmlformats.org/presentationml/2006/main">
   <p:cSld>
     <p:spTree>
@@ -12319,122 +11679,6 @@
       </p:grpSpPr>
       <p:sp>
         <p:nvSpPr>
-          <p:cNvPr id="2" name="Title 1"/>
-          <p:cNvSpPr>
-            <a:spLocks noGrp="1"/>
-          </p:cNvSpPr>
-          <p:nvPr>
-            <p:ph type="title"/>
-          </p:nvPr>
-        </p:nvSpPr>
-        <p:spPr/>
-        <p:txBody>
-          <a:bodyPr/>
-          <a:lstStyle/>
-          <a:p>
-            <a:endParaRPr lang="en-US"/>
-          </a:p>
-        </p:txBody>
-      </p:sp>
-    </p:spTree>
-    <p:extLst>
-      <p:ext uri="{BB962C8B-B14F-4D97-AF65-F5344CB8AC3E}">
-        <p14:creationId xmlns:p14="http://schemas.microsoft.com/office/powerpoint/2010/main" val="1688889702"/>
-      </p:ext>
-    </p:extLst>
-  </p:cSld>
-  <p:clrMapOvr>
-    <a:masterClrMapping/>
-  </p:clrMapOvr>
-  <p:timing>
-    <p:tnLst>
-      <p:par>
-        <p:cTn id="1" dur="indefinite" restart="never" nodeType="tmRoot"/>
-      </p:par>
-    </p:tnLst>
-  </p:timing>
-</p:sld>
-</file>
-
-<file path=ppt/slides/slide18.xml><?xml version="1.0" encoding="utf-8"?>
-<p:sld xmlns:a="http://schemas.openxmlformats.org/drawingml/2006/main" xmlns:r="http://schemas.openxmlformats.org/officeDocument/2006/relationships" xmlns:p="http://schemas.openxmlformats.org/presentationml/2006/main">
-  <p:cSld>
-    <p:spTree>
-      <p:nvGrpSpPr>
-        <p:cNvPr id="1" name=""/>
-        <p:cNvGrpSpPr/>
-        <p:nvPr/>
-      </p:nvGrpSpPr>
-      <p:grpSpPr>
-        <a:xfrm>
-          <a:off x="0" y="0"/>
-          <a:ext cx="0" cy="0"/>
-          <a:chOff x="0" y="0"/>
-          <a:chExt cx="0" cy="0"/>
-        </a:xfrm>
-      </p:grpSpPr>
-      <p:pic>
-        <p:nvPicPr>
-          <p:cNvPr id="4" name="Picture 3"/>
-          <p:cNvPicPr>
-            <a:picLocks noChangeAspect="1"/>
-          </p:cNvPicPr>
-          <p:nvPr/>
-        </p:nvPicPr>
-        <p:blipFill>
-          <a:blip r:embed="rId2">
-            <a:extLst>
-              <a:ext uri="{28A0092B-C50C-407E-A947-70E740481C1C}">
-                <a14:useLocalDpi xmlns:a14="http://schemas.microsoft.com/office/drawing/2010/main" val="0"/>
-              </a:ext>
-            </a:extLst>
-          </a:blip>
-          <a:stretch>
-            <a:fillRect/>
-          </a:stretch>
-        </p:blipFill>
-        <p:spPr>
-          <a:xfrm>
-            <a:off x="496537" y="1888177"/>
-            <a:ext cx="5384853" cy="4371412"/>
-          </a:xfrm>
-          <a:prstGeom prst="rect">
-            <a:avLst/>
-          </a:prstGeom>
-        </p:spPr>
-      </p:pic>
-      <p:pic>
-        <p:nvPicPr>
-          <p:cNvPr id="5" name="Picture 4"/>
-          <p:cNvPicPr>
-            <a:picLocks noChangeAspect="1"/>
-          </p:cNvPicPr>
-          <p:nvPr/>
-        </p:nvPicPr>
-        <p:blipFill>
-          <a:blip r:embed="rId3">
-            <a:extLst>
-              <a:ext uri="{28A0092B-C50C-407E-A947-70E740481C1C}">
-                <a14:useLocalDpi xmlns:a14="http://schemas.microsoft.com/office/drawing/2010/main" val="0"/>
-              </a:ext>
-            </a:extLst>
-          </a:blip>
-          <a:stretch>
-            <a:fillRect/>
-          </a:stretch>
-        </p:blipFill>
-        <p:spPr>
-          <a:xfrm>
-            <a:off x="6096000" y="1886525"/>
-            <a:ext cx="5388922" cy="4374715"/>
-          </a:xfrm>
-          <a:prstGeom prst="rect">
-            <a:avLst/>
-          </a:prstGeom>
-        </p:spPr>
-      </p:pic>
-      <p:sp>
-        <p:nvSpPr>
           <p:cNvPr id="6" name="Title 1"/>
           <p:cNvSpPr>
             <a:spLocks noGrp="1"/>
@@ -12445,7 +11689,7 @@
         </p:nvSpPr>
         <p:spPr>
           <a:xfrm>
-            <a:off x="496537" y="207470"/>
+            <a:off x="454496" y="197613"/>
             <a:ext cx="10515600" cy="402130"/>
           </a:xfrm>
         </p:spPr>
@@ -12475,7 +11719,7 @@
         </p:nvSpPr>
         <p:spPr>
           <a:xfrm>
-            <a:off x="1961572" y="1339282"/>
+            <a:off x="1836129" y="1170952"/>
             <a:ext cx="2454781" cy="545592"/>
           </a:xfrm>
         </p:spPr>
@@ -12795,7 +12039,7 @@
         </p:nvCxnSpPr>
         <p:spPr>
           <a:xfrm>
-            <a:off x="588579" y="767257"/>
+            <a:off x="567558" y="768073"/>
             <a:ext cx="11056883" cy="10509"/>
           </a:xfrm>
           <a:prstGeom prst="line">
@@ -12817,6 +12061,66 @@
           </a:fontRef>
         </p:style>
       </p:cxnSp>
+      <p:pic>
+        <p:nvPicPr>
+          <p:cNvPr id="2" name="Picture 1"/>
+          <p:cNvPicPr>
+            <a:picLocks noChangeAspect="1"/>
+          </p:cNvPicPr>
+          <p:nvPr/>
+        </p:nvPicPr>
+        <p:blipFill>
+          <a:blip r:embed="rId2">
+            <a:extLst>
+              <a:ext uri="{28A0092B-C50C-407E-A947-70E740481C1C}">
+                <a14:useLocalDpi xmlns:a14="http://schemas.microsoft.com/office/drawing/2010/main" val="0"/>
+              </a:ext>
+            </a:extLst>
+          </a:blip>
+          <a:stretch>
+            <a:fillRect/>
+          </a:stretch>
+        </p:blipFill>
+        <p:spPr>
+          <a:xfrm>
+            <a:off x="777275" y="1884874"/>
+            <a:ext cx="4572490" cy="4036480"/>
+          </a:xfrm>
+          <a:prstGeom prst="rect">
+            <a:avLst/>
+          </a:prstGeom>
+        </p:spPr>
+      </p:pic>
+      <p:pic>
+        <p:nvPicPr>
+          <p:cNvPr id="10" name="Picture 9"/>
+          <p:cNvPicPr>
+            <a:picLocks noChangeAspect="1"/>
+          </p:cNvPicPr>
+          <p:nvPr/>
+        </p:nvPicPr>
+        <p:blipFill>
+          <a:blip r:embed="rId3">
+            <a:extLst>
+              <a:ext uri="{28A0092B-C50C-407E-A947-70E740481C1C}">
+                <a14:useLocalDpi xmlns:a14="http://schemas.microsoft.com/office/drawing/2010/main" val="0"/>
+              </a:ext>
+            </a:extLst>
+          </a:blip>
+          <a:stretch>
+            <a:fillRect/>
+          </a:stretch>
+        </p:blipFill>
+        <p:spPr>
+          <a:xfrm>
+            <a:off x="6439418" y="1884874"/>
+            <a:ext cx="4698014" cy="4036480"/>
+          </a:xfrm>
+          <a:prstGeom prst="rect">
+            <a:avLst/>
+          </a:prstGeom>
+        </p:spPr>
+      </p:pic>
     </p:spTree>
     <p:extLst>
       <p:ext uri="{BB962C8B-B14F-4D97-AF65-F5344CB8AC3E}">
@@ -12837,7 +12141,7 @@
 </p:sld>
 </file>
 
-<file path=ppt/slides/slide19.xml><?xml version="1.0" encoding="utf-8"?>
+<file path=ppt/slides/slide17.xml><?xml version="1.0" encoding="utf-8"?>
 <p:sld xmlns:a="http://schemas.openxmlformats.org/drawingml/2006/main" xmlns:r="http://schemas.openxmlformats.org/officeDocument/2006/relationships" xmlns:p="http://schemas.openxmlformats.org/presentationml/2006/main">
   <p:cSld>
     <p:spTree>
@@ -12854,62 +12158,36 @@
           <a:chExt cx="0" cy="0"/>
         </a:xfrm>
       </p:grpSpPr>
-      <p:sp>
-        <p:nvSpPr>
-          <p:cNvPr id="2" name="Title 1"/>
-          <p:cNvSpPr>
-            <a:spLocks noGrp="1"/>
-          </p:cNvSpPr>
-          <p:nvPr>
-            <p:ph type="title"/>
-          </p:nvPr>
-        </p:nvSpPr>
-        <p:spPr/>
-        <p:txBody>
-          <a:bodyPr/>
-          <a:lstStyle/>
-          <a:p>
-            <a:endParaRPr lang="en-US"/>
-          </a:p>
-        </p:txBody>
-      </p:sp>
-    </p:spTree>
-    <p:extLst>
-      <p:ext uri="{BB962C8B-B14F-4D97-AF65-F5344CB8AC3E}">
-        <p14:creationId xmlns:p14="http://schemas.microsoft.com/office/powerpoint/2010/main" val="1453585408"/>
-      </p:ext>
-    </p:extLst>
-  </p:cSld>
-  <p:clrMapOvr>
-    <a:masterClrMapping/>
-  </p:clrMapOvr>
-  <p:timing>
-    <p:tnLst>
-      <p:par>
-        <p:cTn id="1" dur="indefinite" restart="never" nodeType="tmRoot"/>
-      </p:par>
-    </p:tnLst>
-  </p:timing>
-</p:sld>
-</file>
-
-<file path=ppt/slides/slide2.xml><?xml version="1.0" encoding="utf-8"?>
-<p:sld xmlns:a="http://schemas.openxmlformats.org/drawingml/2006/main" xmlns:r="http://schemas.openxmlformats.org/officeDocument/2006/relationships" xmlns:p="http://schemas.openxmlformats.org/presentationml/2006/main">
-  <p:cSld>
-    <p:spTree>
-      <p:nvGrpSpPr>
-        <p:cNvPr id="1" name=""/>
-        <p:cNvGrpSpPr/>
-        <p:nvPr/>
-      </p:nvGrpSpPr>
-      <p:grpSpPr>
-        <a:xfrm>
-          <a:off x="0" y="0"/>
-          <a:ext cx="0" cy="0"/>
-          <a:chOff x="0" y="0"/>
-          <a:chExt cx="0" cy="0"/>
-        </a:xfrm>
-      </p:grpSpPr>
+      <p:pic>
+        <p:nvPicPr>
+          <p:cNvPr id="5" name="Picture 4"/>
+          <p:cNvPicPr>
+            <a:picLocks noChangeAspect="1"/>
+          </p:cNvPicPr>
+          <p:nvPr/>
+        </p:nvPicPr>
+        <p:blipFill>
+          <a:blip r:embed="rId2">
+            <a:extLst>
+              <a:ext uri="{28A0092B-C50C-407E-A947-70E740481C1C}">
+                <a14:useLocalDpi xmlns:a14="http://schemas.microsoft.com/office/drawing/2010/main" val="0"/>
+              </a:ext>
+            </a:extLst>
+          </a:blip>
+          <a:stretch>
+            <a:fillRect/>
+          </a:stretch>
+        </p:blipFill>
+        <p:spPr>
+          <a:xfrm>
+            <a:off x="6379778" y="1465407"/>
+            <a:ext cx="5004983" cy="4063034"/>
+          </a:xfrm>
+          <a:prstGeom prst="rect">
+            <a:avLst/>
+          </a:prstGeom>
+        </p:spPr>
+      </p:pic>
       <p:sp>
         <p:nvSpPr>
           <p:cNvPr id="6" name="Title 1"/>
@@ -12922,8 +12200,8 @@
         </p:nvSpPr>
         <p:spPr>
           <a:xfrm>
-            <a:off x="507117" y="271786"/>
-            <a:ext cx="10515600" cy="391620"/>
+            <a:off x="496537" y="92331"/>
+            <a:ext cx="10515600" cy="402130"/>
           </a:xfrm>
         </p:spPr>
         <p:txBody>
@@ -12934,42 +12212,43 @@
           <a:p>
             <a:r>
               <a:rPr lang="en-US" dirty="0" smtClean="0"/>
-              <a:t>Outline</a:t>
+              <a:t>Competitors</a:t>
             </a:r>
             <a:endParaRPr lang="en-US" dirty="0"/>
           </a:p>
         </p:txBody>
       </p:sp>
-      <p:cxnSp>
-        <p:nvCxnSpPr>
-          <p:cNvPr id="7" name="Straight Connector 6"/>
-          <p:cNvCxnSpPr/>
-          <p:nvPr/>
-        </p:nvCxnSpPr>
+      <p:sp>
+        <p:nvSpPr>
+          <p:cNvPr id="7" name="Content Placeholder 2"/>
+          <p:cNvSpPr>
+            <a:spLocks noGrp="1"/>
+          </p:cNvSpPr>
+          <p:nvPr>
+            <p:ph idx="1"/>
+          </p:nvPr>
+        </p:nvSpPr>
         <p:spPr>
           <a:xfrm>
-            <a:off x="507117" y="803132"/>
-            <a:ext cx="11056883" cy="10509"/>
+            <a:off x="1621939" y="919815"/>
+            <a:ext cx="2454781" cy="545592"/>
           </a:xfrm>
-          <a:prstGeom prst="line">
-            <a:avLst/>
-          </a:prstGeom>
         </p:spPr>
-        <p:style>
-          <a:lnRef idx="1">
-            <a:schemeClr val="accent1"/>
-          </a:lnRef>
-          <a:fillRef idx="0">
-            <a:schemeClr val="accent1"/>
-          </a:fillRef>
-          <a:effectRef idx="0">
-            <a:schemeClr val="accent1"/>
-          </a:effectRef>
-          <a:fontRef idx="minor">
-            <a:schemeClr val="tx1"/>
-          </a:fontRef>
-        </p:style>
-      </p:cxnSp>
+        <p:txBody>
+          <a:bodyPr/>
+          <a:lstStyle/>
+          <a:p>
+            <a:pPr marL="0" indent="0" algn="ctr">
+              <a:buNone/>
+            </a:pPr>
+            <a:r>
+              <a:rPr lang="en-US" dirty="0" smtClean="0"/>
+              <a:t>Democrats</a:t>
+            </a:r>
+            <a:endParaRPr lang="en-US" dirty="0"/>
+          </a:p>
+        </p:txBody>
+      </p:sp>
       <p:sp>
         <p:nvSpPr>
           <p:cNvPr id="8" name="Content Placeholder 2"/>
@@ -12980,15 +12259,17 @@
         </p:nvSpPr>
         <p:spPr>
           <a:xfrm>
-            <a:off x="778407" y="1477392"/>
-            <a:ext cx="10530724" cy="4965449"/>
+            <a:off x="7654878" y="919815"/>
+            <a:ext cx="2454781" cy="545592"/>
           </a:xfrm>
           <a:prstGeom prst="rect">
             <a:avLst/>
           </a:prstGeom>
         </p:spPr>
         <p:txBody>
-          <a:bodyPr/>
+          <a:bodyPr vert="horz" lIns="91440" tIns="45720" rIns="91440" bIns="45720" rtlCol="0">
+            <a:normAutofit/>
+          </a:bodyPr>
           <a:lstStyle>
             <a:lvl1pPr marL="228600" indent="-228600" algn="l" defTabSz="914400" rtl="0" eaLnBrk="1" latinLnBrk="0" hangingPunct="1">
               <a:lnSpc>
@@ -13249,136 +12530,13 @@
             </a:lvl9pPr>
           </a:lstStyle>
           <a:p>
+            <a:pPr marL="0" indent="0" algn="ctr">
+              <a:buFont typeface="Arial" panose="020B0604020202020204" pitchFamily="34" charset="0"/>
+              <a:buNone/>
+            </a:pPr>
             <a:r>
               <a:rPr lang="en-US" dirty="0" smtClean="0"/>
-              <a:t>Motivation</a:t>
-            </a:r>
-          </a:p>
-          <a:p>
-            <a:r>
-              <a:rPr lang="en-US" dirty="0" smtClean="0"/>
-              <a:t>Getting the Data</a:t>
-            </a:r>
-          </a:p>
-          <a:p>
-            <a:r>
-              <a:rPr lang="en-US" dirty="0" smtClean="0"/>
-              <a:t>Unsupervised Learning</a:t>
-            </a:r>
-          </a:p>
-          <a:p>
-            <a:r>
-              <a:rPr lang="en-US" dirty="0" smtClean="0"/>
-              <a:t>Keyword Search Tweets</a:t>
-            </a:r>
-          </a:p>
-          <a:p>
-            <a:r>
-              <a:rPr lang="en-US" dirty="0" smtClean="0"/>
-              <a:t>Open Streaming Tweets</a:t>
-            </a:r>
-          </a:p>
-          <a:p>
-            <a:r>
-              <a:rPr lang="en-US" dirty="0" smtClean="0"/>
-              <a:t>Focused Tweets</a:t>
-            </a:r>
-          </a:p>
-          <a:p>
-            <a:r>
-              <a:rPr lang="en-US" dirty="0" smtClean="0"/>
-              <a:t>Future Directions</a:t>
-            </a:r>
-          </a:p>
-          <a:p>
-            <a:endParaRPr lang="en-US" dirty="0" smtClean="0"/>
-          </a:p>
-          <a:p>
-            <a:endParaRPr lang="en-US" dirty="0" smtClean="0"/>
-          </a:p>
-          <a:p>
-            <a:endParaRPr lang="en-US" dirty="0" smtClean="0"/>
-          </a:p>
-          <a:p>
-            <a:endParaRPr lang="en-US" dirty="0"/>
-          </a:p>
-          <a:p>
-            <a:endParaRPr lang="en-US" dirty="0"/>
-          </a:p>
-          <a:p>
-            <a:endParaRPr lang="en-US" dirty="0" smtClean="0"/>
-          </a:p>
-          <a:p>
-            <a:r>
-              <a:rPr lang="en-US" dirty="0" smtClean="0"/>
-              <a:t>Not so good clustering</a:t>
-            </a:r>
-            <a:endParaRPr lang="en-US" dirty="0"/>
-          </a:p>
-        </p:txBody>
-      </p:sp>
-    </p:spTree>
-    <p:extLst>
-      <p:ext uri="{BB962C8B-B14F-4D97-AF65-F5344CB8AC3E}">
-        <p14:creationId xmlns:p14="http://schemas.microsoft.com/office/powerpoint/2010/main" val="733759584"/>
-      </p:ext>
-    </p:extLst>
-  </p:cSld>
-  <p:clrMapOvr>
-    <a:masterClrMapping/>
-  </p:clrMapOvr>
-  <p:timing>
-    <p:tnLst>
-      <p:par>
-        <p:cTn id="1" dur="indefinite" restart="never" nodeType="tmRoot"/>
-      </p:par>
-    </p:tnLst>
-  </p:timing>
-</p:sld>
-</file>
-
-<file path=ppt/slides/slide20.xml><?xml version="1.0" encoding="utf-8"?>
-<p:sld xmlns:a="http://schemas.openxmlformats.org/drawingml/2006/main" xmlns:r="http://schemas.openxmlformats.org/officeDocument/2006/relationships" xmlns:p="http://schemas.openxmlformats.org/presentationml/2006/main">
-  <p:cSld>
-    <p:spTree>
-      <p:nvGrpSpPr>
-        <p:cNvPr id="1" name=""/>
-        <p:cNvGrpSpPr/>
-        <p:nvPr/>
-      </p:nvGrpSpPr>
-      <p:grpSpPr>
-        <a:xfrm>
-          <a:off x="0" y="0"/>
-          <a:ext cx="0" cy="0"/>
-          <a:chOff x="0" y="0"/>
-          <a:chExt cx="0" cy="0"/>
-        </a:xfrm>
-      </p:grpSpPr>
-      <p:sp>
-        <p:nvSpPr>
-          <p:cNvPr id="5" name="Title 1"/>
-          <p:cNvSpPr>
-            <a:spLocks noGrp="1"/>
-          </p:cNvSpPr>
-          <p:nvPr>
-            <p:ph type="title"/>
-          </p:nvPr>
-        </p:nvSpPr>
-        <p:spPr>
-          <a:xfrm>
-            <a:off x="496537" y="207470"/>
-            <a:ext cx="10515600" cy="402130"/>
-          </a:xfrm>
-        </p:spPr>
-        <p:txBody>
-          <a:bodyPr>
-            <a:normAutofit fontScale="90000"/>
-          </a:bodyPr>
-          <a:lstStyle/>
-          <a:p>
-            <a:r>
-              <a:rPr lang="en-US" dirty="0" smtClean="0"/>
-              <a:t>Future directions</a:t>
+              <a:t>Republicans</a:t>
             </a:r>
             <a:endParaRPr lang="en-US" dirty="0"/>
           </a:p>
@@ -13386,13 +12544,13 @@
       </p:sp>
       <p:cxnSp>
         <p:nvCxnSpPr>
-          <p:cNvPr id="6" name="Straight Connector 5"/>
+          <p:cNvPr id="3" name="Straight Connector 2"/>
           <p:cNvCxnSpPr/>
           <p:nvPr/>
         </p:nvCxnSpPr>
         <p:spPr>
           <a:xfrm>
-            <a:off x="588579" y="767257"/>
+            <a:off x="567558" y="652282"/>
             <a:ext cx="11056883" cy="10509"/>
           </a:xfrm>
           <a:prstGeom prst="line">
@@ -13414,9 +12572,137 @@
           </a:fontRef>
         </p:style>
       </p:cxnSp>
+      <p:pic>
+        <p:nvPicPr>
+          <p:cNvPr id="10" name="Picture 9"/>
+          <p:cNvPicPr>
+            <a:picLocks noChangeAspect="1"/>
+          </p:cNvPicPr>
+          <p:nvPr/>
+        </p:nvPicPr>
+        <p:blipFill>
+          <a:blip r:embed="rId3">
+            <a:extLst>
+              <a:ext uri="{28A0092B-C50C-407E-A947-70E740481C1C}">
+                <a14:useLocalDpi xmlns:a14="http://schemas.microsoft.com/office/drawing/2010/main" val="0"/>
+              </a:ext>
+            </a:extLst>
+          </a:blip>
+          <a:stretch>
+            <a:fillRect/>
+          </a:stretch>
+        </p:blipFill>
+        <p:spPr>
+          <a:xfrm>
+            <a:off x="346839" y="1465407"/>
+            <a:ext cx="5004983" cy="4063034"/>
+          </a:xfrm>
+          <a:prstGeom prst="rect">
+            <a:avLst/>
+          </a:prstGeom>
+        </p:spPr>
+      </p:pic>
+    </p:spTree>
+    <p:extLst>
+      <p:ext uri="{BB962C8B-B14F-4D97-AF65-F5344CB8AC3E}">
+        <p14:creationId xmlns:p14="http://schemas.microsoft.com/office/powerpoint/2010/main" val="1029274631"/>
+      </p:ext>
+    </p:extLst>
+  </p:cSld>
+  <p:clrMapOvr>
+    <a:masterClrMapping/>
+  </p:clrMapOvr>
+  <p:timing>
+    <p:tnLst>
+      <p:par>
+        <p:cTn id="1" dur="indefinite" restart="never" nodeType="tmRoot"/>
+      </p:par>
+    </p:tnLst>
+  </p:timing>
+</p:sld>
+</file>
+
+<file path=ppt/slides/slide18.xml><?xml version="1.0" encoding="utf-8"?>
+<p:sld xmlns:a="http://schemas.openxmlformats.org/drawingml/2006/main" xmlns:r="http://schemas.openxmlformats.org/officeDocument/2006/relationships" xmlns:p="http://schemas.openxmlformats.org/presentationml/2006/main">
+  <p:cSld>
+    <p:spTree>
+      <p:nvGrpSpPr>
+        <p:cNvPr id="1" name=""/>
+        <p:cNvGrpSpPr/>
+        <p:nvPr/>
+      </p:nvGrpSpPr>
+      <p:grpSpPr>
+        <a:xfrm>
+          <a:off x="0" y="0"/>
+          <a:ext cx="0" cy="0"/>
+          <a:chOff x="0" y="0"/>
+          <a:chExt cx="0" cy="0"/>
+        </a:xfrm>
+      </p:grpSpPr>
+      <p:sp>
+        <p:nvSpPr>
+          <p:cNvPr id="6" name="Title 1"/>
+          <p:cNvSpPr>
+            <a:spLocks noGrp="1"/>
+          </p:cNvSpPr>
+          <p:nvPr>
+            <p:ph type="title"/>
+          </p:nvPr>
+        </p:nvSpPr>
+        <p:spPr>
+          <a:xfrm>
+            <a:off x="338882" y="260479"/>
+            <a:ext cx="10515600" cy="402130"/>
+          </a:xfrm>
+        </p:spPr>
+        <p:txBody>
+          <a:bodyPr>
+            <a:normAutofit fontScale="90000"/>
+          </a:bodyPr>
+          <a:lstStyle/>
+          <a:p>
+            <a:r>
+              <a:rPr lang="en-US" dirty="0" smtClean="0"/>
+              <a:t>Competitors</a:t>
+            </a:r>
+            <a:endParaRPr lang="en-US" dirty="0"/>
+          </a:p>
+        </p:txBody>
+      </p:sp>
       <p:sp>
         <p:nvSpPr>
           <p:cNvPr id="7" name="Content Placeholder 2"/>
+          <p:cNvSpPr>
+            <a:spLocks noGrp="1"/>
+          </p:cNvSpPr>
+          <p:nvPr>
+            <p:ph idx="1"/>
+          </p:nvPr>
+        </p:nvSpPr>
+        <p:spPr>
+          <a:xfrm>
+            <a:off x="665498" y="999493"/>
+            <a:ext cx="2454781" cy="545592"/>
+          </a:xfrm>
+        </p:spPr>
+        <p:txBody>
+          <a:bodyPr/>
+          <a:lstStyle/>
+          <a:p>
+            <a:pPr marL="0" indent="0" algn="ctr">
+              <a:buNone/>
+            </a:pPr>
+            <a:r>
+              <a:rPr lang="en-US" dirty="0" smtClean="0"/>
+              <a:t>Democrats</a:t>
+            </a:r>
+            <a:endParaRPr lang="en-US" dirty="0"/>
+          </a:p>
+        </p:txBody>
+      </p:sp>
+      <p:sp>
+        <p:nvSpPr>
+          <p:cNvPr id="8" name="Content Placeholder 2"/>
           <p:cNvSpPr txBox="1">
             <a:spLocks/>
           </p:cNvSpPr>
@@ -13424,15 +12710,17 @@
         </p:nvSpPr>
         <p:spPr>
           <a:xfrm>
-            <a:off x="5895237" y="1664406"/>
-            <a:ext cx="10233800" cy="2201228"/>
+            <a:off x="665498" y="3747097"/>
+            <a:ext cx="2454781" cy="545592"/>
           </a:xfrm>
           <a:prstGeom prst="rect">
             <a:avLst/>
           </a:prstGeom>
         </p:spPr>
         <p:txBody>
-          <a:bodyPr/>
+          <a:bodyPr vert="horz" lIns="91440" tIns="45720" rIns="91440" bIns="45720" rtlCol="0">
+            <a:normAutofit/>
+          </a:bodyPr>
           <a:lstStyle>
             <a:lvl1pPr marL="228600" indent="-228600" algn="l" defTabSz="914400" rtl="0" eaLnBrk="1" latinLnBrk="0" hangingPunct="1">
               <a:lnSpc>
@@ -13693,6 +12981,694 @@
             </a:lvl9pPr>
           </a:lstStyle>
           <a:p>
+            <a:pPr marL="0" indent="0" algn="ctr">
+              <a:buFont typeface="Arial" panose="020B0604020202020204" pitchFamily="34" charset="0"/>
+              <a:buNone/>
+            </a:pPr>
+            <a:r>
+              <a:rPr lang="en-US" dirty="0" smtClean="0"/>
+              <a:t>Republicans</a:t>
+            </a:r>
+            <a:endParaRPr lang="en-US" dirty="0"/>
+          </a:p>
+        </p:txBody>
+      </p:sp>
+      <p:cxnSp>
+        <p:nvCxnSpPr>
+          <p:cNvPr id="3" name="Straight Connector 2"/>
+          <p:cNvCxnSpPr/>
+          <p:nvPr/>
+        </p:nvCxnSpPr>
+        <p:spPr>
+          <a:xfrm>
+            <a:off x="483475" y="801623"/>
+            <a:ext cx="11056883" cy="10509"/>
+          </a:xfrm>
+          <a:prstGeom prst="line">
+            <a:avLst/>
+          </a:prstGeom>
+        </p:spPr>
+        <p:style>
+          <a:lnRef idx="1">
+            <a:schemeClr val="accent1"/>
+          </a:lnRef>
+          <a:fillRef idx="0">
+            <a:schemeClr val="accent1"/>
+          </a:fillRef>
+          <a:effectRef idx="0">
+            <a:schemeClr val="accent1"/>
+          </a:effectRef>
+          <a:fontRef idx="minor">
+            <a:schemeClr val="tx1"/>
+          </a:fontRef>
+        </p:style>
+      </p:cxnSp>
+      <p:pic>
+        <p:nvPicPr>
+          <p:cNvPr id="4" name="Picture 3"/>
+          <p:cNvPicPr>
+            <a:picLocks noChangeAspect="1"/>
+          </p:cNvPicPr>
+          <p:nvPr/>
+        </p:nvPicPr>
+        <p:blipFill>
+          <a:blip r:embed="rId2">
+            <a:extLst>
+              <a:ext uri="{28A0092B-C50C-407E-A947-70E740481C1C}">
+                <a14:useLocalDpi xmlns:a14="http://schemas.microsoft.com/office/drawing/2010/main" val="0"/>
+              </a:ext>
+            </a:extLst>
+          </a:blip>
+          <a:stretch>
+            <a:fillRect/>
+          </a:stretch>
+        </p:blipFill>
+        <p:spPr>
+          <a:xfrm>
+            <a:off x="1064096" y="2055594"/>
+            <a:ext cx="10058400" cy="404358"/>
+          </a:xfrm>
+          <a:prstGeom prst="rect">
+            <a:avLst/>
+          </a:prstGeom>
+        </p:spPr>
+      </p:pic>
+      <p:pic>
+        <p:nvPicPr>
+          <p:cNvPr id="2" name="Picture 1"/>
+          <p:cNvPicPr>
+            <a:picLocks noChangeAspect="1"/>
+          </p:cNvPicPr>
+          <p:nvPr/>
+        </p:nvPicPr>
+        <p:blipFill>
+          <a:blip r:embed="rId3">
+            <a:extLst>
+              <a:ext uri="{28A0092B-C50C-407E-A947-70E740481C1C}">
+                <a14:useLocalDpi xmlns:a14="http://schemas.microsoft.com/office/drawing/2010/main" val="0"/>
+              </a:ext>
+            </a:extLst>
+          </a:blip>
+          <a:stretch>
+            <a:fillRect/>
+          </a:stretch>
+        </p:blipFill>
+        <p:spPr>
+          <a:xfrm>
+            <a:off x="1064096" y="1486901"/>
+            <a:ext cx="10058400" cy="610733"/>
+          </a:xfrm>
+          <a:prstGeom prst="rect">
+            <a:avLst/>
+          </a:prstGeom>
+        </p:spPr>
+      </p:pic>
+      <p:pic>
+        <p:nvPicPr>
+          <p:cNvPr id="9" name="Picture 8"/>
+          <p:cNvPicPr>
+            <a:picLocks noChangeAspect="1"/>
+          </p:cNvPicPr>
+          <p:nvPr/>
+        </p:nvPicPr>
+        <p:blipFill>
+          <a:blip r:embed="rId4">
+            <a:extLst>
+              <a:ext uri="{28A0092B-C50C-407E-A947-70E740481C1C}">
+                <a14:useLocalDpi xmlns:a14="http://schemas.microsoft.com/office/drawing/2010/main" val="0"/>
+              </a:ext>
+            </a:extLst>
+          </a:blip>
+          <a:stretch>
+            <a:fillRect/>
+          </a:stretch>
+        </p:blipFill>
+        <p:spPr>
+          <a:xfrm>
+            <a:off x="1064096" y="2446493"/>
+            <a:ext cx="10058400" cy="374407"/>
+          </a:xfrm>
+          <a:prstGeom prst="rect">
+            <a:avLst/>
+          </a:prstGeom>
+        </p:spPr>
+      </p:pic>
+      <p:pic>
+        <p:nvPicPr>
+          <p:cNvPr id="11" name="Picture 10"/>
+          <p:cNvPicPr>
+            <a:picLocks noChangeAspect="1"/>
+          </p:cNvPicPr>
+          <p:nvPr/>
+        </p:nvPicPr>
+        <p:blipFill>
+          <a:blip r:embed="rId5">
+            <a:extLst>
+              <a:ext uri="{28A0092B-C50C-407E-A947-70E740481C1C}">
+                <a14:useLocalDpi xmlns:a14="http://schemas.microsoft.com/office/drawing/2010/main" val="0"/>
+              </a:ext>
+            </a:extLst>
+          </a:blip>
+          <a:stretch>
+            <a:fillRect/>
+          </a:stretch>
+        </p:blipFill>
+        <p:spPr>
+          <a:xfrm>
+            <a:off x="1064096" y="2785865"/>
+            <a:ext cx="10058400" cy="222396"/>
+          </a:xfrm>
+          <a:prstGeom prst="rect">
+            <a:avLst/>
+          </a:prstGeom>
+        </p:spPr>
+      </p:pic>
+      <p:pic>
+        <p:nvPicPr>
+          <p:cNvPr id="12" name="Picture 11"/>
+          <p:cNvPicPr>
+            <a:picLocks noChangeAspect="1"/>
+          </p:cNvPicPr>
+          <p:nvPr/>
+        </p:nvPicPr>
+        <p:blipFill>
+          <a:blip r:embed="rId6">
+            <a:extLst>
+              <a:ext uri="{28A0092B-C50C-407E-A947-70E740481C1C}">
+                <a14:useLocalDpi xmlns:a14="http://schemas.microsoft.com/office/drawing/2010/main" val="0"/>
+              </a:ext>
+            </a:extLst>
+          </a:blip>
+          <a:stretch>
+            <a:fillRect/>
+          </a:stretch>
+        </p:blipFill>
+        <p:spPr>
+          <a:xfrm>
+            <a:off x="1064096" y="4292689"/>
+            <a:ext cx="10058400" cy="649677"/>
+          </a:xfrm>
+          <a:prstGeom prst="rect">
+            <a:avLst/>
+          </a:prstGeom>
+        </p:spPr>
+      </p:pic>
+      <p:pic>
+        <p:nvPicPr>
+          <p:cNvPr id="13" name="Picture 12"/>
+          <p:cNvPicPr>
+            <a:picLocks noChangeAspect="1"/>
+          </p:cNvPicPr>
+          <p:nvPr/>
+        </p:nvPicPr>
+        <p:blipFill>
+          <a:blip r:embed="rId7">
+            <a:extLst>
+              <a:ext uri="{28A0092B-C50C-407E-A947-70E740481C1C}">
+                <a14:useLocalDpi xmlns:a14="http://schemas.microsoft.com/office/drawing/2010/main" val="0"/>
+              </a:ext>
+            </a:extLst>
+          </a:blip>
+          <a:stretch>
+            <a:fillRect/>
+          </a:stretch>
+        </p:blipFill>
+        <p:spPr>
+          <a:xfrm>
+            <a:off x="1064096" y="4910836"/>
+            <a:ext cx="10058400" cy="392670"/>
+          </a:xfrm>
+          <a:prstGeom prst="rect">
+            <a:avLst/>
+          </a:prstGeom>
+        </p:spPr>
+      </p:pic>
+      <p:pic>
+        <p:nvPicPr>
+          <p:cNvPr id="14" name="Picture 13"/>
+          <p:cNvPicPr>
+            <a:picLocks noChangeAspect="1"/>
+          </p:cNvPicPr>
+          <p:nvPr/>
+        </p:nvPicPr>
+        <p:blipFill>
+          <a:blip r:embed="rId6">
+            <a:extLst>
+              <a:ext uri="{28A0092B-C50C-407E-A947-70E740481C1C}">
+                <a14:useLocalDpi xmlns:a14="http://schemas.microsoft.com/office/drawing/2010/main" val="0"/>
+              </a:ext>
+            </a:extLst>
+          </a:blip>
+          <a:stretch>
+            <a:fillRect/>
+          </a:stretch>
+        </p:blipFill>
+        <p:spPr>
+          <a:xfrm>
+            <a:off x="1064096" y="4299646"/>
+            <a:ext cx="10058400" cy="649677"/>
+          </a:xfrm>
+          <a:prstGeom prst="rect">
+            <a:avLst/>
+          </a:prstGeom>
+        </p:spPr>
+      </p:pic>
+      <p:pic>
+        <p:nvPicPr>
+          <p:cNvPr id="16" name="Picture 15"/>
+          <p:cNvPicPr>
+            <a:picLocks noChangeAspect="1"/>
+          </p:cNvPicPr>
+          <p:nvPr/>
+        </p:nvPicPr>
+        <p:blipFill>
+          <a:blip r:embed="rId8">
+            <a:extLst>
+              <a:ext uri="{28A0092B-C50C-407E-A947-70E740481C1C}">
+                <a14:useLocalDpi xmlns:a14="http://schemas.microsoft.com/office/drawing/2010/main" val="0"/>
+              </a:ext>
+            </a:extLst>
+          </a:blip>
+          <a:stretch>
+            <a:fillRect/>
+          </a:stretch>
+        </p:blipFill>
+        <p:spPr>
+          <a:xfrm>
+            <a:off x="1064096" y="5496199"/>
+            <a:ext cx="10058400" cy="260228"/>
+          </a:xfrm>
+          <a:prstGeom prst="rect">
+            <a:avLst/>
+          </a:prstGeom>
+        </p:spPr>
+      </p:pic>
+      <p:pic>
+        <p:nvPicPr>
+          <p:cNvPr id="15" name="Picture 14"/>
+          <p:cNvPicPr>
+            <a:picLocks noChangeAspect="1"/>
+          </p:cNvPicPr>
+          <p:nvPr/>
+        </p:nvPicPr>
+        <p:blipFill>
+          <a:blip r:embed="rId9">
+            <a:extLst>
+              <a:ext uri="{28A0092B-C50C-407E-A947-70E740481C1C}">
+                <a14:useLocalDpi xmlns:a14="http://schemas.microsoft.com/office/drawing/2010/main" val="0"/>
+              </a:ext>
+            </a:extLst>
+          </a:blip>
+          <a:stretch>
+            <a:fillRect/>
+          </a:stretch>
+        </p:blipFill>
+        <p:spPr>
+          <a:xfrm>
+            <a:off x="1064096" y="5264655"/>
+            <a:ext cx="10058400" cy="278391"/>
+          </a:xfrm>
+          <a:prstGeom prst="rect">
+            <a:avLst/>
+          </a:prstGeom>
+        </p:spPr>
+      </p:pic>
+    </p:spTree>
+    <p:extLst>
+      <p:ext uri="{BB962C8B-B14F-4D97-AF65-F5344CB8AC3E}">
+        <p14:creationId xmlns:p14="http://schemas.microsoft.com/office/powerpoint/2010/main" val="842321108"/>
+      </p:ext>
+    </p:extLst>
+  </p:cSld>
+  <p:clrMapOvr>
+    <a:masterClrMapping/>
+  </p:clrMapOvr>
+  <p:timing>
+    <p:tnLst>
+      <p:par>
+        <p:cTn id="1" dur="indefinite" restart="never" nodeType="tmRoot"/>
+      </p:par>
+    </p:tnLst>
+  </p:timing>
+</p:sld>
+</file>
+
+<file path=ppt/slides/slide19.xml><?xml version="1.0" encoding="utf-8"?>
+<p:sld xmlns:a="http://schemas.openxmlformats.org/drawingml/2006/main" xmlns:r="http://schemas.openxmlformats.org/officeDocument/2006/relationships" xmlns:p="http://schemas.openxmlformats.org/presentationml/2006/main">
+  <p:cSld>
+    <p:spTree>
+      <p:nvGrpSpPr>
+        <p:cNvPr id="1" name=""/>
+        <p:cNvGrpSpPr/>
+        <p:nvPr/>
+      </p:nvGrpSpPr>
+      <p:grpSpPr>
+        <a:xfrm>
+          <a:off x="0" y="0"/>
+          <a:ext cx="0" cy="0"/>
+          <a:chOff x="0" y="0"/>
+          <a:chExt cx="0" cy="0"/>
+        </a:xfrm>
+      </p:grpSpPr>
+      <p:sp>
+        <p:nvSpPr>
+          <p:cNvPr id="5" name="Title 1"/>
+          <p:cNvSpPr>
+            <a:spLocks noGrp="1"/>
+          </p:cNvSpPr>
+          <p:nvPr>
+            <p:ph type="title"/>
+          </p:nvPr>
+        </p:nvSpPr>
+        <p:spPr>
+          <a:xfrm>
+            <a:off x="496537" y="207470"/>
+            <a:ext cx="10515600" cy="402130"/>
+          </a:xfrm>
+        </p:spPr>
+        <p:txBody>
+          <a:bodyPr>
+            <a:normAutofit fontScale="90000"/>
+          </a:bodyPr>
+          <a:lstStyle/>
+          <a:p>
+            <a:r>
+              <a:rPr lang="en-US" dirty="0" smtClean="0"/>
+              <a:t>Future directions</a:t>
+            </a:r>
+            <a:endParaRPr lang="en-US" dirty="0"/>
+          </a:p>
+        </p:txBody>
+      </p:sp>
+      <p:cxnSp>
+        <p:nvCxnSpPr>
+          <p:cNvPr id="6" name="Straight Connector 5"/>
+          <p:cNvCxnSpPr/>
+          <p:nvPr/>
+        </p:nvCxnSpPr>
+        <p:spPr>
+          <a:xfrm>
+            <a:off x="588579" y="767257"/>
+            <a:ext cx="11056883" cy="10509"/>
+          </a:xfrm>
+          <a:prstGeom prst="line">
+            <a:avLst/>
+          </a:prstGeom>
+        </p:spPr>
+        <p:style>
+          <a:lnRef idx="1">
+            <a:schemeClr val="accent1"/>
+          </a:lnRef>
+          <a:fillRef idx="0">
+            <a:schemeClr val="accent1"/>
+          </a:fillRef>
+          <a:effectRef idx="0">
+            <a:schemeClr val="accent1"/>
+          </a:effectRef>
+          <a:fontRef idx="minor">
+            <a:schemeClr val="tx1"/>
+          </a:fontRef>
+        </p:style>
+      </p:cxnSp>
+      <p:sp>
+        <p:nvSpPr>
+          <p:cNvPr id="7" name="Content Placeholder 2"/>
+          <p:cNvSpPr txBox="1">
+            <a:spLocks/>
+          </p:cNvSpPr>
+          <p:nvPr/>
+        </p:nvSpPr>
+        <p:spPr>
+          <a:xfrm>
+            <a:off x="5895237" y="1664406"/>
+            <a:ext cx="10233800" cy="2201228"/>
+          </a:xfrm>
+          <a:prstGeom prst="rect">
+            <a:avLst/>
+          </a:prstGeom>
+        </p:spPr>
+        <p:txBody>
+          <a:bodyPr/>
+          <a:lstStyle>
+            <a:lvl1pPr marL="228600" indent="-228600" algn="l" defTabSz="914400" rtl="0" eaLnBrk="1" latinLnBrk="0" hangingPunct="1">
+              <a:lnSpc>
+                <a:spcPct val="90000"/>
+              </a:lnSpc>
+              <a:spcBef>
+                <a:spcPts val="1000"/>
+              </a:spcBef>
+              <a:buFont typeface="Arial" panose="020B0604020202020204" pitchFamily="34" charset="0"/>
+              <a:buChar char="•"/>
+              <a:defRPr sz="2800" kern="1200">
+                <a:gradFill>
+                  <a:gsLst>
+                    <a:gs pos="34000">
+                      <a:schemeClr val="tx1">
+                        <a:lumMod val="93000"/>
+                      </a:schemeClr>
+                    </a:gs>
+                    <a:gs pos="0">
+                      <a:schemeClr val="bg1">
+                        <a:lumMod val="25000"/>
+                        <a:lumOff val="75000"/>
+                      </a:schemeClr>
+                    </a:gs>
+                    <a:gs pos="100000">
+                      <a:schemeClr val="tx2">
+                        <a:lumMod val="0"/>
+                        <a:lumOff val="100000"/>
+                      </a:schemeClr>
+                    </a:gs>
+                  </a:gsLst>
+                  <a:lin ang="4800000" scaled="0"/>
+                </a:gradFill>
+                <a:latin typeface="+mn-lt"/>
+                <a:ea typeface="+mn-ea"/>
+                <a:cs typeface="+mn-cs"/>
+              </a:defRPr>
+            </a:lvl1pPr>
+            <a:lvl2pPr marL="685800" indent="-228600" algn="l" defTabSz="914400" rtl="0" eaLnBrk="1" latinLnBrk="0" hangingPunct="1">
+              <a:lnSpc>
+                <a:spcPct val="90000"/>
+              </a:lnSpc>
+              <a:spcBef>
+                <a:spcPts val="500"/>
+              </a:spcBef>
+              <a:buFont typeface="Arial" panose="020B0604020202020204" pitchFamily="34" charset="0"/>
+              <a:buChar char="•"/>
+              <a:defRPr sz="2400" kern="1200">
+                <a:gradFill>
+                  <a:gsLst>
+                    <a:gs pos="34000">
+                      <a:schemeClr val="tx1">
+                        <a:lumMod val="93000"/>
+                      </a:schemeClr>
+                    </a:gs>
+                    <a:gs pos="0">
+                      <a:schemeClr val="bg1">
+                        <a:lumMod val="25000"/>
+                        <a:lumOff val="75000"/>
+                      </a:schemeClr>
+                    </a:gs>
+                    <a:gs pos="100000">
+                      <a:schemeClr val="tx2">
+                        <a:lumMod val="0"/>
+                        <a:lumOff val="100000"/>
+                      </a:schemeClr>
+                    </a:gs>
+                  </a:gsLst>
+                  <a:lin ang="4800000" scaled="0"/>
+                </a:gradFill>
+                <a:latin typeface="+mn-lt"/>
+                <a:ea typeface="+mn-ea"/>
+                <a:cs typeface="+mn-cs"/>
+              </a:defRPr>
+            </a:lvl2pPr>
+            <a:lvl3pPr marL="1143000" indent="-228600" algn="l" defTabSz="914400" rtl="0" eaLnBrk="1" latinLnBrk="0" hangingPunct="1">
+              <a:lnSpc>
+                <a:spcPct val="90000"/>
+              </a:lnSpc>
+              <a:spcBef>
+                <a:spcPts val="500"/>
+              </a:spcBef>
+              <a:buFont typeface="Arial" panose="020B0604020202020204" pitchFamily="34" charset="0"/>
+              <a:buChar char="•"/>
+              <a:defRPr sz="2000" kern="1200">
+                <a:gradFill>
+                  <a:gsLst>
+                    <a:gs pos="34000">
+                      <a:schemeClr val="tx1">
+                        <a:lumMod val="93000"/>
+                      </a:schemeClr>
+                    </a:gs>
+                    <a:gs pos="0">
+                      <a:schemeClr val="bg1">
+                        <a:lumMod val="25000"/>
+                        <a:lumOff val="75000"/>
+                      </a:schemeClr>
+                    </a:gs>
+                    <a:gs pos="100000">
+                      <a:schemeClr val="tx2">
+                        <a:lumMod val="0"/>
+                        <a:lumOff val="100000"/>
+                      </a:schemeClr>
+                    </a:gs>
+                  </a:gsLst>
+                  <a:lin ang="4800000" scaled="0"/>
+                </a:gradFill>
+                <a:latin typeface="+mn-lt"/>
+                <a:ea typeface="+mn-ea"/>
+                <a:cs typeface="+mn-cs"/>
+              </a:defRPr>
+            </a:lvl3pPr>
+            <a:lvl4pPr marL="1600200" indent="-228600" algn="l" defTabSz="914400" rtl="0" eaLnBrk="1" latinLnBrk="0" hangingPunct="1">
+              <a:lnSpc>
+                <a:spcPct val="90000"/>
+              </a:lnSpc>
+              <a:spcBef>
+                <a:spcPts val="500"/>
+              </a:spcBef>
+              <a:buFont typeface="Arial" panose="020B0604020202020204" pitchFamily="34" charset="0"/>
+              <a:buChar char="•"/>
+              <a:defRPr sz="1800" kern="1200">
+                <a:gradFill>
+                  <a:gsLst>
+                    <a:gs pos="34000">
+                      <a:schemeClr val="tx1">
+                        <a:lumMod val="93000"/>
+                      </a:schemeClr>
+                    </a:gs>
+                    <a:gs pos="0">
+                      <a:schemeClr val="bg1">
+                        <a:lumMod val="25000"/>
+                        <a:lumOff val="75000"/>
+                      </a:schemeClr>
+                    </a:gs>
+                    <a:gs pos="100000">
+                      <a:schemeClr val="tx2">
+                        <a:lumMod val="0"/>
+                        <a:lumOff val="100000"/>
+                      </a:schemeClr>
+                    </a:gs>
+                  </a:gsLst>
+                  <a:lin ang="4800000" scaled="0"/>
+                </a:gradFill>
+                <a:latin typeface="+mn-lt"/>
+                <a:ea typeface="+mn-ea"/>
+                <a:cs typeface="+mn-cs"/>
+              </a:defRPr>
+            </a:lvl4pPr>
+            <a:lvl5pPr marL="2057400" indent="-228600" algn="l" defTabSz="914400" rtl="0" eaLnBrk="1" latinLnBrk="0" hangingPunct="1">
+              <a:lnSpc>
+                <a:spcPct val="90000"/>
+              </a:lnSpc>
+              <a:spcBef>
+                <a:spcPts val="500"/>
+              </a:spcBef>
+              <a:buFont typeface="Arial" panose="020B0604020202020204" pitchFamily="34" charset="0"/>
+              <a:buChar char="•"/>
+              <a:defRPr sz="1800" kern="1200">
+                <a:gradFill>
+                  <a:gsLst>
+                    <a:gs pos="34000">
+                      <a:schemeClr val="tx1">
+                        <a:lumMod val="93000"/>
+                      </a:schemeClr>
+                    </a:gs>
+                    <a:gs pos="0">
+                      <a:schemeClr val="bg1">
+                        <a:lumMod val="25000"/>
+                        <a:lumOff val="75000"/>
+                      </a:schemeClr>
+                    </a:gs>
+                    <a:gs pos="100000">
+                      <a:schemeClr val="tx2">
+                        <a:lumMod val="0"/>
+                        <a:lumOff val="100000"/>
+                      </a:schemeClr>
+                    </a:gs>
+                  </a:gsLst>
+                  <a:lin ang="4800000" scaled="0"/>
+                </a:gradFill>
+                <a:latin typeface="+mn-lt"/>
+                <a:ea typeface="+mn-ea"/>
+                <a:cs typeface="+mn-cs"/>
+              </a:defRPr>
+            </a:lvl5pPr>
+            <a:lvl6pPr marL="2514600" indent="-228600" algn="l" defTabSz="914400" rtl="0" eaLnBrk="1" latinLnBrk="0" hangingPunct="1">
+              <a:lnSpc>
+                <a:spcPct val="90000"/>
+              </a:lnSpc>
+              <a:spcBef>
+                <a:spcPts val="500"/>
+              </a:spcBef>
+              <a:buFont typeface="Arial" panose="020B0604020202020204" pitchFamily="34" charset="0"/>
+              <a:buChar char="•"/>
+              <a:defRPr sz="1800" kern="1200">
+                <a:solidFill>
+                  <a:schemeClr val="tx1"/>
+                </a:solidFill>
+                <a:latin typeface="+mn-lt"/>
+                <a:ea typeface="+mn-ea"/>
+                <a:cs typeface="+mn-cs"/>
+              </a:defRPr>
+            </a:lvl6pPr>
+            <a:lvl7pPr marL="2971800" indent="-228600" algn="l" defTabSz="914400" rtl="0" eaLnBrk="1" latinLnBrk="0" hangingPunct="1">
+              <a:lnSpc>
+                <a:spcPct val="90000"/>
+              </a:lnSpc>
+              <a:spcBef>
+                <a:spcPts val="500"/>
+              </a:spcBef>
+              <a:buFont typeface="Arial" panose="020B0604020202020204" pitchFamily="34" charset="0"/>
+              <a:buChar char="•"/>
+              <a:defRPr sz="1800" kern="1200">
+                <a:solidFill>
+                  <a:schemeClr val="tx1"/>
+                </a:solidFill>
+                <a:latin typeface="+mn-lt"/>
+                <a:ea typeface="+mn-ea"/>
+                <a:cs typeface="+mn-cs"/>
+              </a:defRPr>
+            </a:lvl7pPr>
+            <a:lvl8pPr marL="3429000" indent="-228600" algn="l" defTabSz="914400" rtl="0" eaLnBrk="1" latinLnBrk="0" hangingPunct="1">
+              <a:lnSpc>
+                <a:spcPct val="90000"/>
+              </a:lnSpc>
+              <a:spcBef>
+                <a:spcPts val="500"/>
+              </a:spcBef>
+              <a:buFont typeface="Arial" panose="020B0604020202020204" pitchFamily="34" charset="0"/>
+              <a:buChar char="•"/>
+              <a:defRPr sz="1800" kern="1200">
+                <a:solidFill>
+                  <a:schemeClr val="tx1"/>
+                </a:solidFill>
+                <a:latin typeface="+mn-lt"/>
+                <a:ea typeface="+mn-ea"/>
+                <a:cs typeface="+mn-cs"/>
+              </a:defRPr>
+            </a:lvl8pPr>
+            <a:lvl9pPr marL="3886200" indent="-228600" algn="l" defTabSz="914400" rtl="0" eaLnBrk="1" latinLnBrk="0" hangingPunct="1">
+              <a:lnSpc>
+                <a:spcPct val="90000"/>
+              </a:lnSpc>
+              <a:spcBef>
+                <a:spcPts val="500"/>
+              </a:spcBef>
+              <a:buFont typeface="Arial" panose="020B0604020202020204" pitchFamily="34" charset="0"/>
+              <a:buChar char="•"/>
+              <a:defRPr sz="1800" kern="1200">
+                <a:solidFill>
+                  <a:schemeClr val="tx1"/>
+                </a:solidFill>
+                <a:latin typeface="+mn-lt"/>
+                <a:ea typeface="+mn-ea"/>
+                <a:cs typeface="+mn-cs"/>
+              </a:defRPr>
+            </a:lvl9pPr>
+          </a:lstStyle>
+          <a:p>
             <a:r>
               <a:rPr lang="en-US" smtClean="0"/>
               <a:t>Extend </a:t>
@@ -13774,7 +13750,440 @@
 </p:sld>
 </file>
 
-<file path=ppt/slides/slide21.xml><?xml version="1.0" encoding="utf-8"?>
+<file path=ppt/slides/slide2.xml><?xml version="1.0" encoding="utf-8"?>
+<p:sld xmlns:a="http://schemas.openxmlformats.org/drawingml/2006/main" xmlns:r="http://schemas.openxmlformats.org/officeDocument/2006/relationships" xmlns:p="http://schemas.openxmlformats.org/presentationml/2006/main">
+  <p:cSld>
+    <p:spTree>
+      <p:nvGrpSpPr>
+        <p:cNvPr id="1" name=""/>
+        <p:cNvGrpSpPr/>
+        <p:nvPr/>
+      </p:nvGrpSpPr>
+      <p:grpSpPr>
+        <a:xfrm>
+          <a:off x="0" y="0"/>
+          <a:ext cx="0" cy="0"/>
+          <a:chOff x="0" y="0"/>
+          <a:chExt cx="0" cy="0"/>
+        </a:xfrm>
+      </p:grpSpPr>
+      <p:sp>
+        <p:nvSpPr>
+          <p:cNvPr id="6" name="Title 1"/>
+          <p:cNvSpPr>
+            <a:spLocks noGrp="1"/>
+          </p:cNvSpPr>
+          <p:nvPr>
+            <p:ph type="title"/>
+          </p:nvPr>
+        </p:nvSpPr>
+        <p:spPr>
+          <a:xfrm>
+            <a:off x="507117" y="271786"/>
+            <a:ext cx="10515600" cy="391620"/>
+          </a:xfrm>
+        </p:spPr>
+        <p:txBody>
+          <a:bodyPr>
+            <a:normAutofit fontScale="90000"/>
+          </a:bodyPr>
+          <a:lstStyle/>
+          <a:p>
+            <a:r>
+              <a:rPr lang="en-US" dirty="0" smtClean="0"/>
+              <a:t>Outline</a:t>
+            </a:r>
+            <a:endParaRPr lang="en-US" dirty="0"/>
+          </a:p>
+        </p:txBody>
+      </p:sp>
+      <p:cxnSp>
+        <p:nvCxnSpPr>
+          <p:cNvPr id="7" name="Straight Connector 6"/>
+          <p:cNvCxnSpPr/>
+          <p:nvPr/>
+        </p:nvCxnSpPr>
+        <p:spPr>
+          <a:xfrm>
+            <a:off x="507117" y="803132"/>
+            <a:ext cx="11056883" cy="10509"/>
+          </a:xfrm>
+          <a:prstGeom prst="line">
+            <a:avLst/>
+          </a:prstGeom>
+        </p:spPr>
+        <p:style>
+          <a:lnRef idx="1">
+            <a:schemeClr val="accent1"/>
+          </a:lnRef>
+          <a:fillRef idx="0">
+            <a:schemeClr val="accent1"/>
+          </a:fillRef>
+          <a:effectRef idx="0">
+            <a:schemeClr val="accent1"/>
+          </a:effectRef>
+          <a:fontRef idx="minor">
+            <a:schemeClr val="tx1"/>
+          </a:fontRef>
+        </p:style>
+      </p:cxnSp>
+      <p:sp>
+        <p:nvSpPr>
+          <p:cNvPr id="8" name="Content Placeholder 2"/>
+          <p:cNvSpPr txBox="1">
+            <a:spLocks/>
+          </p:cNvSpPr>
+          <p:nvPr/>
+        </p:nvSpPr>
+        <p:spPr>
+          <a:xfrm>
+            <a:off x="778407" y="1477392"/>
+            <a:ext cx="10530724" cy="4965449"/>
+          </a:xfrm>
+          <a:prstGeom prst="rect">
+            <a:avLst/>
+          </a:prstGeom>
+        </p:spPr>
+        <p:txBody>
+          <a:bodyPr/>
+          <a:lstStyle>
+            <a:lvl1pPr marL="228600" indent="-228600" algn="l" defTabSz="914400" rtl="0" eaLnBrk="1" latinLnBrk="0" hangingPunct="1">
+              <a:lnSpc>
+                <a:spcPct val="90000"/>
+              </a:lnSpc>
+              <a:spcBef>
+                <a:spcPts val="1000"/>
+              </a:spcBef>
+              <a:buFont typeface="Arial" panose="020B0604020202020204" pitchFamily="34" charset="0"/>
+              <a:buChar char="•"/>
+              <a:defRPr sz="2800" kern="1200">
+                <a:gradFill>
+                  <a:gsLst>
+                    <a:gs pos="34000">
+                      <a:schemeClr val="tx1">
+                        <a:lumMod val="93000"/>
+                      </a:schemeClr>
+                    </a:gs>
+                    <a:gs pos="0">
+                      <a:schemeClr val="bg1">
+                        <a:lumMod val="25000"/>
+                        <a:lumOff val="75000"/>
+                      </a:schemeClr>
+                    </a:gs>
+                    <a:gs pos="100000">
+                      <a:schemeClr val="tx2">
+                        <a:lumMod val="0"/>
+                        <a:lumOff val="100000"/>
+                      </a:schemeClr>
+                    </a:gs>
+                  </a:gsLst>
+                  <a:lin ang="4800000" scaled="0"/>
+                </a:gradFill>
+                <a:latin typeface="+mn-lt"/>
+                <a:ea typeface="+mn-ea"/>
+                <a:cs typeface="+mn-cs"/>
+              </a:defRPr>
+            </a:lvl1pPr>
+            <a:lvl2pPr marL="685800" indent="-228600" algn="l" defTabSz="914400" rtl="0" eaLnBrk="1" latinLnBrk="0" hangingPunct="1">
+              <a:lnSpc>
+                <a:spcPct val="90000"/>
+              </a:lnSpc>
+              <a:spcBef>
+                <a:spcPts val="500"/>
+              </a:spcBef>
+              <a:buFont typeface="Arial" panose="020B0604020202020204" pitchFamily="34" charset="0"/>
+              <a:buChar char="•"/>
+              <a:defRPr sz="2400" kern="1200">
+                <a:gradFill>
+                  <a:gsLst>
+                    <a:gs pos="34000">
+                      <a:schemeClr val="tx1">
+                        <a:lumMod val="93000"/>
+                      </a:schemeClr>
+                    </a:gs>
+                    <a:gs pos="0">
+                      <a:schemeClr val="bg1">
+                        <a:lumMod val="25000"/>
+                        <a:lumOff val="75000"/>
+                      </a:schemeClr>
+                    </a:gs>
+                    <a:gs pos="100000">
+                      <a:schemeClr val="tx2">
+                        <a:lumMod val="0"/>
+                        <a:lumOff val="100000"/>
+                      </a:schemeClr>
+                    </a:gs>
+                  </a:gsLst>
+                  <a:lin ang="4800000" scaled="0"/>
+                </a:gradFill>
+                <a:latin typeface="+mn-lt"/>
+                <a:ea typeface="+mn-ea"/>
+                <a:cs typeface="+mn-cs"/>
+              </a:defRPr>
+            </a:lvl2pPr>
+            <a:lvl3pPr marL="1143000" indent="-228600" algn="l" defTabSz="914400" rtl="0" eaLnBrk="1" latinLnBrk="0" hangingPunct="1">
+              <a:lnSpc>
+                <a:spcPct val="90000"/>
+              </a:lnSpc>
+              <a:spcBef>
+                <a:spcPts val="500"/>
+              </a:spcBef>
+              <a:buFont typeface="Arial" panose="020B0604020202020204" pitchFamily="34" charset="0"/>
+              <a:buChar char="•"/>
+              <a:defRPr sz="2000" kern="1200">
+                <a:gradFill>
+                  <a:gsLst>
+                    <a:gs pos="34000">
+                      <a:schemeClr val="tx1">
+                        <a:lumMod val="93000"/>
+                      </a:schemeClr>
+                    </a:gs>
+                    <a:gs pos="0">
+                      <a:schemeClr val="bg1">
+                        <a:lumMod val="25000"/>
+                        <a:lumOff val="75000"/>
+                      </a:schemeClr>
+                    </a:gs>
+                    <a:gs pos="100000">
+                      <a:schemeClr val="tx2">
+                        <a:lumMod val="0"/>
+                        <a:lumOff val="100000"/>
+                      </a:schemeClr>
+                    </a:gs>
+                  </a:gsLst>
+                  <a:lin ang="4800000" scaled="0"/>
+                </a:gradFill>
+                <a:latin typeface="+mn-lt"/>
+                <a:ea typeface="+mn-ea"/>
+                <a:cs typeface="+mn-cs"/>
+              </a:defRPr>
+            </a:lvl3pPr>
+            <a:lvl4pPr marL="1600200" indent="-228600" algn="l" defTabSz="914400" rtl="0" eaLnBrk="1" latinLnBrk="0" hangingPunct="1">
+              <a:lnSpc>
+                <a:spcPct val="90000"/>
+              </a:lnSpc>
+              <a:spcBef>
+                <a:spcPts val="500"/>
+              </a:spcBef>
+              <a:buFont typeface="Arial" panose="020B0604020202020204" pitchFamily="34" charset="0"/>
+              <a:buChar char="•"/>
+              <a:defRPr sz="1800" kern="1200">
+                <a:gradFill>
+                  <a:gsLst>
+                    <a:gs pos="34000">
+                      <a:schemeClr val="tx1">
+                        <a:lumMod val="93000"/>
+                      </a:schemeClr>
+                    </a:gs>
+                    <a:gs pos="0">
+                      <a:schemeClr val="bg1">
+                        <a:lumMod val="25000"/>
+                        <a:lumOff val="75000"/>
+                      </a:schemeClr>
+                    </a:gs>
+                    <a:gs pos="100000">
+                      <a:schemeClr val="tx2">
+                        <a:lumMod val="0"/>
+                        <a:lumOff val="100000"/>
+                      </a:schemeClr>
+                    </a:gs>
+                  </a:gsLst>
+                  <a:lin ang="4800000" scaled="0"/>
+                </a:gradFill>
+                <a:latin typeface="+mn-lt"/>
+                <a:ea typeface="+mn-ea"/>
+                <a:cs typeface="+mn-cs"/>
+              </a:defRPr>
+            </a:lvl4pPr>
+            <a:lvl5pPr marL="2057400" indent="-228600" algn="l" defTabSz="914400" rtl="0" eaLnBrk="1" latinLnBrk="0" hangingPunct="1">
+              <a:lnSpc>
+                <a:spcPct val="90000"/>
+              </a:lnSpc>
+              <a:spcBef>
+                <a:spcPts val="500"/>
+              </a:spcBef>
+              <a:buFont typeface="Arial" panose="020B0604020202020204" pitchFamily="34" charset="0"/>
+              <a:buChar char="•"/>
+              <a:defRPr sz="1800" kern="1200">
+                <a:gradFill>
+                  <a:gsLst>
+                    <a:gs pos="34000">
+                      <a:schemeClr val="tx1">
+                        <a:lumMod val="93000"/>
+                      </a:schemeClr>
+                    </a:gs>
+                    <a:gs pos="0">
+                      <a:schemeClr val="bg1">
+                        <a:lumMod val="25000"/>
+                        <a:lumOff val="75000"/>
+                      </a:schemeClr>
+                    </a:gs>
+                    <a:gs pos="100000">
+                      <a:schemeClr val="tx2">
+                        <a:lumMod val="0"/>
+                        <a:lumOff val="100000"/>
+                      </a:schemeClr>
+                    </a:gs>
+                  </a:gsLst>
+                  <a:lin ang="4800000" scaled="0"/>
+                </a:gradFill>
+                <a:latin typeface="+mn-lt"/>
+                <a:ea typeface="+mn-ea"/>
+                <a:cs typeface="+mn-cs"/>
+              </a:defRPr>
+            </a:lvl5pPr>
+            <a:lvl6pPr marL="2514600" indent="-228600" algn="l" defTabSz="914400" rtl="0" eaLnBrk="1" latinLnBrk="0" hangingPunct="1">
+              <a:lnSpc>
+                <a:spcPct val="90000"/>
+              </a:lnSpc>
+              <a:spcBef>
+                <a:spcPts val="500"/>
+              </a:spcBef>
+              <a:buFont typeface="Arial" panose="020B0604020202020204" pitchFamily="34" charset="0"/>
+              <a:buChar char="•"/>
+              <a:defRPr sz="1800" kern="1200">
+                <a:solidFill>
+                  <a:schemeClr val="tx1"/>
+                </a:solidFill>
+                <a:latin typeface="+mn-lt"/>
+                <a:ea typeface="+mn-ea"/>
+                <a:cs typeface="+mn-cs"/>
+              </a:defRPr>
+            </a:lvl6pPr>
+            <a:lvl7pPr marL="2971800" indent="-228600" algn="l" defTabSz="914400" rtl="0" eaLnBrk="1" latinLnBrk="0" hangingPunct="1">
+              <a:lnSpc>
+                <a:spcPct val="90000"/>
+              </a:lnSpc>
+              <a:spcBef>
+                <a:spcPts val="500"/>
+              </a:spcBef>
+              <a:buFont typeface="Arial" panose="020B0604020202020204" pitchFamily="34" charset="0"/>
+              <a:buChar char="•"/>
+              <a:defRPr sz="1800" kern="1200">
+                <a:solidFill>
+                  <a:schemeClr val="tx1"/>
+                </a:solidFill>
+                <a:latin typeface="+mn-lt"/>
+                <a:ea typeface="+mn-ea"/>
+                <a:cs typeface="+mn-cs"/>
+              </a:defRPr>
+            </a:lvl7pPr>
+            <a:lvl8pPr marL="3429000" indent="-228600" algn="l" defTabSz="914400" rtl="0" eaLnBrk="1" latinLnBrk="0" hangingPunct="1">
+              <a:lnSpc>
+                <a:spcPct val="90000"/>
+              </a:lnSpc>
+              <a:spcBef>
+                <a:spcPts val="500"/>
+              </a:spcBef>
+              <a:buFont typeface="Arial" panose="020B0604020202020204" pitchFamily="34" charset="0"/>
+              <a:buChar char="•"/>
+              <a:defRPr sz="1800" kern="1200">
+                <a:solidFill>
+                  <a:schemeClr val="tx1"/>
+                </a:solidFill>
+                <a:latin typeface="+mn-lt"/>
+                <a:ea typeface="+mn-ea"/>
+                <a:cs typeface="+mn-cs"/>
+              </a:defRPr>
+            </a:lvl8pPr>
+            <a:lvl9pPr marL="3886200" indent="-228600" algn="l" defTabSz="914400" rtl="0" eaLnBrk="1" latinLnBrk="0" hangingPunct="1">
+              <a:lnSpc>
+                <a:spcPct val="90000"/>
+              </a:lnSpc>
+              <a:spcBef>
+                <a:spcPts val="500"/>
+              </a:spcBef>
+              <a:buFont typeface="Arial" panose="020B0604020202020204" pitchFamily="34" charset="0"/>
+              <a:buChar char="•"/>
+              <a:defRPr sz="1800" kern="1200">
+                <a:solidFill>
+                  <a:schemeClr val="tx1"/>
+                </a:solidFill>
+                <a:latin typeface="+mn-lt"/>
+                <a:ea typeface="+mn-ea"/>
+                <a:cs typeface="+mn-cs"/>
+              </a:defRPr>
+            </a:lvl9pPr>
+          </a:lstStyle>
+          <a:p>
+            <a:r>
+              <a:rPr lang="en-US" dirty="0" smtClean="0"/>
+              <a:t>Motivation</a:t>
+            </a:r>
+          </a:p>
+          <a:p>
+            <a:r>
+              <a:rPr lang="en-US" dirty="0" smtClean="0"/>
+              <a:t>Getting the </a:t>
+            </a:r>
+            <a:r>
+              <a:rPr lang="en-US" dirty="0" smtClean="0"/>
+              <a:t>Data</a:t>
+            </a:r>
+          </a:p>
+          <a:p>
+            <a:r>
+              <a:rPr lang="en-US" dirty="0" smtClean="0"/>
+              <a:t>Clustering/Topic Modeling </a:t>
+            </a:r>
+            <a:endParaRPr lang="en-US" dirty="0" smtClean="0"/>
+          </a:p>
+          <a:p>
+            <a:r>
+              <a:rPr lang="en-US" dirty="0" smtClean="0"/>
+              <a:t>Keyword </a:t>
+            </a:r>
+            <a:r>
+              <a:rPr lang="en-US" dirty="0" smtClean="0"/>
+              <a:t>Search Tweets</a:t>
+            </a:r>
+          </a:p>
+          <a:p>
+            <a:r>
+              <a:rPr lang="en-US" dirty="0" smtClean="0"/>
+              <a:t>Open Streaming Tweets</a:t>
+            </a:r>
+          </a:p>
+          <a:p>
+            <a:r>
+              <a:rPr lang="en-US" dirty="0" smtClean="0"/>
+              <a:t>Focused Tweets</a:t>
+            </a:r>
+          </a:p>
+          <a:p>
+            <a:r>
+              <a:rPr lang="en-US" dirty="0" smtClean="0"/>
+              <a:t>Future </a:t>
+            </a:r>
+            <a:r>
+              <a:rPr lang="en-US" dirty="0" smtClean="0"/>
+              <a:t>Directions</a:t>
+            </a:r>
+            <a:endParaRPr lang="en-US" dirty="0" smtClean="0"/>
+          </a:p>
+        </p:txBody>
+      </p:sp>
+    </p:spTree>
+    <p:extLst>
+      <p:ext uri="{BB962C8B-B14F-4D97-AF65-F5344CB8AC3E}">
+        <p14:creationId xmlns:p14="http://schemas.microsoft.com/office/powerpoint/2010/main" val="733759584"/>
+      </p:ext>
+    </p:extLst>
+  </p:cSld>
+  <p:clrMapOvr>
+    <a:masterClrMapping/>
+  </p:clrMapOvr>
+  <p:timing>
+    <p:tnLst>
+      <p:par>
+        <p:cTn id="1" dur="indefinite" restart="never" nodeType="tmRoot"/>
+      </p:par>
+    </p:tnLst>
+  </p:timing>
+</p:sld>
+</file>
+
+<file path=ppt/slides/slide20.xml><?xml version="1.0" encoding="utf-8"?>
 <p:sld xmlns:a="http://schemas.openxmlformats.org/drawingml/2006/main" xmlns:r="http://schemas.openxmlformats.org/officeDocument/2006/relationships" xmlns:p="http://schemas.openxmlformats.org/presentationml/2006/main">
   <p:cSld>
     <p:spTree>
@@ -13994,248 +14403,7 @@
       </p:grpSpPr>
       <p:sp>
         <p:nvSpPr>
-          <p:cNvPr id="2" name="Title 1"/>
-          <p:cNvSpPr>
-            <a:spLocks noGrp="1"/>
-          </p:cNvSpPr>
-          <p:nvPr>
-            <p:ph type="title"/>
-          </p:nvPr>
-        </p:nvSpPr>
-        <p:spPr/>
-        <p:txBody>
-          <a:bodyPr/>
-          <a:lstStyle/>
-          <a:p>
-            <a:endParaRPr lang="en-US"/>
-          </a:p>
-        </p:txBody>
-      </p:sp>
-      <p:sp>
-        <p:nvSpPr>
-          <p:cNvPr id="3" name="Content Placeholder 2"/>
-          <p:cNvSpPr>
-            <a:spLocks noGrp="1"/>
-          </p:cNvSpPr>
-          <p:nvPr>
-            <p:ph idx="1"/>
-          </p:nvPr>
-        </p:nvSpPr>
-        <p:spPr/>
-        <p:txBody>
-          <a:bodyPr/>
-          <a:lstStyle/>
-          <a:p>
-            <a:endParaRPr lang="en-US"/>
-          </a:p>
-        </p:txBody>
-      </p:sp>
-    </p:spTree>
-    <p:extLst>
-      <p:ext uri="{BB962C8B-B14F-4D97-AF65-F5344CB8AC3E}">
-        <p14:creationId xmlns:p14="http://schemas.microsoft.com/office/powerpoint/2010/main" val="1470950965"/>
-      </p:ext>
-    </p:extLst>
-  </p:cSld>
-  <p:clrMapOvr>
-    <a:masterClrMapping/>
-  </p:clrMapOvr>
-  <p:timing>
-    <p:tnLst>
-      <p:par>
-        <p:cTn id="1" dur="indefinite" restart="never" nodeType="tmRoot"/>
-      </p:par>
-    </p:tnLst>
-  </p:timing>
-</p:sld>
-</file>
-
-<file path=ppt/slides/slide4.xml><?xml version="1.0" encoding="utf-8"?>
-<p:sld xmlns:a="http://schemas.openxmlformats.org/drawingml/2006/main" xmlns:r="http://schemas.openxmlformats.org/officeDocument/2006/relationships" xmlns:p="http://schemas.openxmlformats.org/presentationml/2006/main">
-  <p:cSld>
-    <p:spTree>
-      <p:nvGrpSpPr>
-        <p:cNvPr id="1" name=""/>
-        <p:cNvGrpSpPr/>
-        <p:nvPr/>
-      </p:nvGrpSpPr>
-      <p:grpSpPr>
-        <a:xfrm>
-          <a:off x="0" y="0"/>
-          <a:ext cx="0" cy="0"/>
-          <a:chOff x="0" y="0"/>
-          <a:chExt cx="0" cy="0"/>
-        </a:xfrm>
-      </p:grpSpPr>
-      <p:sp>
-        <p:nvSpPr>
-          <p:cNvPr id="2" name="Title 1"/>
-          <p:cNvSpPr>
-            <a:spLocks noGrp="1"/>
-          </p:cNvSpPr>
-          <p:nvPr>
-            <p:ph type="title"/>
-          </p:nvPr>
-        </p:nvSpPr>
-        <p:spPr/>
-        <p:txBody>
-          <a:bodyPr/>
-          <a:lstStyle/>
-          <a:p>
-            <a:endParaRPr lang="en-US"/>
-          </a:p>
-        </p:txBody>
-      </p:sp>
-      <p:sp>
-        <p:nvSpPr>
-          <p:cNvPr id="3" name="Content Placeholder 2"/>
-          <p:cNvSpPr>
-            <a:spLocks noGrp="1"/>
-          </p:cNvSpPr>
-          <p:nvPr>
-            <p:ph idx="1"/>
-          </p:nvPr>
-        </p:nvSpPr>
-        <p:spPr/>
-        <p:txBody>
-          <a:bodyPr/>
-          <a:lstStyle/>
-          <a:p>
-            <a:endParaRPr lang="en-US"/>
-          </a:p>
-        </p:txBody>
-      </p:sp>
-    </p:spTree>
-    <p:extLst>
-      <p:ext uri="{BB962C8B-B14F-4D97-AF65-F5344CB8AC3E}">
-        <p14:creationId xmlns:p14="http://schemas.microsoft.com/office/powerpoint/2010/main" val="2129905243"/>
-      </p:ext>
-    </p:extLst>
-  </p:cSld>
-  <p:clrMapOvr>
-    <a:masterClrMapping/>
-  </p:clrMapOvr>
-</p:sld>
-</file>
-
-<file path=ppt/slides/slide5.xml><?xml version="1.0" encoding="utf-8"?>
-<p:sld xmlns:a="http://schemas.openxmlformats.org/drawingml/2006/main" xmlns:r="http://schemas.openxmlformats.org/officeDocument/2006/relationships" xmlns:p="http://schemas.openxmlformats.org/presentationml/2006/main">
-  <p:cSld>
-    <p:spTree>
-      <p:nvGrpSpPr>
-        <p:cNvPr id="1" name=""/>
-        <p:cNvGrpSpPr/>
-        <p:nvPr/>
-      </p:nvGrpSpPr>
-      <p:grpSpPr>
-        <a:xfrm>
-          <a:off x="0" y="0"/>
-          <a:ext cx="0" cy="0"/>
-          <a:chOff x="0" y="0"/>
-          <a:chExt cx="0" cy="0"/>
-        </a:xfrm>
-      </p:grpSpPr>
-      <p:sp>
-        <p:nvSpPr>
-          <p:cNvPr id="2" name="Title 1"/>
-          <p:cNvSpPr>
-            <a:spLocks noGrp="1"/>
-          </p:cNvSpPr>
-          <p:nvPr>
-            <p:ph type="title"/>
-          </p:nvPr>
-        </p:nvSpPr>
-        <p:spPr/>
-        <p:txBody>
-          <a:bodyPr/>
-          <a:lstStyle/>
-          <a:p>
-            <a:endParaRPr lang="en-US"/>
-          </a:p>
-        </p:txBody>
-      </p:sp>
-      <p:sp>
-        <p:nvSpPr>
-          <p:cNvPr id="3" name="Content Placeholder 2"/>
-          <p:cNvSpPr>
-            <a:spLocks noGrp="1"/>
-          </p:cNvSpPr>
-          <p:nvPr>
-            <p:ph idx="1"/>
-          </p:nvPr>
-        </p:nvSpPr>
-        <p:spPr/>
-        <p:txBody>
-          <a:bodyPr/>
-          <a:lstStyle/>
-          <a:p>
-            <a:endParaRPr lang="en-US"/>
-          </a:p>
-        </p:txBody>
-      </p:sp>
-    </p:spTree>
-    <p:extLst>
-      <p:ext uri="{BB962C8B-B14F-4D97-AF65-F5344CB8AC3E}">
-        <p14:creationId xmlns:p14="http://schemas.microsoft.com/office/powerpoint/2010/main" val="912507258"/>
-      </p:ext>
-    </p:extLst>
-  </p:cSld>
-  <p:clrMapOvr>
-    <a:masterClrMapping/>
-  </p:clrMapOvr>
-</p:sld>
-</file>
-
-<file path=ppt/slides/slide6.xml><?xml version="1.0" encoding="utf-8"?>
-<p:sld xmlns:a="http://schemas.openxmlformats.org/drawingml/2006/main" xmlns:r="http://schemas.openxmlformats.org/officeDocument/2006/relationships" xmlns:p="http://schemas.openxmlformats.org/presentationml/2006/main">
-  <p:cSld>
-    <p:spTree>
-      <p:nvGrpSpPr>
-        <p:cNvPr id="1" name=""/>
-        <p:cNvGrpSpPr/>
-        <p:nvPr/>
-      </p:nvGrpSpPr>
-      <p:grpSpPr>
-        <a:xfrm>
-          <a:off x="0" y="0"/>
-          <a:ext cx="0" cy="0"/>
-          <a:chOff x="0" y="0"/>
-          <a:chExt cx="0" cy="0"/>
-        </a:xfrm>
-      </p:grpSpPr>
-      <p:pic>
-        <p:nvPicPr>
-          <p:cNvPr id="4" name="Picture 3"/>
-          <p:cNvPicPr>
-            <a:picLocks noChangeAspect="1"/>
-          </p:cNvPicPr>
-          <p:nvPr/>
-        </p:nvPicPr>
-        <p:blipFill>
-          <a:blip r:embed="rId2">
-            <a:extLst>
-              <a:ext uri="{28A0092B-C50C-407E-A947-70E740481C1C}">
-                <a14:useLocalDpi xmlns:a14="http://schemas.microsoft.com/office/drawing/2010/main" val="0"/>
-              </a:ext>
-            </a:extLst>
-          </a:blip>
-          <a:stretch>
-            <a:fillRect/>
-          </a:stretch>
-        </p:blipFill>
-        <p:spPr>
-          <a:xfrm>
-            <a:off x="5312972" y="1225144"/>
-            <a:ext cx="6058127" cy="4917974"/>
-          </a:xfrm>
-          <a:prstGeom prst="rect">
-            <a:avLst/>
-          </a:prstGeom>
-        </p:spPr>
-      </p:pic>
-      <p:sp>
-        <p:nvSpPr>
-          <p:cNvPr id="6" name="Title 1"/>
+          <p:cNvPr id="4" name="Title 1"/>
           <p:cNvSpPr>
             <a:spLocks noGrp="1"/>
           </p:cNvSpPr>
@@ -14257,7 +14425,7 @@
           <a:p>
             <a:r>
               <a:rPr lang="en-US" dirty="0" smtClean="0"/>
-              <a:t>Tweets by keyword search</a:t>
+              <a:t>Motivation</a:t>
             </a:r>
             <a:endParaRPr lang="en-US" dirty="0"/>
           </a:p>
@@ -14265,13 +14433,13 @@
       </p:sp>
       <p:cxnSp>
         <p:nvCxnSpPr>
-          <p:cNvPr id="7" name="Straight Connector 6"/>
+          <p:cNvPr id="5" name="Straight Connector 4"/>
           <p:cNvCxnSpPr/>
           <p:nvPr/>
         </p:nvCxnSpPr>
         <p:spPr>
           <a:xfrm>
-            <a:off x="507117" y="792622"/>
+            <a:off x="507117" y="803132"/>
             <a:ext cx="11056883" cy="10509"/>
           </a:xfrm>
           <a:prstGeom prst="line">
@@ -14295,7 +14463,7 @@
       </p:cxnSp>
       <p:sp>
         <p:nvSpPr>
-          <p:cNvPr id="8" name="Content Placeholder 2"/>
+          <p:cNvPr id="7" name="Content Placeholder 2"/>
           <p:cNvSpPr txBox="1">
             <a:spLocks/>
           </p:cNvSpPr>
@@ -14303,8 +14471,8 @@
         </p:nvSpPr>
         <p:spPr>
           <a:xfrm>
-            <a:off x="788917" y="1225144"/>
-            <a:ext cx="10233800" cy="4351338"/>
+            <a:off x="673304" y="1277695"/>
+            <a:ext cx="10530724" cy="4965449"/>
           </a:xfrm>
           <a:prstGeom prst="rect">
             <a:avLst/>
@@ -14574,6 +14742,844 @@
           <a:p>
             <a:r>
               <a:rPr lang="en-US" dirty="0" smtClean="0"/>
+              <a:t>Unlabeled Data</a:t>
+            </a:r>
+            <a:endParaRPr lang="en-US" dirty="0" smtClean="0"/>
+          </a:p>
+          <a:p>
+            <a:r>
+              <a:rPr lang="en-US" dirty="0" smtClean="0"/>
+              <a:t>Unsupervised Learning</a:t>
+            </a:r>
+            <a:endParaRPr lang="en-US" dirty="0" smtClean="0"/>
+          </a:p>
+          <a:p>
+            <a:r>
+              <a:rPr lang="en-US" dirty="0" smtClean="0"/>
+              <a:t>Unsupervised </a:t>
+            </a:r>
+            <a:r>
+              <a:rPr lang="en-US" dirty="0" smtClean="0"/>
+              <a:t>Learning</a:t>
+            </a:r>
+            <a:endParaRPr lang="en-US" dirty="0" smtClean="0"/>
+          </a:p>
+        </p:txBody>
+      </p:sp>
+    </p:spTree>
+    <p:extLst>
+      <p:ext uri="{BB962C8B-B14F-4D97-AF65-F5344CB8AC3E}">
+        <p14:creationId xmlns:p14="http://schemas.microsoft.com/office/powerpoint/2010/main" val="1470950965"/>
+      </p:ext>
+    </p:extLst>
+  </p:cSld>
+  <p:clrMapOvr>
+    <a:masterClrMapping/>
+  </p:clrMapOvr>
+  <p:timing>
+    <p:tnLst>
+      <p:par>
+        <p:cTn id="1" dur="indefinite" restart="never" nodeType="tmRoot"/>
+      </p:par>
+    </p:tnLst>
+  </p:timing>
+</p:sld>
+</file>
+
+<file path=ppt/slides/slide4.xml><?xml version="1.0" encoding="utf-8"?>
+<p:sld xmlns:a="http://schemas.openxmlformats.org/drawingml/2006/main" xmlns:r="http://schemas.openxmlformats.org/officeDocument/2006/relationships" xmlns:p="http://schemas.openxmlformats.org/presentationml/2006/main">
+  <p:cSld>
+    <p:spTree>
+      <p:nvGrpSpPr>
+        <p:cNvPr id="1" name=""/>
+        <p:cNvGrpSpPr/>
+        <p:nvPr/>
+      </p:nvGrpSpPr>
+      <p:grpSpPr>
+        <a:xfrm>
+          <a:off x="0" y="0"/>
+          <a:ext cx="0" cy="0"/>
+          <a:chOff x="0" y="0"/>
+          <a:chExt cx="0" cy="0"/>
+        </a:xfrm>
+      </p:grpSpPr>
+      <p:sp>
+        <p:nvSpPr>
+          <p:cNvPr id="4" name="Title 1"/>
+          <p:cNvSpPr>
+            <a:spLocks noGrp="1"/>
+          </p:cNvSpPr>
+          <p:nvPr>
+            <p:ph type="title"/>
+          </p:nvPr>
+        </p:nvSpPr>
+        <p:spPr>
+          <a:xfrm>
+            <a:off x="507117" y="208726"/>
+            <a:ext cx="10515600" cy="391620"/>
+          </a:xfrm>
+        </p:spPr>
+        <p:txBody>
+          <a:bodyPr>
+            <a:normAutofit fontScale="90000"/>
+          </a:bodyPr>
+          <a:lstStyle/>
+          <a:p>
+            <a:r>
+              <a:rPr lang="en-US" dirty="0" smtClean="0"/>
+              <a:t>Clustering/Topic Modeling</a:t>
+            </a:r>
+            <a:endParaRPr lang="en-US" dirty="0"/>
+          </a:p>
+        </p:txBody>
+      </p:sp>
+      <p:cxnSp>
+        <p:nvCxnSpPr>
+          <p:cNvPr id="5" name="Straight Connector 4"/>
+          <p:cNvCxnSpPr/>
+          <p:nvPr/>
+        </p:nvCxnSpPr>
+        <p:spPr>
+          <a:xfrm>
+            <a:off x="507117" y="803132"/>
+            <a:ext cx="11056883" cy="10509"/>
+          </a:xfrm>
+          <a:prstGeom prst="line">
+            <a:avLst/>
+          </a:prstGeom>
+        </p:spPr>
+        <p:style>
+          <a:lnRef idx="1">
+            <a:schemeClr val="accent1"/>
+          </a:lnRef>
+          <a:fillRef idx="0">
+            <a:schemeClr val="accent1"/>
+          </a:fillRef>
+          <a:effectRef idx="0">
+            <a:schemeClr val="accent1"/>
+          </a:effectRef>
+          <a:fontRef idx="minor">
+            <a:schemeClr val="tx1"/>
+          </a:fontRef>
+        </p:style>
+      </p:cxnSp>
+      <p:sp>
+        <p:nvSpPr>
+          <p:cNvPr id="7" name="Content Placeholder 2"/>
+          <p:cNvSpPr txBox="1">
+            <a:spLocks/>
+          </p:cNvSpPr>
+          <p:nvPr/>
+        </p:nvSpPr>
+        <p:spPr>
+          <a:xfrm>
+            <a:off x="673304" y="1277695"/>
+            <a:ext cx="10530724" cy="4965449"/>
+          </a:xfrm>
+          <a:prstGeom prst="rect">
+            <a:avLst/>
+          </a:prstGeom>
+        </p:spPr>
+        <p:txBody>
+          <a:bodyPr/>
+          <a:lstStyle>
+            <a:lvl1pPr marL="228600" indent="-228600" algn="l" defTabSz="914400" rtl="0" eaLnBrk="1" latinLnBrk="0" hangingPunct="1">
+              <a:lnSpc>
+                <a:spcPct val="90000"/>
+              </a:lnSpc>
+              <a:spcBef>
+                <a:spcPts val="1000"/>
+              </a:spcBef>
+              <a:buFont typeface="Arial" panose="020B0604020202020204" pitchFamily="34" charset="0"/>
+              <a:buChar char="•"/>
+              <a:defRPr sz="2800" kern="1200">
+                <a:gradFill>
+                  <a:gsLst>
+                    <a:gs pos="34000">
+                      <a:schemeClr val="tx1">
+                        <a:lumMod val="93000"/>
+                      </a:schemeClr>
+                    </a:gs>
+                    <a:gs pos="0">
+                      <a:schemeClr val="bg1">
+                        <a:lumMod val="25000"/>
+                        <a:lumOff val="75000"/>
+                      </a:schemeClr>
+                    </a:gs>
+                    <a:gs pos="100000">
+                      <a:schemeClr val="tx2">
+                        <a:lumMod val="0"/>
+                        <a:lumOff val="100000"/>
+                      </a:schemeClr>
+                    </a:gs>
+                  </a:gsLst>
+                  <a:lin ang="4800000" scaled="0"/>
+                </a:gradFill>
+                <a:latin typeface="+mn-lt"/>
+                <a:ea typeface="+mn-ea"/>
+                <a:cs typeface="+mn-cs"/>
+              </a:defRPr>
+            </a:lvl1pPr>
+            <a:lvl2pPr marL="685800" indent="-228600" algn="l" defTabSz="914400" rtl="0" eaLnBrk="1" latinLnBrk="0" hangingPunct="1">
+              <a:lnSpc>
+                <a:spcPct val="90000"/>
+              </a:lnSpc>
+              <a:spcBef>
+                <a:spcPts val="500"/>
+              </a:spcBef>
+              <a:buFont typeface="Arial" panose="020B0604020202020204" pitchFamily="34" charset="0"/>
+              <a:buChar char="•"/>
+              <a:defRPr sz="2400" kern="1200">
+                <a:gradFill>
+                  <a:gsLst>
+                    <a:gs pos="34000">
+                      <a:schemeClr val="tx1">
+                        <a:lumMod val="93000"/>
+                      </a:schemeClr>
+                    </a:gs>
+                    <a:gs pos="0">
+                      <a:schemeClr val="bg1">
+                        <a:lumMod val="25000"/>
+                        <a:lumOff val="75000"/>
+                      </a:schemeClr>
+                    </a:gs>
+                    <a:gs pos="100000">
+                      <a:schemeClr val="tx2">
+                        <a:lumMod val="0"/>
+                        <a:lumOff val="100000"/>
+                      </a:schemeClr>
+                    </a:gs>
+                  </a:gsLst>
+                  <a:lin ang="4800000" scaled="0"/>
+                </a:gradFill>
+                <a:latin typeface="+mn-lt"/>
+                <a:ea typeface="+mn-ea"/>
+                <a:cs typeface="+mn-cs"/>
+              </a:defRPr>
+            </a:lvl2pPr>
+            <a:lvl3pPr marL="1143000" indent="-228600" algn="l" defTabSz="914400" rtl="0" eaLnBrk="1" latinLnBrk="0" hangingPunct="1">
+              <a:lnSpc>
+                <a:spcPct val="90000"/>
+              </a:lnSpc>
+              <a:spcBef>
+                <a:spcPts val="500"/>
+              </a:spcBef>
+              <a:buFont typeface="Arial" panose="020B0604020202020204" pitchFamily="34" charset="0"/>
+              <a:buChar char="•"/>
+              <a:defRPr sz="2000" kern="1200">
+                <a:gradFill>
+                  <a:gsLst>
+                    <a:gs pos="34000">
+                      <a:schemeClr val="tx1">
+                        <a:lumMod val="93000"/>
+                      </a:schemeClr>
+                    </a:gs>
+                    <a:gs pos="0">
+                      <a:schemeClr val="bg1">
+                        <a:lumMod val="25000"/>
+                        <a:lumOff val="75000"/>
+                      </a:schemeClr>
+                    </a:gs>
+                    <a:gs pos="100000">
+                      <a:schemeClr val="tx2">
+                        <a:lumMod val="0"/>
+                        <a:lumOff val="100000"/>
+                      </a:schemeClr>
+                    </a:gs>
+                  </a:gsLst>
+                  <a:lin ang="4800000" scaled="0"/>
+                </a:gradFill>
+                <a:latin typeface="+mn-lt"/>
+                <a:ea typeface="+mn-ea"/>
+                <a:cs typeface="+mn-cs"/>
+              </a:defRPr>
+            </a:lvl3pPr>
+            <a:lvl4pPr marL="1600200" indent="-228600" algn="l" defTabSz="914400" rtl="0" eaLnBrk="1" latinLnBrk="0" hangingPunct="1">
+              <a:lnSpc>
+                <a:spcPct val="90000"/>
+              </a:lnSpc>
+              <a:spcBef>
+                <a:spcPts val="500"/>
+              </a:spcBef>
+              <a:buFont typeface="Arial" panose="020B0604020202020204" pitchFamily="34" charset="0"/>
+              <a:buChar char="•"/>
+              <a:defRPr sz="1800" kern="1200">
+                <a:gradFill>
+                  <a:gsLst>
+                    <a:gs pos="34000">
+                      <a:schemeClr val="tx1">
+                        <a:lumMod val="93000"/>
+                      </a:schemeClr>
+                    </a:gs>
+                    <a:gs pos="0">
+                      <a:schemeClr val="bg1">
+                        <a:lumMod val="25000"/>
+                        <a:lumOff val="75000"/>
+                      </a:schemeClr>
+                    </a:gs>
+                    <a:gs pos="100000">
+                      <a:schemeClr val="tx2">
+                        <a:lumMod val="0"/>
+                        <a:lumOff val="100000"/>
+                      </a:schemeClr>
+                    </a:gs>
+                  </a:gsLst>
+                  <a:lin ang="4800000" scaled="0"/>
+                </a:gradFill>
+                <a:latin typeface="+mn-lt"/>
+                <a:ea typeface="+mn-ea"/>
+                <a:cs typeface="+mn-cs"/>
+              </a:defRPr>
+            </a:lvl4pPr>
+            <a:lvl5pPr marL="2057400" indent="-228600" algn="l" defTabSz="914400" rtl="0" eaLnBrk="1" latinLnBrk="0" hangingPunct="1">
+              <a:lnSpc>
+                <a:spcPct val="90000"/>
+              </a:lnSpc>
+              <a:spcBef>
+                <a:spcPts val="500"/>
+              </a:spcBef>
+              <a:buFont typeface="Arial" panose="020B0604020202020204" pitchFamily="34" charset="0"/>
+              <a:buChar char="•"/>
+              <a:defRPr sz="1800" kern="1200">
+                <a:gradFill>
+                  <a:gsLst>
+                    <a:gs pos="34000">
+                      <a:schemeClr val="tx1">
+                        <a:lumMod val="93000"/>
+                      </a:schemeClr>
+                    </a:gs>
+                    <a:gs pos="0">
+                      <a:schemeClr val="bg1">
+                        <a:lumMod val="25000"/>
+                        <a:lumOff val="75000"/>
+                      </a:schemeClr>
+                    </a:gs>
+                    <a:gs pos="100000">
+                      <a:schemeClr val="tx2">
+                        <a:lumMod val="0"/>
+                        <a:lumOff val="100000"/>
+                      </a:schemeClr>
+                    </a:gs>
+                  </a:gsLst>
+                  <a:lin ang="4800000" scaled="0"/>
+                </a:gradFill>
+                <a:latin typeface="+mn-lt"/>
+                <a:ea typeface="+mn-ea"/>
+                <a:cs typeface="+mn-cs"/>
+              </a:defRPr>
+            </a:lvl5pPr>
+            <a:lvl6pPr marL="2514600" indent="-228600" algn="l" defTabSz="914400" rtl="0" eaLnBrk="1" latinLnBrk="0" hangingPunct="1">
+              <a:lnSpc>
+                <a:spcPct val="90000"/>
+              </a:lnSpc>
+              <a:spcBef>
+                <a:spcPts val="500"/>
+              </a:spcBef>
+              <a:buFont typeface="Arial" panose="020B0604020202020204" pitchFamily="34" charset="0"/>
+              <a:buChar char="•"/>
+              <a:defRPr sz="1800" kern="1200">
+                <a:solidFill>
+                  <a:schemeClr val="tx1"/>
+                </a:solidFill>
+                <a:latin typeface="+mn-lt"/>
+                <a:ea typeface="+mn-ea"/>
+                <a:cs typeface="+mn-cs"/>
+              </a:defRPr>
+            </a:lvl6pPr>
+            <a:lvl7pPr marL="2971800" indent="-228600" algn="l" defTabSz="914400" rtl="0" eaLnBrk="1" latinLnBrk="0" hangingPunct="1">
+              <a:lnSpc>
+                <a:spcPct val="90000"/>
+              </a:lnSpc>
+              <a:spcBef>
+                <a:spcPts val="500"/>
+              </a:spcBef>
+              <a:buFont typeface="Arial" panose="020B0604020202020204" pitchFamily="34" charset="0"/>
+              <a:buChar char="•"/>
+              <a:defRPr sz="1800" kern="1200">
+                <a:solidFill>
+                  <a:schemeClr val="tx1"/>
+                </a:solidFill>
+                <a:latin typeface="+mn-lt"/>
+                <a:ea typeface="+mn-ea"/>
+                <a:cs typeface="+mn-cs"/>
+              </a:defRPr>
+            </a:lvl7pPr>
+            <a:lvl8pPr marL="3429000" indent="-228600" algn="l" defTabSz="914400" rtl="0" eaLnBrk="1" latinLnBrk="0" hangingPunct="1">
+              <a:lnSpc>
+                <a:spcPct val="90000"/>
+              </a:lnSpc>
+              <a:spcBef>
+                <a:spcPts val="500"/>
+              </a:spcBef>
+              <a:buFont typeface="Arial" panose="020B0604020202020204" pitchFamily="34" charset="0"/>
+              <a:buChar char="•"/>
+              <a:defRPr sz="1800" kern="1200">
+                <a:solidFill>
+                  <a:schemeClr val="tx1"/>
+                </a:solidFill>
+                <a:latin typeface="+mn-lt"/>
+                <a:ea typeface="+mn-ea"/>
+                <a:cs typeface="+mn-cs"/>
+              </a:defRPr>
+            </a:lvl8pPr>
+            <a:lvl9pPr marL="3886200" indent="-228600" algn="l" defTabSz="914400" rtl="0" eaLnBrk="1" latinLnBrk="0" hangingPunct="1">
+              <a:lnSpc>
+                <a:spcPct val="90000"/>
+              </a:lnSpc>
+              <a:spcBef>
+                <a:spcPts val="500"/>
+              </a:spcBef>
+              <a:buFont typeface="Arial" panose="020B0604020202020204" pitchFamily="34" charset="0"/>
+              <a:buChar char="•"/>
+              <a:defRPr sz="1800" kern="1200">
+                <a:solidFill>
+                  <a:schemeClr val="tx1"/>
+                </a:solidFill>
+                <a:latin typeface="+mn-lt"/>
+                <a:ea typeface="+mn-ea"/>
+                <a:cs typeface="+mn-cs"/>
+              </a:defRPr>
+            </a:lvl9pPr>
+          </a:lstStyle>
+          <a:p>
+            <a:r>
+              <a:rPr lang="en-US" dirty="0" smtClean="0"/>
+              <a:t>Latent </a:t>
+            </a:r>
+            <a:r>
+              <a:rPr lang="en-US" dirty="0" err="1" smtClean="0"/>
+              <a:t>Dirichlet</a:t>
+            </a:r>
+            <a:r>
+              <a:rPr lang="en-US" dirty="0" smtClean="0"/>
+              <a:t> Allocation</a:t>
+            </a:r>
+            <a:endParaRPr lang="en-US" dirty="0" smtClean="0"/>
+          </a:p>
+          <a:p>
+            <a:r>
+              <a:rPr lang="en-US" dirty="0" smtClean="0"/>
+              <a:t>K-means Clustering </a:t>
+            </a:r>
+            <a:endParaRPr lang="en-US" dirty="0" smtClean="0"/>
+          </a:p>
+          <a:p>
+            <a:r>
+              <a:rPr lang="en-US" dirty="0" smtClean="0"/>
+              <a:t>Non-negative Matrix Factorization</a:t>
+            </a:r>
+            <a:endParaRPr lang="en-US" dirty="0" smtClean="0"/>
+          </a:p>
+        </p:txBody>
+      </p:sp>
+    </p:spTree>
+    <p:extLst>
+      <p:ext uri="{BB962C8B-B14F-4D97-AF65-F5344CB8AC3E}">
+        <p14:creationId xmlns:p14="http://schemas.microsoft.com/office/powerpoint/2010/main" val="2138706856"/>
+      </p:ext>
+    </p:extLst>
+  </p:cSld>
+  <p:clrMapOvr>
+    <a:masterClrMapping/>
+  </p:clrMapOvr>
+  <p:timing>
+    <p:tnLst>
+      <p:par>
+        <p:cTn id="1" dur="indefinite" restart="never" nodeType="tmRoot"/>
+      </p:par>
+    </p:tnLst>
+  </p:timing>
+</p:sld>
+</file>
+
+<file path=ppt/slides/slide5.xml><?xml version="1.0" encoding="utf-8"?>
+<p:sld xmlns:a="http://schemas.openxmlformats.org/drawingml/2006/main" xmlns:r="http://schemas.openxmlformats.org/officeDocument/2006/relationships" xmlns:p="http://schemas.openxmlformats.org/presentationml/2006/main">
+  <p:cSld>
+    <p:spTree>
+      <p:nvGrpSpPr>
+        <p:cNvPr id="1" name=""/>
+        <p:cNvGrpSpPr/>
+        <p:nvPr/>
+      </p:nvGrpSpPr>
+      <p:grpSpPr>
+        <a:xfrm>
+          <a:off x="0" y="0"/>
+          <a:ext cx="0" cy="0"/>
+          <a:chOff x="0" y="0"/>
+          <a:chExt cx="0" cy="0"/>
+        </a:xfrm>
+      </p:grpSpPr>
+      <p:pic>
+        <p:nvPicPr>
+          <p:cNvPr id="4" name="Picture 3"/>
+          <p:cNvPicPr>
+            <a:picLocks noChangeAspect="1"/>
+          </p:cNvPicPr>
+          <p:nvPr/>
+        </p:nvPicPr>
+        <p:blipFill>
+          <a:blip r:embed="rId2">
+            <a:extLst>
+              <a:ext uri="{28A0092B-C50C-407E-A947-70E740481C1C}">
+                <a14:useLocalDpi xmlns:a14="http://schemas.microsoft.com/office/drawing/2010/main" val="0"/>
+              </a:ext>
+            </a:extLst>
+          </a:blip>
+          <a:stretch>
+            <a:fillRect/>
+          </a:stretch>
+        </p:blipFill>
+        <p:spPr>
+          <a:xfrm>
+            <a:off x="5312972" y="1225144"/>
+            <a:ext cx="6058127" cy="4917974"/>
+          </a:xfrm>
+          <a:prstGeom prst="rect">
+            <a:avLst/>
+          </a:prstGeom>
+        </p:spPr>
+      </p:pic>
+      <p:sp>
+        <p:nvSpPr>
+          <p:cNvPr id="6" name="Title 1"/>
+          <p:cNvSpPr>
+            <a:spLocks noGrp="1"/>
+          </p:cNvSpPr>
+          <p:nvPr>
+            <p:ph type="title"/>
+          </p:nvPr>
+        </p:nvSpPr>
+        <p:spPr>
+          <a:xfrm>
+            <a:off x="507117" y="208726"/>
+            <a:ext cx="10515600" cy="391620"/>
+          </a:xfrm>
+        </p:spPr>
+        <p:txBody>
+          <a:bodyPr>
+            <a:normAutofit fontScale="90000"/>
+          </a:bodyPr>
+          <a:lstStyle/>
+          <a:p>
+            <a:r>
+              <a:rPr lang="en-US" dirty="0" smtClean="0"/>
+              <a:t>Tweets by keyword search</a:t>
+            </a:r>
+            <a:endParaRPr lang="en-US" dirty="0"/>
+          </a:p>
+        </p:txBody>
+      </p:sp>
+      <p:cxnSp>
+        <p:nvCxnSpPr>
+          <p:cNvPr id="7" name="Straight Connector 6"/>
+          <p:cNvCxnSpPr/>
+          <p:nvPr/>
+        </p:nvCxnSpPr>
+        <p:spPr>
+          <a:xfrm>
+            <a:off x="507117" y="792622"/>
+            <a:ext cx="11056883" cy="10509"/>
+          </a:xfrm>
+          <a:prstGeom prst="line">
+            <a:avLst/>
+          </a:prstGeom>
+        </p:spPr>
+        <p:style>
+          <a:lnRef idx="1">
+            <a:schemeClr val="accent1"/>
+          </a:lnRef>
+          <a:fillRef idx="0">
+            <a:schemeClr val="accent1"/>
+          </a:fillRef>
+          <a:effectRef idx="0">
+            <a:schemeClr val="accent1"/>
+          </a:effectRef>
+          <a:fontRef idx="minor">
+            <a:schemeClr val="tx1"/>
+          </a:fontRef>
+        </p:style>
+      </p:cxnSp>
+      <p:sp>
+        <p:nvSpPr>
+          <p:cNvPr id="8" name="Content Placeholder 2"/>
+          <p:cNvSpPr txBox="1">
+            <a:spLocks/>
+          </p:cNvSpPr>
+          <p:nvPr/>
+        </p:nvSpPr>
+        <p:spPr>
+          <a:xfrm>
+            <a:off x="788917" y="1225144"/>
+            <a:ext cx="10233800" cy="4351338"/>
+          </a:xfrm>
+          <a:prstGeom prst="rect">
+            <a:avLst/>
+          </a:prstGeom>
+        </p:spPr>
+        <p:txBody>
+          <a:bodyPr/>
+          <a:lstStyle>
+            <a:lvl1pPr marL="228600" indent="-228600" algn="l" defTabSz="914400" rtl="0" eaLnBrk="1" latinLnBrk="0" hangingPunct="1">
+              <a:lnSpc>
+                <a:spcPct val="90000"/>
+              </a:lnSpc>
+              <a:spcBef>
+                <a:spcPts val="1000"/>
+              </a:spcBef>
+              <a:buFont typeface="Arial" panose="020B0604020202020204" pitchFamily="34" charset="0"/>
+              <a:buChar char="•"/>
+              <a:defRPr sz="2800" kern="1200">
+                <a:gradFill>
+                  <a:gsLst>
+                    <a:gs pos="34000">
+                      <a:schemeClr val="tx1">
+                        <a:lumMod val="93000"/>
+                      </a:schemeClr>
+                    </a:gs>
+                    <a:gs pos="0">
+                      <a:schemeClr val="bg1">
+                        <a:lumMod val="25000"/>
+                        <a:lumOff val="75000"/>
+                      </a:schemeClr>
+                    </a:gs>
+                    <a:gs pos="100000">
+                      <a:schemeClr val="tx2">
+                        <a:lumMod val="0"/>
+                        <a:lumOff val="100000"/>
+                      </a:schemeClr>
+                    </a:gs>
+                  </a:gsLst>
+                  <a:lin ang="4800000" scaled="0"/>
+                </a:gradFill>
+                <a:latin typeface="+mn-lt"/>
+                <a:ea typeface="+mn-ea"/>
+                <a:cs typeface="+mn-cs"/>
+              </a:defRPr>
+            </a:lvl1pPr>
+            <a:lvl2pPr marL="685800" indent="-228600" algn="l" defTabSz="914400" rtl="0" eaLnBrk="1" latinLnBrk="0" hangingPunct="1">
+              <a:lnSpc>
+                <a:spcPct val="90000"/>
+              </a:lnSpc>
+              <a:spcBef>
+                <a:spcPts val="500"/>
+              </a:spcBef>
+              <a:buFont typeface="Arial" panose="020B0604020202020204" pitchFamily="34" charset="0"/>
+              <a:buChar char="•"/>
+              <a:defRPr sz="2400" kern="1200">
+                <a:gradFill>
+                  <a:gsLst>
+                    <a:gs pos="34000">
+                      <a:schemeClr val="tx1">
+                        <a:lumMod val="93000"/>
+                      </a:schemeClr>
+                    </a:gs>
+                    <a:gs pos="0">
+                      <a:schemeClr val="bg1">
+                        <a:lumMod val="25000"/>
+                        <a:lumOff val="75000"/>
+                      </a:schemeClr>
+                    </a:gs>
+                    <a:gs pos="100000">
+                      <a:schemeClr val="tx2">
+                        <a:lumMod val="0"/>
+                        <a:lumOff val="100000"/>
+                      </a:schemeClr>
+                    </a:gs>
+                  </a:gsLst>
+                  <a:lin ang="4800000" scaled="0"/>
+                </a:gradFill>
+                <a:latin typeface="+mn-lt"/>
+                <a:ea typeface="+mn-ea"/>
+                <a:cs typeface="+mn-cs"/>
+              </a:defRPr>
+            </a:lvl2pPr>
+            <a:lvl3pPr marL="1143000" indent="-228600" algn="l" defTabSz="914400" rtl="0" eaLnBrk="1" latinLnBrk="0" hangingPunct="1">
+              <a:lnSpc>
+                <a:spcPct val="90000"/>
+              </a:lnSpc>
+              <a:spcBef>
+                <a:spcPts val="500"/>
+              </a:spcBef>
+              <a:buFont typeface="Arial" panose="020B0604020202020204" pitchFamily="34" charset="0"/>
+              <a:buChar char="•"/>
+              <a:defRPr sz="2000" kern="1200">
+                <a:gradFill>
+                  <a:gsLst>
+                    <a:gs pos="34000">
+                      <a:schemeClr val="tx1">
+                        <a:lumMod val="93000"/>
+                      </a:schemeClr>
+                    </a:gs>
+                    <a:gs pos="0">
+                      <a:schemeClr val="bg1">
+                        <a:lumMod val="25000"/>
+                        <a:lumOff val="75000"/>
+                      </a:schemeClr>
+                    </a:gs>
+                    <a:gs pos="100000">
+                      <a:schemeClr val="tx2">
+                        <a:lumMod val="0"/>
+                        <a:lumOff val="100000"/>
+                      </a:schemeClr>
+                    </a:gs>
+                  </a:gsLst>
+                  <a:lin ang="4800000" scaled="0"/>
+                </a:gradFill>
+                <a:latin typeface="+mn-lt"/>
+                <a:ea typeface="+mn-ea"/>
+                <a:cs typeface="+mn-cs"/>
+              </a:defRPr>
+            </a:lvl3pPr>
+            <a:lvl4pPr marL="1600200" indent="-228600" algn="l" defTabSz="914400" rtl="0" eaLnBrk="1" latinLnBrk="0" hangingPunct="1">
+              <a:lnSpc>
+                <a:spcPct val="90000"/>
+              </a:lnSpc>
+              <a:spcBef>
+                <a:spcPts val="500"/>
+              </a:spcBef>
+              <a:buFont typeface="Arial" panose="020B0604020202020204" pitchFamily="34" charset="0"/>
+              <a:buChar char="•"/>
+              <a:defRPr sz="1800" kern="1200">
+                <a:gradFill>
+                  <a:gsLst>
+                    <a:gs pos="34000">
+                      <a:schemeClr val="tx1">
+                        <a:lumMod val="93000"/>
+                      </a:schemeClr>
+                    </a:gs>
+                    <a:gs pos="0">
+                      <a:schemeClr val="bg1">
+                        <a:lumMod val="25000"/>
+                        <a:lumOff val="75000"/>
+                      </a:schemeClr>
+                    </a:gs>
+                    <a:gs pos="100000">
+                      <a:schemeClr val="tx2">
+                        <a:lumMod val="0"/>
+                        <a:lumOff val="100000"/>
+                      </a:schemeClr>
+                    </a:gs>
+                  </a:gsLst>
+                  <a:lin ang="4800000" scaled="0"/>
+                </a:gradFill>
+                <a:latin typeface="+mn-lt"/>
+                <a:ea typeface="+mn-ea"/>
+                <a:cs typeface="+mn-cs"/>
+              </a:defRPr>
+            </a:lvl4pPr>
+            <a:lvl5pPr marL="2057400" indent="-228600" algn="l" defTabSz="914400" rtl="0" eaLnBrk="1" latinLnBrk="0" hangingPunct="1">
+              <a:lnSpc>
+                <a:spcPct val="90000"/>
+              </a:lnSpc>
+              <a:spcBef>
+                <a:spcPts val="500"/>
+              </a:spcBef>
+              <a:buFont typeface="Arial" panose="020B0604020202020204" pitchFamily="34" charset="0"/>
+              <a:buChar char="•"/>
+              <a:defRPr sz="1800" kern="1200">
+                <a:gradFill>
+                  <a:gsLst>
+                    <a:gs pos="34000">
+                      <a:schemeClr val="tx1">
+                        <a:lumMod val="93000"/>
+                      </a:schemeClr>
+                    </a:gs>
+                    <a:gs pos="0">
+                      <a:schemeClr val="bg1">
+                        <a:lumMod val="25000"/>
+                        <a:lumOff val="75000"/>
+                      </a:schemeClr>
+                    </a:gs>
+                    <a:gs pos="100000">
+                      <a:schemeClr val="tx2">
+                        <a:lumMod val="0"/>
+                        <a:lumOff val="100000"/>
+                      </a:schemeClr>
+                    </a:gs>
+                  </a:gsLst>
+                  <a:lin ang="4800000" scaled="0"/>
+                </a:gradFill>
+                <a:latin typeface="+mn-lt"/>
+                <a:ea typeface="+mn-ea"/>
+                <a:cs typeface="+mn-cs"/>
+              </a:defRPr>
+            </a:lvl5pPr>
+            <a:lvl6pPr marL="2514600" indent="-228600" algn="l" defTabSz="914400" rtl="0" eaLnBrk="1" latinLnBrk="0" hangingPunct="1">
+              <a:lnSpc>
+                <a:spcPct val="90000"/>
+              </a:lnSpc>
+              <a:spcBef>
+                <a:spcPts val="500"/>
+              </a:spcBef>
+              <a:buFont typeface="Arial" panose="020B0604020202020204" pitchFamily="34" charset="0"/>
+              <a:buChar char="•"/>
+              <a:defRPr sz="1800" kern="1200">
+                <a:solidFill>
+                  <a:schemeClr val="tx1"/>
+                </a:solidFill>
+                <a:latin typeface="+mn-lt"/>
+                <a:ea typeface="+mn-ea"/>
+                <a:cs typeface="+mn-cs"/>
+              </a:defRPr>
+            </a:lvl6pPr>
+            <a:lvl7pPr marL="2971800" indent="-228600" algn="l" defTabSz="914400" rtl="0" eaLnBrk="1" latinLnBrk="0" hangingPunct="1">
+              <a:lnSpc>
+                <a:spcPct val="90000"/>
+              </a:lnSpc>
+              <a:spcBef>
+                <a:spcPts val="500"/>
+              </a:spcBef>
+              <a:buFont typeface="Arial" panose="020B0604020202020204" pitchFamily="34" charset="0"/>
+              <a:buChar char="•"/>
+              <a:defRPr sz="1800" kern="1200">
+                <a:solidFill>
+                  <a:schemeClr val="tx1"/>
+                </a:solidFill>
+                <a:latin typeface="+mn-lt"/>
+                <a:ea typeface="+mn-ea"/>
+                <a:cs typeface="+mn-cs"/>
+              </a:defRPr>
+            </a:lvl7pPr>
+            <a:lvl8pPr marL="3429000" indent="-228600" algn="l" defTabSz="914400" rtl="0" eaLnBrk="1" latinLnBrk="0" hangingPunct="1">
+              <a:lnSpc>
+                <a:spcPct val="90000"/>
+              </a:lnSpc>
+              <a:spcBef>
+                <a:spcPts val="500"/>
+              </a:spcBef>
+              <a:buFont typeface="Arial" panose="020B0604020202020204" pitchFamily="34" charset="0"/>
+              <a:buChar char="•"/>
+              <a:defRPr sz="1800" kern="1200">
+                <a:solidFill>
+                  <a:schemeClr val="tx1"/>
+                </a:solidFill>
+                <a:latin typeface="+mn-lt"/>
+                <a:ea typeface="+mn-ea"/>
+                <a:cs typeface="+mn-cs"/>
+              </a:defRPr>
+            </a:lvl8pPr>
+            <a:lvl9pPr marL="3886200" indent="-228600" algn="l" defTabSz="914400" rtl="0" eaLnBrk="1" latinLnBrk="0" hangingPunct="1">
+              <a:lnSpc>
+                <a:spcPct val="90000"/>
+              </a:lnSpc>
+              <a:spcBef>
+                <a:spcPts val="500"/>
+              </a:spcBef>
+              <a:buFont typeface="Arial" panose="020B0604020202020204" pitchFamily="34" charset="0"/>
+              <a:buChar char="•"/>
+              <a:defRPr sz="1800" kern="1200">
+                <a:solidFill>
+                  <a:schemeClr val="tx1"/>
+                </a:solidFill>
+                <a:latin typeface="+mn-lt"/>
+                <a:ea typeface="+mn-ea"/>
+                <a:cs typeface="+mn-cs"/>
+              </a:defRPr>
+            </a:lvl9pPr>
+          </a:lstStyle>
+          <a:p>
+            <a:r>
+              <a:rPr lang="en-US" dirty="0" smtClean="0"/>
               <a:t>Health &amp; Fitness</a:t>
             </a:r>
           </a:p>
@@ -14672,7 +15678,7 @@
 </p:sld>
 </file>
 
-<file path=ppt/slides/slide7.xml><?xml version="1.0" encoding="utf-8"?>
+<file path=ppt/slides/slide6.xml><?xml version="1.0" encoding="utf-8"?>
 <p:sld xmlns:a="http://schemas.openxmlformats.org/drawingml/2006/main" xmlns:r="http://schemas.openxmlformats.org/officeDocument/2006/relationships" xmlns:p="http://schemas.openxmlformats.org/presentationml/2006/main">
   <p:cSld>
     <p:spTree>
@@ -14920,7 +15926,7 @@
 </p:sld>
 </file>
 
-<file path=ppt/slides/slide8.xml><?xml version="1.0" encoding="utf-8"?>
+<file path=ppt/slides/slide7.xml><?xml version="1.0" encoding="utf-8"?>
 <p:sld xmlns:a="http://schemas.openxmlformats.org/drawingml/2006/main" xmlns:r="http://schemas.openxmlformats.org/officeDocument/2006/relationships" xmlns:p="http://schemas.openxmlformats.org/presentationml/2006/main">
   <p:cSld>
     <p:spTree>
@@ -15475,7 +16481,7 @@
 </p:sld>
 </file>
 
-<file path=ppt/slides/slide9.xml><?xml version="1.0" encoding="utf-8"?>
+<file path=ppt/slides/slide8.xml><?xml version="1.0" encoding="utf-8"?>
 <p:sld xmlns:a="http://schemas.openxmlformats.org/drawingml/2006/main" xmlns:r="http://schemas.openxmlformats.org/officeDocument/2006/relationships" xmlns:p="http://schemas.openxmlformats.org/presentationml/2006/main">
   <p:cSld>
     <p:spTree>
@@ -15646,6 +16652,645 @@
     <p:extLst>
       <p:ext uri="{BB962C8B-B14F-4D97-AF65-F5344CB8AC3E}">
         <p14:creationId xmlns:p14="http://schemas.microsoft.com/office/powerpoint/2010/main" val="814411576"/>
+      </p:ext>
+    </p:extLst>
+  </p:cSld>
+  <p:clrMapOvr>
+    <a:masterClrMapping/>
+  </p:clrMapOvr>
+  <p:timing>
+    <p:tnLst>
+      <p:par>
+        <p:cTn id="1" dur="indefinite" restart="never" nodeType="tmRoot"/>
+      </p:par>
+    </p:tnLst>
+  </p:timing>
+</p:sld>
+</file>
+
+<file path=ppt/slides/slide9.xml><?xml version="1.0" encoding="utf-8"?>
+<p:sld xmlns:a="http://schemas.openxmlformats.org/drawingml/2006/main" xmlns:r="http://schemas.openxmlformats.org/officeDocument/2006/relationships" xmlns:p="http://schemas.openxmlformats.org/presentationml/2006/main">
+  <p:cSld>
+    <p:spTree>
+      <p:nvGrpSpPr>
+        <p:cNvPr id="1" name=""/>
+        <p:cNvGrpSpPr/>
+        <p:nvPr/>
+      </p:nvGrpSpPr>
+      <p:grpSpPr>
+        <a:xfrm>
+          <a:off x="0" y="0"/>
+          <a:ext cx="0" cy="0"/>
+          <a:chOff x="0" y="0"/>
+          <a:chExt cx="0" cy="0"/>
+        </a:xfrm>
+      </p:grpSpPr>
+      <p:sp>
+        <p:nvSpPr>
+          <p:cNvPr id="2" name="Title 1"/>
+          <p:cNvSpPr>
+            <a:spLocks noGrp="1"/>
+          </p:cNvSpPr>
+          <p:nvPr>
+            <p:ph type="title"/>
+          </p:nvPr>
+        </p:nvSpPr>
+        <p:spPr>
+          <a:xfrm>
+            <a:off x="622732" y="207955"/>
+            <a:ext cx="10515600" cy="391620"/>
+          </a:xfrm>
+        </p:spPr>
+        <p:txBody>
+          <a:bodyPr>
+            <a:normAutofit fontScale="90000"/>
+          </a:bodyPr>
+          <a:lstStyle/>
+          <a:p>
+            <a:r>
+              <a:rPr lang="en-US" dirty="0"/>
+              <a:t>Non-negative </a:t>
+            </a:r>
+            <a:r>
+              <a:rPr lang="en-US" dirty="0" smtClean="0"/>
+              <a:t>Matrix </a:t>
+            </a:r>
+            <a:r>
+              <a:rPr lang="en-US" dirty="0"/>
+              <a:t>F</a:t>
+            </a:r>
+            <a:r>
+              <a:rPr lang="en-US" dirty="0" smtClean="0"/>
+              <a:t>actorization</a:t>
+            </a:r>
+            <a:endParaRPr lang="en-US" dirty="0"/>
+          </a:p>
+        </p:txBody>
+      </p:sp>
+      <p:pic>
+        <p:nvPicPr>
+          <p:cNvPr id="3" name="Picture 2"/>
+          <p:cNvPicPr>
+            <a:picLocks noChangeAspect="1"/>
+          </p:cNvPicPr>
+          <p:nvPr/>
+        </p:nvPicPr>
+        <p:blipFill>
+          <a:blip r:embed="rId2">
+            <a:extLst>
+              <a:ext uri="{28A0092B-C50C-407E-A947-70E740481C1C}">
+                <a14:useLocalDpi xmlns:a14="http://schemas.microsoft.com/office/drawing/2010/main" val="0"/>
+              </a:ext>
+            </a:extLst>
+          </a:blip>
+          <a:stretch>
+            <a:fillRect/>
+          </a:stretch>
+        </p:blipFill>
+        <p:spPr>
+          <a:xfrm>
+            <a:off x="1079932" y="4497811"/>
+            <a:ext cx="10058400" cy="745066"/>
+          </a:xfrm>
+          <a:prstGeom prst="rect">
+            <a:avLst/>
+          </a:prstGeom>
+        </p:spPr>
+      </p:pic>
+      <p:pic>
+        <p:nvPicPr>
+          <p:cNvPr id="4" name="Picture 3"/>
+          <p:cNvPicPr>
+            <a:picLocks noChangeAspect="1"/>
+          </p:cNvPicPr>
+          <p:nvPr/>
+        </p:nvPicPr>
+        <p:blipFill>
+          <a:blip r:embed="rId3">
+            <a:extLst>
+              <a:ext uri="{28A0092B-C50C-407E-A947-70E740481C1C}">
+                <a14:useLocalDpi xmlns:a14="http://schemas.microsoft.com/office/drawing/2010/main" val="0"/>
+              </a:ext>
+            </a:extLst>
+          </a:blip>
+          <a:stretch>
+            <a:fillRect/>
+          </a:stretch>
+        </p:blipFill>
+        <p:spPr>
+          <a:xfrm>
+            <a:off x="1079932" y="3983502"/>
+            <a:ext cx="10058400" cy="629919"/>
+          </a:xfrm>
+          <a:prstGeom prst="rect">
+            <a:avLst/>
+          </a:prstGeom>
+        </p:spPr>
+      </p:pic>
+      <p:pic>
+        <p:nvPicPr>
+          <p:cNvPr id="5" name="Picture 4"/>
+          <p:cNvPicPr>
+            <a:picLocks noChangeAspect="1"/>
+          </p:cNvPicPr>
+          <p:nvPr/>
+        </p:nvPicPr>
+        <p:blipFill>
+          <a:blip r:embed="rId4">
+            <a:extLst>
+              <a:ext uri="{28A0092B-C50C-407E-A947-70E740481C1C}">
+                <a14:useLocalDpi xmlns:a14="http://schemas.microsoft.com/office/drawing/2010/main" val="0"/>
+              </a:ext>
+            </a:extLst>
+          </a:blip>
+          <a:stretch>
+            <a:fillRect/>
+          </a:stretch>
+        </p:blipFill>
+        <p:spPr>
+          <a:xfrm>
+            <a:off x="1079932" y="3365035"/>
+            <a:ext cx="10058400" cy="681527"/>
+          </a:xfrm>
+          <a:prstGeom prst="rect">
+            <a:avLst/>
+          </a:prstGeom>
+        </p:spPr>
+      </p:pic>
+      <p:pic>
+        <p:nvPicPr>
+          <p:cNvPr id="6" name="Picture 5"/>
+          <p:cNvPicPr>
+            <a:picLocks noChangeAspect="1"/>
+          </p:cNvPicPr>
+          <p:nvPr/>
+        </p:nvPicPr>
+        <p:blipFill>
+          <a:blip r:embed="rId5">
+            <a:extLst>
+              <a:ext uri="{28A0092B-C50C-407E-A947-70E740481C1C}">
+                <a14:useLocalDpi xmlns:a14="http://schemas.microsoft.com/office/drawing/2010/main" val="0"/>
+              </a:ext>
+            </a:extLst>
+          </a:blip>
+          <a:stretch>
+            <a:fillRect/>
+          </a:stretch>
+        </p:blipFill>
+        <p:spPr>
+          <a:xfrm>
+            <a:off x="1079932" y="1388477"/>
+            <a:ext cx="10058400" cy="667190"/>
+          </a:xfrm>
+          <a:prstGeom prst="rect">
+            <a:avLst/>
+          </a:prstGeom>
+        </p:spPr>
+      </p:pic>
+      <p:cxnSp>
+        <p:nvCxnSpPr>
+          <p:cNvPr id="7" name="Straight Connector 6"/>
+          <p:cNvCxnSpPr/>
+          <p:nvPr/>
+        </p:nvCxnSpPr>
+        <p:spPr>
+          <a:xfrm>
+            <a:off x="580690" y="756999"/>
+            <a:ext cx="11056883" cy="10509"/>
+          </a:xfrm>
+          <a:prstGeom prst="line">
+            <a:avLst/>
+          </a:prstGeom>
+        </p:spPr>
+        <p:style>
+          <a:lnRef idx="1">
+            <a:schemeClr val="accent1"/>
+          </a:lnRef>
+          <a:fillRef idx="0">
+            <a:schemeClr val="accent1"/>
+          </a:fillRef>
+          <a:effectRef idx="0">
+            <a:schemeClr val="accent1"/>
+          </a:effectRef>
+          <a:fontRef idx="minor">
+            <a:schemeClr val="tx1"/>
+          </a:fontRef>
+        </p:style>
+      </p:cxnSp>
+      <p:pic>
+        <p:nvPicPr>
+          <p:cNvPr id="8" name="Picture 7"/>
+          <p:cNvPicPr>
+            <a:picLocks noChangeAspect="1"/>
+          </p:cNvPicPr>
+          <p:nvPr/>
+        </p:nvPicPr>
+        <p:blipFill>
+          <a:blip r:embed="rId6">
+            <a:extLst>
+              <a:ext uri="{28A0092B-C50C-407E-A947-70E740481C1C}">
+                <a14:useLocalDpi xmlns:a14="http://schemas.microsoft.com/office/drawing/2010/main" val="0"/>
+              </a:ext>
+            </a:extLst>
+          </a:blip>
+          <a:stretch>
+            <a:fillRect/>
+          </a:stretch>
+        </p:blipFill>
+        <p:spPr>
+          <a:xfrm>
+            <a:off x="1079932" y="5958436"/>
+            <a:ext cx="10058400" cy="635000"/>
+          </a:xfrm>
+          <a:prstGeom prst="rect">
+            <a:avLst/>
+          </a:prstGeom>
+        </p:spPr>
+      </p:pic>
+      <p:sp>
+        <p:nvSpPr>
+          <p:cNvPr id="9" name="Content Placeholder 2"/>
+          <p:cNvSpPr txBox="1">
+            <a:spLocks/>
+          </p:cNvSpPr>
+          <p:nvPr/>
+        </p:nvSpPr>
+        <p:spPr>
+          <a:xfrm>
+            <a:off x="992231" y="865658"/>
+            <a:ext cx="10233800" cy="4351338"/>
+          </a:xfrm>
+          <a:prstGeom prst="rect">
+            <a:avLst/>
+          </a:prstGeom>
+        </p:spPr>
+        <p:txBody>
+          <a:bodyPr/>
+          <a:lstStyle>
+            <a:lvl1pPr marL="228600" indent="-228600" algn="l" defTabSz="914400" rtl="0" eaLnBrk="1" latinLnBrk="0" hangingPunct="1">
+              <a:lnSpc>
+                <a:spcPct val="90000"/>
+              </a:lnSpc>
+              <a:spcBef>
+                <a:spcPts val="1000"/>
+              </a:spcBef>
+              <a:buFont typeface="Arial" panose="020B0604020202020204" pitchFamily="34" charset="0"/>
+              <a:buChar char="•"/>
+              <a:defRPr sz="2800" kern="1200">
+                <a:gradFill>
+                  <a:gsLst>
+                    <a:gs pos="34000">
+                      <a:schemeClr val="tx1">
+                        <a:lumMod val="93000"/>
+                      </a:schemeClr>
+                    </a:gs>
+                    <a:gs pos="0">
+                      <a:schemeClr val="bg1">
+                        <a:lumMod val="25000"/>
+                        <a:lumOff val="75000"/>
+                      </a:schemeClr>
+                    </a:gs>
+                    <a:gs pos="100000">
+                      <a:schemeClr val="tx2">
+                        <a:lumMod val="0"/>
+                        <a:lumOff val="100000"/>
+                      </a:schemeClr>
+                    </a:gs>
+                  </a:gsLst>
+                  <a:lin ang="4800000" scaled="0"/>
+                </a:gradFill>
+                <a:latin typeface="+mn-lt"/>
+                <a:ea typeface="+mn-ea"/>
+                <a:cs typeface="+mn-cs"/>
+              </a:defRPr>
+            </a:lvl1pPr>
+            <a:lvl2pPr marL="685800" indent="-228600" algn="l" defTabSz="914400" rtl="0" eaLnBrk="1" latinLnBrk="0" hangingPunct="1">
+              <a:lnSpc>
+                <a:spcPct val="90000"/>
+              </a:lnSpc>
+              <a:spcBef>
+                <a:spcPts val="500"/>
+              </a:spcBef>
+              <a:buFont typeface="Arial" panose="020B0604020202020204" pitchFamily="34" charset="0"/>
+              <a:buChar char="•"/>
+              <a:defRPr sz="2400" kern="1200">
+                <a:gradFill>
+                  <a:gsLst>
+                    <a:gs pos="34000">
+                      <a:schemeClr val="tx1">
+                        <a:lumMod val="93000"/>
+                      </a:schemeClr>
+                    </a:gs>
+                    <a:gs pos="0">
+                      <a:schemeClr val="bg1">
+                        <a:lumMod val="25000"/>
+                        <a:lumOff val="75000"/>
+                      </a:schemeClr>
+                    </a:gs>
+                    <a:gs pos="100000">
+                      <a:schemeClr val="tx2">
+                        <a:lumMod val="0"/>
+                        <a:lumOff val="100000"/>
+                      </a:schemeClr>
+                    </a:gs>
+                  </a:gsLst>
+                  <a:lin ang="4800000" scaled="0"/>
+                </a:gradFill>
+                <a:latin typeface="+mn-lt"/>
+                <a:ea typeface="+mn-ea"/>
+                <a:cs typeface="+mn-cs"/>
+              </a:defRPr>
+            </a:lvl2pPr>
+            <a:lvl3pPr marL="1143000" indent="-228600" algn="l" defTabSz="914400" rtl="0" eaLnBrk="1" latinLnBrk="0" hangingPunct="1">
+              <a:lnSpc>
+                <a:spcPct val="90000"/>
+              </a:lnSpc>
+              <a:spcBef>
+                <a:spcPts val="500"/>
+              </a:spcBef>
+              <a:buFont typeface="Arial" panose="020B0604020202020204" pitchFamily="34" charset="0"/>
+              <a:buChar char="•"/>
+              <a:defRPr sz="2000" kern="1200">
+                <a:gradFill>
+                  <a:gsLst>
+                    <a:gs pos="34000">
+                      <a:schemeClr val="tx1">
+                        <a:lumMod val="93000"/>
+                      </a:schemeClr>
+                    </a:gs>
+                    <a:gs pos="0">
+                      <a:schemeClr val="bg1">
+                        <a:lumMod val="25000"/>
+                        <a:lumOff val="75000"/>
+                      </a:schemeClr>
+                    </a:gs>
+                    <a:gs pos="100000">
+                      <a:schemeClr val="tx2">
+                        <a:lumMod val="0"/>
+                        <a:lumOff val="100000"/>
+                      </a:schemeClr>
+                    </a:gs>
+                  </a:gsLst>
+                  <a:lin ang="4800000" scaled="0"/>
+                </a:gradFill>
+                <a:latin typeface="+mn-lt"/>
+                <a:ea typeface="+mn-ea"/>
+                <a:cs typeface="+mn-cs"/>
+              </a:defRPr>
+            </a:lvl3pPr>
+            <a:lvl4pPr marL="1600200" indent="-228600" algn="l" defTabSz="914400" rtl="0" eaLnBrk="1" latinLnBrk="0" hangingPunct="1">
+              <a:lnSpc>
+                <a:spcPct val="90000"/>
+              </a:lnSpc>
+              <a:spcBef>
+                <a:spcPts val="500"/>
+              </a:spcBef>
+              <a:buFont typeface="Arial" panose="020B0604020202020204" pitchFamily="34" charset="0"/>
+              <a:buChar char="•"/>
+              <a:defRPr sz="1800" kern="1200">
+                <a:gradFill>
+                  <a:gsLst>
+                    <a:gs pos="34000">
+                      <a:schemeClr val="tx1">
+                        <a:lumMod val="93000"/>
+                      </a:schemeClr>
+                    </a:gs>
+                    <a:gs pos="0">
+                      <a:schemeClr val="bg1">
+                        <a:lumMod val="25000"/>
+                        <a:lumOff val="75000"/>
+                      </a:schemeClr>
+                    </a:gs>
+                    <a:gs pos="100000">
+                      <a:schemeClr val="tx2">
+                        <a:lumMod val="0"/>
+                        <a:lumOff val="100000"/>
+                      </a:schemeClr>
+                    </a:gs>
+                  </a:gsLst>
+                  <a:lin ang="4800000" scaled="0"/>
+                </a:gradFill>
+                <a:latin typeface="+mn-lt"/>
+                <a:ea typeface="+mn-ea"/>
+                <a:cs typeface="+mn-cs"/>
+              </a:defRPr>
+            </a:lvl4pPr>
+            <a:lvl5pPr marL="2057400" indent="-228600" algn="l" defTabSz="914400" rtl="0" eaLnBrk="1" latinLnBrk="0" hangingPunct="1">
+              <a:lnSpc>
+                <a:spcPct val="90000"/>
+              </a:lnSpc>
+              <a:spcBef>
+                <a:spcPts val="500"/>
+              </a:spcBef>
+              <a:buFont typeface="Arial" panose="020B0604020202020204" pitchFamily="34" charset="0"/>
+              <a:buChar char="•"/>
+              <a:defRPr sz="1800" kern="1200">
+                <a:gradFill>
+                  <a:gsLst>
+                    <a:gs pos="34000">
+                      <a:schemeClr val="tx1">
+                        <a:lumMod val="93000"/>
+                      </a:schemeClr>
+                    </a:gs>
+                    <a:gs pos="0">
+                      <a:schemeClr val="bg1">
+                        <a:lumMod val="25000"/>
+                        <a:lumOff val="75000"/>
+                      </a:schemeClr>
+                    </a:gs>
+                    <a:gs pos="100000">
+                      <a:schemeClr val="tx2">
+                        <a:lumMod val="0"/>
+                        <a:lumOff val="100000"/>
+                      </a:schemeClr>
+                    </a:gs>
+                  </a:gsLst>
+                  <a:lin ang="4800000" scaled="0"/>
+                </a:gradFill>
+                <a:latin typeface="+mn-lt"/>
+                <a:ea typeface="+mn-ea"/>
+                <a:cs typeface="+mn-cs"/>
+              </a:defRPr>
+            </a:lvl5pPr>
+            <a:lvl6pPr marL="2514600" indent="-228600" algn="l" defTabSz="914400" rtl="0" eaLnBrk="1" latinLnBrk="0" hangingPunct="1">
+              <a:lnSpc>
+                <a:spcPct val="90000"/>
+              </a:lnSpc>
+              <a:spcBef>
+                <a:spcPts val="500"/>
+              </a:spcBef>
+              <a:buFont typeface="Arial" panose="020B0604020202020204" pitchFamily="34" charset="0"/>
+              <a:buChar char="•"/>
+              <a:defRPr sz="1800" kern="1200">
+                <a:solidFill>
+                  <a:schemeClr val="tx1"/>
+                </a:solidFill>
+                <a:latin typeface="+mn-lt"/>
+                <a:ea typeface="+mn-ea"/>
+                <a:cs typeface="+mn-cs"/>
+              </a:defRPr>
+            </a:lvl6pPr>
+            <a:lvl7pPr marL="2971800" indent="-228600" algn="l" defTabSz="914400" rtl="0" eaLnBrk="1" latinLnBrk="0" hangingPunct="1">
+              <a:lnSpc>
+                <a:spcPct val="90000"/>
+              </a:lnSpc>
+              <a:spcBef>
+                <a:spcPts val="500"/>
+              </a:spcBef>
+              <a:buFont typeface="Arial" panose="020B0604020202020204" pitchFamily="34" charset="0"/>
+              <a:buChar char="•"/>
+              <a:defRPr sz="1800" kern="1200">
+                <a:solidFill>
+                  <a:schemeClr val="tx1"/>
+                </a:solidFill>
+                <a:latin typeface="+mn-lt"/>
+                <a:ea typeface="+mn-ea"/>
+                <a:cs typeface="+mn-cs"/>
+              </a:defRPr>
+            </a:lvl7pPr>
+            <a:lvl8pPr marL="3429000" indent="-228600" algn="l" defTabSz="914400" rtl="0" eaLnBrk="1" latinLnBrk="0" hangingPunct="1">
+              <a:lnSpc>
+                <a:spcPct val="90000"/>
+              </a:lnSpc>
+              <a:spcBef>
+                <a:spcPts val="500"/>
+              </a:spcBef>
+              <a:buFont typeface="Arial" panose="020B0604020202020204" pitchFamily="34" charset="0"/>
+              <a:buChar char="•"/>
+              <a:defRPr sz="1800" kern="1200">
+                <a:solidFill>
+                  <a:schemeClr val="tx1"/>
+                </a:solidFill>
+                <a:latin typeface="+mn-lt"/>
+                <a:ea typeface="+mn-ea"/>
+                <a:cs typeface="+mn-cs"/>
+              </a:defRPr>
+            </a:lvl8pPr>
+            <a:lvl9pPr marL="3886200" indent="-228600" algn="l" defTabSz="914400" rtl="0" eaLnBrk="1" latinLnBrk="0" hangingPunct="1">
+              <a:lnSpc>
+                <a:spcPct val="90000"/>
+              </a:lnSpc>
+              <a:spcBef>
+                <a:spcPts val="500"/>
+              </a:spcBef>
+              <a:buFont typeface="Arial" panose="020B0604020202020204" pitchFamily="34" charset="0"/>
+              <a:buChar char="•"/>
+              <a:defRPr sz="1800" kern="1200">
+                <a:solidFill>
+                  <a:schemeClr val="tx1"/>
+                </a:solidFill>
+                <a:latin typeface="+mn-lt"/>
+                <a:ea typeface="+mn-ea"/>
+                <a:cs typeface="+mn-cs"/>
+              </a:defRPr>
+            </a:lvl9pPr>
+          </a:lstStyle>
+          <a:p>
+            <a:r>
+              <a:rPr lang="en-US" dirty="0" smtClean="0"/>
+              <a:t>Good grouping</a:t>
+            </a:r>
+          </a:p>
+          <a:p>
+            <a:endParaRPr lang="en-US" dirty="0"/>
+          </a:p>
+          <a:p>
+            <a:endParaRPr lang="en-US" dirty="0" smtClean="0"/>
+          </a:p>
+          <a:p>
+            <a:endParaRPr lang="en-US" dirty="0" smtClean="0"/>
+          </a:p>
+          <a:p>
+            <a:endParaRPr lang="en-US" dirty="0" smtClean="0"/>
+          </a:p>
+          <a:p>
+            <a:endParaRPr lang="en-US" dirty="0" smtClean="0"/>
+          </a:p>
+          <a:p>
+            <a:endParaRPr lang="en-US" dirty="0"/>
+          </a:p>
+          <a:p>
+            <a:r>
+              <a:rPr lang="en-US" dirty="0" smtClean="0"/>
+              <a:t>\</a:t>
+            </a:r>
+          </a:p>
+          <a:p>
+            <a:endParaRPr lang="en-US" dirty="0" smtClean="0"/>
+          </a:p>
+          <a:p>
+            <a:r>
+              <a:rPr lang="en-US" dirty="0" smtClean="0"/>
+              <a:t>Not so good grouping</a:t>
+            </a:r>
+            <a:endParaRPr lang="en-US" dirty="0"/>
+          </a:p>
+        </p:txBody>
+      </p:sp>
+      <p:pic>
+        <p:nvPicPr>
+          <p:cNvPr id="12" name="Picture 11"/>
+          <p:cNvPicPr>
+            <a:picLocks noChangeAspect="1"/>
+          </p:cNvPicPr>
+          <p:nvPr/>
+        </p:nvPicPr>
+        <p:blipFill>
+          <a:blip r:embed="rId7">
+            <a:extLst>
+              <a:ext uri="{28A0092B-C50C-407E-A947-70E740481C1C}">
+                <a14:useLocalDpi xmlns:a14="http://schemas.microsoft.com/office/drawing/2010/main" val="0"/>
+              </a:ext>
+            </a:extLst>
+          </a:blip>
+          <a:stretch>
+            <a:fillRect/>
+          </a:stretch>
+        </p:blipFill>
+        <p:spPr>
+          <a:xfrm>
+            <a:off x="1079932" y="2045378"/>
+            <a:ext cx="10058400" cy="662529"/>
+          </a:xfrm>
+          <a:prstGeom prst="rect">
+            <a:avLst/>
+          </a:prstGeom>
+        </p:spPr>
+      </p:pic>
+      <p:pic>
+        <p:nvPicPr>
+          <p:cNvPr id="13" name="Picture 12"/>
+          <p:cNvPicPr>
+            <a:picLocks noChangeAspect="1"/>
+          </p:cNvPicPr>
+          <p:nvPr/>
+        </p:nvPicPr>
+        <p:blipFill>
+          <a:blip r:embed="rId8">
+            <a:extLst>
+              <a:ext uri="{28A0092B-C50C-407E-A947-70E740481C1C}">
+                <a14:useLocalDpi xmlns:a14="http://schemas.microsoft.com/office/drawing/2010/main" val="0"/>
+              </a:ext>
+            </a:extLst>
+          </a:blip>
+          <a:stretch>
+            <a:fillRect/>
+          </a:stretch>
+        </p:blipFill>
+        <p:spPr>
+          <a:xfrm>
+            <a:off x="1079932" y="2703357"/>
+            <a:ext cx="10058400" cy="675940"/>
+          </a:xfrm>
+          <a:prstGeom prst="rect">
+            <a:avLst/>
+          </a:prstGeom>
+        </p:spPr>
+      </p:pic>
+    </p:spTree>
+    <p:extLst>
+      <p:ext uri="{BB962C8B-B14F-4D97-AF65-F5344CB8AC3E}">
+        <p14:creationId xmlns:p14="http://schemas.microsoft.com/office/powerpoint/2010/main" val="593911464"/>
       </p:ext>
     </p:extLst>
   </p:cSld>

--- a/Project4-Capstone/MHD_Capstone/MHD_Twitter_Clustering.pptx
+++ b/Project4-Capstone/MHD_Capstone/MHD_Twitter_Clustering.pptx
@@ -5,29 +5,31 @@
     <p:sldMasterId id="2147483648" r:id="rId1"/>
   </p:sldMasterIdLst>
   <p:notesMasterIdLst>
-    <p:notesMasterId r:id="rId22"/>
+    <p:notesMasterId r:id="rId24"/>
   </p:notesMasterIdLst>
   <p:sldIdLst>
     <p:sldId id="256" r:id="rId2"/>
     <p:sldId id="277" r:id="rId3"/>
     <p:sldId id="266" r:id="rId4"/>
-    <p:sldId id="281" r:id="rId5"/>
-    <p:sldId id="257" r:id="rId6"/>
-    <p:sldId id="264" r:id="rId7"/>
-    <p:sldId id="265" r:id="rId8"/>
-    <p:sldId id="274" r:id="rId9"/>
-    <p:sldId id="261" r:id="rId10"/>
-    <p:sldId id="271" r:id="rId11"/>
-    <p:sldId id="272" r:id="rId12"/>
-    <p:sldId id="275" r:id="rId13"/>
-    <p:sldId id="276" r:id="rId14"/>
-    <p:sldId id="270" r:id="rId15"/>
-    <p:sldId id="269" r:id="rId16"/>
-    <p:sldId id="260" r:id="rId17"/>
-    <p:sldId id="279" r:id="rId18"/>
-    <p:sldId id="280" r:id="rId19"/>
-    <p:sldId id="259" r:id="rId20"/>
-    <p:sldId id="262" r:id="rId21"/>
+    <p:sldId id="283" r:id="rId5"/>
+    <p:sldId id="284" r:id="rId6"/>
+    <p:sldId id="281" r:id="rId7"/>
+    <p:sldId id="257" r:id="rId8"/>
+    <p:sldId id="264" r:id="rId9"/>
+    <p:sldId id="265" r:id="rId10"/>
+    <p:sldId id="274" r:id="rId11"/>
+    <p:sldId id="261" r:id="rId12"/>
+    <p:sldId id="271" r:id="rId13"/>
+    <p:sldId id="272" r:id="rId14"/>
+    <p:sldId id="275" r:id="rId15"/>
+    <p:sldId id="276" r:id="rId16"/>
+    <p:sldId id="270" r:id="rId17"/>
+    <p:sldId id="269" r:id="rId18"/>
+    <p:sldId id="260" r:id="rId19"/>
+    <p:sldId id="279" r:id="rId20"/>
+    <p:sldId id="280" r:id="rId21"/>
+    <p:sldId id="259" r:id="rId22"/>
+    <p:sldId id="262" r:id="rId23"/>
   </p:sldIdLst>
   <p:sldSz cx="12192000" cy="6858000"/>
   <p:notesSz cx="6858000" cy="9144000"/>
@@ -881,7 +883,1099 @@
 </dgm:colorsDef>
 </file>
 
+<file path=ppt/diagrams/colors2.xml><?xml version="1.0" encoding="utf-8"?>
+<dgm:colorsDef xmlns:dgm="http://schemas.openxmlformats.org/drawingml/2006/diagram" xmlns:a="http://schemas.openxmlformats.org/drawingml/2006/main" uniqueId="urn:microsoft.com/office/officeart/2005/8/colors/accent1_2">
+  <dgm:title val=""/>
+  <dgm:desc val=""/>
+  <dgm:catLst>
+    <dgm:cat type="accent1" pri="11200"/>
+  </dgm:catLst>
+  <dgm:styleLbl name="node0">
+    <dgm:fillClrLst meth="repeat">
+      <a:schemeClr val="accent1"/>
+    </dgm:fillClrLst>
+    <dgm:linClrLst meth="repeat">
+      <a:schemeClr val="lt1"/>
+    </dgm:linClrLst>
+    <dgm:effectClrLst/>
+    <dgm:txLinClrLst/>
+    <dgm:txFillClrLst/>
+    <dgm:txEffectClrLst/>
+  </dgm:styleLbl>
+  <dgm:styleLbl name="alignNode1">
+    <dgm:fillClrLst meth="repeat">
+      <a:schemeClr val="accent1"/>
+    </dgm:fillClrLst>
+    <dgm:linClrLst meth="repeat">
+      <a:schemeClr val="accent1"/>
+    </dgm:linClrLst>
+    <dgm:effectClrLst/>
+    <dgm:txLinClrLst/>
+    <dgm:txFillClrLst/>
+    <dgm:txEffectClrLst/>
+  </dgm:styleLbl>
+  <dgm:styleLbl name="node1">
+    <dgm:fillClrLst meth="repeat">
+      <a:schemeClr val="accent1"/>
+    </dgm:fillClrLst>
+    <dgm:linClrLst meth="repeat">
+      <a:schemeClr val="lt1"/>
+    </dgm:linClrLst>
+    <dgm:effectClrLst/>
+    <dgm:txLinClrLst/>
+    <dgm:txFillClrLst/>
+    <dgm:txEffectClrLst/>
+  </dgm:styleLbl>
+  <dgm:styleLbl name="lnNode1">
+    <dgm:fillClrLst meth="repeat">
+      <a:schemeClr val="accent1"/>
+    </dgm:fillClrLst>
+    <dgm:linClrLst meth="repeat">
+      <a:schemeClr val="lt1"/>
+    </dgm:linClrLst>
+    <dgm:effectClrLst/>
+    <dgm:txLinClrLst/>
+    <dgm:txFillClrLst/>
+    <dgm:txEffectClrLst/>
+  </dgm:styleLbl>
+  <dgm:styleLbl name="vennNode1">
+    <dgm:fillClrLst meth="repeat">
+      <a:schemeClr val="accent1">
+        <a:alpha val="50000"/>
+      </a:schemeClr>
+    </dgm:fillClrLst>
+    <dgm:linClrLst meth="repeat">
+      <a:schemeClr val="lt1"/>
+    </dgm:linClrLst>
+    <dgm:effectClrLst/>
+    <dgm:txLinClrLst/>
+    <dgm:txFillClrLst/>
+    <dgm:txEffectClrLst/>
+  </dgm:styleLbl>
+  <dgm:styleLbl name="node2">
+    <dgm:fillClrLst meth="repeat">
+      <a:schemeClr val="accent1"/>
+    </dgm:fillClrLst>
+    <dgm:linClrLst meth="repeat">
+      <a:schemeClr val="lt1"/>
+    </dgm:linClrLst>
+    <dgm:effectClrLst/>
+    <dgm:txLinClrLst/>
+    <dgm:txFillClrLst/>
+    <dgm:txEffectClrLst/>
+  </dgm:styleLbl>
+  <dgm:styleLbl name="node3">
+    <dgm:fillClrLst meth="repeat">
+      <a:schemeClr val="accent1"/>
+    </dgm:fillClrLst>
+    <dgm:linClrLst meth="repeat">
+      <a:schemeClr val="lt1"/>
+    </dgm:linClrLst>
+    <dgm:effectClrLst/>
+    <dgm:txLinClrLst/>
+    <dgm:txFillClrLst/>
+    <dgm:txEffectClrLst/>
+  </dgm:styleLbl>
+  <dgm:styleLbl name="node4">
+    <dgm:fillClrLst meth="repeat">
+      <a:schemeClr val="accent1"/>
+    </dgm:fillClrLst>
+    <dgm:linClrLst meth="repeat">
+      <a:schemeClr val="lt1"/>
+    </dgm:linClrLst>
+    <dgm:effectClrLst/>
+    <dgm:txLinClrLst/>
+    <dgm:txFillClrLst/>
+    <dgm:txEffectClrLst/>
+  </dgm:styleLbl>
+  <dgm:styleLbl name="fgImgPlace1">
+    <dgm:fillClrLst meth="repeat">
+      <a:schemeClr val="accent1">
+        <a:tint val="50000"/>
+      </a:schemeClr>
+    </dgm:fillClrLst>
+    <dgm:linClrLst meth="repeat">
+      <a:schemeClr val="lt1"/>
+    </dgm:linClrLst>
+    <dgm:effectClrLst/>
+    <dgm:txLinClrLst/>
+    <dgm:txFillClrLst meth="repeat">
+      <a:schemeClr val="lt1"/>
+    </dgm:txFillClrLst>
+    <dgm:txEffectClrLst/>
+  </dgm:styleLbl>
+  <dgm:styleLbl name="alignImgPlace1">
+    <dgm:fillClrLst meth="repeat">
+      <a:schemeClr val="accent1">
+        <a:tint val="50000"/>
+      </a:schemeClr>
+    </dgm:fillClrLst>
+    <dgm:linClrLst meth="repeat">
+      <a:schemeClr val="lt1"/>
+    </dgm:linClrLst>
+    <dgm:effectClrLst/>
+    <dgm:txLinClrLst/>
+    <dgm:txFillClrLst meth="repeat">
+      <a:schemeClr val="lt1"/>
+    </dgm:txFillClrLst>
+    <dgm:txEffectClrLst/>
+  </dgm:styleLbl>
+  <dgm:styleLbl name="bgImgPlace1">
+    <dgm:fillClrLst meth="repeat">
+      <a:schemeClr val="accent1">
+        <a:tint val="50000"/>
+      </a:schemeClr>
+    </dgm:fillClrLst>
+    <dgm:linClrLst meth="repeat">
+      <a:schemeClr val="lt1"/>
+    </dgm:linClrLst>
+    <dgm:effectClrLst/>
+    <dgm:txLinClrLst/>
+    <dgm:txFillClrLst meth="repeat">
+      <a:schemeClr val="lt1"/>
+    </dgm:txFillClrLst>
+    <dgm:txEffectClrLst/>
+  </dgm:styleLbl>
+  <dgm:styleLbl name="sibTrans2D1">
+    <dgm:fillClrLst meth="repeat">
+      <a:schemeClr val="accent1">
+        <a:tint val="60000"/>
+      </a:schemeClr>
+    </dgm:fillClrLst>
+    <dgm:linClrLst meth="repeat">
+      <a:schemeClr val="accent1">
+        <a:tint val="60000"/>
+      </a:schemeClr>
+    </dgm:linClrLst>
+    <dgm:effectClrLst/>
+    <dgm:txLinClrLst/>
+    <dgm:txFillClrLst/>
+    <dgm:txEffectClrLst/>
+  </dgm:styleLbl>
+  <dgm:styleLbl name="fgSibTrans2D1">
+    <dgm:fillClrLst meth="repeat">
+      <a:schemeClr val="accent1">
+        <a:tint val="60000"/>
+      </a:schemeClr>
+    </dgm:fillClrLst>
+    <dgm:linClrLst meth="repeat">
+      <a:schemeClr val="accent1">
+        <a:tint val="60000"/>
+      </a:schemeClr>
+    </dgm:linClrLst>
+    <dgm:effectClrLst/>
+    <dgm:txLinClrLst/>
+    <dgm:txFillClrLst/>
+    <dgm:txEffectClrLst/>
+  </dgm:styleLbl>
+  <dgm:styleLbl name="bgSibTrans2D1">
+    <dgm:fillClrLst meth="repeat">
+      <a:schemeClr val="accent1">
+        <a:tint val="60000"/>
+      </a:schemeClr>
+    </dgm:fillClrLst>
+    <dgm:linClrLst meth="repeat">
+      <a:schemeClr val="accent1">
+        <a:tint val="60000"/>
+      </a:schemeClr>
+    </dgm:linClrLst>
+    <dgm:effectClrLst/>
+    <dgm:txLinClrLst/>
+    <dgm:txFillClrLst/>
+    <dgm:txEffectClrLst/>
+  </dgm:styleLbl>
+  <dgm:styleLbl name="sibTrans1D1">
+    <dgm:fillClrLst meth="repeat">
+      <a:schemeClr val="accent1"/>
+    </dgm:fillClrLst>
+    <dgm:linClrLst meth="repeat">
+      <a:schemeClr val="accent1"/>
+    </dgm:linClrLst>
+    <dgm:effectClrLst/>
+    <dgm:txLinClrLst/>
+    <dgm:txFillClrLst meth="repeat">
+      <a:schemeClr val="tx1"/>
+    </dgm:txFillClrLst>
+    <dgm:txEffectClrLst/>
+  </dgm:styleLbl>
+  <dgm:styleLbl name="callout">
+    <dgm:fillClrLst meth="repeat">
+      <a:schemeClr val="accent1"/>
+    </dgm:fillClrLst>
+    <dgm:linClrLst meth="repeat">
+      <a:schemeClr val="accent1">
+        <a:tint val="50000"/>
+      </a:schemeClr>
+    </dgm:linClrLst>
+    <dgm:effectClrLst/>
+    <dgm:txLinClrLst/>
+    <dgm:txFillClrLst meth="repeat">
+      <a:schemeClr val="tx1"/>
+    </dgm:txFillClrLst>
+    <dgm:txEffectClrLst/>
+  </dgm:styleLbl>
+  <dgm:styleLbl name="asst0">
+    <dgm:fillClrLst meth="repeat">
+      <a:schemeClr val="accent1"/>
+    </dgm:fillClrLst>
+    <dgm:linClrLst meth="repeat">
+      <a:schemeClr val="lt1"/>
+    </dgm:linClrLst>
+    <dgm:effectClrLst/>
+    <dgm:txLinClrLst/>
+    <dgm:txFillClrLst/>
+    <dgm:txEffectClrLst/>
+  </dgm:styleLbl>
+  <dgm:styleLbl name="asst1">
+    <dgm:fillClrLst meth="repeat">
+      <a:schemeClr val="accent1"/>
+    </dgm:fillClrLst>
+    <dgm:linClrLst meth="repeat">
+      <a:schemeClr val="lt1"/>
+    </dgm:linClrLst>
+    <dgm:effectClrLst/>
+    <dgm:txLinClrLst/>
+    <dgm:txFillClrLst/>
+    <dgm:txEffectClrLst/>
+  </dgm:styleLbl>
+  <dgm:styleLbl name="asst2">
+    <dgm:fillClrLst meth="repeat">
+      <a:schemeClr val="accent1"/>
+    </dgm:fillClrLst>
+    <dgm:linClrLst meth="repeat">
+      <a:schemeClr val="lt1"/>
+    </dgm:linClrLst>
+    <dgm:effectClrLst/>
+    <dgm:txLinClrLst/>
+    <dgm:txFillClrLst/>
+    <dgm:txEffectClrLst/>
+  </dgm:styleLbl>
+  <dgm:styleLbl name="asst3">
+    <dgm:fillClrLst meth="repeat">
+      <a:schemeClr val="accent1"/>
+    </dgm:fillClrLst>
+    <dgm:linClrLst meth="repeat">
+      <a:schemeClr val="lt1"/>
+    </dgm:linClrLst>
+    <dgm:effectClrLst/>
+    <dgm:txLinClrLst/>
+    <dgm:txFillClrLst/>
+    <dgm:txEffectClrLst/>
+  </dgm:styleLbl>
+  <dgm:styleLbl name="asst4">
+    <dgm:fillClrLst meth="repeat">
+      <a:schemeClr val="accent1"/>
+    </dgm:fillClrLst>
+    <dgm:linClrLst meth="repeat">
+      <a:schemeClr val="lt1"/>
+    </dgm:linClrLst>
+    <dgm:effectClrLst/>
+    <dgm:txLinClrLst/>
+    <dgm:txFillClrLst/>
+    <dgm:txEffectClrLst/>
+  </dgm:styleLbl>
+  <dgm:styleLbl name="parChTrans2D1">
+    <dgm:fillClrLst meth="repeat">
+      <a:schemeClr val="accent1">
+        <a:tint val="60000"/>
+      </a:schemeClr>
+    </dgm:fillClrLst>
+    <dgm:linClrLst meth="repeat">
+      <a:schemeClr val="accent1">
+        <a:tint val="60000"/>
+      </a:schemeClr>
+    </dgm:linClrLst>
+    <dgm:effectClrLst/>
+    <dgm:txLinClrLst/>
+    <dgm:txFillClrLst meth="repeat">
+      <a:schemeClr val="lt1"/>
+    </dgm:txFillClrLst>
+    <dgm:txEffectClrLst/>
+  </dgm:styleLbl>
+  <dgm:styleLbl name="parChTrans2D2">
+    <dgm:fillClrLst meth="repeat">
+      <a:schemeClr val="accent1"/>
+    </dgm:fillClrLst>
+    <dgm:linClrLst meth="repeat">
+      <a:schemeClr val="accent1"/>
+    </dgm:linClrLst>
+    <dgm:effectClrLst/>
+    <dgm:txLinClrLst/>
+    <dgm:txFillClrLst meth="repeat">
+      <a:schemeClr val="lt1"/>
+    </dgm:txFillClrLst>
+    <dgm:txEffectClrLst/>
+  </dgm:styleLbl>
+  <dgm:styleLbl name="parChTrans2D3">
+    <dgm:fillClrLst meth="repeat">
+      <a:schemeClr val="accent1"/>
+    </dgm:fillClrLst>
+    <dgm:linClrLst meth="repeat">
+      <a:schemeClr val="accent1"/>
+    </dgm:linClrLst>
+    <dgm:effectClrLst/>
+    <dgm:txLinClrLst/>
+    <dgm:txFillClrLst meth="repeat">
+      <a:schemeClr val="lt1"/>
+    </dgm:txFillClrLst>
+    <dgm:txEffectClrLst/>
+  </dgm:styleLbl>
+  <dgm:styleLbl name="parChTrans2D4">
+    <dgm:fillClrLst meth="repeat">
+      <a:schemeClr val="accent1"/>
+    </dgm:fillClrLst>
+    <dgm:linClrLst meth="repeat">
+      <a:schemeClr val="accent1"/>
+    </dgm:linClrLst>
+    <dgm:effectClrLst/>
+    <dgm:txLinClrLst/>
+    <dgm:txFillClrLst meth="repeat">
+      <a:schemeClr val="lt1"/>
+    </dgm:txFillClrLst>
+    <dgm:txEffectClrLst/>
+  </dgm:styleLbl>
+  <dgm:styleLbl name="parChTrans1D1">
+    <dgm:fillClrLst meth="repeat">
+      <a:schemeClr val="accent1"/>
+    </dgm:fillClrLst>
+    <dgm:linClrLst meth="repeat">
+      <a:schemeClr val="accent1">
+        <a:shade val="60000"/>
+      </a:schemeClr>
+    </dgm:linClrLst>
+    <dgm:effectClrLst/>
+    <dgm:txLinClrLst/>
+    <dgm:txFillClrLst meth="repeat">
+      <a:schemeClr val="tx1"/>
+    </dgm:txFillClrLst>
+    <dgm:txEffectClrLst/>
+  </dgm:styleLbl>
+  <dgm:styleLbl name="parChTrans1D2">
+    <dgm:fillClrLst meth="repeat">
+      <a:schemeClr val="accent1"/>
+    </dgm:fillClrLst>
+    <dgm:linClrLst meth="repeat">
+      <a:schemeClr val="accent1">
+        <a:shade val="60000"/>
+      </a:schemeClr>
+    </dgm:linClrLst>
+    <dgm:effectClrLst/>
+    <dgm:txLinClrLst/>
+    <dgm:txFillClrLst meth="repeat">
+      <a:schemeClr val="tx1"/>
+    </dgm:txFillClrLst>
+    <dgm:txEffectClrLst/>
+  </dgm:styleLbl>
+  <dgm:styleLbl name="parChTrans1D3">
+    <dgm:fillClrLst meth="repeat">
+      <a:schemeClr val="accent1"/>
+    </dgm:fillClrLst>
+    <dgm:linClrLst meth="repeat">
+      <a:schemeClr val="accent1">
+        <a:shade val="80000"/>
+      </a:schemeClr>
+    </dgm:linClrLst>
+    <dgm:effectClrLst/>
+    <dgm:txLinClrLst/>
+    <dgm:txFillClrLst meth="repeat">
+      <a:schemeClr val="tx1"/>
+    </dgm:txFillClrLst>
+    <dgm:txEffectClrLst/>
+  </dgm:styleLbl>
+  <dgm:styleLbl name="parChTrans1D4">
+    <dgm:fillClrLst meth="repeat">
+      <a:schemeClr val="accent1"/>
+    </dgm:fillClrLst>
+    <dgm:linClrLst meth="repeat">
+      <a:schemeClr val="accent1">
+        <a:shade val="80000"/>
+      </a:schemeClr>
+    </dgm:linClrLst>
+    <dgm:effectClrLst/>
+    <dgm:txLinClrLst/>
+    <dgm:txFillClrLst meth="repeat">
+      <a:schemeClr val="tx1"/>
+    </dgm:txFillClrLst>
+    <dgm:txEffectClrLst/>
+  </dgm:styleLbl>
+  <dgm:styleLbl name="fgAcc1">
+    <dgm:fillClrLst meth="repeat">
+      <a:schemeClr val="lt1">
+        <a:alpha val="90000"/>
+      </a:schemeClr>
+    </dgm:fillClrLst>
+    <dgm:linClrLst meth="repeat">
+      <a:schemeClr val="accent1"/>
+    </dgm:linClrLst>
+    <dgm:effectClrLst/>
+    <dgm:txLinClrLst/>
+    <dgm:txFillClrLst meth="repeat">
+      <a:schemeClr val="dk1"/>
+    </dgm:txFillClrLst>
+    <dgm:txEffectClrLst/>
+  </dgm:styleLbl>
+  <dgm:styleLbl name="conFgAcc1">
+    <dgm:fillClrLst meth="repeat">
+      <a:schemeClr val="lt1">
+        <a:alpha val="90000"/>
+      </a:schemeClr>
+    </dgm:fillClrLst>
+    <dgm:linClrLst meth="repeat">
+      <a:schemeClr val="accent1"/>
+    </dgm:linClrLst>
+    <dgm:effectClrLst/>
+    <dgm:txLinClrLst/>
+    <dgm:txFillClrLst meth="repeat">
+      <a:schemeClr val="dk1"/>
+    </dgm:txFillClrLst>
+    <dgm:txEffectClrLst/>
+  </dgm:styleLbl>
+  <dgm:styleLbl name="alignAcc1">
+    <dgm:fillClrLst meth="repeat">
+      <a:schemeClr val="lt1">
+        <a:alpha val="90000"/>
+      </a:schemeClr>
+    </dgm:fillClrLst>
+    <dgm:linClrLst meth="repeat">
+      <a:schemeClr val="accent1"/>
+    </dgm:linClrLst>
+    <dgm:effectClrLst/>
+    <dgm:txLinClrLst/>
+    <dgm:txFillClrLst meth="repeat">
+      <a:schemeClr val="dk1"/>
+    </dgm:txFillClrLst>
+    <dgm:txEffectClrLst/>
+  </dgm:styleLbl>
+  <dgm:styleLbl name="trAlignAcc1">
+    <dgm:fillClrLst meth="repeat">
+      <a:schemeClr val="lt1">
+        <a:alpha val="40000"/>
+      </a:schemeClr>
+    </dgm:fillClrLst>
+    <dgm:linClrLst meth="repeat">
+      <a:schemeClr val="accent1"/>
+    </dgm:linClrLst>
+    <dgm:effectClrLst/>
+    <dgm:txLinClrLst/>
+    <dgm:txFillClrLst meth="repeat">
+      <a:schemeClr val="dk1"/>
+    </dgm:txFillClrLst>
+    <dgm:txEffectClrLst/>
+  </dgm:styleLbl>
+  <dgm:styleLbl name="bgAcc1">
+    <dgm:fillClrLst meth="repeat">
+      <a:schemeClr val="lt1">
+        <a:alpha val="90000"/>
+      </a:schemeClr>
+    </dgm:fillClrLst>
+    <dgm:linClrLst meth="repeat">
+      <a:schemeClr val="accent1"/>
+    </dgm:linClrLst>
+    <dgm:effectClrLst/>
+    <dgm:txLinClrLst/>
+    <dgm:txFillClrLst meth="repeat">
+      <a:schemeClr val="dk1"/>
+    </dgm:txFillClrLst>
+    <dgm:txEffectClrLst/>
+  </dgm:styleLbl>
+  <dgm:styleLbl name="solidFgAcc1">
+    <dgm:fillClrLst meth="repeat">
+      <a:schemeClr val="lt1"/>
+    </dgm:fillClrLst>
+    <dgm:linClrLst meth="repeat">
+      <a:schemeClr val="accent1"/>
+    </dgm:linClrLst>
+    <dgm:effectClrLst/>
+    <dgm:txLinClrLst/>
+    <dgm:txFillClrLst meth="repeat">
+      <a:schemeClr val="dk1"/>
+    </dgm:txFillClrLst>
+    <dgm:txEffectClrLst/>
+  </dgm:styleLbl>
+  <dgm:styleLbl name="solidAlignAcc1">
+    <dgm:fillClrLst meth="repeat">
+      <a:schemeClr val="lt1"/>
+    </dgm:fillClrLst>
+    <dgm:linClrLst meth="repeat">
+      <a:schemeClr val="accent1"/>
+    </dgm:linClrLst>
+    <dgm:effectClrLst/>
+    <dgm:txLinClrLst/>
+    <dgm:txFillClrLst meth="repeat">
+      <a:schemeClr val="dk1"/>
+    </dgm:txFillClrLst>
+    <dgm:txEffectClrLst/>
+  </dgm:styleLbl>
+  <dgm:styleLbl name="solidBgAcc1">
+    <dgm:fillClrLst meth="repeat">
+      <a:schemeClr val="lt1"/>
+    </dgm:fillClrLst>
+    <dgm:linClrLst meth="repeat">
+      <a:schemeClr val="accent1"/>
+    </dgm:linClrLst>
+    <dgm:effectClrLst/>
+    <dgm:txLinClrLst/>
+    <dgm:txFillClrLst meth="repeat">
+      <a:schemeClr val="dk1"/>
+    </dgm:txFillClrLst>
+    <dgm:txEffectClrLst/>
+  </dgm:styleLbl>
+  <dgm:styleLbl name="fgAccFollowNode1">
+    <dgm:fillClrLst meth="repeat">
+      <a:schemeClr val="accent1">
+        <a:alpha val="90000"/>
+        <a:tint val="40000"/>
+      </a:schemeClr>
+    </dgm:fillClrLst>
+    <dgm:linClrLst meth="repeat">
+      <a:schemeClr val="accent1">
+        <a:alpha val="90000"/>
+        <a:tint val="40000"/>
+      </a:schemeClr>
+    </dgm:linClrLst>
+    <dgm:effectClrLst/>
+    <dgm:txLinClrLst/>
+    <dgm:txFillClrLst meth="repeat">
+      <a:schemeClr val="dk1"/>
+    </dgm:txFillClrLst>
+    <dgm:txEffectClrLst/>
+  </dgm:styleLbl>
+  <dgm:styleLbl name="alignAccFollowNode1">
+    <dgm:fillClrLst meth="repeat">
+      <a:schemeClr val="accent1">
+        <a:alpha val="90000"/>
+        <a:tint val="40000"/>
+      </a:schemeClr>
+    </dgm:fillClrLst>
+    <dgm:linClrLst meth="repeat">
+      <a:schemeClr val="accent1">
+        <a:alpha val="90000"/>
+        <a:tint val="40000"/>
+      </a:schemeClr>
+    </dgm:linClrLst>
+    <dgm:effectClrLst/>
+    <dgm:txLinClrLst/>
+    <dgm:txFillClrLst meth="repeat">
+      <a:schemeClr val="dk1"/>
+    </dgm:txFillClrLst>
+    <dgm:txEffectClrLst/>
+  </dgm:styleLbl>
+  <dgm:styleLbl name="bgAccFollowNode1">
+    <dgm:fillClrLst meth="repeat">
+      <a:schemeClr val="accent1">
+        <a:alpha val="90000"/>
+        <a:tint val="40000"/>
+      </a:schemeClr>
+    </dgm:fillClrLst>
+    <dgm:linClrLst meth="repeat">
+      <a:schemeClr val="accent1">
+        <a:alpha val="90000"/>
+        <a:tint val="40000"/>
+      </a:schemeClr>
+    </dgm:linClrLst>
+    <dgm:effectClrLst/>
+    <dgm:txLinClrLst/>
+    <dgm:txFillClrLst meth="repeat">
+      <a:schemeClr val="dk1"/>
+    </dgm:txFillClrLst>
+    <dgm:txEffectClrLst/>
+  </dgm:styleLbl>
+  <dgm:styleLbl name="fgAcc0">
+    <dgm:fillClrLst meth="repeat">
+      <a:schemeClr val="lt1">
+        <a:alpha val="90000"/>
+      </a:schemeClr>
+    </dgm:fillClrLst>
+    <dgm:linClrLst meth="repeat">
+      <a:schemeClr val="accent1"/>
+    </dgm:linClrLst>
+    <dgm:effectClrLst/>
+    <dgm:txLinClrLst/>
+    <dgm:txFillClrLst meth="repeat">
+      <a:schemeClr val="dk1"/>
+    </dgm:txFillClrLst>
+    <dgm:txEffectClrLst/>
+  </dgm:styleLbl>
+  <dgm:styleLbl name="fgAcc2">
+    <dgm:fillClrLst meth="repeat">
+      <a:schemeClr val="lt1">
+        <a:alpha val="90000"/>
+      </a:schemeClr>
+    </dgm:fillClrLst>
+    <dgm:linClrLst meth="repeat">
+      <a:schemeClr val="accent1"/>
+    </dgm:linClrLst>
+    <dgm:effectClrLst/>
+    <dgm:txLinClrLst/>
+    <dgm:txFillClrLst meth="repeat">
+      <a:schemeClr val="dk1"/>
+    </dgm:txFillClrLst>
+    <dgm:txEffectClrLst/>
+  </dgm:styleLbl>
+  <dgm:styleLbl name="fgAcc3">
+    <dgm:fillClrLst meth="repeat">
+      <a:schemeClr val="lt1">
+        <a:alpha val="90000"/>
+      </a:schemeClr>
+    </dgm:fillClrLst>
+    <dgm:linClrLst meth="repeat">
+      <a:schemeClr val="accent1"/>
+    </dgm:linClrLst>
+    <dgm:effectClrLst/>
+    <dgm:txLinClrLst/>
+    <dgm:txFillClrLst meth="repeat">
+      <a:schemeClr val="dk1"/>
+    </dgm:txFillClrLst>
+    <dgm:txEffectClrLst/>
+  </dgm:styleLbl>
+  <dgm:styleLbl name="fgAcc4">
+    <dgm:fillClrLst meth="repeat">
+      <a:schemeClr val="lt1">
+        <a:alpha val="90000"/>
+      </a:schemeClr>
+    </dgm:fillClrLst>
+    <dgm:linClrLst meth="repeat">
+      <a:schemeClr val="accent1"/>
+    </dgm:linClrLst>
+    <dgm:effectClrLst/>
+    <dgm:txLinClrLst/>
+    <dgm:txFillClrLst meth="repeat">
+      <a:schemeClr val="dk1"/>
+    </dgm:txFillClrLst>
+    <dgm:txEffectClrLst/>
+  </dgm:styleLbl>
+  <dgm:styleLbl name="bgShp">
+    <dgm:fillClrLst meth="repeat">
+      <a:schemeClr val="accent1">
+        <a:tint val="40000"/>
+      </a:schemeClr>
+    </dgm:fillClrLst>
+    <dgm:linClrLst meth="repeat">
+      <a:schemeClr val="accent1"/>
+    </dgm:linClrLst>
+    <dgm:effectClrLst/>
+    <dgm:txLinClrLst/>
+    <dgm:txFillClrLst meth="repeat">
+      <a:schemeClr val="dk1"/>
+    </dgm:txFillClrLst>
+    <dgm:txEffectClrLst/>
+  </dgm:styleLbl>
+  <dgm:styleLbl name="dkBgShp">
+    <dgm:fillClrLst meth="repeat">
+      <a:schemeClr val="accent1">
+        <a:shade val="80000"/>
+      </a:schemeClr>
+    </dgm:fillClrLst>
+    <dgm:linClrLst meth="repeat">
+      <a:schemeClr val="accent1"/>
+    </dgm:linClrLst>
+    <dgm:effectClrLst/>
+    <dgm:txLinClrLst/>
+    <dgm:txFillClrLst meth="repeat">
+      <a:schemeClr val="lt1"/>
+    </dgm:txFillClrLst>
+    <dgm:txEffectClrLst/>
+  </dgm:styleLbl>
+  <dgm:styleLbl name="trBgShp">
+    <dgm:fillClrLst meth="repeat">
+      <a:schemeClr val="accent1">
+        <a:tint val="50000"/>
+        <a:alpha val="40000"/>
+      </a:schemeClr>
+    </dgm:fillClrLst>
+    <dgm:linClrLst meth="repeat">
+      <a:schemeClr val="accent1"/>
+    </dgm:linClrLst>
+    <dgm:effectClrLst/>
+    <dgm:txLinClrLst/>
+    <dgm:txFillClrLst meth="repeat">
+      <a:schemeClr val="lt1"/>
+    </dgm:txFillClrLst>
+    <dgm:txEffectClrLst/>
+  </dgm:styleLbl>
+  <dgm:styleLbl name="fgShp">
+    <dgm:fillClrLst meth="repeat">
+      <a:schemeClr val="accent1">
+        <a:tint val="60000"/>
+      </a:schemeClr>
+    </dgm:fillClrLst>
+    <dgm:linClrLst meth="repeat">
+      <a:schemeClr val="lt1"/>
+    </dgm:linClrLst>
+    <dgm:effectClrLst/>
+    <dgm:txLinClrLst/>
+    <dgm:txFillClrLst meth="repeat">
+      <a:schemeClr val="dk1"/>
+    </dgm:txFillClrLst>
+    <dgm:txEffectClrLst/>
+  </dgm:styleLbl>
+  <dgm:styleLbl name="revTx">
+    <dgm:fillClrLst meth="repeat">
+      <a:schemeClr val="lt1">
+        <a:alpha val="0"/>
+      </a:schemeClr>
+    </dgm:fillClrLst>
+    <dgm:linClrLst meth="repeat">
+      <a:schemeClr val="dk1">
+        <a:alpha val="0"/>
+      </a:schemeClr>
+    </dgm:linClrLst>
+    <dgm:effectClrLst/>
+    <dgm:txLinClrLst/>
+    <dgm:txFillClrLst meth="repeat">
+      <a:schemeClr val="tx1"/>
+    </dgm:txFillClrLst>
+    <dgm:txEffectClrLst/>
+  </dgm:styleLbl>
+</dgm:colorsDef>
+</file>
+
 <file path=ppt/diagrams/data1.xml><?xml version="1.0" encoding="utf-8"?>
+<dgm:dataModel xmlns:dgm="http://schemas.openxmlformats.org/drawingml/2006/diagram" xmlns:a="http://schemas.openxmlformats.org/drawingml/2006/main">
+  <dgm:ptLst>
+    <dgm:pt modelId="{487213EA-0C62-B140-9522-97F2585501F7}" type="doc">
+      <dgm:prSet loTypeId="urn:microsoft.com/office/officeart/2005/8/layout/process1" loCatId="" qsTypeId="urn:microsoft.com/office/officeart/2005/8/quickstyle/simple4" qsCatId="simple" csTypeId="urn:microsoft.com/office/officeart/2005/8/colors/accent1_2" csCatId="accent1" phldr="1"/>
+      <dgm:spPr/>
+    </dgm:pt>
+    <dgm:pt modelId="{08FEC4A1-DA2F-D84B-A35E-505A8C985C20}">
+      <dgm:prSet phldrT="[Text]"/>
+      <dgm:spPr/>
+      <dgm:t>
+        <a:bodyPr/>
+        <a:lstStyle/>
+        <a:p>
+          <a:r>
+            <a:rPr lang="en-US" dirty="0" smtClean="0"/>
+            <a:t>Get tweets</a:t>
+          </a:r>
+          <a:endParaRPr lang="en-US" dirty="0"/>
+        </a:p>
+      </dgm:t>
+    </dgm:pt>
+    <dgm:pt modelId="{D94A69D7-19A5-1C48-83C5-39B69DBCFDC9}" type="parTrans" cxnId="{9666B4A4-9DBD-F449-8DD8-03350F389A73}">
+      <dgm:prSet/>
+      <dgm:spPr/>
+      <dgm:t>
+        <a:bodyPr/>
+        <a:lstStyle/>
+        <a:p>
+          <a:endParaRPr lang="en-US"/>
+        </a:p>
+      </dgm:t>
+    </dgm:pt>
+    <dgm:pt modelId="{81600247-53CA-C24F-A0BF-FA12F9CCD22F}" type="sibTrans" cxnId="{9666B4A4-9DBD-F449-8DD8-03350F389A73}">
+      <dgm:prSet/>
+      <dgm:spPr/>
+      <dgm:t>
+        <a:bodyPr/>
+        <a:lstStyle/>
+        <a:p>
+          <a:endParaRPr lang="en-US"/>
+        </a:p>
+      </dgm:t>
+    </dgm:pt>
+    <dgm:pt modelId="{E74166D3-FA19-FE4B-990B-05EA1CEE3642}">
+      <dgm:prSet phldrT="[Text]"/>
+      <dgm:spPr/>
+      <dgm:t>
+        <a:bodyPr/>
+        <a:lstStyle/>
+        <a:p>
+          <a:r>
+            <a:rPr lang="en-US" dirty="0" smtClean="0"/>
+            <a:t>Clustering/Topic Modeling</a:t>
+          </a:r>
+          <a:endParaRPr lang="en-US" dirty="0"/>
+        </a:p>
+      </dgm:t>
+    </dgm:pt>
+    <dgm:pt modelId="{D3FB07B9-F06E-E542-A179-174382AC56CA}" type="parTrans" cxnId="{57757CD2-1E8C-034C-96CD-96576B09858F}">
+      <dgm:prSet/>
+      <dgm:spPr/>
+      <dgm:t>
+        <a:bodyPr/>
+        <a:lstStyle/>
+        <a:p>
+          <a:endParaRPr lang="en-US"/>
+        </a:p>
+      </dgm:t>
+    </dgm:pt>
+    <dgm:pt modelId="{646372C4-954D-0E48-8630-2A85D6FFC5D3}" type="sibTrans" cxnId="{57757CD2-1E8C-034C-96CD-96576B09858F}">
+      <dgm:prSet/>
+      <dgm:spPr/>
+      <dgm:t>
+        <a:bodyPr/>
+        <a:lstStyle/>
+        <a:p>
+          <a:endParaRPr lang="en-US"/>
+        </a:p>
+      </dgm:t>
+    </dgm:pt>
+    <dgm:pt modelId="{491DE01B-7B7F-4D44-82D3-14F7DC9A531C}">
+      <dgm:prSet phldrT="[Text]"/>
+      <dgm:spPr/>
+      <dgm:t>
+        <a:bodyPr/>
+        <a:lstStyle/>
+        <a:p>
+          <a:r>
+            <a:rPr lang="en-US" dirty="0" smtClean="0"/>
+            <a:t>Perfect Tweet Labeling System</a:t>
+          </a:r>
+          <a:endParaRPr lang="en-US" dirty="0"/>
+        </a:p>
+      </dgm:t>
+    </dgm:pt>
+    <dgm:pt modelId="{93630C24-ABF9-3C42-A514-62214FE87B54}" type="parTrans" cxnId="{B4E118C6-09F7-F440-AAD3-ED93DF011BB4}">
+      <dgm:prSet/>
+      <dgm:spPr/>
+      <dgm:t>
+        <a:bodyPr/>
+        <a:lstStyle/>
+        <a:p>
+          <a:endParaRPr lang="en-US"/>
+        </a:p>
+      </dgm:t>
+    </dgm:pt>
+    <dgm:pt modelId="{534309D4-DFF3-2A44-9E63-232709410605}" type="sibTrans" cxnId="{B4E118C6-09F7-F440-AAD3-ED93DF011BB4}">
+      <dgm:prSet/>
+      <dgm:spPr/>
+      <dgm:t>
+        <a:bodyPr/>
+        <a:lstStyle/>
+        <a:p>
+          <a:endParaRPr lang="en-US"/>
+        </a:p>
+      </dgm:t>
+    </dgm:pt>
+    <dgm:pt modelId="{450245C4-540C-1649-B721-B3263510DEE9}">
+      <dgm:prSet/>
+      <dgm:spPr/>
+      <dgm:t>
+        <a:bodyPr/>
+        <a:lstStyle/>
+        <a:p>
+          <a:r>
+            <a:rPr lang="en-US" dirty="0" smtClean="0"/>
+            <a:t>Chunk Labeling/Classification</a:t>
+          </a:r>
+          <a:endParaRPr lang="en-US" dirty="0"/>
+        </a:p>
+      </dgm:t>
+    </dgm:pt>
+    <dgm:pt modelId="{650A4BF5-40BC-D24A-AAFD-D17A5B7E21CC}" type="parTrans" cxnId="{B0ECC69D-0C76-D941-92EB-7595AE5A8EB6}">
+      <dgm:prSet/>
+      <dgm:spPr/>
+      <dgm:t>
+        <a:bodyPr/>
+        <a:lstStyle/>
+        <a:p>
+          <a:endParaRPr lang="en-US"/>
+        </a:p>
+      </dgm:t>
+    </dgm:pt>
+    <dgm:pt modelId="{722E1800-8C8D-834D-A48B-62E373F7A617}" type="sibTrans" cxnId="{B0ECC69D-0C76-D941-92EB-7595AE5A8EB6}">
+      <dgm:prSet/>
+      <dgm:spPr/>
+      <dgm:t>
+        <a:bodyPr/>
+        <a:lstStyle/>
+        <a:p>
+          <a:endParaRPr lang="en-US"/>
+        </a:p>
+      </dgm:t>
+    </dgm:pt>
+    <dgm:pt modelId="{AF5FCB65-D794-7844-8BB2-37F3738C573D}">
+      <dgm:prSet/>
+      <dgm:spPr/>
+      <dgm:t>
+        <a:bodyPr/>
+        <a:lstStyle/>
+        <a:p>
+          <a:r>
+            <a:rPr lang="en-US" dirty="0" smtClean="0"/>
+            <a:t>Supervised Learning</a:t>
+          </a:r>
+        </a:p>
+        <a:p>
+          <a:r>
+            <a:rPr lang="en-US" dirty="0" smtClean="0"/>
+            <a:t>Train and Test on new tweets </a:t>
+          </a:r>
+          <a:endParaRPr lang="en-US" dirty="0"/>
+        </a:p>
+      </dgm:t>
+    </dgm:pt>
+    <dgm:pt modelId="{B79C14E9-7BF9-C54E-A49A-CEFC7251B9F0}" type="parTrans" cxnId="{891C453D-0961-454C-8497-A2B9284990B5}">
+      <dgm:prSet/>
+      <dgm:spPr/>
+      <dgm:t>
+        <a:bodyPr/>
+        <a:lstStyle/>
+        <a:p>
+          <a:endParaRPr lang="en-US"/>
+        </a:p>
+      </dgm:t>
+    </dgm:pt>
+    <dgm:pt modelId="{52F5F9F0-0E65-2443-BEE4-5F9116C1FCC9}" type="sibTrans" cxnId="{891C453D-0961-454C-8497-A2B9284990B5}">
+      <dgm:prSet/>
+      <dgm:spPr/>
+      <dgm:t>
+        <a:bodyPr/>
+        <a:lstStyle/>
+        <a:p>
+          <a:endParaRPr lang="en-US"/>
+        </a:p>
+      </dgm:t>
+    </dgm:pt>
+    <dgm:pt modelId="{B1B50FB4-385B-8C49-B85C-9795C1C8FCAD}" type="pres">
+      <dgm:prSet presAssocID="{487213EA-0C62-B140-9522-97F2585501F7}" presName="Name0" presStyleCnt="0">
+        <dgm:presLayoutVars>
+          <dgm:dir/>
+          <dgm:resizeHandles val="exact"/>
+        </dgm:presLayoutVars>
+      </dgm:prSet>
+      <dgm:spPr/>
+    </dgm:pt>
+    <dgm:pt modelId="{41B61215-FFEA-BF40-A84E-3C040006817D}" type="pres">
+      <dgm:prSet presAssocID="{08FEC4A1-DA2F-D84B-A35E-505A8C985C20}" presName="node" presStyleLbl="node1" presStyleIdx="0" presStyleCnt="5">
+        <dgm:presLayoutVars>
+          <dgm:bulletEnabled val="1"/>
+        </dgm:presLayoutVars>
+      </dgm:prSet>
+      <dgm:spPr/>
+      <dgm:t>
+        <a:bodyPr/>
+        <a:lstStyle/>
+        <a:p>
+          <a:endParaRPr lang="en-US"/>
+        </a:p>
+      </dgm:t>
+    </dgm:pt>
+    <dgm:pt modelId="{604A8E76-F68C-5B4D-954B-EB34AB30918F}" type="pres">
+      <dgm:prSet presAssocID="{81600247-53CA-C24F-A0BF-FA12F9CCD22F}" presName="sibTrans" presStyleLbl="sibTrans2D1" presStyleIdx="0" presStyleCnt="4"/>
+      <dgm:spPr/>
+    </dgm:pt>
+    <dgm:pt modelId="{E2573776-254D-BF40-9563-1172B3B24F52}" type="pres">
+      <dgm:prSet presAssocID="{81600247-53CA-C24F-A0BF-FA12F9CCD22F}" presName="connectorText" presStyleLbl="sibTrans2D1" presStyleIdx="0" presStyleCnt="4"/>
+      <dgm:spPr/>
+    </dgm:pt>
+    <dgm:pt modelId="{3153C931-C2FF-F743-846C-4302549D7876}" type="pres">
+      <dgm:prSet presAssocID="{E74166D3-FA19-FE4B-990B-05EA1CEE3642}" presName="node" presStyleLbl="node1" presStyleIdx="1" presStyleCnt="5">
+        <dgm:presLayoutVars>
+          <dgm:bulletEnabled val="1"/>
+        </dgm:presLayoutVars>
+      </dgm:prSet>
+      <dgm:spPr/>
+      <dgm:t>
+        <a:bodyPr/>
+        <a:lstStyle/>
+        <a:p>
+          <a:endParaRPr lang="en-US"/>
+        </a:p>
+      </dgm:t>
+    </dgm:pt>
+    <dgm:pt modelId="{26E3CED9-5784-334A-8384-AA950821FE9E}" type="pres">
+      <dgm:prSet presAssocID="{646372C4-954D-0E48-8630-2A85D6FFC5D3}" presName="sibTrans" presStyleLbl="sibTrans2D1" presStyleIdx="1" presStyleCnt="4"/>
+      <dgm:spPr/>
+    </dgm:pt>
+    <dgm:pt modelId="{FB517D0E-316F-BD47-A682-8A7E199F27FB}" type="pres">
+      <dgm:prSet presAssocID="{646372C4-954D-0E48-8630-2A85D6FFC5D3}" presName="connectorText" presStyleLbl="sibTrans2D1" presStyleIdx="1" presStyleCnt="4"/>
+      <dgm:spPr/>
+    </dgm:pt>
+    <dgm:pt modelId="{0D0B2A20-0A4C-D647-BA90-FC49AA8601B0}" type="pres">
+      <dgm:prSet presAssocID="{450245C4-540C-1649-B721-B3263510DEE9}" presName="node" presStyleLbl="node1" presStyleIdx="2" presStyleCnt="5">
+        <dgm:presLayoutVars>
+          <dgm:bulletEnabled val="1"/>
+        </dgm:presLayoutVars>
+      </dgm:prSet>
+      <dgm:spPr/>
+    </dgm:pt>
+    <dgm:pt modelId="{6D9700D8-9335-DD4A-836B-434F8C531467}" type="pres">
+      <dgm:prSet presAssocID="{722E1800-8C8D-834D-A48B-62E373F7A617}" presName="sibTrans" presStyleLbl="sibTrans2D1" presStyleIdx="2" presStyleCnt="4"/>
+      <dgm:spPr/>
+    </dgm:pt>
+    <dgm:pt modelId="{791C819B-7E2B-8B41-8EA6-F29E1D2A10AD}" type="pres">
+      <dgm:prSet presAssocID="{722E1800-8C8D-834D-A48B-62E373F7A617}" presName="connectorText" presStyleLbl="sibTrans2D1" presStyleIdx="2" presStyleCnt="4"/>
+      <dgm:spPr/>
+    </dgm:pt>
+    <dgm:pt modelId="{DF1E7878-7064-C34C-8AF9-3767CCBB9DE3}" type="pres">
+      <dgm:prSet presAssocID="{AF5FCB65-D794-7844-8BB2-37F3738C573D}" presName="node" presStyleLbl="node1" presStyleIdx="3" presStyleCnt="5">
+        <dgm:presLayoutVars>
+          <dgm:bulletEnabled val="1"/>
+        </dgm:presLayoutVars>
+      </dgm:prSet>
+      <dgm:spPr/>
+      <dgm:t>
+        <a:bodyPr/>
+        <a:lstStyle/>
+        <a:p>
+          <a:endParaRPr lang="en-US"/>
+        </a:p>
+      </dgm:t>
+    </dgm:pt>
+    <dgm:pt modelId="{B38F8748-2CCA-264F-9B3B-D4DFD749DD15}" type="pres">
+      <dgm:prSet presAssocID="{52F5F9F0-0E65-2443-BEE4-5F9116C1FCC9}" presName="sibTrans" presStyleLbl="sibTrans2D1" presStyleIdx="3" presStyleCnt="4"/>
+      <dgm:spPr/>
+    </dgm:pt>
+    <dgm:pt modelId="{827D4324-F2B4-AD44-AB54-69D06EA168CF}" type="pres">
+      <dgm:prSet presAssocID="{52F5F9F0-0E65-2443-BEE4-5F9116C1FCC9}" presName="connectorText" presStyleLbl="sibTrans2D1" presStyleIdx="3" presStyleCnt="4"/>
+      <dgm:spPr/>
+    </dgm:pt>
+    <dgm:pt modelId="{5DC3ADA8-4AE5-A046-B187-145A07841CC6}" type="pres">
+      <dgm:prSet presAssocID="{491DE01B-7B7F-4D44-82D3-14F7DC9A531C}" presName="node" presStyleLbl="node1" presStyleIdx="4" presStyleCnt="5">
+        <dgm:presLayoutVars>
+          <dgm:bulletEnabled val="1"/>
+        </dgm:presLayoutVars>
+      </dgm:prSet>
+      <dgm:spPr/>
+    </dgm:pt>
+  </dgm:ptLst>
+  <dgm:cxnLst>
+    <dgm:cxn modelId="{359EAAAF-0C51-194B-9EF0-6E5B244664E2}" type="presOf" srcId="{722E1800-8C8D-834D-A48B-62E373F7A617}" destId="{6D9700D8-9335-DD4A-836B-434F8C531467}" srcOrd="0" destOrd="0" presId="urn:microsoft.com/office/officeart/2005/8/layout/process1"/>
+    <dgm:cxn modelId="{9666B4A4-9DBD-F449-8DD8-03350F389A73}" srcId="{487213EA-0C62-B140-9522-97F2585501F7}" destId="{08FEC4A1-DA2F-D84B-A35E-505A8C985C20}" srcOrd="0" destOrd="0" parTransId="{D94A69D7-19A5-1C48-83C5-39B69DBCFDC9}" sibTransId="{81600247-53CA-C24F-A0BF-FA12F9CCD22F}"/>
+    <dgm:cxn modelId="{58F994B4-1806-914A-912E-C39E0EEA131A}" type="presOf" srcId="{AF5FCB65-D794-7844-8BB2-37F3738C573D}" destId="{DF1E7878-7064-C34C-8AF9-3767CCBB9DE3}" srcOrd="0" destOrd="0" presId="urn:microsoft.com/office/officeart/2005/8/layout/process1"/>
+    <dgm:cxn modelId="{598E3D0C-B7D8-CB49-BE6D-73B2CAF7D0C3}" type="presOf" srcId="{487213EA-0C62-B140-9522-97F2585501F7}" destId="{B1B50FB4-385B-8C49-B85C-9795C1C8FCAD}" srcOrd="0" destOrd="0" presId="urn:microsoft.com/office/officeart/2005/8/layout/process1"/>
+    <dgm:cxn modelId="{97974C22-3060-0241-AC06-1CFD7CEC1360}" type="presOf" srcId="{08FEC4A1-DA2F-D84B-A35E-505A8C985C20}" destId="{41B61215-FFEA-BF40-A84E-3C040006817D}" srcOrd="0" destOrd="0" presId="urn:microsoft.com/office/officeart/2005/8/layout/process1"/>
+    <dgm:cxn modelId="{14A03C53-360D-2F46-BD7B-953FD10B0674}" type="presOf" srcId="{646372C4-954D-0E48-8630-2A85D6FFC5D3}" destId="{26E3CED9-5784-334A-8384-AA950821FE9E}" srcOrd="0" destOrd="0" presId="urn:microsoft.com/office/officeart/2005/8/layout/process1"/>
+    <dgm:cxn modelId="{891C453D-0961-454C-8497-A2B9284990B5}" srcId="{487213EA-0C62-B140-9522-97F2585501F7}" destId="{AF5FCB65-D794-7844-8BB2-37F3738C573D}" srcOrd="3" destOrd="0" parTransId="{B79C14E9-7BF9-C54E-A49A-CEFC7251B9F0}" sibTransId="{52F5F9F0-0E65-2443-BEE4-5F9116C1FCC9}"/>
+    <dgm:cxn modelId="{C88274A9-B580-2C43-8C49-0719E6329876}" type="presOf" srcId="{646372C4-954D-0E48-8630-2A85D6FFC5D3}" destId="{FB517D0E-316F-BD47-A682-8A7E199F27FB}" srcOrd="1" destOrd="0" presId="urn:microsoft.com/office/officeart/2005/8/layout/process1"/>
+    <dgm:cxn modelId="{ACDC6951-D2E2-A140-AE5C-C0A983638B8B}" type="presOf" srcId="{E74166D3-FA19-FE4B-990B-05EA1CEE3642}" destId="{3153C931-C2FF-F743-846C-4302549D7876}" srcOrd="0" destOrd="0" presId="urn:microsoft.com/office/officeart/2005/8/layout/process1"/>
+    <dgm:cxn modelId="{548BFFD9-111E-AB4E-BE02-E3C6BA68011E}" type="presOf" srcId="{450245C4-540C-1649-B721-B3263510DEE9}" destId="{0D0B2A20-0A4C-D647-BA90-FC49AA8601B0}" srcOrd="0" destOrd="0" presId="urn:microsoft.com/office/officeart/2005/8/layout/process1"/>
+    <dgm:cxn modelId="{02B821BD-322E-9D45-8AF0-C9E33EB49B13}" type="presOf" srcId="{52F5F9F0-0E65-2443-BEE4-5F9116C1FCC9}" destId="{B38F8748-2CCA-264F-9B3B-D4DFD749DD15}" srcOrd="0" destOrd="0" presId="urn:microsoft.com/office/officeart/2005/8/layout/process1"/>
+    <dgm:cxn modelId="{9D91A3FF-F0FF-2742-B620-C8F343302EAF}" type="presOf" srcId="{81600247-53CA-C24F-A0BF-FA12F9CCD22F}" destId="{E2573776-254D-BF40-9563-1172B3B24F52}" srcOrd="1" destOrd="0" presId="urn:microsoft.com/office/officeart/2005/8/layout/process1"/>
+    <dgm:cxn modelId="{F50C40DB-A6FC-9E48-953C-0F663F710AAE}" type="presOf" srcId="{81600247-53CA-C24F-A0BF-FA12F9CCD22F}" destId="{604A8E76-F68C-5B4D-954B-EB34AB30918F}" srcOrd="0" destOrd="0" presId="urn:microsoft.com/office/officeart/2005/8/layout/process1"/>
+    <dgm:cxn modelId="{B0ECC69D-0C76-D941-92EB-7595AE5A8EB6}" srcId="{487213EA-0C62-B140-9522-97F2585501F7}" destId="{450245C4-540C-1649-B721-B3263510DEE9}" srcOrd="2" destOrd="0" parTransId="{650A4BF5-40BC-D24A-AAFD-D17A5B7E21CC}" sibTransId="{722E1800-8C8D-834D-A48B-62E373F7A617}"/>
+    <dgm:cxn modelId="{9296F815-0757-7B44-B101-D96DA67CFAE2}" type="presOf" srcId="{52F5F9F0-0E65-2443-BEE4-5F9116C1FCC9}" destId="{827D4324-F2B4-AD44-AB54-69D06EA168CF}" srcOrd="1" destOrd="0" presId="urn:microsoft.com/office/officeart/2005/8/layout/process1"/>
+    <dgm:cxn modelId="{57757CD2-1E8C-034C-96CD-96576B09858F}" srcId="{487213EA-0C62-B140-9522-97F2585501F7}" destId="{E74166D3-FA19-FE4B-990B-05EA1CEE3642}" srcOrd="1" destOrd="0" parTransId="{D3FB07B9-F06E-E542-A179-174382AC56CA}" sibTransId="{646372C4-954D-0E48-8630-2A85D6FFC5D3}"/>
+    <dgm:cxn modelId="{3C65CA02-3082-4B44-ADB8-397DE92286BC}" type="presOf" srcId="{722E1800-8C8D-834D-A48B-62E373F7A617}" destId="{791C819B-7E2B-8B41-8EA6-F29E1D2A10AD}" srcOrd="1" destOrd="0" presId="urn:microsoft.com/office/officeart/2005/8/layout/process1"/>
+    <dgm:cxn modelId="{B4E118C6-09F7-F440-AAD3-ED93DF011BB4}" srcId="{487213EA-0C62-B140-9522-97F2585501F7}" destId="{491DE01B-7B7F-4D44-82D3-14F7DC9A531C}" srcOrd="4" destOrd="0" parTransId="{93630C24-ABF9-3C42-A514-62214FE87B54}" sibTransId="{534309D4-DFF3-2A44-9E63-232709410605}"/>
+    <dgm:cxn modelId="{C6767B43-3410-2B4A-AD8A-6CCE0C0D87A2}" type="presOf" srcId="{491DE01B-7B7F-4D44-82D3-14F7DC9A531C}" destId="{5DC3ADA8-4AE5-A046-B187-145A07841CC6}" srcOrd="0" destOrd="0" presId="urn:microsoft.com/office/officeart/2005/8/layout/process1"/>
+    <dgm:cxn modelId="{84C5F29C-9229-3A43-99FF-C581BF1983C0}" type="presParOf" srcId="{B1B50FB4-385B-8C49-B85C-9795C1C8FCAD}" destId="{41B61215-FFEA-BF40-A84E-3C040006817D}" srcOrd="0" destOrd="0" presId="urn:microsoft.com/office/officeart/2005/8/layout/process1"/>
+    <dgm:cxn modelId="{03DF131F-92DE-9E4B-8FC7-114733100B25}" type="presParOf" srcId="{B1B50FB4-385B-8C49-B85C-9795C1C8FCAD}" destId="{604A8E76-F68C-5B4D-954B-EB34AB30918F}" srcOrd="1" destOrd="0" presId="urn:microsoft.com/office/officeart/2005/8/layout/process1"/>
+    <dgm:cxn modelId="{83B7CDFC-23D9-574C-8331-5EA4D9FF7FDD}" type="presParOf" srcId="{604A8E76-F68C-5B4D-954B-EB34AB30918F}" destId="{E2573776-254D-BF40-9563-1172B3B24F52}" srcOrd="0" destOrd="0" presId="urn:microsoft.com/office/officeart/2005/8/layout/process1"/>
+    <dgm:cxn modelId="{9D99182F-DEEB-224A-87D6-B7DE846BAFB9}" type="presParOf" srcId="{B1B50FB4-385B-8C49-B85C-9795C1C8FCAD}" destId="{3153C931-C2FF-F743-846C-4302549D7876}" srcOrd="2" destOrd="0" presId="urn:microsoft.com/office/officeart/2005/8/layout/process1"/>
+    <dgm:cxn modelId="{A3A5236F-FF87-304B-A989-384F8BAFF7FA}" type="presParOf" srcId="{B1B50FB4-385B-8C49-B85C-9795C1C8FCAD}" destId="{26E3CED9-5784-334A-8384-AA950821FE9E}" srcOrd="3" destOrd="0" presId="urn:microsoft.com/office/officeart/2005/8/layout/process1"/>
+    <dgm:cxn modelId="{1F88A6D4-F876-6E4F-8DDA-89E5570FD1D1}" type="presParOf" srcId="{26E3CED9-5784-334A-8384-AA950821FE9E}" destId="{FB517D0E-316F-BD47-A682-8A7E199F27FB}" srcOrd="0" destOrd="0" presId="urn:microsoft.com/office/officeart/2005/8/layout/process1"/>
+    <dgm:cxn modelId="{56C9A8E7-7B6A-A94E-AFA2-0FBA48A7EBF0}" type="presParOf" srcId="{B1B50FB4-385B-8C49-B85C-9795C1C8FCAD}" destId="{0D0B2A20-0A4C-D647-BA90-FC49AA8601B0}" srcOrd="4" destOrd="0" presId="urn:microsoft.com/office/officeart/2005/8/layout/process1"/>
+    <dgm:cxn modelId="{4F08C559-56F9-6242-9D4F-28D803B6A738}" type="presParOf" srcId="{B1B50FB4-385B-8C49-B85C-9795C1C8FCAD}" destId="{6D9700D8-9335-DD4A-836B-434F8C531467}" srcOrd="5" destOrd="0" presId="urn:microsoft.com/office/officeart/2005/8/layout/process1"/>
+    <dgm:cxn modelId="{FDC3912B-ED0A-624F-A38B-D31AB925A5B4}" type="presParOf" srcId="{6D9700D8-9335-DD4A-836B-434F8C531467}" destId="{791C819B-7E2B-8B41-8EA6-F29E1D2A10AD}" srcOrd="0" destOrd="0" presId="urn:microsoft.com/office/officeart/2005/8/layout/process1"/>
+    <dgm:cxn modelId="{D6D28EC5-882E-7848-B2C3-AA53601A6399}" type="presParOf" srcId="{B1B50FB4-385B-8C49-B85C-9795C1C8FCAD}" destId="{DF1E7878-7064-C34C-8AF9-3767CCBB9DE3}" srcOrd="6" destOrd="0" presId="urn:microsoft.com/office/officeart/2005/8/layout/process1"/>
+    <dgm:cxn modelId="{39C7A9CB-30E4-EF4F-95C6-70838CED8CEB}" type="presParOf" srcId="{B1B50FB4-385B-8C49-B85C-9795C1C8FCAD}" destId="{B38F8748-2CCA-264F-9B3B-D4DFD749DD15}" srcOrd="7" destOrd="0" presId="urn:microsoft.com/office/officeart/2005/8/layout/process1"/>
+    <dgm:cxn modelId="{873E97A7-1333-CA40-901C-FA44DD9AD578}" type="presParOf" srcId="{B38F8748-2CCA-264F-9B3B-D4DFD749DD15}" destId="{827D4324-F2B4-AD44-AB54-69D06EA168CF}" srcOrd="0" destOrd="0" presId="urn:microsoft.com/office/officeart/2005/8/layout/process1"/>
+    <dgm:cxn modelId="{49982486-299A-9E4A-8072-4D9982A0FC29}" type="presParOf" srcId="{B1B50FB4-385B-8C49-B85C-9795C1C8FCAD}" destId="{5DC3ADA8-4AE5-A046-B187-145A07841CC6}" srcOrd="8" destOrd="0" presId="urn:microsoft.com/office/officeart/2005/8/layout/process1"/>
+  </dgm:cxnLst>
+  <dgm:bg/>
+  <dgm:whole/>
+  <dgm:extLst>
+    <a:ext uri="http://schemas.microsoft.com/office/drawing/2008/diagram">
+      <dsp:dataModelExt xmlns:dsp="http://schemas.microsoft.com/office/drawing/2008/diagram" relId="rId6" minVer="http://schemas.openxmlformats.org/drawingml/2006/diagram"/>
+    </a:ext>
+  </dgm:extLst>
+</dgm:dataModel>
+</file>
+
+<file path=ppt/diagrams/data2.xml><?xml version="1.0" encoding="utf-8"?>
 <dgm:dataModel xmlns:dgm="http://schemas.openxmlformats.org/drawingml/2006/diagram" xmlns:a="http://schemas.openxmlformats.org/drawingml/2006/main">
   <dgm:ptLst>
     <dgm:pt modelId="{7EC50FE0-DCBB-1B49-AB9F-A99B5ED95A1B}" type="doc">
@@ -1249,6 +2343,944 @@
 </file>
 
 <file path=ppt/diagrams/drawing1.xml><?xml version="1.0" encoding="utf-8"?>
+<dsp:drawing xmlns:dgm="http://schemas.openxmlformats.org/drawingml/2006/diagram" xmlns:dsp="http://schemas.microsoft.com/office/drawing/2008/diagram" xmlns:a="http://schemas.openxmlformats.org/drawingml/2006/main">
+  <dsp:spTree>
+    <dsp:nvGrpSpPr>
+      <dsp:cNvPr id="0" name=""/>
+      <dsp:cNvGrpSpPr/>
+    </dsp:nvGrpSpPr>
+    <dsp:grpSpPr/>
+    <dsp:sp modelId="{41B61215-FFEA-BF40-A84E-3C040006817D}">
+      <dsp:nvSpPr>
+        <dsp:cNvPr id="0" name=""/>
+        <dsp:cNvSpPr/>
+      </dsp:nvSpPr>
+      <dsp:spPr>
+        <a:xfrm>
+          <a:off x="5568" y="2191488"/>
+          <a:ext cx="1726149" cy="1035689"/>
+        </a:xfrm>
+        <a:prstGeom prst="roundRect">
+          <a:avLst>
+            <a:gd name="adj" fmla="val 10000"/>
+          </a:avLst>
+        </a:prstGeom>
+        <a:gradFill rotWithShape="0">
+          <a:gsLst>
+            <a:gs pos="0">
+              <a:schemeClr val="accent1">
+                <a:hueOff val="0"/>
+                <a:satOff val="0"/>
+                <a:lumOff val="0"/>
+                <a:alphaOff val="0"/>
+                <a:satMod val="103000"/>
+                <a:lumMod val="102000"/>
+                <a:tint val="94000"/>
+              </a:schemeClr>
+            </a:gs>
+            <a:gs pos="50000">
+              <a:schemeClr val="accent1">
+                <a:hueOff val="0"/>
+                <a:satOff val="0"/>
+                <a:lumOff val="0"/>
+                <a:alphaOff val="0"/>
+                <a:satMod val="110000"/>
+                <a:lumMod val="100000"/>
+                <a:shade val="100000"/>
+              </a:schemeClr>
+            </a:gs>
+            <a:gs pos="100000">
+              <a:schemeClr val="accent1">
+                <a:hueOff val="0"/>
+                <a:satOff val="0"/>
+                <a:lumOff val="0"/>
+                <a:alphaOff val="0"/>
+                <a:lumMod val="99000"/>
+                <a:satMod val="120000"/>
+                <a:shade val="78000"/>
+              </a:schemeClr>
+            </a:gs>
+          </a:gsLst>
+          <a:lin ang="5400000" scaled="0"/>
+        </a:gradFill>
+        <a:ln>
+          <a:noFill/>
+        </a:ln>
+        <a:effectLst/>
+      </dsp:spPr>
+      <dsp:style>
+        <a:lnRef idx="0">
+          <a:scrgbClr r="0" g="0" b="0"/>
+        </a:lnRef>
+        <a:fillRef idx="3">
+          <a:scrgbClr r="0" g="0" b="0"/>
+        </a:fillRef>
+        <a:effectRef idx="2">
+          <a:scrgbClr r="0" g="0" b="0"/>
+        </a:effectRef>
+        <a:fontRef idx="minor">
+          <a:schemeClr val="lt1"/>
+        </a:fontRef>
+      </dsp:style>
+      <dsp:txBody>
+        <a:bodyPr spcFirstLastPara="0" vert="horz" wrap="square" lIns="49530" tIns="49530" rIns="49530" bIns="49530" numCol="1" spcCol="1270" anchor="ctr" anchorCtr="0">
+          <a:noAutofit/>
+        </a:bodyPr>
+        <a:lstStyle/>
+        <a:p>
+          <a:pPr lvl="0" algn="ctr" defTabSz="577850">
+            <a:lnSpc>
+              <a:spcPct val="90000"/>
+            </a:lnSpc>
+            <a:spcBef>
+              <a:spcPct val="0"/>
+            </a:spcBef>
+            <a:spcAft>
+              <a:spcPct val="35000"/>
+            </a:spcAft>
+          </a:pPr>
+          <a:r>
+            <a:rPr lang="en-US" sz="1300" kern="1200" dirty="0" smtClean="0"/>
+            <a:t>Get tweets</a:t>
+          </a:r>
+          <a:endParaRPr lang="en-US" sz="1300" kern="1200" dirty="0"/>
+        </a:p>
+      </dsp:txBody>
+      <dsp:txXfrm>
+        <a:off x="35902" y="2221822"/>
+        <a:ext cx="1665481" cy="975021"/>
+      </dsp:txXfrm>
+    </dsp:sp>
+    <dsp:sp modelId="{604A8E76-F68C-5B4D-954B-EB34AB30918F}">
+      <dsp:nvSpPr>
+        <dsp:cNvPr id="0" name=""/>
+        <dsp:cNvSpPr/>
+      </dsp:nvSpPr>
+      <dsp:spPr>
+        <a:xfrm>
+          <a:off x="1904332" y="2495290"/>
+          <a:ext cx="365943" cy="428085"/>
+        </a:xfrm>
+        <a:prstGeom prst="rightArrow">
+          <a:avLst>
+            <a:gd name="adj1" fmla="val 60000"/>
+            <a:gd name="adj2" fmla="val 50000"/>
+          </a:avLst>
+        </a:prstGeom>
+        <a:gradFill rotWithShape="0">
+          <a:gsLst>
+            <a:gs pos="0">
+              <a:schemeClr val="accent1">
+                <a:tint val="60000"/>
+                <a:hueOff val="0"/>
+                <a:satOff val="0"/>
+                <a:lumOff val="0"/>
+                <a:alphaOff val="0"/>
+                <a:satMod val="103000"/>
+                <a:lumMod val="102000"/>
+                <a:tint val="94000"/>
+              </a:schemeClr>
+            </a:gs>
+            <a:gs pos="50000">
+              <a:schemeClr val="accent1">
+                <a:tint val="60000"/>
+                <a:hueOff val="0"/>
+                <a:satOff val="0"/>
+                <a:lumOff val="0"/>
+                <a:alphaOff val="0"/>
+                <a:satMod val="110000"/>
+                <a:lumMod val="100000"/>
+                <a:shade val="100000"/>
+              </a:schemeClr>
+            </a:gs>
+            <a:gs pos="100000">
+              <a:schemeClr val="accent1">
+                <a:tint val="60000"/>
+                <a:hueOff val="0"/>
+                <a:satOff val="0"/>
+                <a:lumOff val="0"/>
+                <a:alphaOff val="0"/>
+                <a:lumMod val="99000"/>
+                <a:satMod val="120000"/>
+                <a:shade val="78000"/>
+              </a:schemeClr>
+            </a:gs>
+          </a:gsLst>
+          <a:lin ang="5400000" scaled="0"/>
+        </a:gradFill>
+        <a:ln>
+          <a:noFill/>
+        </a:ln>
+        <a:effectLst/>
+      </dsp:spPr>
+      <dsp:style>
+        <a:lnRef idx="0">
+          <a:scrgbClr r="0" g="0" b="0"/>
+        </a:lnRef>
+        <a:fillRef idx="3">
+          <a:scrgbClr r="0" g="0" b="0"/>
+        </a:fillRef>
+        <a:effectRef idx="2">
+          <a:scrgbClr r="0" g="0" b="0"/>
+        </a:effectRef>
+        <a:fontRef idx="minor">
+          <a:schemeClr val="lt1"/>
+        </a:fontRef>
+      </dsp:style>
+      <dsp:txBody>
+        <a:bodyPr spcFirstLastPara="0" vert="horz" wrap="square" lIns="0" tIns="0" rIns="0" bIns="0" numCol="1" spcCol="1270" anchor="ctr" anchorCtr="0">
+          <a:noAutofit/>
+        </a:bodyPr>
+        <a:lstStyle/>
+        <a:p>
+          <a:pPr lvl="0" algn="ctr" defTabSz="488950">
+            <a:lnSpc>
+              <a:spcPct val="90000"/>
+            </a:lnSpc>
+            <a:spcBef>
+              <a:spcPct val="0"/>
+            </a:spcBef>
+            <a:spcAft>
+              <a:spcPct val="35000"/>
+            </a:spcAft>
+          </a:pPr>
+          <a:endParaRPr lang="en-US" sz="1100" kern="1200"/>
+        </a:p>
+      </dsp:txBody>
+      <dsp:txXfrm>
+        <a:off x="1904332" y="2580907"/>
+        <a:ext cx="256160" cy="256851"/>
+      </dsp:txXfrm>
+    </dsp:sp>
+    <dsp:sp modelId="{3153C931-C2FF-F743-846C-4302549D7876}">
+      <dsp:nvSpPr>
+        <dsp:cNvPr id="0" name=""/>
+        <dsp:cNvSpPr/>
+      </dsp:nvSpPr>
+      <dsp:spPr>
+        <a:xfrm>
+          <a:off x="2422177" y="2191488"/>
+          <a:ext cx="1726149" cy="1035689"/>
+        </a:xfrm>
+        <a:prstGeom prst="roundRect">
+          <a:avLst>
+            <a:gd name="adj" fmla="val 10000"/>
+          </a:avLst>
+        </a:prstGeom>
+        <a:gradFill rotWithShape="0">
+          <a:gsLst>
+            <a:gs pos="0">
+              <a:schemeClr val="accent1">
+                <a:hueOff val="0"/>
+                <a:satOff val="0"/>
+                <a:lumOff val="0"/>
+                <a:alphaOff val="0"/>
+                <a:satMod val="103000"/>
+                <a:lumMod val="102000"/>
+                <a:tint val="94000"/>
+              </a:schemeClr>
+            </a:gs>
+            <a:gs pos="50000">
+              <a:schemeClr val="accent1">
+                <a:hueOff val="0"/>
+                <a:satOff val="0"/>
+                <a:lumOff val="0"/>
+                <a:alphaOff val="0"/>
+                <a:satMod val="110000"/>
+                <a:lumMod val="100000"/>
+                <a:shade val="100000"/>
+              </a:schemeClr>
+            </a:gs>
+            <a:gs pos="100000">
+              <a:schemeClr val="accent1">
+                <a:hueOff val="0"/>
+                <a:satOff val="0"/>
+                <a:lumOff val="0"/>
+                <a:alphaOff val="0"/>
+                <a:lumMod val="99000"/>
+                <a:satMod val="120000"/>
+                <a:shade val="78000"/>
+              </a:schemeClr>
+            </a:gs>
+          </a:gsLst>
+          <a:lin ang="5400000" scaled="0"/>
+        </a:gradFill>
+        <a:ln>
+          <a:noFill/>
+        </a:ln>
+        <a:effectLst/>
+      </dsp:spPr>
+      <dsp:style>
+        <a:lnRef idx="0">
+          <a:scrgbClr r="0" g="0" b="0"/>
+        </a:lnRef>
+        <a:fillRef idx="3">
+          <a:scrgbClr r="0" g="0" b="0"/>
+        </a:fillRef>
+        <a:effectRef idx="2">
+          <a:scrgbClr r="0" g="0" b="0"/>
+        </a:effectRef>
+        <a:fontRef idx="minor">
+          <a:schemeClr val="lt1"/>
+        </a:fontRef>
+      </dsp:style>
+      <dsp:txBody>
+        <a:bodyPr spcFirstLastPara="0" vert="horz" wrap="square" lIns="49530" tIns="49530" rIns="49530" bIns="49530" numCol="1" spcCol="1270" anchor="ctr" anchorCtr="0">
+          <a:noAutofit/>
+        </a:bodyPr>
+        <a:lstStyle/>
+        <a:p>
+          <a:pPr lvl="0" algn="ctr" defTabSz="577850">
+            <a:lnSpc>
+              <a:spcPct val="90000"/>
+            </a:lnSpc>
+            <a:spcBef>
+              <a:spcPct val="0"/>
+            </a:spcBef>
+            <a:spcAft>
+              <a:spcPct val="35000"/>
+            </a:spcAft>
+          </a:pPr>
+          <a:r>
+            <a:rPr lang="en-US" sz="1300" kern="1200" dirty="0" smtClean="0"/>
+            <a:t>Clustering/Topic Modeling</a:t>
+          </a:r>
+          <a:endParaRPr lang="en-US" sz="1300" kern="1200" dirty="0"/>
+        </a:p>
+      </dsp:txBody>
+      <dsp:txXfrm>
+        <a:off x="2452511" y="2221822"/>
+        <a:ext cx="1665481" cy="975021"/>
+      </dsp:txXfrm>
+    </dsp:sp>
+    <dsp:sp modelId="{26E3CED9-5784-334A-8384-AA950821FE9E}">
+      <dsp:nvSpPr>
+        <dsp:cNvPr id="0" name=""/>
+        <dsp:cNvSpPr/>
+      </dsp:nvSpPr>
+      <dsp:spPr>
+        <a:xfrm>
+          <a:off x="4320942" y="2495290"/>
+          <a:ext cx="365943" cy="428085"/>
+        </a:xfrm>
+        <a:prstGeom prst="rightArrow">
+          <a:avLst>
+            <a:gd name="adj1" fmla="val 60000"/>
+            <a:gd name="adj2" fmla="val 50000"/>
+          </a:avLst>
+        </a:prstGeom>
+        <a:gradFill rotWithShape="0">
+          <a:gsLst>
+            <a:gs pos="0">
+              <a:schemeClr val="accent1">
+                <a:tint val="60000"/>
+                <a:hueOff val="0"/>
+                <a:satOff val="0"/>
+                <a:lumOff val="0"/>
+                <a:alphaOff val="0"/>
+                <a:satMod val="103000"/>
+                <a:lumMod val="102000"/>
+                <a:tint val="94000"/>
+              </a:schemeClr>
+            </a:gs>
+            <a:gs pos="50000">
+              <a:schemeClr val="accent1">
+                <a:tint val="60000"/>
+                <a:hueOff val="0"/>
+                <a:satOff val="0"/>
+                <a:lumOff val="0"/>
+                <a:alphaOff val="0"/>
+                <a:satMod val="110000"/>
+                <a:lumMod val="100000"/>
+                <a:shade val="100000"/>
+              </a:schemeClr>
+            </a:gs>
+            <a:gs pos="100000">
+              <a:schemeClr val="accent1">
+                <a:tint val="60000"/>
+                <a:hueOff val="0"/>
+                <a:satOff val="0"/>
+                <a:lumOff val="0"/>
+                <a:alphaOff val="0"/>
+                <a:lumMod val="99000"/>
+                <a:satMod val="120000"/>
+                <a:shade val="78000"/>
+              </a:schemeClr>
+            </a:gs>
+          </a:gsLst>
+          <a:lin ang="5400000" scaled="0"/>
+        </a:gradFill>
+        <a:ln>
+          <a:noFill/>
+        </a:ln>
+        <a:effectLst/>
+      </dsp:spPr>
+      <dsp:style>
+        <a:lnRef idx="0">
+          <a:scrgbClr r="0" g="0" b="0"/>
+        </a:lnRef>
+        <a:fillRef idx="3">
+          <a:scrgbClr r="0" g="0" b="0"/>
+        </a:fillRef>
+        <a:effectRef idx="2">
+          <a:scrgbClr r="0" g="0" b="0"/>
+        </a:effectRef>
+        <a:fontRef idx="minor">
+          <a:schemeClr val="lt1"/>
+        </a:fontRef>
+      </dsp:style>
+      <dsp:txBody>
+        <a:bodyPr spcFirstLastPara="0" vert="horz" wrap="square" lIns="0" tIns="0" rIns="0" bIns="0" numCol="1" spcCol="1270" anchor="ctr" anchorCtr="0">
+          <a:noAutofit/>
+        </a:bodyPr>
+        <a:lstStyle/>
+        <a:p>
+          <a:pPr lvl="0" algn="ctr" defTabSz="488950">
+            <a:lnSpc>
+              <a:spcPct val="90000"/>
+            </a:lnSpc>
+            <a:spcBef>
+              <a:spcPct val="0"/>
+            </a:spcBef>
+            <a:spcAft>
+              <a:spcPct val="35000"/>
+            </a:spcAft>
+          </a:pPr>
+          <a:endParaRPr lang="en-US" sz="1100" kern="1200"/>
+        </a:p>
+      </dsp:txBody>
+      <dsp:txXfrm>
+        <a:off x="4320942" y="2580907"/>
+        <a:ext cx="256160" cy="256851"/>
+      </dsp:txXfrm>
+    </dsp:sp>
+    <dsp:sp modelId="{0D0B2A20-0A4C-D647-BA90-FC49AA8601B0}">
+      <dsp:nvSpPr>
+        <dsp:cNvPr id="0" name=""/>
+        <dsp:cNvSpPr/>
+      </dsp:nvSpPr>
+      <dsp:spPr>
+        <a:xfrm>
+          <a:off x="4838787" y="2191488"/>
+          <a:ext cx="1726149" cy="1035689"/>
+        </a:xfrm>
+        <a:prstGeom prst="roundRect">
+          <a:avLst>
+            <a:gd name="adj" fmla="val 10000"/>
+          </a:avLst>
+        </a:prstGeom>
+        <a:gradFill rotWithShape="0">
+          <a:gsLst>
+            <a:gs pos="0">
+              <a:schemeClr val="accent1">
+                <a:hueOff val="0"/>
+                <a:satOff val="0"/>
+                <a:lumOff val="0"/>
+                <a:alphaOff val="0"/>
+                <a:satMod val="103000"/>
+                <a:lumMod val="102000"/>
+                <a:tint val="94000"/>
+              </a:schemeClr>
+            </a:gs>
+            <a:gs pos="50000">
+              <a:schemeClr val="accent1">
+                <a:hueOff val="0"/>
+                <a:satOff val="0"/>
+                <a:lumOff val="0"/>
+                <a:alphaOff val="0"/>
+                <a:satMod val="110000"/>
+                <a:lumMod val="100000"/>
+                <a:shade val="100000"/>
+              </a:schemeClr>
+            </a:gs>
+            <a:gs pos="100000">
+              <a:schemeClr val="accent1">
+                <a:hueOff val="0"/>
+                <a:satOff val="0"/>
+                <a:lumOff val="0"/>
+                <a:alphaOff val="0"/>
+                <a:lumMod val="99000"/>
+                <a:satMod val="120000"/>
+                <a:shade val="78000"/>
+              </a:schemeClr>
+            </a:gs>
+          </a:gsLst>
+          <a:lin ang="5400000" scaled="0"/>
+        </a:gradFill>
+        <a:ln>
+          <a:noFill/>
+        </a:ln>
+        <a:effectLst/>
+      </dsp:spPr>
+      <dsp:style>
+        <a:lnRef idx="0">
+          <a:scrgbClr r="0" g="0" b="0"/>
+        </a:lnRef>
+        <a:fillRef idx="3">
+          <a:scrgbClr r="0" g="0" b="0"/>
+        </a:fillRef>
+        <a:effectRef idx="2">
+          <a:scrgbClr r="0" g="0" b="0"/>
+        </a:effectRef>
+        <a:fontRef idx="minor">
+          <a:schemeClr val="lt1"/>
+        </a:fontRef>
+      </dsp:style>
+      <dsp:txBody>
+        <a:bodyPr spcFirstLastPara="0" vert="horz" wrap="square" lIns="49530" tIns="49530" rIns="49530" bIns="49530" numCol="1" spcCol="1270" anchor="ctr" anchorCtr="0">
+          <a:noAutofit/>
+        </a:bodyPr>
+        <a:lstStyle/>
+        <a:p>
+          <a:pPr lvl="0" algn="ctr" defTabSz="577850">
+            <a:lnSpc>
+              <a:spcPct val="90000"/>
+            </a:lnSpc>
+            <a:spcBef>
+              <a:spcPct val="0"/>
+            </a:spcBef>
+            <a:spcAft>
+              <a:spcPct val="35000"/>
+            </a:spcAft>
+          </a:pPr>
+          <a:r>
+            <a:rPr lang="en-US" sz="1300" kern="1200" dirty="0" smtClean="0"/>
+            <a:t>Chunk Labeling/Classification</a:t>
+          </a:r>
+          <a:endParaRPr lang="en-US" sz="1300" kern="1200" dirty="0"/>
+        </a:p>
+      </dsp:txBody>
+      <dsp:txXfrm>
+        <a:off x="4869121" y="2221822"/>
+        <a:ext cx="1665481" cy="975021"/>
+      </dsp:txXfrm>
+    </dsp:sp>
+    <dsp:sp modelId="{6D9700D8-9335-DD4A-836B-434F8C531467}">
+      <dsp:nvSpPr>
+        <dsp:cNvPr id="0" name=""/>
+        <dsp:cNvSpPr/>
+      </dsp:nvSpPr>
+      <dsp:spPr>
+        <a:xfrm>
+          <a:off x="6737551" y="2495290"/>
+          <a:ext cx="365943" cy="428085"/>
+        </a:xfrm>
+        <a:prstGeom prst="rightArrow">
+          <a:avLst>
+            <a:gd name="adj1" fmla="val 60000"/>
+            <a:gd name="adj2" fmla="val 50000"/>
+          </a:avLst>
+        </a:prstGeom>
+        <a:gradFill rotWithShape="0">
+          <a:gsLst>
+            <a:gs pos="0">
+              <a:schemeClr val="accent1">
+                <a:tint val="60000"/>
+                <a:hueOff val="0"/>
+                <a:satOff val="0"/>
+                <a:lumOff val="0"/>
+                <a:alphaOff val="0"/>
+                <a:satMod val="103000"/>
+                <a:lumMod val="102000"/>
+                <a:tint val="94000"/>
+              </a:schemeClr>
+            </a:gs>
+            <a:gs pos="50000">
+              <a:schemeClr val="accent1">
+                <a:tint val="60000"/>
+                <a:hueOff val="0"/>
+                <a:satOff val="0"/>
+                <a:lumOff val="0"/>
+                <a:alphaOff val="0"/>
+                <a:satMod val="110000"/>
+                <a:lumMod val="100000"/>
+                <a:shade val="100000"/>
+              </a:schemeClr>
+            </a:gs>
+            <a:gs pos="100000">
+              <a:schemeClr val="accent1">
+                <a:tint val="60000"/>
+                <a:hueOff val="0"/>
+                <a:satOff val="0"/>
+                <a:lumOff val="0"/>
+                <a:alphaOff val="0"/>
+                <a:lumMod val="99000"/>
+                <a:satMod val="120000"/>
+                <a:shade val="78000"/>
+              </a:schemeClr>
+            </a:gs>
+          </a:gsLst>
+          <a:lin ang="5400000" scaled="0"/>
+        </a:gradFill>
+        <a:ln>
+          <a:noFill/>
+        </a:ln>
+        <a:effectLst/>
+      </dsp:spPr>
+      <dsp:style>
+        <a:lnRef idx="0">
+          <a:scrgbClr r="0" g="0" b="0"/>
+        </a:lnRef>
+        <a:fillRef idx="3">
+          <a:scrgbClr r="0" g="0" b="0"/>
+        </a:fillRef>
+        <a:effectRef idx="2">
+          <a:scrgbClr r="0" g="0" b="0"/>
+        </a:effectRef>
+        <a:fontRef idx="minor">
+          <a:schemeClr val="lt1"/>
+        </a:fontRef>
+      </dsp:style>
+      <dsp:txBody>
+        <a:bodyPr spcFirstLastPara="0" vert="horz" wrap="square" lIns="0" tIns="0" rIns="0" bIns="0" numCol="1" spcCol="1270" anchor="ctr" anchorCtr="0">
+          <a:noAutofit/>
+        </a:bodyPr>
+        <a:lstStyle/>
+        <a:p>
+          <a:pPr lvl="0" algn="ctr" defTabSz="488950">
+            <a:lnSpc>
+              <a:spcPct val="90000"/>
+            </a:lnSpc>
+            <a:spcBef>
+              <a:spcPct val="0"/>
+            </a:spcBef>
+            <a:spcAft>
+              <a:spcPct val="35000"/>
+            </a:spcAft>
+          </a:pPr>
+          <a:endParaRPr lang="en-US" sz="1100" kern="1200"/>
+        </a:p>
+      </dsp:txBody>
+      <dsp:txXfrm>
+        <a:off x="6737551" y="2580907"/>
+        <a:ext cx="256160" cy="256851"/>
+      </dsp:txXfrm>
+    </dsp:sp>
+    <dsp:sp modelId="{DF1E7878-7064-C34C-8AF9-3767CCBB9DE3}">
+      <dsp:nvSpPr>
+        <dsp:cNvPr id="0" name=""/>
+        <dsp:cNvSpPr/>
+      </dsp:nvSpPr>
+      <dsp:spPr>
+        <a:xfrm>
+          <a:off x="7255396" y="2191488"/>
+          <a:ext cx="1726149" cy="1035689"/>
+        </a:xfrm>
+        <a:prstGeom prst="roundRect">
+          <a:avLst>
+            <a:gd name="adj" fmla="val 10000"/>
+          </a:avLst>
+        </a:prstGeom>
+        <a:gradFill rotWithShape="0">
+          <a:gsLst>
+            <a:gs pos="0">
+              <a:schemeClr val="accent1">
+                <a:hueOff val="0"/>
+                <a:satOff val="0"/>
+                <a:lumOff val="0"/>
+                <a:alphaOff val="0"/>
+                <a:satMod val="103000"/>
+                <a:lumMod val="102000"/>
+                <a:tint val="94000"/>
+              </a:schemeClr>
+            </a:gs>
+            <a:gs pos="50000">
+              <a:schemeClr val="accent1">
+                <a:hueOff val="0"/>
+                <a:satOff val="0"/>
+                <a:lumOff val="0"/>
+                <a:alphaOff val="0"/>
+                <a:satMod val="110000"/>
+                <a:lumMod val="100000"/>
+                <a:shade val="100000"/>
+              </a:schemeClr>
+            </a:gs>
+            <a:gs pos="100000">
+              <a:schemeClr val="accent1">
+                <a:hueOff val="0"/>
+                <a:satOff val="0"/>
+                <a:lumOff val="0"/>
+                <a:alphaOff val="0"/>
+                <a:lumMod val="99000"/>
+                <a:satMod val="120000"/>
+                <a:shade val="78000"/>
+              </a:schemeClr>
+            </a:gs>
+          </a:gsLst>
+          <a:lin ang="5400000" scaled="0"/>
+        </a:gradFill>
+        <a:ln>
+          <a:noFill/>
+        </a:ln>
+        <a:effectLst/>
+      </dsp:spPr>
+      <dsp:style>
+        <a:lnRef idx="0">
+          <a:scrgbClr r="0" g="0" b="0"/>
+        </a:lnRef>
+        <a:fillRef idx="3">
+          <a:scrgbClr r="0" g="0" b="0"/>
+        </a:fillRef>
+        <a:effectRef idx="2">
+          <a:scrgbClr r="0" g="0" b="0"/>
+        </a:effectRef>
+        <a:fontRef idx="minor">
+          <a:schemeClr val="lt1"/>
+        </a:fontRef>
+      </dsp:style>
+      <dsp:txBody>
+        <a:bodyPr spcFirstLastPara="0" vert="horz" wrap="square" lIns="49530" tIns="49530" rIns="49530" bIns="49530" numCol="1" spcCol="1270" anchor="ctr" anchorCtr="0">
+          <a:noAutofit/>
+        </a:bodyPr>
+        <a:lstStyle/>
+        <a:p>
+          <a:pPr lvl="0" algn="ctr" defTabSz="577850">
+            <a:lnSpc>
+              <a:spcPct val="90000"/>
+            </a:lnSpc>
+            <a:spcBef>
+              <a:spcPct val="0"/>
+            </a:spcBef>
+            <a:spcAft>
+              <a:spcPct val="35000"/>
+            </a:spcAft>
+          </a:pPr>
+          <a:r>
+            <a:rPr lang="en-US" sz="1300" kern="1200" dirty="0" smtClean="0"/>
+            <a:t>Supervised Learning</a:t>
+          </a:r>
+        </a:p>
+        <a:p>
+          <a:pPr lvl="0" algn="ctr" defTabSz="577850">
+            <a:lnSpc>
+              <a:spcPct val="90000"/>
+            </a:lnSpc>
+            <a:spcBef>
+              <a:spcPct val="0"/>
+            </a:spcBef>
+            <a:spcAft>
+              <a:spcPct val="35000"/>
+            </a:spcAft>
+          </a:pPr>
+          <a:r>
+            <a:rPr lang="en-US" sz="1300" kern="1200" dirty="0" smtClean="0"/>
+            <a:t>Train and Test on new tweets </a:t>
+          </a:r>
+          <a:endParaRPr lang="en-US" sz="1300" kern="1200" dirty="0"/>
+        </a:p>
+      </dsp:txBody>
+      <dsp:txXfrm>
+        <a:off x="7285730" y="2221822"/>
+        <a:ext cx="1665481" cy="975021"/>
+      </dsp:txXfrm>
+    </dsp:sp>
+    <dsp:sp modelId="{B38F8748-2CCA-264F-9B3B-D4DFD749DD15}">
+      <dsp:nvSpPr>
+        <dsp:cNvPr id="0" name=""/>
+        <dsp:cNvSpPr/>
+      </dsp:nvSpPr>
+      <dsp:spPr>
+        <a:xfrm>
+          <a:off x="9154161" y="2495290"/>
+          <a:ext cx="365943" cy="428085"/>
+        </a:xfrm>
+        <a:prstGeom prst="rightArrow">
+          <a:avLst>
+            <a:gd name="adj1" fmla="val 60000"/>
+            <a:gd name="adj2" fmla="val 50000"/>
+          </a:avLst>
+        </a:prstGeom>
+        <a:gradFill rotWithShape="0">
+          <a:gsLst>
+            <a:gs pos="0">
+              <a:schemeClr val="accent1">
+                <a:tint val="60000"/>
+                <a:hueOff val="0"/>
+                <a:satOff val="0"/>
+                <a:lumOff val="0"/>
+                <a:alphaOff val="0"/>
+                <a:satMod val="103000"/>
+                <a:lumMod val="102000"/>
+                <a:tint val="94000"/>
+              </a:schemeClr>
+            </a:gs>
+            <a:gs pos="50000">
+              <a:schemeClr val="accent1">
+                <a:tint val="60000"/>
+                <a:hueOff val="0"/>
+                <a:satOff val="0"/>
+                <a:lumOff val="0"/>
+                <a:alphaOff val="0"/>
+                <a:satMod val="110000"/>
+                <a:lumMod val="100000"/>
+                <a:shade val="100000"/>
+              </a:schemeClr>
+            </a:gs>
+            <a:gs pos="100000">
+              <a:schemeClr val="accent1">
+                <a:tint val="60000"/>
+                <a:hueOff val="0"/>
+                <a:satOff val="0"/>
+                <a:lumOff val="0"/>
+                <a:alphaOff val="0"/>
+                <a:lumMod val="99000"/>
+                <a:satMod val="120000"/>
+                <a:shade val="78000"/>
+              </a:schemeClr>
+            </a:gs>
+          </a:gsLst>
+          <a:lin ang="5400000" scaled="0"/>
+        </a:gradFill>
+        <a:ln>
+          <a:noFill/>
+        </a:ln>
+        <a:effectLst/>
+      </dsp:spPr>
+      <dsp:style>
+        <a:lnRef idx="0">
+          <a:scrgbClr r="0" g="0" b="0"/>
+        </a:lnRef>
+        <a:fillRef idx="3">
+          <a:scrgbClr r="0" g="0" b="0"/>
+        </a:fillRef>
+        <a:effectRef idx="2">
+          <a:scrgbClr r="0" g="0" b="0"/>
+        </a:effectRef>
+        <a:fontRef idx="minor">
+          <a:schemeClr val="lt1"/>
+        </a:fontRef>
+      </dsp:style>
+      <dsp:txBody>
+        <a:bodyPr spcFirstLastPara="0" vert="horz" wrap="square" lIns="0" tIns="0" rIns="0" bIns="0" numCol="1" spcCol="1270" anchor="ctr" anchorCtr="0">
+          <a:noAutofit/>
+        </a:bodyPr>
+        <a:lstStyle/>
+        <a:p>
+          <a:pPr lvl="0" algn="ctr" defTabSz="488950">
+            <a:lnSpc>
+              <a:spcPct val="90000"/>
+            </a:lnSpc>
+            <a:spcBef>
+              <a:spcPct val="0"/>
+            </a:spcBef>
+            <a:spcAft>
+              <a:spcPct val="35000"/>
+            </a:spcAft>
+          </a:pPr>
+          <a:endParaRPr lang="en-US" sz="1100" kern="1200"/>
+        </a:p>
+      </dsp:txBody>
+      <dsp:txXfrm>
+        <a:off x="9154161" y="2580907"/>
+        <a:ext cx="256160" cy="256851"/>
+      </dsp:txXfrm>
+    </dsp:sp>
+    <dsp:sp modelId="{5DC3ADA8-4AE5-A046-B187-145A07841CC6}">
+      <dsp:nvSpPr>
+        <dsp:cNvPr id="0" name=""/>
+        <dsp:cNvSpPr/>
+      </dsp:nvSpPr>
+      <dsp:spPr>
+        <a:xfrm>
+          <a:off x="9672006" y="2191488"/>
+          <a:ext cx="1726149" cy="1035689"/>
+        </a:xfrm>
+        <a:prstGeom prst="roundRect">
+          <a:avLst>
+            <a:gd name="adj" fmla="val 10000"/>
+          </a:avLst>
+        </a:prstGeom>
+        <a:gradFill rotWithShape="0">
+          <a:gsLst>
+            <a:gs pos="0">
+              <a:schemeClr val="accent1">
+                <a:hueOff val="0"/>
+                <a:satOff val="0"/>
+                <a:lumOff val="0"/>
+                <a:alphaOff val="0"/>
+                <a:satMod val="103000"/>
+                <a:lumMod val="102000"/>
+                <a:tint val="94000"/>
+              </a:schemeClr>
+            </a:gs>
+            <a:gs pos="50000">
+              <a:schemeClr val="accent1">
+                <a:hueOff val="0"/>
+                <a:satOff val="0"/>
+                <a:lumOff val="0"/>
+                <a:alphaOff val="0"/>
+                <a:satMod val="110000"/>
+                <a:lumMod val="100000"/>
+                <a:shade val="100000"/>
+              </a:schemeClr>
+            </a:gs>
+            <a:gs pos="100000">
+              <a:schemeClr val="accent1">
+                <a:hueOff val="0"/>
+                <a:satOff val="0"/>
+                <a:lumOff val="0"/>
+                <a:alphaOff val="0"/>
+                <a:lumMod val="99000"/>
+                <a:satMod val="120000"/>
+                <a:shade val="78000"/>
+              </a:schemeClr>
+            </a:gs>
+          </a:gsLst>
+          <a:lin ang="5400000" scaled="0"/>
+        </a:gradFill>
+        <a:ln>
+          <a:noFill/>
+        </a:ln>
+        <a:effectLst/>
+      </dsp:spPr>
+      <dsp:style>
+        <a:lnRef idx="0">
+          <a:scrgbClr r="0" g="0" b="0"/>
+        </a:lnRef>
+        <a:fillRef idx="3">
+          <a:scrgbClr r="0" g="0" b="0"/>
+        </a:fillRef>
+        <a:effectRef idx="2">
+          <a:scrgbClr r="0" g="0" b="0"/>
+        </a:effectRef>
+        <a:fontRef idx="minor">
+          <a:schemeClr val="lt1"/>
+        </a:fontRef>
+      </dsp:style>
+      <dsp:txBody>
+        <a:bodyPr spcFirstLastPara="0" vert="horz" wrap="square" lIns="49530" tIns="49530" rIns="49530" bIns="49530" numCol="1" spcCol="1270" anchor="ctr" anchorCtr="0">
+          <a:noAutofit/>
+        </a:bodyPr>
+        <a:lstStyle/>
+        <a:p>
+          <a:pPr lvl="0" algn="ctr" defTabSz="577850">
+            <a:lnSpc>
+              <a:spcPct val="90000"/>
+            </a:lnSpc>
+            <a:spcBef>
+              <a:spcPct val="0"/>
+            </a:spcBef>
+            <a:spcAft>
+              <a:spcPct val="35000"/>
+            </a:spcAft>
+          </a:pPr>
+          <a:r>
+            <a:rPr lang="en-US" sz="1300" kern="1200" dirty="0" smtClean="0"/>
+            <a:t>Perfect Tweet Labeling System</a:t>
+          </a:r>
+          <a:endParaRPr lang="en-US" sz="1300" kern="1200" dirty="0"/>
+        </a:p>
+      </dsp:txBody>
+      <dsp:txXfrm>
+        <a:off x="9702340" y="2221822"/>
+        <a:ext cx="1665481" cy="975021"/>
+      </dsp:txXfrm>
+    </dsp:sp>
+  </dsp:spTree>
+</dsp:drawing>
+</file>
+
+<file path=ppt/diagrams/drawing2.xml><?xml version="1.0" encoding="utf-8"?>
 <dsp:drawing xmlns:dgm="http://schemas.openxmlformats.org/drawingml/2006/diagram" xmlns:dsp="http://schemas.microsoft.com/office/drawing/2008/diagram" xmlns:a="http://schemas.openxmlformats.org/drawingml/2006/main">
   <dsp:spTree>
     <dsp:nvGrpSpPr>
@@ -2060,6 +4092,152 @@
 </file>
 
 <file path=ppt/diagrams/layout1.xml><?xml version="1.0" encoding="utf-8"?>
+<dgm:layoutDef xmlns:dgm="http://schemas.openxmlformats.org/drawingml/2006/diagram" xmlns:a="http://schemas.openxmlformats.org/drawingml/2006/main" uniqueId="urn:microsoft.com/office/officeart/2005/8/layout/process1">
+  <dgm:title val=""/>
+  <dgm:desc val=""/>
+  <dgm:catLst>
+    <dgm:cat type="process" pri="1000"/>
+    <dgm:cat type="convert" pri="15000"/>
+  </dgm:catLst>
+  <dgm:sampData useDef="1">
+    <dgm:dataModel>
+      <dgm:ptLst/>
+      <dgm:bg/>
+      <dgm:whole/>
+    </dgm:dataModel>
+  </dgm:sampData>
+  <dgm:styleData>
+    <dgm:dataModel>
+      <dgm:ptLst>
+        <dgm:pt modelId="0" type="doc"/>
+        <dgm:pt modelId="1"/>
+        <dgm:pt modelId="2"/>
+      </dgm:ptLst>
+      <dgm:cxnLst>
+        <dgm:cxn modelId="3" srcId="0" destId="1" srcOrd="0" destOrd="0"/>
+        <dgm:cxn modelId="4" srcId="0" destId="2" srcOrd="1" destOrd="0"/>
+      </dgm:cxnLst>
+      <dgm:bg/>
+      <dgm:whole/>
+    </dgm:dataModel>
+  </dgm:styleData>
+  <dgm:clrData>
+    <dgm:dataModel>
+      <dgm:ptLst>
+        <dgm:pt modelId="0" type="doc"/>
+        <dgm:pt modelId="1"/>
+        <dgm:pt modelId="2"/>
+        <dgm:pt modelId="3"/>
+        <dgm:pt modelId="4"/>
+      </dgm:ptLst>
+      <dgm:cxnLst>
+        <dgm:cxn modelId="5" srcId="0" destId="1" srcOrd="0" destOrd="0"/>
+        <dgm:cxn modelId="6" srcId="0" destId="2" srcOrd="1" destOrd="0"/>
+        <dgm:cxn modelId="7" srcId="0" destId="3" srcOrd="2" destOrd="0"/>
+        <dgm:cxn modelId="8" srcId="0" destId="4" srcOrd="3" destOrd="0"/>
+      </dgm:cxnLst>
+      <dgm:bg/>
+      <dgm:whole/>
+    </dgm:dataModel>
+  </dgm:clrData>
+  <dgm:layoutNode name="Name0">
+    <dgm:varLst>
+      <dgm:dir/>
+      <dgm:resizeHandles val="exact"/>
+    </dgm:varLst>
+    <dgm:choose name="Name1">
+      <dgm:if name="Name2" func="var" arg="dir" op="equ" val="norm">
+        <dgm:alg type="lin"/>
+      </dgm:if>
+      <dgm:else name="Name3">
+        <dgm:alg type="lin">
+          <dgm:param type="linDir" val="fromR"/>
+        </dgm:alg>
+      </dgm:else>
+    </dgm:choose>
+    <dgm:shape xmlns:r="http://schemas.openxmlformats.org/officeDocument/2006/relationships" r:blip="">
+      <dgm:adjLst/>
+    </dgm:shape>
+    <dgm:presOf/>
+    <dgm:constrLst>
+      <dgm:constr type="w" for="ch" ptType="node" refType="w"/>
+      <dgm:constr type="h" for="ch" ptType="node" op="equ"/>
+      <dgm:constr type="primFontSz" for="ch" ptType="node" op="equ" val="65"/>
+      <dgm:constr type="w" for="ch" ptType="sibTrans" refType="w" refFor="ch" refPtType="node" op="equ" fact="0.4"/>
+      <dgm:constr type="h" for="ch" ptType="sibTrans" op="equ"/>
+      <dgm:constr type="primFontSz" for="des" forName="connectorText" op="equ" val="55"/>
+      <dgm:constr type="primFontSz" for="des" forName="connectorText" refType="primFontSz" refFor="ch" refPtType="node" op="lte" fact="0.8"/>
+    </dgm:constrLst>
+    <dgm:ruleLst/>
+    <dgm:forEach name="nodesForEach" axis="ch" ptType="node">
+      <dgm:layoutNode name="node">
+        <dgm:varLst>
+          <dgm:bulletEnabled val="1"/>
+        </dgm:varLst>
+        <dgm:alg type="tx"/>
+        <dgm:shape xmlns:r="http://schemas.openxmlformats.org/officeDocument/2006/relationships" type="roundRect" r:blip="">
+          <dgm:adjLst>
+            <dgm:adj idx="1" val="0.1"/>
+          </dgm:adjLst>
+        </dgm:shape>
+        <dgm:presOf axis="desOrSelf" ptType="node"/>
+        <dgm:constrLst>
+          <dgm:constr type="h" refType="w" fact="0.6"/>
+          <dgm:constr type="tMarg" refType="primFontSz" fact="0.3"/>
+          <dgm:constr type="bMarg" refType="primFontSz" fact="0.3"/>
+          <dgm:constr type="lMarg" refType="primFontSz" fact="0.3"/>
+          <dgm:constr type="rMarg" refType="primFontSz" fact="0.3"/>
+        </dgm:constrLst>
+        <dgm:ruleLst>
+          <dgm:rule type="primFontSz" val="18" fact="NaN" max="NaN"/>
+          <dgm:rule type="h" val="NaN" fact="1.5" max="NaN"/>
+          <dgm:rule type="primFontSz" val="5" fact="NaN" max="NaN"/>
+          <dgm:rule type="h" val="INF" fact="NaN" max="NaN"/>
+        </dgm:ruleLst>
+      </dgm:layoutNode>
+      <dgm:forEach name="sibTransForEach" axis="followSib" ptType="sibTrans" cnt="1">
+        <dgm:layoutNode name="sibTrans">
+          <dgm:alg type="conn">
+            <dgm:param type="begPts" val="auto"/>
+            <dgm:param type="endPts" val="auto"/>
+          </dgm:alg>
+          <dgm:shape xmlns:r="http://schemas.openxmlformats.org/officeDocument/2006/relationships" type="conn" r:blip="">
+            <dgm:adjLst/>
+          </dgm:shape>
+          <dgm:presOf axis="self"/>
+          <dgm:constrLst>
+            <dgm:constr type="h" refType="w" fact="0.62"/>
+            <dgm:constr type="connDist"/>
+            <dgm:constr type="begPad" refType="connDist" fact="0.25"/>
+            <dgm:constr type="endPad" refType="connDist" fact="0.22"/>
+          </dgm:constrLst>
+          <dgm:ruleLst/>
+          <dgm:layoutNode name="connectorText">
+            <dgm:alg type="tx">
+              <dgm:param type="autoTxRot" val="grav"/>
+            </dgm:alg>
+            <dgm:shape xmlns:r="http://schemas.openxmlformats.org/officeDocument/2006/relationships" type="conn" r:blip="" hideGeom="1">
+              <dgm:adjLst/>
+            </dgm:shape>
+            <dgm:presOf axis="self"/>
+            <dgm:constrLst>
+              <dgm:constr type="lMarg"/>
+              <dgm:constr type="rMarg"/>
+              <dgm:constr type="tMarg"/>
+              <dgm:constr type="bMarg"/>
+            </dgm:constrLst>
+            <dgm:ruleLst>
+              <dgm:rule type="primFontSz" val="5" fact="NaN" max="NaN"/>
+            </dgm:ruleLst>
+          </dgm:layoutNode>
+        </dgm:layoutNode>
+      </dgm:forEach>
+    </dgm:forEach>
+  </dgm:layoutNode>
+</dgm:layoutDef>
+</file>
+
+<file path=ppt/diagrams/layout2.xml><?xml version="1.0" encoding="utf-8"?>
 <dgm:layoutDef xmlns:dgm="http://schemas.openxmlformats.org/drawingml/2006/diagram" xmlns:a="http://schemas.openxmlformats.org/drawingml/2006/main" uniqueId="urn:microsoft.com/office/officeart/2005/8/layout/cycle2">
   <dgm:title val=""/>
   <dgm:desc val=""/>
@@ -2271,6 +4449,1040 @@
 </file>
 
 <file path=ppt/diagrams/quickStyle1.xml><?xml version="1.0" encoding="utf-8"?>
+<dgm:styleDef xmlns:dgm="http://schemas.openxmlformats.org/drawingml/2006/diagram" xmlns:a="http://schemas.openxmlformats.org/drawingml/2006/main" uniqueId="urn:microsoft.com/office/officeart/2005/8/quickstyle/simple4">
+  <dgm:title val=""/>
+  <dgm:desc val=""/>
+  <dgm:catLst>
+    <dgm:cat type="simple" pri="10400"/>
+  </dgm:catLst>
+  <dgm:scene3d>
+    <a:camera prst="orthographicFront"/>
+    <a:lightRig rig="threePt" dir="t"/>
+  </dgm:scene3d>
+  <dgm:styleLbl name="node0">
+    <dgm:scene3d>
+      <a:camera prst="orthographicFront"/>
+      <a:lightRig rig="threePt" dir="t"/>
+    </dgm:scene3d>
+    <dgm:sp3d/>
+    <dgm:txPr/>
+    <dgm:style>
+      <a:lnRef idx="0">
+        <a:scrgbClr r="0" g="0" b="0"/>
+      </a:lnRef>
+      <a:fillRef idx="3">
+        <a:scrgbClr r="0" g="0" b="0"/>
+      </a:fillRef>
+      <a:effectRef idx="2">
+        <a:scrgbClr r="0" g="0" b="0"/>
+      </a:effectRef>
+      <a:fontRef idx="minor">
+        <a:schemeClr val="lt1"/>
+      </a:fontRef>
+    </dgm:style>
+  </dgm:styleLbl>
+  <dgm:styleLbl name="lnNode1">
+    <dgm:scene3d>
+      <a:camera prst="orthographicFront"/>
+      <a:lightRig rig="threePt" dir="t"/>
+    </dgm:scene3d>
+    <dgm:sp3d/>
+    <dgm:txPr/>
+    <dgm:style>
+      <a:lnRef idx="1">
+        <a:scrgbClr r="0" g="0" b="0"/>
+      </a:lnRef>
+      <a:fillRef idx="3">
+        <a:scrgbClr r="0" g="0" b="0"/>
+      </a:fillRef>
+      <a:effectRef idx="2">
+        <a:scrgbClr r="0" g="0" b="0"/>
+      </a:effectRef>
+      <a:fontRef idx="minor">
+        <a:schemeClr val="lt1"/>
+      </a:fontRef>
+    </dgm:style>
+  </dgm:styleLbl>
+  <dgm:styleLbl name="vennNode1">
+    <dgm:scene3d>
+      <a:camera prst="orthographicFront"/>
+      <a:lightRig rig="threePt" dir="t"/>
+    </dgm:scene3d>
+    <dgm:sp3d/>
+    <dgm:txPr/>
+    <dgm:style>
+      <a:lnRef idx="0">
+        <a:scrgbClr r="0" g="0" b="0"/>
+      </a:lnRef>
+      <a:fillRef idx="3">
+        <a:scrgbClr r="0" g="0" b="0"/>
+      </a:fillRef>
+      <a:effectRef idx="0">
+        <a:scrgbClr r="0" g="0" b="0"/>
+      </a:effectRef>
+      <a:fontRef idx="minor">
+        <a:schemeClr val="tx1"/>
+      </a:fontRef>
+    </dgm:style>
+  </dgm:styleLbl>
+  <dgm:styleLbl name="alignNode1">
+    <dgm:scene3d>
+      <a:camera prst="orthographicFront"/>
+      <a:lightRig rig="threePt" dir="t"/>
+    </dgm:scene3d>
+    <dgm:sp3d/>
+    <dgm:txPr/>
+    <dgm:style>
+      <a:lnRef idx="1">
+        <a:scrgbClr r="0" g="0" b="0"/>
+      </a:lnRef>
+      <a:fillRef idx="3">
+        <a:scrgbClr r="0" g="0" b="0"/>
+      </a:fillRef>
+      <a:effectRef idx="2">
+        <a:scrgbClr r="0" g="0" b="0"/>
+      </a:effectRef>
+      <a:fontRef idx="minor">
+        <a:schemeClr val="lt1"/>
+      </a:fontRef>
+    </dgm:style>
+  </dgm:styleLbl>
+  <dgm:styleLbl name="node1">
+    <dgm:scene3d>
+      <a:camera prst="orthographicFront"/>
+      <a:lightRig rig="threePt" dir="t"/>
+    </dgm:scene3d>
+    <dgm:sp3d/>
+    <dgm:txPr/>
+    <dgm:style>
+      <a:lnRef idx="0">
+        <a:scrgbClr r="0" g="0" b="0"/>
+      </a:lnRef>
+      <a:fillRef idx="3">
+        <a:scrgbClr r="0" g="0" b="0"/>
+      </a:fillRef>
+      <a:effectRef idx="2">
+        <a:scrgbClr r="0" g="0" b="0"/>
+      </a:effectRef>
+      <a:fontRef idx="minor">
+        <a:schemeClr val="lt1"/>
+      </a:fontRef>
+    </dgm:style>
+  </dgm:styleLbl>
+  <dgm:styleLbl name="node2">
+    <dgm:scene3d>
+      <a:camera prst="orthographicFront"/>
+      <a:lightRig rig="threePt" dir="t"/>
+    </dgm:scene3d>
+    <dgm:sp3d/>
+    <dgm:txPr/>
+    <dgm:style>
+      <a:lnRef idx="0">
+        <a:scrgbClr r="0" g="0" b="0"/>
+      </a:lnRef>
+      <a:fillRef idx="3">
+        <a:scrgbClr r="0" g="0" b="0"/>
+      </a:fillRef>
+      <a:effectRef idx="2">
+        <a:scrgbClr r="0" g="0" b="0"/>
+      </a:effectRef>
+      <a:fontRef idx="minor">
+        <a:schemeClr val="lt1"/>
+      </a:fontRef>
+    </dgm:style>
+  </dgm:styleLbl>
+  <dgm:styleLbl name="node3">
+    <dgm:scene3d>
+      <a:camera prst="orthographicFront"/>
+      <a:lightRig rig="threePt" dir="t"/>
+    </dgm:scene3d>
+    <dgm:sp3d/>
+    <dgm:txPr/>
+    <dgm:style>
+      <a:lnRef idx="0">
+        <a:scrgbClr r="0" g="0" b="0"/>
+      </a:lnRef>
+      <a:fillRef idx="3">
+        <a:scrgbClr r="0" g="0" b="0"/>
+      </a:fillRef>
+      <a:effectRef idx="2">
+        <a:scrgbClr r="0" g="0" b="0"/>
+      </a:effectRef>
+      <a:fontRef idx="minor">
+        <a:schemeClr val="lt1"/>
+      </a:fontRef>
+    </dgm:style>
+  </dgm:styleLbl>
+  <dgm:styleLbl name="node4">
+    <dgm:scene3d>
+      <a:camera prst="orthographicFront"/>
+      <a:lightRig rig="threePt" dir="t"/>
+    </dgm:scene3d>
+    <dgm:sp3d/>
+    <dgm:txPr/>
+    <dgm:style>
+      <a:lnRef idx="0">
+        <a:scrgbClr r="0" g="0" b="0"/>
+      </a:lnRef>
+      <a:fillRef idx="3">
+        <a:scrgbClr r="0" g="0" b="0"/>
+      </a:fillRef>
+      <a:effectRef idx="2">
+        <a:scrgbClr r="0" g="0" b="0"/>
+      </a:effectRef>
+      <a:fontRef idx="minor">
+        <a:schemeClr val="lt1"/>
+      </a:fontRef>
+    </dgm:style>
+  </dgm:styleLbl>
+  <dgm:styleLbl name="fgImgPlace1">
+    <dgm:scene3d>
+      <a:camera prst="orthographicFront"/>
+      <a:lightRig rig="threePt" dir="t"/>
+    </dgm:scene3d>
+    <dgm:sp3d/>
+    <dgm:txPr/>
+    <dgm:style>
+      <a:lnRef idx="0">
+        <a:scrgbClr r="0" g="0" b="0"/>
+      </a:lnRef>
+      <a:fillRef idx="1">
+        <a:scrgbClr r="0" g="0" b="0"/>
+      </a:fillRef>
+      <a:effectRef idx="2">
+        <a:scrgbClr r="0" g="0" b="0"/>
+      </a:effectRef>
+      <a:fontRef idx="minor"/>
+    </dgm:style>
+  </dgm:styleLbl>
+  <dgm:styleLbl name="alignImgPlace1">
+    <dgm:scene3d>
+      <a:camera prst="orthographicFront"/>
+      <a:lightRig rig="threePt" dir="t"/>
+    </dgm:scene3d>
+    <dgm:sp3d/>
+    <dgm:txPr/>
+    <dgm:style>
+      <a:lnRef idx="0">
+        <a:scrgbClr r="0" g="0" b="0"/>
+      </a:lnRef>
+      <a:fillRef idx="1">
+        <a:scrgbClr r="0" g="0" b="0"/>
+      </a:fillRef>
+      <a:effectRef idx="2">
+        <a:scrgbClr r="0" g="0" b="0"/>
+      </a:effectRef>
+      <a:fontRef idx="minor"/>
+    </dgm:style>
+  </dgm:styleLbl>
+  <dgm:styleLbl name="bgImgPlace1">
+    <dgm:scene3d>
+      <a:camera prst="orthographicFront"/>
+      <a:lightRig rig="threePt" dir="t"/>
+    </dgm:scene3d>
+    <dgm:sp3d/>
+    <dgm:txPr/>
+    <dgm:style>
+      <a:lnRef idx="0">
+        <a:scrgbClr r="0" g="0" b="0"/>
+      </a:lnRef>
+      <a:fillRef idx="1">
+        <a:scrgbClr r="0" g="0" b="0"/>
+      </a:fillRef>
+      <a:effectRef idx="2">
+        <a:scrgbClr r="0" g="0" b="0"/>
+      </a:effectRef>
+      <a:fontRef idx="minor"/>
+    </dgm:style>
+  </dgm:styleLbl>
+  <dgm:styleLbl name="sibTrans2D1">
+    <dgm:scene3d>
+      <a:camera prst="orthographicFront"/>
+      <a:lightRig rig="threePt" dir="t"/>
+    </dgm:scene3d>
+    <dgm:sp3d/>
+    <dgm:txPr/>
+    <dgm:style>
+      <a:lnRef idx="0">
+        <a:scrgbClr r="0" g="0" b="0"/>
+      </a:lnRef>
+      <a:fillRef idx="3">
+        <a:scrgbClr r="0" g="0" b="0"/>
+      </a:fillRef>
+      <a:effectRef idx="2">
+        <a:scrgbClr r="0" g="0" b="0"/>
+      </a:effectRef>
+      <a:fontRef idx="minor">
+        <a:schemeClr val="lt1"/>
+      </a:fontRef>
+    </dgm:style>
+  </dgm:styleLbl>
+  <dgm:styleLbl name="fgSibTrans2D1">
+    <dgm:scene3d>
+      <a:camera prst="orthographicFront"/>
+      <a:lightRig rig="threePt" dir="t"/>
+    </dgm:scene3d>
+    <dgm:sp3d/>
+    <dgm:txPr/>
+    <dgm:style>
+      <a:lnRef idx="0">
+        <a:scrgbClr r="0" g="0" b="0"/>
+      </a:lnRef>
+      <a:fillRef idx="3">
+        <a:scrgbClr r="0" g="0" b="0"/>
+      </a:fillRef>
+      <a:effectRef idx="2">
+        <a:scrgbClr r="0" g="0" b="0"/>
+      </a:effectRef>
+      <a:fontRef idx="minor">
+        <a:schemeClr val="lt1"/>
+      </a:fontRef>
+    </dgm:style>
+  </dgm:styleLbl>
+  <dgm:styleLbl name="bgSibTrans2D1">
+    <dgm:scene3d>
+      <a:camera prst="orthographicFront"/>
+      <a:lightRig rig="threePt" dir="t"/>
+    </dgm:scene3d>
+    <dgm:sp3d/>
+    <dgm:txPr/>
+    <dgm:style>
+      <a:lnRef idx="0">
+        <a:scrgbClr r="0" g="0" b="0"/>
+      </a:lnRef>
+      <a:fillRef idx="3">
+        <a:scrgbClr r="0" g="0" b="0"/>
+      </a:fillRef>
+      <a:effectRef idx="2">
+        <a:scrgbClr r="0" g="0" b="0"/>
+      </a:effectRef>
+      <a:fontRef idx="minor">
+        <a:schemeClr val="lt1"/>
+      </a:fontRef>
+    </dgm:style>
+  </dgm:styleLbl>
+  <dgm:styleLbl name="sibTrans1D1">
+    <dgm:scene3d>
+      <a:camera prst="orthographicFront"/>
+      <a:lightRig rig="threePt" dir="t"/>
+    </dgm:scene3d>
+    <dgm:sp3d/>
+    <dgm:txPr/>
+    <dgm:style>
+      <a:lnRef idx="1">
+        <a:scrgbClr r="0" g="0" b="0"/>
+      </a:lnRef>
+      <a:fillRef idx="0">
+        <a:scrgbClr r="0" g="0" b="0"/>
+      </a:fillRef>
+      <a:effectRef idx="0">
+        <a:scrgbClr r="0" g="0" b="0"/>
+      </a:effectRef>
+      <a:fontRef idx="minor"/>
+    </dgm:style>
+  </dgm:styleLbl>
+  <dgm:styleLbl name="callout">
+    <dgm:scene3d>
+      <a:camera prst="orthographicFront"/>
+      <a:lightRig rig="threePt" dir="t"/>
+    </dgm:scene3d>
+    <dgm:sp3d/>
+    <dgm:txPr/>
+    <dgm:style>
+      <a:lnRef idx="2">
+        <a:scrgbClr r="0" g="0" b="0"/>
+      </a:lnRef>
+      <a:fillRef idx="1">
+        <a:scrgbClr r="0" g="0" b="0"/>
+      </a:fillRef>
+      <a:effectRef idx="1">
+        <a:scrgbClr r="0" g="0" b="0"/>
+      </a:effectRef>
+      <a:fontRef idx="minor"/>
+    </dgm:style>
+  </dgm:styleLbl>
+  <dgm:styleLbl name="asst0">
+    <dgm:scene3d>
+      <a:camera prst="orthographicFront"/>
+      <a:lightRig rig="threePt" dir="t"/>
+    </dgm:scene3d>
+    <dgm:sp3d/>
+    <dgm:txPr/>
+    <dgm:style>
+      <a:lnRef idx="0">
+        <a:scrgbClr r="0" g="0" b="0"/>
+      </a:lnRef>
+      <a:fillRef idx="3">
+        <a:scrgbClr r="0" g="0" b="0"/>
+      </a:fillRef>
+      <a:effectRef idx="2">
+        <a:scrgbClr r="0" g="0" b="0"/>
+      </a:effectRef>
+      <a:fontRef idx="minor">
+        <a:schemeClr val="lt1"/>
+      </a:fontRef>
+    </dgm:style>
+  </dgm:styleLbl>
+  <dgm:styleLbl name="asst1">
+    <dgm:scene3d>
+      <a:camera prst="orthographicFront"/>
+      <a:lightRig rig="threePt" dir="t"/>
+    </dgm:scene3d>
+    <dgm:sp3d/>
+    <dgm:txPr/>
+    <dgm:style>
+      <a:lnRef idx="0">
+        <a:scrgbClr r="0" g="0" b="0"/>
+      </a:lnRef>
+      <a:fillRef idx="3">
+        <a:scrgbClr r="0" g="0" b="0"/>
+      </a:fillRef>
+      <a:effectRef idx="2">
+        <a:scrgbClr r="0" g="0" b="0"/>
+      </a:effectRef>
+      <a:fontRef idx="minor">
+        <a:schemeClr val="lt1"/>
+      </a:fontRef>
+    </dgm:style>
+  </dgm:styleLbl>
+  <dgm:styleLbl name="asst2">
+    <dgm:scene3d>
+      <a:camera prst="orthographicFront"/>
+      <a:lightRig rig="threePt" dir="t"/>
+    </dgm:scene3d>
+    <dgm:sp3d/>
+    <dgm:txPr/>
+    <dgm:style>
+      <a:lnRef idx="0">
+        <a:scrgbClr r="0" g="0" b="0"/>
+      </a:lnRef>
+      <a:fillRef idx="3">
+        <a:scrgbClr r="0" g="0" b="0"/>
+      </a:fillRef>
+      <a:effectRef idx="2">
+        <a:scrgbClr r="0" g="0" b="0"/>
+      </a:effectRef>
+      <a:fontRef idx="minor">
+        <a:schemeClr val="lt1"/>
+      </a:fontRef>
+    </dgm:style>
+  </dgm:styleLbl>
+  <dgm:styleLbl name="asst3">
+    <dgm:scene3d>
+      <a:camera prst="orthographicFront"/>
+      <a:lightRig rig="threePt" dir="t"/>
+    </dgm:scene3d>
+    <dgm:sp3d/>
+    <dgm:txPr/>
+    <dgm:style>
+      <a:lnRef idx="0">
+        <a:scrgbClr r="0" g="0" b="0"/>
+      </a:lnRef>
+      <a:fillRef idx="3">
+        <a:scrgbClr r="0" g="0" b="0"/>
+      </a:fillRef>
+      <a:effectRef idx="2">
+        <a:scrgbClr r="0" g="0" b="0"/>
+      </a:effectRef>
+      <a:fontRef idx="minor">
+        <a:schemeClr val="lt1"/>
+      </a:fontRef>
+    </dgm:style>
+  </dgm:styleLbl>
+  <dgm:styleLbl name="asst4">
+    <dgm:scene3d>
+      <a:camera prst="orthographicFront"/>
+      <a:lightRig rig="threePt" dir="t"/>
+    </dgm:scene3d>
+    <dgm:sp3d/>
+    <dgm:txPr/>
+    <dgm:style>
+      <a:lnRef idx="0">
+        <a:scrgbClr r="0" g="0" b="0"/>
+      </a:lnRef>
+      <a:fillRef idx="3">
+        <a:scrgbClr r="0" g="0" b="0"/>
+      </a:fillRef>
+      <a:effectRef idx="2">
+        <a:scrgbClr r="0" g="0" b="0"/>
+      </a:effectRef>
+      <a:fontRef idx="minor">
+        <a:schemeClr val="lt1"/>
+      </a:fontRef>
+    </dgm:style>
+  </dgm:styleLbl>
+  <dgm:styleLbl name="parChTrans2D1">
+    <dgm:scene3d>
+      <a:camera prst="orthographicFront"/>
+      <a:lightRig rig="threePt" dir="t"/>
+    </dgm:scene3d>
+    <dgm:sp3d/>
+    <dgm:txPr/>
+    <dgm:style>
+      <a:lnRef idx="0">
+        <a:scrgbClr r="0" g="0" b="0"/>
+      </a:lnRef>
+      <a:fillRef idx="3">
+        <a:scrgbClr r="0" g="0" b="0"/>
+      </a:fillRef>
+      <a:effectRef idx="2">
+        <a:scrgbClr r="0" g="0" b="0"/>
+      </a:effectRef>
+      <a:fontRef idx="minor">
+        <a:schemeClr val="lt1"/>
+      </a:fontRef>
+    </dgm:style>
+  </dgm:styleLbl>
+  <dgm:styleLbl name="parChTrans2D2">
+    <dgm:scene3d>
+      <a:camera prst="orthographicFront"/>
+      <a:lightRig rig="threePt" dir="t"/>
+    </dgm:scene3d>
+    <dgm:sp3d/>
+    <dgm:txPr/>
+    <dgm:style>
+      <a:lnRef idx="0">
+        <a:scrgbClr r="0" g="0" b="0"/>
+      </a:lnRef>
+      <a:fillRef idx="3">
+        <a:scrgbClr r="0" g="0" b="0"/>
+      </a:fillRef>
+      <a:effectRef idx="2">
+        <a:scrgbClr r="0" g="0" b="0"/>
+      </a:effectRef>
+      <a:fontRef idx="minor">
+        <a:schemeClr val="lt1"/>
+      </a:fontRef>
+    </dgm:style>
+  </dgm:styleLbl>
+  <dgm:styleLbl name="parChTrans2D3">
+    <dgm:scene3d>
+      <a:camera prst="orthographicFront"/>
+      <a:lightRig rig="threePt" dir="t"/>
+    </dgm:scene3d>
+    <dgm:sp3d/>
+    <dgm:txPr/>
+    <dgm:style>
+      <a:lnRef idx="1">
+        <a:scrgbClr r="0" g="0" b="0"/>
+      </a:lnRef>
+      <a:fillRef idx="3">
+        <a:scrgbClr r="0" g="0" b="0"/>
+      </a:fillRef>
+      <a:effectRef idx="2">
+        <a:scrgbClr r="0" g="0" b="0"/>
+      </a:effectRef>
+      <a:fontRef idx="minor">
+        <a:schemeClr val="lt1"/>
+      </a:fontRef>
+    </dgm:style>
+  </dgm:styleLbl>
+  <dgm:styleLbl name="parChTrans2D4">
+    <dgm:scene3d>
+      <a:camera prst="orthographicFront"/>
+      <a:lightRig rig="threePt" dir="t"/>
+    </dgm:scene3d>
+    <dgm:sp3d/>
+    <dgm:txPr/>
+    <dgm:style>
+      <a:lnRef idx="1">
+        <a:scrgbClr r="0" g="0" b="0"/>
+      </a:lnRef>
+      <a:fillRef idx="3">
+        <a:scrgbClr r="0" g="0" b="0"/>
+      </a:fillRef>
+      <a:effectRef idx="2">
+        <a:scrgbClr r="0" g="0" b="0"/>
+      </a:effectRef>
+      <a:fontRef idx="minor">
+        <a:schemeClr val="lt1"/>
+      </a:fontRef>
+    </dgm:style>
+  </dgm:styleLbl>
+  <dgm:styleLbl name="parChTrans1D1">
+    <dgm:scene3d>
+      <a:camera prst="orthographicFront"/>
+      <a:lightRig rig="threePt" dir="t"/>
+    </dgm:scene3d>
+    <dgm:sp3d/>
+    <dgm:txPr/>
+    <dgm:style>
+      <a:lnRef idx="1">
+        <a:scrgbClr r="0" g="0" b="0"/>
+      </a:lnRef>
+      <a:fillRef idx="0">
+        <a:scrgbClr r="0" g="0" b="0"/>
+      </a:fillRef>
+      <a:effectRef idx="0">
+        <a:scrgbClr r="0" g="0" b="0"/>
+      </a:effectRef>
+      <a:fontRef idx="minor"/>
+    </dgm:style>
+  </dgm:styleLbl>
+  <dgm:styleLbl name="parChTrans1D2">
+    <dgm:scene3d>
+      <a:camera prst="orthographicFront"/>
+      <a:lightRig rig="threePt" dir="t"/>
+    </dgm:scene3d>
+    <dgm:sp3d/>
+    <dgm:txPr/>
+    <dgm:style>
+      <a:lnRef idx="1">
+        <a:scrgbClr r="0" g="0" b="0"/>
+      </a:lnRef>
+      <a:fillRef idx="0">
+        <a:scrgbClr r="0" g="0" b="0"/>
+      </a:fillRef>
+      <a:effectRef idx="0">
+        <a:scrgbClr r="0" g="0" b="0"/>
+      </a:effectRef>
+      <a:fontRef idx="minor"/>
+    </dgm:style>
+  </dgm:styleLbl>
+  <dgm:styleLbl name="parChTrans1D3">
+    <dgm:scene3d>
+      <a:camera prst="orthographicFront"/>
+      <a:lightRig rig="threePt" dir="t"/>
+    </dgm:scene3d>
+    <dgm:sp3d/>
+    <dgm:txPr/>
+    <dgm:style>
+      <a:lnRef idx="1">
+        <a:scrgbClr r="0" g="0" b="0"/>
+      </a:lnRef>
+      <a:fillRef idx="0">
+        <a:scrgbClr r="0" g="0" b="0"/>
+      </a:fillRef>
+      <a:effectRef idx="0">
+        <a:scrgbClr r="0" g="0" b="0"/>
+      </a:effectRef>
+      <a:fontRef idx="minor"/>
+    </dgm:style>
+  </dgm:styleLbl>
+  <dgm:styleLbl name="parChTrans1D4">
+    <dgm:scene3d>
+      <a:camera prst="orthographicFront"/>
+      <a:lightRig rig="threePt" dir="t"/>
+    </dgm:scene3d>
+    <dgm:sp3d/>
+    <dgm:txPr/>
+    <dgm:style>
+      <a:lnRef idx="1">
+        <a:scrgbClr r="0" g="0" b="0"/>
+      </a:lnRef>
+      <a:fillRef idx="0">
+        <a:scrgbClr r="0" g="0" b="0"/>
+      </a:fillRef>
+      <a:effectRef idx="0">
+        <a:scrgbClr r="0" g="0" b="0"/>
+      </a:effectRef>
+      <a:fontRef idx="minor"/>
+    </dgm:style>
+  </dgm:styleLbl>
+  <dgm:styleLbl name="fgAcc1">
+    <dgm:scene3d>
+      <a:camera prst="orthographicFront"/>
+      <a:lightRig rig="threePt" dir="t"/>
+    </dgm:scene3d>
+    <dgm:sp3d/>
+    <dgm:txPr/>
+    <dgm:style>
+      <a:lnRef idx="1">
+        <a:scrgbClr r="0" g="0" b="0"/>
+      </a:lnRef>
+      <a:fillRef idx="1">
+        <a:scrgbClr r="0" g="0" b="0"/>
+      </a:fillRef>
+      <a:effectRef idx="0">
+        <a:scrgbClr r="0" g="0" b="0"/>
+      </a:effectRef>
+      <a:fontRef idx="minor"/>
+    </dgm:style>
+  </dgm:styleLbl>
+  <dgm:styleLbl name="conFgAcc1">
+    <dgm:scene3d>
+      <a:camera prst="orthographicFront"/>
+      <a:lightRig rig="threePt" dir="t"/>
+    </dgm:scene3d>
+    <dgm:sp3d/>
+    <dgm:txPr/>
+    <dgm:style>
+      <a:lnRef idx="1">
+        <a:scrgbClr r="0" g="0" b="0"/>
+      </a:lnRef>
+      <a:fillRef idx="1">
+        <a:scrgbClr r="0" g="0" b="0"/>
+      </a:fillRef>
+      <a:effectRef idx="0">
+        <a:scrgbClr r="0" g="0" b="0"/>
+      </a:effectRef>
+      <a:fontRef idx="minor"/>
+    </dgm:style>
+  </dgm:styleLbl>
+  <dgm:styleLbl name="alignAcc1">
+    <dgm:scene3d>
+      <a:camera prst="orthographicFront"/>
+      <a:lightRig rig="threePt" dir="t"/>
+    </dgm:scene3d>
+    <dgm:sp3d/>
+    <dgm:txPr/>
+    <dgm:style>
+      <a:lnRef idx="1">
+        <a:scrgbClr r="0" g="0" b="0"/>
+      </a:lnRef>
+      <a:fillRef idx="1">
+        <a:scrgbClr r="0" g="0" b="0"/>
+      </a:fillRef>
+      <a:effectRef idx="0">
+        <a:scrgbClr r="0" g="0" b="0"/>
+      </a:effectRef>
+      <a:fontRef idx="minor"/>
+    </dgm:style>
+  </dgm:styleLbl>
+  <dgm:styleLbl name="trAlignAcc1">
+    <dgm:scene3d>
+      <a:camera prst="orthographicFront"/>
+      <a:lightRig rig="threePt" dir="t"/>
+    </dgm:scene3d>
+    <dgm:sp3d/>
+    <dgm:txPr/>
+    <dgm:style>
+      <a:lnRef idx="1">
+        <a:scrgbClr r="0" g="0" b="0"/>
+      </a:lnRef>
+      <a:fillRef idx="1">
+        <a:scrgbClr r="0" g="0" b="0"/>
+      </a:fillRef>
+      <a:effectRef idx="0">
+        <a:scrgbClr r="0" g="0" b="0"/>
+      </a:effectRef>
+      <a:fontRef idx="minor"/>
+    </dgm:style>
+  </dgm:styleLbl>
+  <dgm:styleLbl name="bgAcc1">
+    <dgm:scene3d>
+      <a:camera prst="orthographicFront"/>
+      <a:lightRig rig="threePt" dir="t"/>
+    </dgm:scene3d>
+    <dgm:sp3d/>
+    <dgm:txPr/>
+    <dgm:style>
+      <a:lnRef idx="1">
+        <a:scrgbClr r="0" g="0" b="0"/>
+      </a:lnRef>
+      <a:fillRef idx="1">
+        <a:scrgbClr r="0" g="0" b="0"/>
+      </a:fillRef>
+      <a:effectRef idx="0">
+        <a:scrgbClr r="0" g="0" b="0"/>
+      </a:effectRef>
+      <a:fontRef idx="minor"/>
+    </dgm:style>
+  </dgm:styleLbl>
+  <dgm:styleLbl name="solidFgAcc1">
+    <dgm:scene3d>
+      <a:camera prst="orthographicFront"/>
+      <a:lightRig rig="threePt" dir="t"/>
+    </dgm:scene3d>
+    <dgm:sp3d/>
+    <dgm:txPr/>
+    <dgm:style>
+      <a:lnRef idx="1">
+        <a:scrgbClr r="0" g="0" b="0"/>
+      </a:lnRef>
+      <a:fillRef idx="1">
+        <a:scrgbClr r="0" g="0" b="0"/>
+      </a:fillRef>
+      <a:effectRef idx="0">
+        <a:scrgbClr r="0" g="0" b="0"/>
+      </a:effectRef>
+      <a:fontRef idx="minor"/>
+    </dgm:style>
+  </dgm:styleLbl>
+  <dgm:styleLbl name="solidAlignAcc1">
+    <dgm:scene3d>
+      <a:camera prst="orthographicFront"/>
+      <a:lightRig rig="threePt" dir="t"/>
+    </dgm:scene3d>
+    <dgm:sp3d/>
+    <dgm:txPr/>
+    <dgm:style>
+      <a:lnRef idx="1">
+        <a:scrgbClr r="0" g="0" b="0"/>
+      </a:lnRef>
+      <a:fillRef idx="1">
+        <a:scrgbClr r="0" g="0" b="0"/>
+      </a:fillRef>
+      <a:effectRef idx="0">
+        <a:scrgbClr r="0" g="0" b="0"/>
+      </a:effectRef>
+      <a:fontRef idx="minor"/>
+    </dgm:style>
+  </dgm:styleLbl>
+  <dgm:styleLbl name="solidBgAcc1">
+    <dgm:scene3d>
+      <a:camera prst="orthographicFront"/>
+      <a:lightRig rig="threePt" dir="t"/>
+    </dgm:scene3d>
+    <dgm:sp3d/>
+    <dgm:txPr/>
+    <dgm:style>
+      <a:lnRef idx="1">
+        <a:scrgbClr r="0" g="0" b="0"/>
+      </a:lnRef>
+      <a:fillRef idx="1">
+        <a:scrgbClr r="0" g="0" b="0"/>
+      </a:fillRef>
+      <a:effectRef idx="0">
+        <a:scrgbClr r="0" g="0" b="0"/>
+      </a:effectRef>
+      <a:fontRef idx="minor"/>
+    </dgm:style>
+  </dgm:styleLbl>
+  <dgm:styleLbl name="fgAccFollowNode1">
+    <dgm:scene3d>
+      <a:camera prst="orthographicFront"/>
+      <a:lightRig rig="threePt" dir="t"/>
+    </dgm:scene3d>
+    <dgm:sp3d/>
+    <dgm:txPr/>
+    <dgm:style>
+      <a:lnRef idx="1">
+        <a:scrgbClr r="0" g="0" b="0"/>
+      </a:lnRef>
+      <a:fillRef idx="1">
+        <a:scrgbClr r="0" g="0" b="0"/>
+      </a:fillRef>
+      <a:effectRef idx="0">
+        <a:scrgbClr r="0" g="0" b="0"/>
+      </a:effectRef>
+      <a:fontRef idx="minor"/>
+    </dgm:style>
+  </dgm:styleLbl>
+  <dgm:styleLbl name="alignAccFollowNode1">
+    <dgm:scene3d>
+      <a:camera prst="orthographicFront"/>
+      <a:lightRig rig="threePt" dir="t"/>
+    </dgm:scene3d>
+    <dgm:sp3d/>
+    <dgm:txPr/>
+    <dgm:style>
+      <a:lnRef idx="1">
+        <a:scrgbClr r="0" g="0" b="0"/>
+      </a:lnRef>
+      <a:fillRef idx="1">
+        <a:scrgbClr r="0" g="0" b="0"/>
+      </a:fillRef>
+      <a:effectRef idx="0">
+        <a:scrgbClr r="0" g="0" b="0"/>
+      </a:effectRef>
+      <a:fontRef idx="minor"/>
+    </dgm:style>
+  </dgm:styleLbl>
+  <dgm:styleLbl name="bgAccFollowNode1">
+    <dgm:scene3d>
+      <a:camera prst="orthographicFront"/>
+      <a:lightRig rig="threePt" dir="t"/>
+    </dgm:scene3d>
+    <dgm:sp3d/>
+    <dgm:txPr/>
+    <dgm:style>
+      <a:lnRef idx="1">
+        <a:scrgbClr r="0" g="0" b="0"/>
+      </a:lnRef>
+      <a:fillRef idx="1">
+        <a:scrgbClr r="0" g="0" b="0"/>
+      </a:fillRef>
+      <a:effectRef idx="0">
+        <a:scrgbClr r="0" g="0" b="0"/>
+      </a:effectRef>
+      <a:fontRef idx="minor"/>
+    </dgm:style>
+  </dgm:styleLbl>
+  <dgm:styleLbl name="fgAcc0">
+    <dgm:scene3d>
+      <a:camera prst="orthographicFront"/>
+      <a:lightRig rig="threePt" dir="t"/>
+    </dgm:scene3d>
+    <dgm:sp3d/>
+    <dgm:txPr/>
+    <dgm:style>
+      <a:lnRef idx="1">
+        <a:scrgbClr r="0" g="0" b="0"/>
+      </a:lnRef>
+      <a:fillRef idx="1">
+        <a:scrgbClr r="0" g="0" b="0"/>
+      </a:fillRef>
+      <a:effectRef idx="0">
+        <a:scrgbClr r="0" g="0" b="0"/>
+      </a:effectRef>
+      <a:fontRef idx="minor"/>
+    </dgm:style>
+  </dgm:styleLbl>
+  <dgm:styleLbl name="fgAcc2">
+    <dgm:scene3d>
+      <a:camera prst="orthographicFront"/>
+      <a:lightRig rig="threePt" dir="t"/>
+    </dgm:scene3d>
+    <dgm:sp3d/>
+    <dgm:txPr/>
+    <dgm:style>
+      <a:lnRef idx="1">
+        <a:scrgbClr r="0" g="0" b="0"/>
+      </a:lnRef>
+      <a:fillRef idx="1">
+        <a:scrgbClr r="0" g="0" b="0"/>
+      </a:fillRef>
+      <a:effectRef idx="0">
+        <a:scrgbClr r="0" g="0" b="0"/>
+      </a:effectRef>
+      <a:fontRef idx="minor"/>
+    </dgm:style>
+  </dgm:styleLbl>
+  <dgm:styleLbl name="fgAcc3">
+    <dgm:scene3d>
+      <a:camera prst="orthographicFront"/>
+      <a:lightRig rig="threePt" dir="t"/>
+    </dgm:scene3d>
+    <dgm:sp3d/>
+    <dgm:txPr/>
+    <dgm:style>
+      <a:lnRef idx="1">
+        <a:scrgbClr r="0" g="0" b="0"/>
+      </a:lnRef>
+      <a:fillRef idx="1">
+        <a:scrgbClr r="0" g="0" b="0"/>
+      </a:fillRef>
+      <a:effectRef idx="0">
+        <a:scrgbClr r="0" g="0" b="0"/>
+      </a:effectRef>
+      <a:fontRef idx="minor"/>
+    </dgm:style>
+  </dgm:styleLbl>
+  <dgm:styleLbl name="fgAcc4">
+    <dgm:scene3d>
+      <a:camera prst="orthographicFront"/>
+      <a:lightRig rig="threePt" dir="t"/>
+    </dgm:scene3d>
+    <dgm:sp3d/>
+    <dgm:txPr/>
+    <dgm:style>
+      <a:lnRef idx="1">
+        <a:scrgbClr r="0" g="0" b="0"/>
+      </a:lnRef>
+      <a:fillRef idx="1">
+        <a:scrgbClr r="0" g="0" b="0"/>
+      </a:fillRef>
+      <a:effectRef idx="0">
+        <a:scrgbClr r="0" g="0" b="0"/>
+      </a:effectRef>
+      <a:fontRef idx="minor"/>
+    </dgm:style>
+  </dgm:styleLbl>
+  <dgm:styleLbl name="bgShp">
+    <dgm:scene3d>
+      <a:camera prst="orthographicFront"/>
+      <a:lightRig rig="threePt" dir="t"/>
+    </dgm:scene3d>
+    <dgm:sp3d/>
+    <dgm:txPr/>
+    <dgm:style>
+      <a:lnRef idx="0">
+        <a:scrgbClr r="0" g="0" b="0"/>
+      </a:lnRef>
+      <a:fillRef idx="1">
+        <a:scrgbClr r="0" g="0" b="0"/>
+      </a:fillRef>
+      <a:effectRef idx="2">
+        <a:scrgbClr r="0" g="0" b="0"/>
+      </a:effectRef>
+      <a:fontRef idx="minor"/>
+    </dgm:style>
+  </dgm:styleLbl>
+  <dgm:styleLbl name="dkBgShp">
+    <dgm:scene3d>
+      <a:camera prst="orthographicFront"/>
+      <a:lightRig rig="threePt" dir="t"/>
+    </dgm:scene3d>
+    <dgm:sp3d/>
+    <dgm:txPr/>
+    <dgm:style>
+      <a:lnRef idx="0">
+        <a:scrgbClr r="0" g="0" b="0"/>
+      </a:lnRef>
+      <a:fillRef idx="1">
+        <a:scrgbClr r="0" g="0" b="0"/>
+      </a:fillRef>
+      <a:effectRef idx="2">
+        <a:scrgbClr r="0" g="0" b="0"/>
+      </a:effectRef>
+      <a:fontRef idx="minor"/>
+    </dgm:style>
+  </dgm:styleLbl>
+  <dgm:styleLbl name="trBgShp">
+    <dgm:scene3d>
+      <a:camera prst="orthographicFront"/>
+      <a:lightRig rig="threePt" dir="t"/>
+    </dgm:scene3d>
+    <dgm:sp3d/>
+    <dgm:txPr/>
+    <dgm:style>
+      <a:lnRef idx="0">
+        <a:scrgbClr r="0" g="0" b="0"/>
+      </a:lnRef>
+      <a:fillRef idx="1">
+        <a:scrgbClr r="0" g="0" b="0"/>
+      </a:fillRef>
+      <a:effectRef idx="0">
+        <a:scrgbClr r="0" g="0" b="0"/>
+      </a:effectRef>
+      <a:fontRef idx="minor"/>
+    </dgm:style>
+  </dgm:styleLbl>
+  <dgm:styleLbl name="fgShp">
+    <dgm:scene3d>
+      <a:camera prst="orthographicFront"/>
+      <a:lightRig rig="threePt" dir="t"/>
+    </dgm:scene3d>
+    <dgm:sp3d/>
+    <dgm:txPr/>
+    <dgm:style>
+      <a:lnRef idx="0">
+        <a:scrgbClr r="0" g="0" b="0"/>
+      </a:lnRef>
+      <a:fillRef idx="3">
+        <a:scrgbClr r="0" g="0" b="0"/>
+      </a:fillRef>
+      <a:effectRef idx="2">
+        <a:scrgbClr r="0" g="0" b="0"/>
+      </a:effectRef>
+      <a:fontRef idx="minor"/>
+    </dgm:style>
+  </dgm:styleLbl>
+  <dgm:styleLbl name="revTx">
+    <dgm:scene3d>
+      <a:camera prst="orthographicFront"/>
+      <a:lightRig rig="threePt" dir="t"/>
+    </dgm:scene3d>
+    <dgm:sp3d/>
+    <dgm:txPr/>
+    <dgm:style>
+      <a:lnRef idx="0">
+        <a:scrgbClr r="0" g="0" b="0"/>
+      </a:lnRef>
+      <a:fillRef idx="0">
+        <a:scrgbClr r="0" g="0" b="0"/>
+      </a:fillRef>
+      <a:effectRef idx="0">
+        <a:scrgbClr r="0" g="0" b="0"/>
+      </a:effectRef>
+      <a:fontRef idx="minor"/>
+    </dgm:style>
+  </dgm:styleLbl>
+</dgm:styleDef>
+</file>
+
+<file path=ppt/diagrams/quickStyle2.xml><?xml version="1.0" encoding="utf-8"?>
 <dgm:styleDef xmlns:dgm="http://schemas.openxmlformats.org/drawingml/2006/diagram" xmlns:a="http://schemas.openxmlformats.org/drawingml/2006/main" uniqueId="urn:microsoft.com/office/officeart/2005/8/quickstyle/simple4">
   <dgm:title val=""/>
   <dgm:desc val=""/>
@@ -9380,6 +12592,832 @@
       </p:grpSpPr>
       <p:sp>
         <p:nvSpPr>
+          <p:cNvPr id="2" name="Title 1"/>
+          <p:cNvSpPr>
+            <a:spLocks noGrp="1"/>
+          </p:cNvSpPr>
+          <p:nvPr>
+            <p:ph type="title"/>
+          </p:nvPr>
+        </p:nvSpPr>
+        <p:spPr>
+          <a:xfrm>
+            <a:off x="570180" y="250279"/>
+            <a:ext cx="10515600" cy="391620"/>
+          </a:xfrm>
+        </p:spPr>
+        <p:txBody>
+          <a:bodyPr>
+            <a:normAutofit fontScale="90000"/>
+          </a:bodyPr>
+          <a:lstStyle/>
+          <a:p>
+            <a:r>
+              <a:rPr lang="en-US" dirty="0" smtClean="0"/>
+              <a:t>K-means Clustering</a:t>
+            </a:r>
+            <a:endParaRPr lang="en-US" dirty="0"/>
+          </a:p>
+        </p:txBody>
+      </p:sp>
+      <p:cxnSp>
+        <p:nvCxnSpPr>
+          <p:cNvPr id="7" name="Straight Connector 6"/>
+          <p:cNvCxnSpPr/>
+          <p:nvPr/>
+        </p:nvCxnSpPr>
+        <p:spPr>
+          <a:xfrm>
+            <a:off x="528138" y="825852"/>
+            <a:ext cx="11056883" cy="10509"/>
+          </a:xfrm>
+          <a:prstGeom prst="line">
+            <a:avLst/>
+          </a:prstGeom>
+        </p:spPr>
+        <p:style>
+          <a:lnRef idx="1">
+            <a:schemeClr val="accent1"/>
+          </a:lnRef>
+          <a:fillRef idx="0">
+            <a:schemeClr val="accent1"/>
+          </a:fillRef>
+          <a:effectRef idx="0">
+            <a:schemeClr val="accent1"/>
+          </a:effectRef>
+          <a:fontRef idx="minor">
+            <a:schemeClr val="tx1"/>
+          </a:fontRef>
+        </p:style>
+      </p:cxnSp>
+      <p:pic>
+        <p:nvPicPr>
+          <p:cNvPr id="4" name="Picture 3"/>
+          <p:cNvPicPr>
+            <a:picLocks noChangeAspect="1"/>
+          </p:cNvPicPr>
+          <p:nvPr/>
+        </p:nvPicPr>
+        <p:blipFill>
+          <a:blip r:embed="rId2">
+            <a:extLst>
+              <a:ext uri="{28A0092B-C50C-407E-A947-70E740481C1C}">
+                <a14:useLocalDpi xmlns:a14="http://schemas.microsoft.com/office/drawing/2010/main" val="0"/>
+              </a:ext>
+            </a:extLst>
+          </a:blip>
+          <a:stretch>
+            <a:fillRect/>
+          </a:stretch>
+        </p:blipFill>
+        <p:spPr>
+          <a:xfrm>
+            <a:off x="4538509" y="1220009"/>
+            <a:ext cx="5864099" cy="3900433"/>
+          </a:xfrm>
+          <a:prstGeom prst="rect">
+            <a:avLst/>
+          </a:prstGeom>
+        </p:spPr>
+      </p:pic>
+      <p:pic>
+        <p:nvPicPr>
+          <p:cNvPr id="11" name="Picture 10"/>
+          <p:cNvPicPr>
+            <a:picLocks noChangeAspect="1"/>
+          </p:cNvPicPr>
+          <p:nvPr/>
+        </p:nvPicPr>
+        <p:blipFill>
+          <a:blip r:embed="rId3">
+            <a:extLst>
+              <a:ext uri="{28A0092B-C50C-407E-A947-70E740481C1C}">
+                <a14:useLocalDpi xmlns:a14="http://schemas.microsoft.com/office/drawing/2010/main" val="0"/>
+              </a:ext>
+            </a:extLst>
+          </a:blip>
+          <a:stretch>
+            <a:fillRect/>
+          </a:stretch>
+        </p:blipFill>
+        <p:spPr>
+          <a:xfrm>
+            <a:off x="1810401" y="1500175"/>
+            <a:ext cx="1524000" cy="3340100"/>
+          </a:xfrm>
+          <a:prstGeom prst="rect">
+            <a:avLst/>
+          </a:prstGeom>
+        </p:spPr>
+      </p:pic>
+      <p:pic>
+        <p:nvPicPr>
+          <p:cNvPr id="15" name="Picture 14"/>
+          <p:cNvPicPr>
+            <a:picLocks noChangeAspect="1"/>
+          </p:cNvPicPr>
+          <p:nvPr/>
+        </p:nvPicPr>
+        <p:blipFill>
+          <a:blip r:embed="rId4">
+            <a:extLst>
+              <a:ext uri="{28A0092B-C50C-407E-A947-70E740481C1C}">
+                <a14:useLocalDpi xmlns:a14="http://schemas.microsoft.com/office/drawing/2010/main" val="0"/>
+              </a:ext>
+            </a:extLst>
+          </a:blip>
+          <a:stretch>
+            <a:fillRect/>
+          </a:stretch>
+        </p:blipFill>
+        <p:spPr>
+          <a:xfrm>
+            <a:off x="1027380" y="5449974"/>
+            <a:ext cx="10058400" cy="668564"/>
+          </a:xfrm>
+          <a:prstGeom prst="rect">
+            <a:avLst/>
+          </a:prstGeom>
+        </p:spPr>
+      </p:pic>
+    </p:spTree>
+    <p:extLst>
+      <p:ext uri="{BB962C8B-B14F-4D97-AF65-F5344CB8AC3E}">
+        <p14:creationId xmlns:p14="http://schemas.microsoft.com/office/powerpoint/2010/main" val="814411576"/>
+      </p:ext>
+    </p:extLst>
+  </p:cSld>
+  <p:clrMapOvr>
+    <a:masterClrMapping/>
+  </p:clrMapOvr>
+  <p:timing>
+    <p:tnLst>
+      <p:par>
+        <p:cTn id="1" dur="indefinite" restart="never" nodeType="tmRoot"/>
+      </p:par>
+    </p:tnLst>
+  </p:timing>
+</p:sld>
+</file>
+
+<file path=ppt/slides/slide11.xml><?xml version="1.0" encoding="utf-8"?>
+<p:sld xmlns:a="http://schemas.openxmlformats.org/drawingml/2006/main" xmlns:r="http://schemas.openxmlformats.org/officeDocument/2006/relationships" xmlns:p="http://schemas.openxmlformats.org/presentationml/2006/main">
+  <p:cSld>
+    <p:spTree>
+      <p:nvGrpSpPr>
+        <p:cNvPr id="1" name=""/>
+        <p:cNvGrpSpPr/>
+        <p:nvPr/>
+      </p:nvGrpSpPr>
+      <p:grpSpPr>
+        <a:xfrm>
+          <a:off x="0" y="0"/>
+          <a:ext cx="0" cy="0"/>
+          <a:chOff x="0" y="0"/>
+          <a:chExt cx="0" cy="0"/>
+        </a:xfrm>
+      </p:grpSpPr>
+      <p:sp>
+        <p:nvSpPr>
+          <p:cNvPr id="2" name="Title 1"/>
+          <p:cNvSpPr>
+            <a:spLocks noGrp="1"/>
+          </p:cNvSpPr>
+          <p:nvPr>
+            <p:ph type="title"/>
+          </p:nvPr>
+        </p:nvSpPr>
+        <p:spPr>
+          <a:xfrm>
+            <a:off x="622732" y="207955"/>
+            <a:ext cx="10515600" cy="391620"/>
+          </a:xfrm>
+        </p:spPr>
+        <p:txBody>
+          <a:bodyPr>
+            <a:normAutofit fontScale="90000"/>
+          </a:bodyPr>
+          <a:lstStyle/>
+          <a:p>
+            <a:r>
+              <a:rPr lang="en-US" dirty="0"/>
+              <a:t>Non-negative </a:t>
+            </a:r>
+            <a:r>
+              <a:rPr lang="en-US" dirty="0" smtClean="0"/>
+              <a:t>Matrix </a:t>
+            </a:r>
+            <a:r>
+              <a:rPr lang="en-US" dirty="0"/>
+              <a:t>F</a:t>
+            </a:r>
+            <a:r>
+              <a:rPr lang="en-US" dirty="0" smtClean="0"/>
+              <a:t>actorization</a:t>
+            </a:r>
+            <a:endParaRPr lang="en-US" dirty="0"/>
+          </a:p>
+        </p:txBody>
+      </p:sp>
+      <p:pic>
+        <p:nvPicPr>
+          <p:cNvPr id="3" name="Picture 2"/>
+          <p:cNvPicPr>
+            <a:picLocks noChangeAspect="1"/>
+          </p:cNvPicPr>
+          <p:nvPr/>
+        </p:nvPicPr>
+        <p:blipFill>
+          <a:blip r:embed="rId2">
+            <a:extLst>
+              <a:ext uri="{28A0092B-C50C-407E-A947-70E740481C1C}">
+                <a14:useLocalDpi xmlns:a14="http://schemas.microsoft.com/office/drawing/2010/main" val="0"/>
+              </a:ext>
+            </a:extLst>
+          </a:blip>
+          <a:stretch>
+            <a:fillRect/>
+          </a:stretch>
+        </p:blipFill>
+        <p:spPr>
+          <a:xfrm>
+            <a:off x="1079932" y="4497811"/>
+            <a:ext cx="10058400" cy="745066"/>
+          </a:xfrm>
+          <a:prstGeom prst="rect">
+            <a:avLst/>
+          </a:prstGeom>
+        </p:spPr>
+      </p:pic>
+      <p:pic>
+        <p:nvPicPr>
+          <p:cNvPr id="4" name="Picture 3"/>
+          <p:cNvPicPr>
+            <a:picLocks noChangeAspect="1"/>
+          </p:cNvPicPr>
+          <p:nvPr/>
+        </p:nvPicPr>
+        <p:blipFill>
+          <a:blip r:embed="rId3">
+            <a:extLst>
+              <a:ext uri="{28A0092B-C50C-407E-A947-70E740481C1C}">
+                <a14:useLocalDpi xmlns:a14="http://schemas.microsoft.com/office/drawing/2010/main" val="0"/>
+              </a:ext>
+            </a:extLst>
+          </a:blip>
+          <a:stretch>
+            <a:fillRect/>
+          </a:stretch>
+        </p:blipFill>
+        <p:spPr>
+          <a:xfrm>
+            <a:off x="1079932" y="3983502"/>
+            <a:ext cx="10058400" cy="629919"/>
+          </a:xfrm>
+          <a:prstGeom prst="rect">
+            <a:avLst/>
+          </a:prstGeom>
+        </p:spPr>
+      </p:pic>
+      <p:pic>
+        <p:nvPicPr>
+          <p:cNvPr id="5" name="Picture 4"/>
+          <p:cNvPicPr>
+            <a:picLocks noChangeAspect="1"/>
+          </p:cNvPicPr>
+          <p:nvPr/>
+        </p:nvPicPr>
+        <p:blipFill>
+          <a:blip r:embed="rId4">
+            <a:extLst>
+              <a:ext uri="{28A0092B-C50C-407E-A947-70E740481C1C}">
+                <a14:useLocalDpi xmlns:a14="http://schemas.microsoft.com/office/drawing/2010/main" val="0"/>
+              </a:ext>
+            </a:extLst>
+          </a:blip>
+          <a:stretch>
+            <a:fillRect/>
+          </a:stretch>
+        </p:blipFill>
+        <p:spPr>
+          <a:xfrm>
+            <a:off x="1079932" y="3365035"/>
+            <a:ext cx="10058400" cy="681527"/>
+          </a:xfrm>
+          <a:prstGeom prst="rect">
+            <a:avLst/>
+          </a:prstGeom>
+        </p:spPr>
+      </p:pic>
+      <p:pic>
+        <p:nvPicPr>
+          <p:cNvPr id="6" name="Picture 5"/>
+          <p:cNvPicPr>
+            <a:picLocks noChangeAspect="1"/>
+          </p:cNvPicPr>
+          <p:nvPr/>
+        </p:nvPicPr>
+        <p:blipFill>
+          <a:blip r:embed="rId5">
+            <a:extLst>
+              <a:ext uri="{28A0092B-C50C-407E-A947-70E740481C1C}">
+                <a14:useLocalDpi xmlns:a14="http://schemas.microsoft.com/office/drawing/2010/main" val="0"/>
+              </a:ext>
+            </a:extLst>
+          </a:blip>
+          <a:stretch>
+            <a:fillRect/>
+          </a:stretch>
+        </p:blipFill>
+        <p:spPr>
+          <a:xfrm>
+            <a:off x="1079932" y="1388477"/>
+            <a:ext cx="10058400" cy="667190"/>
+          </a:xfrm>
+          <a:prstGeom prst="rect">
+            <a:avLst/>
+          </a:prstGeom>
+        </p:spPr>
+      </p:pic>
+      <p:cxnSp>
+        <p:nvCxnSpPr>
+          <p:cNvPr id="7" name="Straight Connector 6"/>
+          <p:cNvCxnSpPr/>
+          <p:nvPr/>
+        </p:nvCxnSpPr>
+        <p:spPr>
+          <a:xfrm>
+            <a:off x="580690" y="756999"/>
+            <a:ext cx="11056883" cy="10509"/>
+          </a:xfrm>
+          <a:prstGeom prst="line">
+            <a:avLst/>
+          </a:prstGeom>
+        </p:spPr>
+        <p:style>
+          <a:lnRef idx="1">
+            <a:schemeClr val="accent1"/>
+          </a:lnRef>
+          <a:fillRef idx="0">
+            <a:schemeClr val="accent1"/>
+          </a:fillRef>
+          <a:effectRef idx="0">
+            <a:schemeClr val="accent1"/>
+          </a:effectRef>
+          <a:fontRef idx="minor">
+            <a:schemeClr val="tx1"/>
+          </a:fontRef>
+        </p:style>
+      </p:cxnSp>
+      <p:pic>
+        <p:nvPicPr>
+          <p:cNvPr id="8" name="Picture 7"/>
+          <p:cNvPicPr>
+            <a:picLocks noChangeAspect="1"/>
+          </p:cNvPicPr>
+          <p:nvPr/>
+        </p:nvPicPr>
+        <p:blipFill>
+          <a:blip r:embed="rId6">
+            <a:extLst>
+              <a:ext uri="{28A0092B-C50C-407E-A947-70E740481C1C}">
+                <a14:useLocalDpi xmlns:a14="http://schemas.microsoft.com/office/drawing/2010/main" val="0"/>
+              </a:ext>
+            </a:extLst>
+          </a:blip>
+          <a:stretch>
+            <a:fillRect/>
+          </a:stretch>
+        </p:blipFill>
+        <p:spPr>
+          <a:xfrm>
+            <a:off x="1079932" y="5958436"/>
+            <a:ext cx="10058400" cy="635000"/>
+          </a:xfrm>
+          <a:prstGeom prst="rect">
+            <a:avLst/>
+          </a:prstGeom>
+        </p:spPr>
+      </p:pic>
+      <p:sp>
+        <p:nvSpPr>
+          <p:cNvPr id="9" name="Content Placeholder 2"/>
+          <p:cNvSpPr txBox="1">
+            <a:spLocks/>
+          </p:cNvSpPr>
+          <p:nvPr/>
+        </p:nvSpPr>
+        <p:spPr>
+          <a:xfrm>
+            <a:off x="992231" y="865658"/>
+            <a:ext cx="10233800" cy="4351338"/>
+          </a:xfrm>
+          <a:prstGeom prst="rect">
+            <a:avLst/>
+          </a:prstGeom>
+        </p:spPr>
+        <p:txBody>
+          <a:bodyPr/>
+          <a:lstStyle>
+            <a:lvl1pPr marL="228600" indent="-228600" algn="l" defTabSz="914400" rtl="0" eaLnBrk="1" latinLnBrk="0" hangingPunct="1">
+              <a:lnSpc>
+                <a:spcPct val="90000"/>
+              </a:lnSpc>
+              <a:spcBef>
+                <a:spcPts val="1000"/>
+              </a:spcBef>
+              <a:buFont typeface="Arial" panose="020B0604020202020204" pitchFamily="34" charset="0"/>
+              <a:buChar char="•"/>
+              <a:defRPr sz="2800" kern="1200">
+                <a:gradFill>
+                  <a:gsLst>
+                    <a:gs pos="34000">
+                      <a:schemeClr val="tx1">
+                        <a:lumMod val="93000"/>
+                      </a:schemeClr>
+                    </a:gs>
+                    <a:gs pos="0">
+                      <a:schemeClr val="bg1">
+                        <a:lumMod val="25000"/>
+                        <a:lumOff val="75000"/>
+                      </a:schemeClr>
+                    </a:gs>
+                    <a:gs pos="100000">
+                      <a:schemeClr val="tx2">
+                        <a:lumMod val="0"/>
+                        <a:lumOff val="100000"/>
+                      </a:schemeClr>
+                    </a:gs>
+                  </a:gsLst>
+                  <a:lin ang="4800000" scaled="0"/>
+                </a:gradFill>
+                <a:latin typeface="+mn-lt"/>
+                <a:ea typeface="+mn-ea"/>
+                <a:cs typeface="+mn-cs"/>
+              </a:defRPr>
+            </a:lvl1pPr>
+            <a:lvl2pPr marL="685800" indent="-228600" algn="l" defTabSz="914400" rtl="0" eaLnBrk="1" latinLnBrk="0" hangingPunct="1">
+              <a:lnSpc>
+                <a:spcPct val="90000"/>
+              </a:lnSpc>
+              <a:spcBef>
+                <a:spcPts val="500"/>
+              </a:spcBef>
+              <a:buFont typeface="Arial" panose="020B0604020202020204" pitchFamily="34" charset="0"/>
+              <a:buChar char="•"/>
+              <a:defRPr sz="2400" kern="1200">
+                <a:gradFill>
+                  <a:gsLst>
+                    <a:gs pos="34000">
+                      <a:schemeClr val="tx1">
+                        <a:lumMod val="93000"/>
+                      </a:schemeClr>
+                    </a:gs>
+                    <a:gs pos="0">
+                      <a:schemeClr val="bg1">
+                        <a:lumMod val="25000"/>
+                        <a:lumOff val="75000"/>
+                      </a:schemeClr>
+                    </a:gs>
+                    <a:gs pos="100000">
+                      <a:schemeClr val="tx2">
+                        <a:lumMod val="0"/>
+                        <a:lumOff val="100000"/>
+                      </a:schemeClr>
+                    </a:gs>
+                  </a:gsLst>
+                  <a:lin ang="4800000" scaled="0"/>
+                </a:gradFill>
+                <a:latin typeface="+mn-lt"/>
+                <a:ea typeface="+mn-ea"/>
+                <a:cs typeface="+mn-cs"/>
+              </a:defRPr>
+            </a:lvl2pPr>
+            <a:lvl3pPr marL="1143000" indent="-228600" algn="l" defTabSz="914400" rtl="0" eaLnBrk="1" latinLnBrk="0" hangingPunct="1">
+              <a:lnSpc>
+                <a:spcPct val="90000"/>
+              </a:lnSpc>
+              <a:spcBef>
+                <a:spcPts val="500"/>
+              </a:spcBef>
+              <a:buFont typeface="Arial" panose="020B0604020202020204" pitchFamily="34" charset="0"/>
+              <a:buChar char="•"/>
+              <a:defRPr sz="2000" kern="1200">
+                <a:gradFill>
+                  <a:gsLst>
+                    <a:gs pos="34000">
+                      <a:schemeClr val="tx1">
+                        <a:lumMod val="93000"/>
+                      </a:schemeClr>
+                    </a:gs>
+                    <a:gs pos="0">
+                      <a:schemeClr val="bg1">
+                        <a:lumMod val="25000"/>
+                        <a:lumOff val="75000"/>
+                      </a:schemeClr>
+                    </a:gs>
+                    <a:gs pos="100000">
+                      <a:schemeClr val="tx2">
+                        <a:lumMod val="0"/>
+                        <a:lumOff val="100000"/>
+                      </a:schemeClr>
+                    </a:gs>
+                  </a:gsLst>
+                  <a:lin ang="4800000" scaled="0"/>
+                </a:gradFill>
+                <a:latin typeface="+mn-lt"/>
+                <a:ea typeface="+mn-ea"/>
+                <a:cs typeface="+mn-cs"/>
+              </a:defRPr>
+            </a:lvl3pPr>
+            <a:lvl4pPr marL="1600200" indent="-228600" algn="l" defTabSz="914400" rtl="0" eaLnBrk="1" latinLnBrk="0" hangingPunct="1">
+              <a:lnSpc>
+                <a:spcPct val="90000"/>
+              </a:lnSpc>
+              <a:spcBef>
+                <a:spcPts val="500"/>
+              </a:spcBef>
+              <a:buFont typeface="Arial" panose="020B0604020202020204" pitchFamily="34" charset="0"/>
+              <a:buChar char="•"/>
+              <a:defRPr sz="1800" kern="1200">
+                <a:gradFill>
+                  <a:gsLst>
+                    <a:gs pos="34000">
+                      <a:schemeClr val="tx1">
+                        <a:lumMod val="93000"/>
+                      </a:schemeClr>
+                    </a:gs>
+                    <a:gs pos="0">
+                      <a:schemeClr val="bg1">
+                        <a:lumMod val="25000"/>
+                        <a:lumOff val="75000"/>
+                      </a:schemeClr>
+                    </a:gs>
+                    <a:gs pos="100000">
+                      <a:schemeClr val="tx2">
+                        <a:lumMod val="0"/>
+                        <a:lumOff val="100000"/>
+                      </a:schemeClr>
+                    </a:gs>
+                  </a:gsLst>
+                  <a:lin ang="4800000" scaled="0"/>
+                </a:gradFill>
+                <a:latin typeface="+mn-lt"/>
+                <a:ea typeface="+mn-ea"/>
+                <a:cs typeface="+mn-cs"/>
+              </a:defRPr>
+            </a:lvl4pPr>
+            <a:lvl5pPr marL="2057400" indent="-228600" algn="l" defTabSz="914400" rtl="0" eaLnBrk="1" latinLnBrk="0" hangingPunct="1">
+              <a:lnSpc>
+                <a:spcPct val="90000"/>
+              </a:lnSpc>
+              <a:spcBef>
+                <a:spcPts val="500"/>
+              </a:spcBef>
+              <a:buFont typeface="Arial" panose="020B0604020202020204" pitchFamily="34" charset="0"/>
+              <a:buChar char="•"/>
+              <a:defRPr sz="1800" kern="1200">
+                <a:gradFill>
+                  <a:gsLst>
+                    <a:gs pos="34000">
+                      <a:schemeClr val="tx1">
+                        <a:lumMod val="93000"/>
+                      </a:schemeClr>
+                    </a:gs>
+                    <a:gs pos="0">
+                      <a:schemeClr val="bg1">
+                        <a:lumMod val="25000"/>
+                        <a:lumOff val="75000"/>
+                      </a:schemeClr>
+                    </a:gs>
+                    <a:gs pos="100000">
+                      <a:schemeClr val="tx2">
+                        <a:lumMod val="0"/>
+                        <a:lumOff val="100000"/>
+                      </a:schemeClr>
+                    </a:gs>
+                  </a:gsLst>
+                  <a:lin ang="4800000" scaled="0"/>
+                </a:gradFill>
+                <a:latin typeface="+mn-lt"/>
+                <a:ea typeface="+mn-ea"/>
+                <a:cs typeface="+mn-cs"/>
+              </a:defRPr>
+            </a:lvl5pPr>
+            <a:lvl6pPr marL="2514600" indent="-228600" algn="l" defTabSz="914400" rtl="0" eaLnBrk="1" latinLnBrk="0" hangingPunct="1">
+              <a:lnSpc>
+                <a:spcPct val="90000"/>
+              </a:lnSpc>
+              <a:spcBef>
+                <a:spcPts val="500"/>
+              </a:spcBef>
+              <a:buFont typeface="Arial" panose="020B0604020202020204" pitchFamily="34" charset="0"/>
+              <a:buChar char="•"/>
+              <a:defRPr sz="1800" kern="1200">
+                <a:solidFill>
+                  <a:schemeClr val="tx1"/>
+                </a:solidFill>
+                <a:latin typeface="+mn-lt"/>
+                <a:ea typeface="+mn-ea"/>
+                <a:cs typeface="+mn-cs"/>
+              </a:defRPr>
+            </a:lvl6pPr>
+            <a:lvl7pPr marL="2971800" indent="-228600" algn="l" defTabSz="914400" rtl="0" eaLnBrk="1" latinLnBrk="0" hangingPunct="1">
+              <a:lnSpc>
+                <a:spcPct val="90000"/>
+              </a:lnSpc>
+              <a:spcBef>
+                <a:spcPts val="500"/>
+              </a:spcBef>
+              <a:buFont typeface="Arial" panose="020B0604020202020204" pitchFamily="34" charset="0"/>
+              <a:buChar char="•"/>
+              <a:defRPr sz="1800" kern="1200">
+                <a:solidFill>
+                  <a:schemeClr val="tx1"/>
+                </a:solidFill>
+                <a:latin typeface="+mn-lt"/>
+                <a:ea typeface="+mn-ea"/>
+                <a:cs typeface="+mn-cs"/>
+              </a:defRPr>
+            </a:lvl7pPr>
+            <a:lvl8pPr marL="3429000" indent="-228600" algn="l" defTabSz="914400" rtl="0" eaLnBrk="1" latinLnBrk="0" hangingPunct="1">
+              <a:lnSpc>
+                <a:spcPct val="90000"/>
+              </a:lnSpc>
+              <a:spcBef>
+                <a:spcPts val="500"/>
+              </a:spcBef>
+              <a:buFont typeface="Arial" panose="020B0604020202020204" pitchFamily="34" charset="0"/>
+              <a:buChar char="•"/>
+              <a:defRPr sz="1800" kern="1200">
+                <a:solidFill>
+                  <a:schemeClr val="tx1"/>
+                </a:solidFill>
+                <a:latin typeface="+mn-lt"/>
+                <a:ea typeface="+mn-ea"/>
+                <a:cs typeface="+mn-cs"/>
+              </a:defRPr>
+            </a:lvl8pPr>
+            <a:lvl9pPr marL="3886200" indent="-228600" algn="l" defTabSz="914400" rtl="0" eaLnBrk="1" latinLnBrk="0" hangingPunct="1">
+              <a:lnSpc>
+                <a:spcPct val="90000"/>
+              </a:lnSpc>
+              <a:spcBef>
+                <a:spcPts val="500"/>
+              </a:spcBef>
+              <a:buFont typeface="Arial" panose="020B0604020202020204" pitchFamily="34" charset="0"/>
+              <a:buChar char="•"/>
+              <a:defRPr sz="1800" kern="1200">
+                <a:solidFill>
+                  <a:schemeClr val="tx1"/>
+                </a:solidFill>
+                <a:latin typeface="+mn-lt"/>
+                <a:ea typeface="+mn-ea"/>
+                <a:cs typeface="+mn-cs"/>
+              </a:defRPr>
+            </a:lvl9pPr>
+          </a:lstStyle>
+          <a:p>
+            <a:r>
+              <a:rPr lang="en-US" dirty="0" smtClean="0"/>
+              <a:t>Good grouping</a:t>
+            </a:r>
+          </a:p>
+          <a:p>
+            <a:endParaRPr lang="en-US" dirty="0"/>
+          </a:p>
+          <a:p>
+            <a:endParaRPr lang="en-US" dirty="0" smtClean="0"/>
+          </a:p>
+          <a:p>
+            <a:endParaRPr lang="en-US" dirty="0" smtClean="0"/>
+          </a:p>
+          <a:p>
+            <a:endParaRPr lang="en-US" dirty="0" smtClean="0"/>
+          </a:p>
+          <a:p>
+            <a:endParaRPr lang="en-US" dirty="0" smtClean="0"/>
+          </a:p>
+          <a:p>
+            <a:endParaRPr lang="en-US" dirty="0"/>
+          </a:p>
+          <a:p>
+            <a:r>
+              <a:rPr lang="en-US" dirty="0" smtClean="0"/>
+              <a:t>\</a:t>
+            </a:r>
+          </a:p>
+          <a:p>
+            <a:endParaRPr lang="en-US" dirty="0" smtClean="0"/>
+          </a:p>
+          <a:p>
+            <a:r>
+              <a:rPr lang="en-US" dirty="0" smtClean="0"/>
+              <a:t>Not so good grouping</a:t>
+            </a:r>
+            <a:endParaRPr lang="en-US" dirty="0"/>
+          </a:p>
+        </p:txBody>
+      </p:sp>
+      <p:pic>
+        <p:nvPicPr>
+          <p:cNvPr id="12" name="Picture 11"/>
+          <p:cNvPicPr>
+            <a:picLocks noChangeAspect="1"/>
+          </p:cNvPicPr>
+          <p:nvPr/>
+        </p:nvPicPr>
+        <p:blipFill>
+          <a:blip r:embed="rId7">
+            <a:extLst>
+              <a:ext uri="{28A0092B-C50C-407E-A947-70E740481C1C}">
+                <a14:useLocalDpi xmlns:a14="http://schemas.microsoft.com/office/drawing/2010/main" val="0"/>
+              </a:ext>
+            </a:extLst>
+          </a:blip>
+          <a:stretch>
+            <a:fillRect/>
+          </a:stretch>
+        </p:blipFill>
+        <p:spPr>
+          <a:xfrm>
+            <a:off x="1079932" y="2045378"/>
+            <a:ext cx="10058400" cy="662529"/>
+          </a:xfrm>
+          <a:prstGeom prst="rect">
+            <a:avLst/>
+          </a:prstGeom>
+        </p:spPr>
+      </p:pic>
+      <p:pic>
+        <p:nvPicPr>
+          <p:cNvPr id="13" name="Picture 12"/>
+          <p:cNvPicPr>
+            <a:picLocks noChangeAspect="1"/>
+          </p:cNvPicPr>
+          <p:nvPr/>
+        </p:nvPicPr>
+        <p:blipFill>
+          <a:blip r:embed="rId8">
+            <a:extLst>
+              <a:ext uri="{28A0092B-C50C-407E-A947-70E740481C1C}">
+                <a14:useLocalDpi xmlns:a14="http://schemas.microsoft.com/office/drawing/2010/main" val="0"/>
+              </a:ext>
+            </a:extLst>
+          </a:blip>
+          <a:stretch>
+            <a:fillRect/>
+          </a:stretch>
+        </p:blipFill>
+        <p:spPr>
+          <a:xfrm>
+            <a:off x="1079932" y="2703357"/>
+            <a:ext cx="10058400" cy="675940"/>
+          </a:xfrm>
+          <a:prstGeom prst="rect">
+            <a:avLst/>
+          </a:prstGeom>
+        </p:spPr>
+      </p:pic>
+    </p:spTree>
+    <p:extLst>
+      <p:ext uri="{BB962C8B-B14F-4D97-AF65-F5344CB8AC3E}">
+        <p14:creationId xmlns:p14="http://schemas.microsoft.com/office/powerpoint/2010/main" val="593911464"/>
+      </p:ext>
+    </p:extLst>
+  </p:cSld>
+  <p:clrMapOvr>
+    <a:masterClrMapping/>
+  </p:clrMapOvr>
+  <p:timing>
+    <p:tnLst>
+      <p:par>
+        <p:cTn id="1" dur="indefinite" restart="never" nodeType="tmRoot"/>
+      </p:par>
+    </p:tnLst>
+  </p:timing>
+</p:sld>
+</file>
+
+<file path=ppt/slides/slide12.xml><?xml version="1.0" encoding="utf-8"?>
+<p:sld xmlns:a="http://schemas.openxmlformats.org/drawingml/2006/main" xmlns:r="http://schemas.openxmlformats.org/officeDocument/2006/relationships" xmlns:p="http://schemas.openxmlformats.org/presentationml/2006/main">
+  <p:cSld>
+    <p:spTree>
+      <p:nvGrpSpPr>
+        <p:cNvPr id="1" name=""/>
+        <p:cNvGrpSpPr/>
+        <p:nvPr/>
+      </p:nvGrpSpPr>
+      <p:grpSpPr>
+        <a:xfrm>
+          <a:off x="0" y="0"/>
+          <a:ext cx="0" cy="0"/>
+          <a:chOff x="0" y="0"/>
+          <a:chExt cx="0" cy="0"/>
+        </a:xfrm>
+      </p:grpSpPr>
+      <p:sp>
+        <p:nvSpPr>
           <p:cNvPr id="6" name="Title 1"/>
           <p:cNvSpPr>
             <a:spLocks noGrp="1"/>
@@ -9488,7 +13526,7 @@
 </p:sld>
 </file>
 
-<file path=ppt/slides/slide11.xml><?xml version="1.0" encoding="utf-8"?>
+<file path=ppt/slides/slide13.xml><?xml version="1.0" encoding="utf-8"?>
 <p:sld xmlns:a="http://schemas.openxmlformats.org/drawingml/2006/main" xmlns:r="http://schemas.openxmlformats.org/officeDocument/2006/relationships" xmlns:p="http://schemas.openxmlformats.org/presentationml/2006/main">
   <p:cSld>
     <p:spTree>
@@ -9736,7 +13774,7 @@
 </p:sld>
 </file>
 
-<file path=ppt/slides/slide12.xml><?xml version="1.0" encoding="utf-8"?>
+<file path=ppt/slides/slide14.xml><?xml version="1.0" encoding="utf-8"?>
 <p:sld xmlns:a="http://schemas.openxmlformats.org/drawingml/2006/main" xmlns:r="http://schemas.openxmlformats.org/officeDocument/2006/relationships" xmlns:p="http://schemas.openxmlformats.org/presentationml/2006/main">
   <p:cSld>
     <p:spTree>
@@ -10324,7 +14362,7 @@
 </p:sld>
 </file>
 
-<file path=ppt/slides/slide13.xml><?xml version="1.0" encoding="utf-8"?>
+<file path=ppt/slides/slide15.xml><?xml version="1.0" encoding="utf-8"?>
 <p:sld xmlns:a="http://schemas.openxmlformats.org/drawingml/2006/main" xmlns:r="http://schemas.openxmlformats.org/officeDocument/2006/relationships" xmlns:p="http://schemas.openxmlformats.org/presentationml/2006/main">
   <p:cSld>
     <p:spTree>
@@ -10511,7 +14549,7 @@
 </p:sld>
 </file>
 
-<file path=ppt/slides/slide14.xml><?xml version="1.0" encoding="utf-8"?>
+<file path=ppt/slides/slide16.xml><?xml version="1.0" encoding="utf-8"?>
 <p:sld xmlns:a="http://schemas.openxmlformats.org/drawingml/2006/main" xmlns:r="http://schemas.openxmlformats.org/officeDocument/2006/relationships" xmlns:p="http://schemas.openxmlformats.org/presentationml/2006/main">
   <p:cSld>
     <p:spTree>
@@ -11177,7 +15215,7 @@
 </p:sld>
 </file>
 
-<file path=ppt/slides/slide15.xml><?xml version="1.0" encoding="utf-8"?>
+<file path=ppt/slides/slide17.xml><?xml version="1.0" encoding="utf-8"?>
 <p:sld xmlns:a="http://schemas.openxmlformats.org/drawingml/2006/main" xmlns:r="http://schemas.openxmlformats.org/officeDocument/2006/relationships" xmlns:p="http://schemas.openxmlformats.org/presentationml/2006/main">
   <p:cSld>
     <p:spTree>
@@ -11660,7 +15698,7 @@
 </p:sld>
 </file>
 
-<file path=ppt/slides/slide16.xml><?xml version="1.0" encoding="utf-8"?>
+<file path=ppt/slides/slide18.xml><?xml version="1.0" encoding="utf-8"?>
 <p:sld xmlns:a="http://schemas.openxmlformats.org/drawingml/2006/main" xmlns:r="http://schemas.openxmlformats.org/officeDocument/2006/relationships" xmlns:p="http://schemas.openxmlformats.org/presentationml/2006/main">
   <p:cSld>
     <p:spTree>
@@ -12141,7 +16179,7 @@
 </p:sld>
 </file>
 
-<file path=ppt/slides/slide17.xml><?xml version="1.0" encoding="utf-8"?>
+<file path=ppt/slides/slide19.xml><?xml version="1.0" encoding="utf-8"?>
 <p:sld xmlns:a="http://schemas.openxmlformats.org/drawingml/2006/main" xmlns:r="http://schemas.openxmlformats.org/officeDocument/2006/relationships" xmlns:p="http://schemas.openxmlformats.org/presentationml/2006/main">
   <p:cSld>
     <p:spTree>
@@ -12622,7 +16660,446 @@
 </p:sld>
 </file>
 
-<file path=ppt/slides/slide18.xml><?xml version="1.0" encoding="utf-8"?>
+<file path=ppt/slides/slide2.xml><?xml version="1.0" encoding="utf-8"?>
+<p:sld xmlns:a="http://schemas.openxmlformats.org/drawingml/2006/main" xmlns:r="http://schemas.openxmlformats.org/officeDocument/2006/relationships" xmlns:p="http://schemas.openxmlformats.org/presentationml/2006/main">
+  <p:cSld>
+    <p:spTree>
+      <p:nvGrpSpPr>
+        <p:cNvPr id="1" name=""/>
+        <p:cNvGrpSpPr/>
+        <p:nvPr/>
+      </p:nvGrpSpPr>
+      <p:grpSpPr>
+        <a:xfrm>
+          <a:off x="0" y="0"/>
+          <a:ext cx="0" cy="0"/>
+          <a:chOff x="0" y="0"/>
+          <a:chExt cx="0" cy="0"/>
+        </a:xfrm>
+      </p:grpSpPr>
+      <p:sp>
+        <p:nvSpPr>
+          <p:cNvPr id="6" name="Title 1"/>
+          <p:cNvSpPr>
+            <a:spLocks noGrp="1"/>
+          </p:cNvSpPr>
+          <p:nvPr>
+            <p:ph type="title"/>
+          </p:nvPr>
+        </p:nvSpPr>
+        <p:spPr>
+          <a:xfrm>
+            <a:off x="507117" y="271786"/>
+            <a:ext cx="10515600" cy="391620"/>
+          </a:xfrm>
+        </p:spPr>
+        <p:txBody>
+          <a:bodyPr>
+            <a:normAutofit fontScale="90000"/>
+          </a:bodyPr>
+          <a:lstStyle/>
+          <a:p>
+            <a:r>
+              <a:rPr lang="en-US" dirty="0" smtClean="0"/>
+              <a:t>Outline</a:t>
+            </a:r>
+            <a:endParaRPr lang="en-US" dirty="0"/>
+          </a:p>
+        </p:txBody>
+      </p:sp>
+      <p:cxnSp>
+        <p:nvCxnSpPr>
+          <p:cNvPr id="7" name="Straight Connector 6"/>
+          <p:cNvCxnSpPr/>
+          <p:nvPr/>
+        </p:nvCxnSpPr>
+        <p:spPr>
+          <a:xfrm>
+            <a:off x="507117" y="803132"/>
+            <a:ext cx="11056883" cy="10509"/>
+          </a:xfrm>
+          <a:prstGeom prst="line">
+            <a:avLst/>
+          </a:prstGeom>
+        </p:spPr>
+        <p:style>
+          <a:lnRef idx="1">
+            <a:schemeClr val="accent1"/>
+          </a:lnRef>
+          <a:fillRef idx="0">
+            <a:schemeClr val="accent1"/>
+          </a:fillRef>
+          <a:effectRef idx="0">
+            <a:schemeClr val="accent1"/>
+          </a:effectRef>
+          <a:fontRef idx="minor">
+            <a:schemeClr val="tx1"/>
+          </a:fontRef>
+        </p:style>
+      </p:cxnSp>
+      <p:sp>
+        <p:nvSpPr>
+          <p:cNvPr id="8" name="Content Placeholder 2"/>
+          <p:cNvSpPr txBox="1">
+            <a:spLocks/>
+          </p:cNvSpPr>
+          <p:nvPr/>
+        </p:nvSpPr>
+        <p:spPr>
+          <a:xfrm>
+            <a:off x="778407" y="1477392"/>
+            <a:ext cx="10530724" cy="4965449"/>
+          </a:xfrm>
+          <a:prstGeom prst="rect">
+            <a:avLst/>
+          </a:prstGeom>
+        </p:spPr>
+        <p:txBody>
+          <a:bodyPr/>
+          <a:lstStyle>
+            <a:lvl1pPr marL="228600" indent="-228600" algn="l" defTabSz="914400" rtl="0" eaLnBrk="1" latinLnBrk="0" hangingPunct="1">
+              <a:lnSpc>
+                <a:spcPct val="90000"/>
+              </a:lnSpc>
+              <a:spcBef>
+                <a:spcPts val="1000"/>
+              </a:spcBef>
+              <a:buFont typeface="Arial" panose="020B0604020202020204" pitchFamily="34" charset="0"/>
+              <a:buChar char="•"/>
+              <a:defRPr sz="2800" kern="1200">
+                <a:gradFill>
+                  <a:gsLst>
+                    <a:gs pos="34000">
+                      <a:schemeClr val="tx1">
+                        <a:lumMod val="93000"/>
+                      </a:schemeClr>
+                    </a:gs>
+                    <a:gs pos="0">
+                      <a:schemeClr val="bg1">
+                        <a:lumMod val="25000"/>
+                        <a:lumOff val="75000"/>
+                      </a:schemeClr>
+                    </a:gs>
+                    <a:gs pos="100000">
+                      <a:schemeClr val="tx2">
+                        <a:lumMod val="0"/>
+                        <a:lumOff val="100000"/>
+                      </a:schemeClr>
+                    </a:gs>
+                  </a:gsLst>
+                  <a:lin ang="4800000" scaled="0"/>
+                </a:gradFill>
+                <a:latin typeface="+mn-lt"/>
+                <a:ea typeface="+mn-ea"/>
+                <a:cs typeface="+mn-cs"/>
+              </a:defRPr>
+            </a:lvl1pPr>
+            <a:lvl2pPr marL="685800" indent="-228600" algn="l" defTabSz="914400" rtl="0" eaLnBrk="1" latinLnBrk="0" hangingPunct="1">
+              <a:lnSpc>
+                <a:spcPct val="90000"/>
+              </a:lnSpc>
+              <a:spcBef>
+                <a:spcPts val="500"/>
+              </a:spcBef>
+              <a:buFont typeface="Arial" panose="020B0604020202020204" pitchFamily="34" charset="0"/>
+              <a:buChar char="•"/>
+              <a:defRPr sz="2400" kern="1200">
+                <a:gradFill>
+                  <a:gsLst>
+                    <a:gs pos="34000">
+                      <a:schemeClr val="tx1">
+                        <a:lumMod val="93000"/>
+                      </a:schemeClr>
+                    </a:gs>
+                    <a:gs pos="0">
+                      <a:schemeClr val="bg1">
+                        <a:lumMod val="25000"/>
+                        <a:lumOff val="75000"/>
+                      </a:schemeClr>
+                    </a:gs>
+                    <a:gs pos="100000">
+                      <a:schemeClr val="tx2">
+                        <a:lumMod val="0"/>
+                        <a:lumOff val="100000"/>
+                      </a:schemeClr>
+                    </a:gs>
+                  </a:gsLst>
+                  <a:lin ang="4800000" scaled="0"/>
+                </a:gradFill>
+                <a:latin typeface="+mn-lt"/>
+                <a:ea typeface="+mn-ea"/>
+                <a:cs typeface="+mn-cs"/>
+              </a:defRPr>
+            </a:lvl2pPr>
+            <a:lvl3pPr marL="1143000" indent="-228600" algn="l" defTabSz="914400" rtl="0" eaLnBrk="1" latinLnBrk="0" hangingPunct="1">
+              <a:lnSpc>
+                <a:spcPct val="90000"/>
+              </a:lnSpc>
+              <a:spcBef>
+                <a:spcPts val="500"/>
+              </a:spcBef>
+              <a:buFont typeface="Arial" panose="020B0604020202020204" pitchFamily="34" charset="0"/>
+              <a:buChar char="•"/>
+              <a:defRPr sz="2000" kern="1200">
+                <a:gradFill>
+                  <a:gsLst>
+                    <a:gs pos="34000">
+                      <a:schemeClr val="tx1">
+                        <a:lumMod val="93000"/>
+                      </a:schemeClr>
+                    </a:gs>
+                    <a:gs pos="0">
+                      <a:schemeClr val="bg1">
+                        <a:lumMod val="25000"/>
+                        <a:lumOff val="75000"/>
+                      </a:schemeClr>
+                    </a:gs>
+                    <a:gs pos="100000">
+                      <a:schemeClr val="tx2">
+                        <a:lumMod val="0"/>
+                        <a:lumOff val="100000"/>
+                      </a:schemeClr>
+                    </a:gs>
+                  </a:gsLst>
+                  <a:lin ang="4800000" scaled="0"/>
+                </a:gradFill>
+                <a:latin typeface="+mn-lt"/>
+                <a:ea typeface="+mn-ea"/>
+                <a:cs typeface="+mn-cs"/>
+              </a:defRPr>
+            </a:lvl3pPr>
+            <a:lvl4pPr marL="1600200" indent="-228600" algn="l" defTabSz="914400" rtl="0" eaLnBrk="1" latinLnBrk="0" hangingPunct="1">
+              <a:lnSpc>
+                <a:spcPct val="90000"/>
+              </a:lnSpc>
+              <a:spcBef>
+                <a:spcPts val="500"/>
+              </a:spcBef>
+              <a:buFont typeface="Arial" panose="020B0604020202020204" pitchFamily="34" charset="0"/>
+              <a:buChar char="•"/>
+              <a:defRPr sz="1800" kern="1200">
+                <a:gradFill>
+                  <a:gsLst>
+                    <a:gs pos="34000">
+                      <a:schemeClr val="tx1">
+                        <a:lumMod val="93000"/>
+                      </a:schemeClr>
+                    </a:gs>
+                    <a:gs pos="0">
+                      <a:schemeClr val="bg1">
+                        <a:lumMod val="25000"/>
+                        <a:lumOff val="75000"/>
+                      </a:schemeClr>
+                    </a:gs>
+                    <a:gs pos="100000">
+                      <a:schemeClr val="tx2">
+                        <a:lumMod val="0"/>
+                        <a:lumOff val="100000"/>
+                      </a:schemeClr>
+                    </a:gs>
+                  </a:gsLst>
+                  <a:lin ang="4800000" scaled="0"/>
+                </a:gradFill>
+                <a:latin typeface="+mn-lt"/>
+                <a:ea typeface="+mn-ea"/>
+                <a:cs typeface="+mn-cs"/>
+              </a:defRPr>
+            </a:lvl4pPr>
+            <a:lvl5pPr marL="2057400" indent="-228600" algn="l" defTabSz="914400" rtl="0" eaLnBrk="1" latinLnBrk="0" hangingPunct="1">
+              <a:lnSpc>
+                <a:spcPct val="90000"/>
+              </a:lnSpc>
+              <a:spcBef>
+                <a:spcPts val="500"/>
+              </a:spcBef>
+              <a:buFont typeface="Arial" panose="020B0604020202020204" pitchFamily="34" charset="0"/>
+              <a:buChar char="•"/>
+              <a:defRPr sz="1800" kern="1200">
+                <a:gradFill>
+                  <a:gsLst>
+                    <a:gs pos="34000">
+                      <a:schemeClr val="tx1">
+                        <a:lumMod val="93000"/>
+                      </a:schemeClr>
+                    </a:gs>
+                    <a:gs pos="0">
+                      <a:schemeClr val="bg1">
+                        <a:lumMod val="25000"/>
+                        <a:lumOff val="75000"/>
+                      </a:schemeClr>
+                    </a:gs>
+                    <a:gs pos="100000">
+                      <a:schemeClr val="tx2">
+                        <a:lumMod val="0"/>
+                        <a:lumOff val="100000"/>
+                      </a:schemeClr>
+                    </a:gs>
+                  </a:gsLst>
+                  <a:lin ang="4800000" scaled="0"/>
+                </a:gradFill>
+                <a:latin typeface="+mn-lt"/>
+                <a:ea typeface="+mn-ea"/>
+                <a:cs typeface="+mn-cs"/>
+              </a:defRPr>
+            </a:lvl5pPr>
+            <a:lvl6pPr marL="2514600" indent="-228600" algn="l" defTabSz="914400" rtl="0" eaLnBrk="1" latinLnBrk="0" hangingPunct="1">
+              <a:lnSpc>
+                <a:spcPct val="90000"/>
+              </a:lnSpc>
+              <a:spcBef>
+                <a:spcPts val="500"/>
+              </a:spcBef>
+              <a:buFont typeface="Arial" panose="020B0604020202020204" pitchFamily="34" charset="0"/>
+              <a:buChar char="•"/>
+              <a:defRPr sz="1800" kern="1200">
+                <a:solidFill>
+                  <a:schemeClr val="tx1"/>
+                </a:solidFill>
+                <a:latin typeface="+mn-lt"/>
+                <a:ea typeface="+mn-ea"/>
+                <a:cs typeface="+mn-cs"/>
+              </a:defRPr>
+            </a:lvl6pPr>
+            <a:lvl7pPr marL="2971800" indent="-228600" algn="l" defTabSz="914400" rtl="0" eaLnBrk="1" latinLnBrk="0" hangingPunct="1">
+              <a:lnSpc>
+                <a:spcPct val="90000"/>
+              </a:lnSpc>
+              <a:spcBef>
+                <a:spcPts val="500"/>
+              </a:spcBef>
+              <a:buFont typeface="Arial" panose="020B0604020202020204" pitchFamily="34" charset="0"/>
+              <a:buChar char="•"/>
+              <a:defRPr sz="1800" kern="1200">
+                <a:solidFill>
+                  <a:schemeClr val="tx1"/>
+                </a:solidFill>
+                <a:latin typeface="+mn-lt"/>
+                <a:ea typeface="+mn-ea"/>
+                <a:cs typeface="+mn-cs"/>
+              </a:defRPr>
+            </a:lvl7pPr>
+            <a:lvl8pPr marL="3429000" indent="-228600" algn="l" defTabSz="914400" rtl="0" eaLnBrk="1" latinLnBrk="0" hangingPunct="1">
+              <a:lnSpc>
+                <a:spcPct val="90000"/>
+              </a:lnSpc>
+              <a:spcBef>
+                <a:spcPts val="500"/>
+              </a:spcBef>
+              <a:buFont typeface="Arial" panose="020B0604020202020204" pitchFamily="34" charset="0"/>
+              <a:buChar char="•"/>
+              <a:defRPr sz="1800" kern="1200">
+                <a:solidFill>
+                  <a:schemeClr val="tx1"/>
+                </a:solidFill>
+                <a:latin typeface="+mn-lt"/>
+                <a:ea typeface="+mn-ea"/>
+                <a:cs typeface="+mn-cs"/>
+              </a:defRPr>
+            </a:lvl8pPr>
+            <a:lvl9pPr marL="3886200" indent="-228600" algn="l" defTabSz="914400" rtl="0" eaLnBrk="1" latinLnBrk="0" hangingPunct="1">
+              <a:lnSpc>
+                <a:spcPct val="90000"/>
+              </a:lnSpc>
+              <a:spcBef>
+                <a:spcPts val="500"/>
+              </a:spcBef>
+              <a:buFont typeface="Arial" panose="020B0604020202020204" pitchFamily="34" charset="0"/>
+              <a:buChar char="•"/>
+              <a:defRPr sz="1800" kern="1200">
+                <a:solidFill>
+                  <a:schemeClr val="tx1"/>
+                </a:solidFill>
+                <a:latin typeface="+mn-lt"/>
+                <a:ea typeface="+mn-ea"/>
+                <a:cs typeface="+mn-cs"/>
+              </a:defRPr>
+            </a:lvl9pPr>
+          </a:lstStyle>
+          <a:p>
+            <a:r>
+              <a:rPr lang="en-US" dirty="0" smtClean="0"/>
+              <a:t>Motivation</a:t>
+            </a:r>
+          </a:p>
+          <a:p>
+            <a:r>
+              <a:rPr lang="en-US" dirty="0" smtClean="0"/>
+              <a:t>Getting the </a:t>
+            </a:r>
+            <a:r>
+              <a:rPr lang="en-US" dirty="0" smtClean="0"/>
+              <a:t>Data</a:t>
+            </a:r>
+          </a:p>
+          <a:p>
+            <a:r>
+              <a:rPr lang="en-US" dirty="0" smtClean="0"/>
+              <a:t>Workflow</a:t>
+            </a:r>
+          </a:p>
+          <a:p>
+            <a:r>
+              <a:rPr lang="en-US" dirty="0" smtClean="0"/>
+              <a:t>Clustering/Topic Modeling </a:t>
+            </a:r>
+            <a:endParaRPr lang="en-US" dirty="0" smtClean="0"/>
+          </a:p>
+          <a:p>
+            <a:r>
+              <a:rPr lang="en-US" dirty="0" smtClean="0"/>
+              <a:t>Keyword </a:t>
+            </a:r>
+            <a:r>
+              <a:rPr lang="en-US" dirty="0" smtClean="0"/>
+              <a:t>Search Tweets</a:t>
+            </a:r>
+          </a:p>
+          <a:p>
+            <a:r>
+              <a:rPr lang="en-US" dirty="0" smtClean="0"/>
+              <a:t>Open Streaming Tweets</a:t>
+            </a:r>
+          </a:p>
+          <a:p>
+            <a:r>
+              <a:rPr lang="en-US" dirty="0" smtClean="0"/>
+              <a:t>Focused Tweets</a:t>
+            </a:r>
+          </a:p>
+          <a:p>
+            <a:r>
+              <a:rPr lang="en-US" dirty="0" smtClean="0"/>
+              <a:t>Future </a:t>
+            </a:r>
+            <a:r>
+              <a:rPr lang="en-US" dirty="0" smtClean="0"/>
+              <a:t>Directions</a:t>
+            </a:r>
+            <a:endParaRPr lang="en-US" dirty="0" smtClean="0"/>
+          </a:p>
+        </p:txBody>
+      </p:sp>
+    </p:spTree>
+    <p:extLst>
+      <p:ext uri="{BB962C8B-B14F-4D97-AF65-F5344CB8AC3E}">
+        <p14:creationId xmlns:p14="http://schemas.microsoft.com/office/powerpoint/2010/main" val="733759584"/>
+      </p:ext>
+    </p:extLst>
+  </p:cSld>
+  <p:clrMapOvr>
+    <a:masterClrMapping/>
+  </p:clrMapOvr>
+  <p:timing>
+    <p:tnLst>
+      <p:par>
+        <p:cTn id="1" dur="indefinite" restart="never" nodeType="tmRoot"/>
+      </p:par>
+    </p:tnLst>
+  </p:timing>
+</p:sld>
+</file>
+
+<file path=ppt/slides/slide20.xml><?xml version="1.0" encoding="utf-8"?>
 <p:sld xmlns:a="http://schemas.openxmlformats.org/drawingml/2006/main" xmlns:r="http://schemas.openxmlformats.org/officeDocument/2006/relationships" xmlns:p="http://schemas.openxmlformats.org/presentationml/2006/main">
   <p:cSld>
     <p:spTree>
@@ -13313,7 +17790,7 @@
 </p:sld>
 </file>
 
-<file path=ppt/slides/slide19.xml><?xml version="1.0" encoding="utf-8"?>
+<file path=ppt/slides/slide21.xml><?xml version="1.0" encoding="utf-8"?>
 <p:sld xmlns:a="http://schemas.openxmlformats.org/drawingml/2006/main" xmlns:r="http://schemas.openxmlformats.org/officeDocument/2006/relationships" xmlns:p="http://schemas.openxmlformats.org/presentationml/2006/main">
   <p:cSld>
     <p:spTree>
@@ -13750,440 +18227,7 @@
 </p:sld>
 </file>
 
-<file path=ppt/slides/slide2.xml><?xml version="1.0" encoding="utf-8"?>
-<p:sld xmlns:a="http://schemas.openxmlformats.org/drawingml/2006/main" xmlns:r="http://schemas.openxmlformats.org/officeDocument/2006/relationships" xmlns:p="http://schemas.openxmlformats.org/presentationml/2006/main">
-  <p:cSld>
-    <p:spTree>
-      <p:nvGrpSpPr>
-        <p:cNvPr id="1" name=""/>
-        <p:cNvGrpSpPr/>
-        <p:nvPr/>
-      </p:nvGrpSpPr>
-      <p:grpSpPr>
-        <a:xfrm>
-          <a:off x="0" y="0"/>
-          <a:ext cx="0" cy="0"/>
-          <a:chOff x="0" y="0"/>
-          <a:chExt cx="0" cy="0"/>
-        </a:xfrm>
-      </p:grpSpPr>
-      <p:sp>
-        <p:nvSpPr>
-          <p:cNvPr id="6" name="Title 1"/>
-          <p:cNvSpPr>
-            <a:spLocks noGrp="1"/>
-          </p:cNvSpPr>
-          <p:nvPr>
-            <p:ph type="title"/>
-          </p:nvPr>
-        </p:nvSpPr>
-        <p:spPr>
-          <a:xfrm>
-            <a:off x="507117" y="271786"/>
-            <a:ext cx="10515600" cy="391620"/>
-          </a:xfrm>
-        </p:spPr>
-        <p:txBody>
-          <a:bodyPr>
-            <a:normAutofit fontScale="90000"/>
-          </a:bodyPr>
-          <a:lstStyle/>
-          <a:p>
-            <a:r>
-              <a:rPr lang="en-US" dirty="0" smtClean="0"/>
-              <a:t>Outline</a:t>
-            </a:r>
-            <a:endParaRPr lang="en-US" dirty="0"/>
-          </a:p>
-        </p:txBody>
-      </p:sp>
-      <p:cxnSp>
-        <p:nvCxnSpPr>
-          <p:cNvPr id="7" name="Straight Connector 6"/>
-          <p:cNvCxnSpPr/>
-          <p:nvPr/>
-        </p:nvCxnSpPr>
-        <p:spPr>
-          <a:xfrm>
-            <a:off x="507117" y="803132"/>
-            <a:ext cx="11056883" cy="10509"/>
-          </a:xfrm>
-          <a:prstGeom prst="line">
-            <a:avLst/>
-          </a:prstGeom>
-        </p:spPr>
-        <p:style>
-          <a:lnRef idx="1">
-            <a:schemeClr val="accent1"/>
-          </a:lnRef>
-          <a:fillRef idx="0">
-            <a:schemeClr val="accent1"/>
-          </a:fillRef>
-          <a:effectRef idx="0">
-            <a:schemeClr val="accent1"/>
-          </a:effectRef>
-          <a:fontRef idx="minor">
-            <a:schemeClr val="tx1"/>
-          </a:fontRef>
-        </p:style>
-      </p:cxnSp>
-      <p:sp>
-        <p:nvSpPr>
-          <p:cNvPr id="8" name="Content Placeholder 2"/>
-          <p:cNvSpPr txBox="1">
-            <a:spLocks/>
-          </p:cNvSpPr>
-          <p:nvPr/>
-        </p:nvSpPr>
-        <p:spPr>
-          <a:xfrm>
-            <a:off x="778407" y="1477392"/>
-            <a:ext cx="10530724" cy="4965449"/>
-          </a:xfrm>
-          <a:prstGeom prst="rect">
-            <a:avLst/>
-          </a:prstGeom>
-        </p:spPr>
-        <p:txBody>
-          <a:bodyPr/>
-          <a:lstStyle>
-            <a:lvl1pPr marL="228600" indent="-228600" algn="l" defTabSz="914400" rtl="0" eaLnBrk="1" latinLnBrk="0" hangingPunct="1">
-              <a:lnSpc>
-                <a:spcPct val="90000"/>
-              </a:lnSpc>
-              <a:spcBef>
-                <a:spcPts val="1000"/>
-              </a:spcBef>
-              <a:buFont typeface="Arial" panose="020B0604020202020204" pitchFamily="34" charset="0"/>
-              <a:buChar char="•"/>
-              <a:defRPr sz="2800" kern="1200">
-                <a:gradFill>
-                  <a:gsLst>
-                    <a:gs pos="34000">
-                      <a:schemeClr val="tx1">
-                        <a:lumMod val="93000"/>
-                      </a:schemeClr>
-                    </a:gs>
-                    <a:gs pos="0">
-                      <a:schemeClr val="bg1">
-                        <a:lumMod val="25000"/>
-                        <a:lumOff val="75000"/>
-                      </a:schemeClr>
-                    </a:gs>
-                    <a:gs pos="100000">
-                      <a:schemeClr val="tx2">
-                        <a:lumMod val="0"/>
-                        <a:lumOff val="100000"/>
-                      </a:schemeClr>
-                    </a:gs>
-                  </a:gsLst>
-                  <a:lin ang="4800000" scaled="0"/>
-                </a:gradFill>
-                <a:latin typeface="+mn-lt"/>
-                <a:ea typeface="+mn-ea"/>
-                <a:cs typeface="+mn-cs"/>
-              </a:defRPr>
-            </a:lvl1pPr>
-            <a:lvl2pPr marL="685800" indent="-228600" algn="l" defTabSz="914400" rtl="0" eaLnBrk="1" latinLnBrk="0" hangingPunct="1">
-              <a:lnSpc>
-                <a:spcPct val="90000"/>
-              </a:lnSpc>
-              <a:spcBef>
-                <a:spcPts val="500"/>
-              </a:spcBef>
-              <a:buFont typeface="Arial" panose="020B0604020202020204" pitchFamily="34" charset="0"/>
-              <a:buChar char="•"/>
-              <a:defRPr sz="2400" kern="1200">
-                <a:gradFill>
-                  <a:gsLst>
-                    <a:gs pos="34000">
-                      <a:schemeClr val="tx1">
-                        <a:lumMod val="93000"/>
-                      </a:schemeClr>
-                    </a:gs>
-                    <a:gs pos="0">
-                      <a:schemeClr val="bg1">
-                        <a:lumMod val="25000"/>
-                        <a:lumOff val="75000"/>
-                      </a:schemeClr>
-                    </a:gs>
-                    <a:gs pos="100000">
-                      <a:schemeClr val="tx2">
-                        <a:lumMod val="0"/>
-                        <a:lumOff val="100000"/>
-                      </a:schemeClr>
-                    </a:gs>
-                  </a:gsLst>
-                  <a:lin ang="4800000" scaled="0"/>
-                </a:gradFill>
-                <a:latin typeface="+mn-lt"/>
-                <a:ea typeface="+mn-ea"/>
-                <a:cs typeface="+mn-cs"/>
-              </a:defRPr>
-            </a:lvl2pPr>
-            <a:lvl3pPr marL="1143000" indent="-228600" algn="l" defTabSz="914400" rtl="0" eaLnBrk="1" latinLnBrk="0" hangingPunct="1">
-              <a:lnSpc>
-                <a:spcPct val="90000"/>
-              </a:lnSpc>
-              <a:spcBef>
-                <a:spcPts val="500"/>
-              </a:spcBef>
-              <a:buFont typeface="Arial" panose="020B0604020202020204" pitchFamily="34" charset="0"/>
-              <a:buChar char="•"/>
-              <a:defRPr sz="2000" kern="1200">
-                <a:gradFill>
-                  <a:gsLst>
-                    <a:gs pos="34000">
-                      <a:schemeClr val="tx1">
-                        <a:lumMod val="93000"/>
-                      </a:schemeClr>
-                    </a:gs>
-                    <a:gs pos="0">
-                      <a:schemeClr val="bg1">
-                        <a:lumMod val="25000"/>
-                        <a:lumOff val="75000"/>
-                      </a:schemeClr>
-                    </a:gs>
-                    <a:gs pos="100000">
-                      <a:schemeClr val="tx2">
-                        <a:lumMod val="0"/>
-                        <a:lumOff val="100000"/>
-                      </a:schemeClr>
-                    </a:gs>
-                  </a:gsLst>
-                  <a:lin ang="4800000" scaled="0"/>
-                </a:gradFill>
-                <a:latin typeface="+mn-lt"/>
-                <a:ea typeface="+mn-ea"/>
-                <a:cs typeface="+mn-cs"/>
-              </a:defRPr>
-            </a:lvl3pPr>
-            <a:lvl4pPr marL="1600200" indent="-228600" algn="l" defTabSz="914400" rtl="0" eaLnBrk="1" latinLnBrk="0" hangingPunct="1">
-              <a:lnSpc>
-                <a:spcPct val="90000"/>
-              </a:lnSpc>
-              <a:spcBef>
-                <a:spcPts val="500"/>
-              </a:spcBef>
-              <a:buFont typeface="Arial" panose="020B0604020202020204" pitchFamily="34" charset="0"/>
-              <a:buChar char="•"/>
-              <a:defRPr sz="1800" kern="1200">
-                <a:gradFill>
-                  <a:gsLst>
-                    <a:gs pos="34000">
-                      <a:schemeClr val="tx1">
-                        <a:lumMod val="93000"/>
-                      </a:schemeClr>
-                    </a:gs>
-                    <a:gs pos="0">
-                      <a:schemeClr val="bg1">
-                        <a:lumMod val="25000"/>
-                        <a:lumOff val="75000"/>
-                      </a:schemeClr>
-                    </a:gs>
-                    <a:gs pos="100000">
-                      <a:schemeClr val="tx2">
-                        <a:lumMod val="0"/>
-                        <a:lumOff val="100000"/>
-                      </a:schemeClr>
-                    </a:gs>
-                  </a:gsLst>
-                  <a:lin ang="4800000" scaled="0"/>
-                </a:gradFill>
-                <a:latin typeface="+mn-lt"/>
-                <a:ea typeface="+mn-ea"/>
-                <a:cs typeface="+mn-cs"/>
-              </a:defRPr>
-            </a:lvl4pPr>
-            <a:lvl5pPr marL="2057400" indent="-228600" algn="l" defTabSz="914400" rtl="0" eaLnBrk="1" latinLnBrk="0" hangingPunct="1">
-              <a:lnSpc>
-                <a:spcPct val="90000"/>
-              </a:lnSpc>
-              <a:spcBef>
-                <a:spcPts val="500"/>
-              </a:spcBef>
-              <a:buFont typeface="Arial" panose="020B0604020202020204" pitchFamily="34" charset="0"/>
-              <a:buChar char="•"/>
-              <a:defRPr sz="1800" kern="1200">
-                <a:gradFill>
-                  <a:gsLst>
-                    <a:gs pos="34000">
-                      <a:schemeClr val="tx1">
-                        <a:lumMod val="93000"/>
-                      </a:schemeClr>
-                    </a:gs>
-                    <a:gs pos="0">
-                      <a:schemeClr val="bg1">
-                        <a:lumMod val="25000"/>
-                        <a:lumOff val="75000"/>
-                      </a:schemeClr>
-                    </a:gs>
-                    <a:gs pos="100000">
-                      <a:schemeClr val="tx2">
-                        <a:lumMod val="0"/>
-                        <a:lumOff val="100000"/>
-                      </a:schemeClr>
-                    </a:gs>
-                  </a:gsLst>
-                  <a:lin ang="4800000" scaled="0"/>
-                </a:gradFill>
-                <a:latin typeface="+mn-lt"/>
-                <a:ea typeface="+mn-ea"/>
-                <a:cs typeface="+mn-cs"/>
-              </a:defRPr>
-            </a:lvl5pPr>
-            <a:lvl6pPr marL="2514600" indent="-228600" algn="l" defTabSz="914400" rtl="0" eaLnBrk="1" latinLnBrk="0" hangingPunct="1">
-              <a:lnSpc>
-                <a:spcPct val="90000"/>
-              </a:lnSpc>
-              <a:spcBef>
-                <a:spcPts val="500"/>
-              </a:spcBef>
-              <a:buFont typeface="Arial" panose="020B0604020202020204" pitchFamily="34" charset="0"/>
-              <a:buChar char="•"/>
-              <a:defRPr sz="1800" kern="1200">
-                <a:solidFill>
-                  <a:schemeClr val="tx1"/>
-                </a:solidFill>
-                <a:latin typeface="+mn-lt"/>
-                <a:ea typeface="+mn-ea"/>
-                <a:cs typeface="+mn-cs"/>
-              </a:defRPr>
-            </a:lvl6pPr>
-            <a:lvl7pPr marL="2971800" indent="-228600" algn="l" defTabSz="914400" rtl="0" eaLnBrk="1" latinLnBrk="0" hangingPunct="1">
-              <a:lnSpc>
-                <a:spcPct val="90000"/>
-              </a:lnSpc>
-              <a:spcBef>
-                <a:spcPts val="500"/>
-              </a:spcBef>
-              <a:buFont typeface="Arial" panose="020B0604020202020204" pitchFamily="34" charset="0"/>
-              <a:buChar char="•"/>
-              <a:defRPr sz="1800" kern="1200">
-                <a:solidFill>
-                  <a:schemeClr val="tx1"/>
-                </a:solidFill>
-                <a:latin typeface="+mn-lt"/>
-                <a:ea typeface="+mn-ea"/>
-                <a:cs typeface="+mn-cs"/>
-              </a:defRPr>
-            </a:lvl7pPr>
-            <a:lvl8pPr marL="3429000" indent="-228600" algn="l" defTabSz="914400" rtl="0" eaLnBrk="1" latinLnBrk="0" hangingPunct="1">
-              <a:lnSpc>
-                <a:spcPct val="90000"/>
-              </a:lnSpc>
-              <a:spcBef>
-                <a:spcPts val="500"/>
-              </a:spcBef>
-              <a:buFont typeface="Arial" panose="020B0604020202020204" pitchFamily="34" charset="0"/>
-              <a:buChar char="•"/>
-              <a:defRPr sz="1800" kern="1200">
-                <a:solidFill>
-                  <a:schemeClr val="tx1"/>
-                </a:solidFill>
-                <a:latin typeface="+mn-lt"/>
-                <a:ea typeface="+mn-ea"/>
-                <a:cs typeface="+mn-cs"/>
-              </a:defRPr>
-            </a:lvl8pPr>
-            <a:lvl9pPr marL="3886200" indent="-228600" algn="l" defTabSz="914400" rtl="0" eaLnBrk="1" latinLnBrk="0" hangingPunct="1">
-              <a:lnSpc>
-                <a:spcPct val="90000"/>
-              </a:lnSpc>
-              <a:spcBef>
-                <a:spcPts val="500"/>
-              </a:spcBef>
-              <a:buFont typeface="Arial" panose="020B0604020202020204" pitchFamily="34" charset="0"/>
-              <a:buChar char="•"/>
-              <a:defRPr sz="1800" kern="1200">
-                <a:solidFill>
-                  <a:schemeClr val="tx1"/>
-                </a:solidFill>
-                <a:latin typeface="+mn-lt"/>
-                <a:ea typeface="+mn-ea"/>
-                <a:cs typeface="+mn-cs"/>
-              </a:defRPr>
-            </a:lvl9pPr>
-          </a:lstStyle>
-          <a:p>
-            <a:r>
-              <a:rPr lang="en-US" dirty="0" smtClean="0"/>
-              <a:t>Motivation</a:t>
-            </a:r>
-          </a:p>
-          <a:p>
-            <a:r>
-              <a:rPr lang="en-US" dirty="0" smtClean="0"/>
-              <a:t>Getting the </a:t>
-            </a:r>
-            <a:r>
-              <a:rPr lang="en-US" dirty="0" smtClean="0"/>
-              <a:t>Data</a:t>
-            </a:r>
-          </a:p>
-          <a:p>
-            <a:r>
-              <a:rPr lang="en-US" dirty="0" smtClean="0"/>
-              <a:t>Clustering/Topic Modeling </a:t>
-            </a:r>
-            <a:endParaRPr lang="en-US" dirty="0" smtClean="0"/>
-          </a:p>
-          <a:p>
-            <a:r>
-              <a:rPr lang="en-US" dirty="0" smtClean="0"/>
-              <a:t>Keyword </a:t>
-            </a:r>
-            <a:r>
-              <a:rPr lang="en-US" dirty="0" smtClean="0"/>
-              <a:t>Search Tweets</a:t>
-            </a:r>
-          </a:p>
-          <a:p>
-            <a:r>
-              <a:rPr lang="en-US" dirty="0" smtClean="0"/>
-              <a:t>Open Streaming Tweets</a:t>
-            </a:r>
-          </a:p>
-          <a:p>
-            <a:r>
-              <a:rPr lang="en-US" dirty="0" smtClean="0"/>
-              <a:t>Focused Tweets</a:t>
-            </a:r>
-          </a:p>
-          <a:p>
-            <a:r>
-              <a:rPr lang="en-US" dirty="0" smtClean="0"/>
-              <a:t>Future </a:t>
-            </a:r>
-            <a:r>
-              <a:rPr lang="en-US" dirty="0" smtClean="0"/>
-              <a:t>Directions</a:t>
-            </a:r>
-            <a:endParaRPr lang="en-US" dirty="0" smtClean="0"/>
-          </a:p>
-        </p:txBody>
-      </p:sp>
-    </p:spTree>
-    <p:extLst>
-      <p:ext uri="{BB962C8B-B14F-4D97-AF65-F5344CB8AC3E}">
-        <p14:creationId xmlns:p14="http://schemas.microsoft.com/office/powerpoint/2010/main" val="733759584"/>
-      </p:ext>
-    </p:extLst>
-  </p:cSld>
-  <p:clrMapOvr>
-    <a:masterClrMapping/>
-  </p:clrMapOvr>
-  <p:timing>
-    <p:tnLst>
-      <p:par>
-        <p:cTn id="1" dur="indefinite" restart="never" nodeType="tmRoot"/>
-      </p:par>
-    </p:tnLst>
-  </p:timing>
-</p:sld>
-</file>
-
-<file path=ppt/slides/slide20.xml><?xml version="1.0" encoding="utf-8"?>
+<file path=ppt/slides/slide22.xml><?xml version="1.0" encoding="utf-8"?>
 <p:sld xmlns:a="http://schemas.openxmlformats.org/drawingml/2006/main" xmlns:r="http://schemas.openxmlformats.org/officeDocument/2006/relationships" xmlns:p="http://schemas.openxmlformats.org/presentationml/2006/main">
   <p:cSld>
     <p:spTree>
@@ -14744,6 +18788,8 @@
               <a:rPr lang="en-US" dirty="0" smtClean="0"/>
               <a:t>Unlabeled Data</a:t>
             </a:r>
+          </a:p>
+          <a:p>
             <a:endParaRPr lang="en-US" dirty="0" smtClean="0"/>
           </a:p>
           <a:p>
@@ -14754,13 +18800,12 @@
             <a:endParaRPr lang="en-US" dirty="0" smtClean="0"/>
           </a:p>
           <a:p>
+            <a:endParaRPr lang="en-US" dirty="0" smtClean="0"/>
+          </a:p>
+          <a:p>
             <a:r>
               <a:rPr lang="en-US" dirty="0" smtClean="0"/>
-              <a:t>Unsupervised </a:t>
-            </a:r>
-            <a:r>
-              <a:rPr lang="en-US" dirty="0" smtClean="0"/>
-              <a:t>Learning</a:t>
+              <a:t>Unsupervised Learning</a:t>
             </a:r>
             <a:endParaRPr lang="en-US" dirty="0" smtClean="0"/>
           </a:p>
@@ -14827,7 +18872,7 @@
           <a:p>
             <a:r>
               <a:rPr lang="en-US" dirty="0" smtClean="0"/>
-              <a:t>Clustering/Topic Modeling</a:t>
+              <a:t>Getting the Data</a:t>
             </a:r>
             <a:endParaRPr lang="en-US" dirty="0"/>
           </a:p>
@@ -15142,40 +19187,64 @@
             </a:lvl9pPr>
           </a:lstStyle>
           <a:p>
+            <a:endParaRPr lang="en-US" dirty="0" smtClean="0"/>
+          </a:p>
+          <a:p>
             <a:r>
               <a:rPr lang="en-US" dirty="0" smtClean="0"/>
-              <a:t>Latent </a:t>
+              <a:t>Twitter Streaming API</a:t>
             </a:r>
+            <a:endParaRPr lang="en-US" dirty="0" smtClean="0"/>
+          </a:p>
+          <a:p>
+            <a:endParaRPr lang="en-US" dirty="0" smtClean="0"/>
+          </a:p>
+          <a:p>
+            <a:endParaRPr lang="en-US" dirty="0"/>
+          </a:p>
+          <a:p>
             <a:r>
               <a:rPr lang="en-US" dirty="0" err="1" smtClean="0"/>
-              <a:t>Dirichlet</a:t>
-            </a:r>
-            <a:r>
-              <a:rPr lang="en-US" dirty="0" smtClean="0"/>
-              <a:t> Allocation</a:t>
+              <a:t>Tweepy</a:t>
             </a:r>
             <a:endParaRPr lang="en-US" dirty="0" smtClean="0"/>
           </a:p>
-          <a:p>
-            <a:r>
-              <a:rPr lang="en-US" dirty="0" smtClean="0"/>
-              <a:t>K-means Clustering </a:t>
-            </a:r>
-            <a:endParaRPr lang="en-US" dirty="0" smtClean="0"/>
-          </a:p>
-          <a:p>
-            <a:r>
-              <a:rPr lang="en-US" dirty="0" smtClean="0"/>
-              <a:t>Non-negative Matrix Factorization</a:t>
-            </a:r>
-            <a:endParaRPr lang="en-US" dirty="0" smtClean="0"/>
-          </a:p>
         </p:txBody>
       </p:sp>
+      <p:pic>
+        <p:nvPicPr>
+          <p:cNvPr id="2" name="Picture 1"/>
+          <p:cNvPicPr>
+            <a:picLocks noChangeAspect="1"/>
+          </p:cNvPicPr>
+          <p:nvPr/>
+        </p:nvPicPr>
+        <p:blipFill>
+          <a:blip r:embed="rId2">
+            <a:extLst>
+              <a:ext uri="{28A0092B-C50C-407E-A947-70E740481C1C}">
+                <a14:useLocalDpi xmlns:a14="http://schemas.microsoft.com/office/drawing/2010/main" val="0"/>
+              </a:ext>
+            </a:extLst>
+          </a:blip>
+          <a:stretch>
+            <a:fillRect/>
+          </a:stretch>
+        </p:blipFill>
+        <p:spPr>
+          <a:xfrm>
+            <a:off x="4686771" y="1555531"/>
+            <a:ext cx="6877229" cy="4112651"/>
+          </a:xfrm>
+          <a:prstGeom prst="rect">
+            <a:avLst/>
+          </a:prstGeom>
+        </p:spPr>
+      </p:pic>
     </p:spTree>
     <p:extLst>
       <p:ext uri="{BB962C8B-B14F-4D97-AF65-F5344CB8AC3E}">
-        <p14:creationId xmlns:p14="http://schemas.microsoft.com/office/powerpoint/2010/main" val="2138706856"/>
+        <p14:creationId xmlns:p14="http://schemas.microsoft.com/office/powerpoint/2010/main" val="1413354792"/>
       </p:ext>
     </p:extLst>
   </p:cSld>
@@ -15209,39 +19278,9 @@
           <a:chExt cx="0" cy="0"/>
         </a:xfrm>
       </p:grpSpPr>
-      <p:pic>
-        <p:nvPicPr>
-          <p:cNvPr id="4" name="Picture 3"/>
-          <p:cNvPicPr>
-            <a:picLocks noChangeAspect="1"/>
-          </p:cNvPicPr>
-          <p:nvPr/>
-        </p:nvPicPr>
-        <p:blipFill>
-          <a:blip r:embed="rId2">
-            <a:extLst>
-              <a:ext uri="{28A0092B-C50C-407E-A947-70E740481C1C}">
-                <a14:useLocalDpi xmlns:a14="http://schemas.microsoft.com/office/drawing/2010/main" val="0"/>
-              </a:ext>
-            </a:extLst>
-          </a:blip>
-          <a:stretch>
-            <a:fillRect/>
-          </a:stretch>
-        </p:blipFill>
-        <p:spPr>
-          <a:xfrm>
-            <a:off x="5312972" y="1225144"/>
-            <a:ext cx="6058127" cy="4917974"/>
-          </a:xfrm>
-          <a:prstGeom prst="rect">
-            <a:avLst/>
-          </a:prstGeom>
-        </p:spPr>
-      </p:pic>
       <p:sp>
         <p:nvSpPr>
-          <p:cNvPr id="6" name="Title 1"/>
+          <p:cNvPr id="4" name="Title 1"/>
           <p:cNvSpPr>
             <a:spLocks noGrp="1"/>
           </p:cNvSpPr>
@@ -15263,7 +19302,7 @@
           <a:p>
             <a:r>
               <a:rPr lang="en-US" dirty="0" smtClean="0"/>
-              <a:t>Tweets by keyword search</a:t>
+              <a:t>Workflow</a:t>
             </a:r>
             <a:endParaRPr lang="en-US" dirty="0"/>
           </a:p>
@@ -15271,13 +19310,180 @@
       </p:sp>
       <p:cxnSp>
         <p:nvCxnSpPr>
-          <p:cNvPr id="7" name="Straight Connector 6"/>
+          <p:cNvPr id="5" name="Straight Connector 4"/>
           <p:cNvCxnSpPr/>
           <p:nvPr/>
         </p:nvCxnSpPr>
         <p:spPr>
           <a:xfrm>
-            <a:off x="507117" y="792622"/>
+            <a:off x="507117" y="803132"/>
+            <a:ext cx="11056883" cy="10509"/>
+          </a:xfrm>
+          <a:prstGeom prst="line">
+            <a:avLst/>
+          </a:prstGeom>
+        </p:spPr>
+        <p:style>
+          <a:lnRef idx="1">
+            <a:schemeClr val="accent1"/>
+          </a:lnRef>
+          <a:fillRef idx="0">
+            <a:schemeClr val="accent1"/>
+          </a:fillRef>
+          <a:effectRef idx="0">
+            <a:schemeClr val="accent1"/>
+          </a:effectRef>
+          <a:fontRef idx="minor">
+            <a:schemeClr val="tx1"/>
+          </a:fontRef>
+        </p:style>
+      </p:cxnSp>
+      <p:graphicFrame>
+        <p:nvGraphicFramePr>
+          <p:cNvPr id="2" name="Diagram 1"/>
+          <p:cNvGraphicFramePr/>
+          <p:nvPr>
+            <p:extLst>
+              <p:ext uri="{D42A27DB-BD31-4B8C-83A1-F6EECF244321}">
+                <p14:modId xmlns:p14="http://schemas.microsoft.com/office/powerpoint/2010/main" val="1095896533"/>
+              </p:ext>
+            </p:extLst>
+          </p:nvPr>
+        </p:nvGraphicFramePr>
+        <p:xfrm>
+          <a:off x="388883" y="719666"/>
+          <a:ext cx="11403724" cy="5418667"/>
+        </p:xfrm>
+        <a:graphic>
+          <a:graphicData uri="http://schemas.openxmlformats.org/drawingml/2006/diagram">
+            <dgm:relIds xmlns:dgm="http://schemas.openxmlformats.org/drawingml/2006/diagram" xmlns:r="http://schemas.openxmlformats.org/officeDocument/2006/relationships" r:dm="rId2" r:lo="rId3" r:qs="rId4" r:cs="rId5"/>
+          </a:graphicData>
+        </a:graphic>
+      </p:graphicFrame>
+      <p:sp>
+        <p:nvSpPr>
+          <p:cNvPr id="3" name="Multiply 2"/>
+          <p:cNvSpPr/>
+          <p:nvPr/>
+        </p:nvSpPr>
+        <p:spPr>
+          <a:xfrm>
+            <a:off x="4445875" y="2971799"/>
+            <a:ext cx="914400" cy="914400"/>
+          </a:xfrm>
+          <a:prstGeom prst="mathMultiply">
+            <a:avLst/>
+          </a:prstGeom>
+          <a:solidFill>
+            <a:srgbClr val="FF0000"/>
+          </a:solidFill>
+          <a:ln>
+            <a:solidFill>
+              <a:srgbClr val="FF0000"/>
+            </a:solidFill>
+          </a:ln>
+        </p:spPr>
+        <p:style>
+          <a:lnRef idx="2">
+            <a:schemeClr val="accent1">
+              <a:shade val="50000"/>
+            </a:schemeClr>
+          </a:lnRef>
+          <a:fillRef idx="1">
+            <a:schemeClr val="accent1"/>
+          </a:fillRef>
+          <a:effectRef idx="0">
+            <a:schemeClr val="accent1"/>
+          </a:effectRef>
+          <a:fontRef idx="minor">
+            <a:schemeClr val="lt1"/>
+          </a:fontRef>
+        </p:style>
+        <p:txBody>
+          <a:bodyPr rtlCol="0" anchor="ctr"/>
+          <a:lstStyle/>
+          <a:p>
+            <a:pPr algn="ctr"/>
+            <a:endParaRPr lang="en-US"/>
+          </a:p>
+        </p:txBody>
+      </p:sp>
+    </p:spTree>
+    <p:extLst>
+      <p:ext uri="{BB962C8B-B14F-4D97-AF65-F5344CB8AC3E}">
+        <p14:creationId xmlns:p14="http://schemas.microsoft.com/office/powerpoint/2010/main" val="966385158"/>
+      </p:ext>
+    </p:extLst>
+  </p:cSld>
+  <p:clrMapOvr>
+    <a:masterClrMapping/>
+  </p:clrMapOvr>
+  <p:timing>
+    <p:tnLst>
+      <p:par>
+        <p:cTn id="1" dur="indefinite" restart="never" nodeType="tmRoot"/>
+      </p:par>
+    </p:tnLst>
+  </p:timing>
+</p:sld>
+</file>
+
+<file path=ppt/slides/slide6.xml><?xml version="1.0" encoding="utf-8"?>
+<p:sld xmlns:a="http://schemas.openxmlformats.org/drawingml/2006/main" xmlns:r="http://schemas.openxmlformats.org/officeDocument/2006/relationships" xmlns:p="http://schemas.openxmlformats.org/presentationml/2006/main">
+  <p:cSld>
+    <p:spTree>
+      <p:nvGrpSpPr>
+        <p:cNvPr id="1" name=""/>
+        <p:cNvGrpSpPr/>
+        <p:nvPr/>
+      </p:nvGrpSpPr>
+      <p:grpSpPr>
+        <a:xfrm>
+          <a:off x="0" y="0"/>
+          <a:ext cx="0" cy="0"/>
+          <a:chOff x="0" y="0"/>
+          <a:chExt cx="0" cy="0"/>
+        </a:xfrm>
+      </p:grpSpPr>
+      <p:sp>
+        <p:nvSpPr>
+          <p:cNvPr id="4" name="Title 1"/>
+          <p:cNvSpPr>
+            <a:spLocks noGrp="1"/>
+          </p:cNvSpPr>
+          <p:nvPr>
+            <p:ph type="title"/>
+          </p:nvPr>
+        </p:nvSpPr>
+        <p:spPr>
+          <a:xfrm>
+            <a:off x="507117" y="282296"/>
+            <a:ext cx="10515600" cy="391620"/>
+          </a:xfrm>
+        </p:spPr>
+        <p:txBody>
+          <a:bodyPr>
+            <a:normAutofit fontScale="90000"/>
+          </a:bodyPr>
+          <a:lstStyle/>
+          <a:p>
+            <a:r>
+              <a:rPr lang="en-US" dirty="0" smtClean="0"/>
+              <a:t>Clustering/Topic Modeling</a:t>
+            </a:r>
+            <a:endParaRPr lang="en-US" dirty="0"/>
+          </a:p>
+        </p:txBody>
+      </p:sp>
+      <p:cxnSp>
+        <p:nvCxnSpPr>
+          <p:cNvPr id="5" name="Straight Connector 4"/>
+          <p:cNvCxnSpPr/>
+          <p:nvPr/>
+        </p:nvCxnSpPr>
+        <p:spPr>
+          <a:xfrm>
+            <a:off x="507117" y="855682"/>
             <a:ext cx="11056883" cy="10509"/>
           </a:xfrm>
           <a:prstGeom prst="line">
@@ -15301,7 +19507,7 @@
       </p:cxnSp>
       <p:sp>
         <p:nvSpPr>
-          <p:cNvPr id="8" name="Content Placeholder 2"/>
+          <p:cNvPr id="7" name="Content Placeholder 2"/>
           <p:cNvSpPr txBox="1">
             <a:spLocks/>
           </p:cNvSpPr>
@@ -15309,8 +19515,8 @@
         </p:nvSpPr>
         <p:spPr>
           <a:xfrm>
-            <a:off x="788917" y="1225144"/>
-            <a:ext cx="10233800" cy="4351338"/>
+            <a:off x="641773" y="1908316"/>
+            <a:ext cx="10530724" cy="2463988"/>
           </a:xfrm>
           <a:prstGeom prst="rect">
             <a:avLst/>
@@ -15580,6 +19786,455 @@
           <a:p>
             <a:r>
               <a:rPr lang="en-US" dirty="0" smtClean="0"/>
+              <a:t>Latent </a:t>
+            </a:r>
+            <a:r>
+              <a:rPr lang="en-US" dirty="0" err="1" smtClean="0"/>
+              <a:t>Dirichlet</a:t>
+            </a:r>
+            <a:r>
+              <a:rPr lang="en-US" dirty="0" smtClean="0"/>
+              <a:t> Allocation</a:t>
+            </a:r>
+          </a:p>
+          <a:p>
+            <a:pPr lvl="1"/>
+            <a:r>
+              <a:rPr lang="en-US" dirty="0" err="1" smtClean="0"/>
+              <a:t>Probabilites</a:t>
+            </a:r>
+            <a:endParaRPr lang="en-US" dirty="0" smtClean="0"/>
+          </a:p>
+          <a:p>
+            <a:r>
+              <a:rPr lang="en-US" dirty="0" smtClean="0"/>
+              <a:t>K-means Clustering </a:t>
+            </a:r>
+          </a:p>
+          <a:p>
+            <a:r>
+              <a:rPr lang="en-US" dirty="0" smtClean="0"/>
+              <a:t>Non-negative Matrix Factorization</a:t>
+            </a:r>
+          </a:p>
+          <a:p>
+            <a:pPr lvl="1"/>
+            <a:r>
+              <a:rPr lang="en-US" dirty="0" smtClean="0"/>
+              <a:t>Linear Algebra</a:t>
+            </a:r>
+            <a:endParaRPr lang="en-US" dirty="0" smtClean="0"/>
+          </a:p>
+        </p:txBody>
+      </p:sp>
+    </p:spTree>
+    <p:extLst>
+      <p:ext uri="{BB962C8B-B14F-4D97-AF65-F5344CB8AC3E}">
+        <p14:creationId xmlns:p14="http://schemas.microsoft.com/office/powerpoint/2010/main" val="2138706856"/>
+      </p:ext>
+    </p:extLst>
+  </p:cSld>
+  <p:clrMapOvr>
+    <a:masterClrMapping/>
+  </p:clrMapOvr>
+  <p:timing>
+    <p:tnLst>
+      <p:par>
+        <p:cTn id="1" dur="indefinite" restart="never" nodeType="tmRoot"/>
+      </p:par>
+    </p:tnLst>
+  </p:timing>
+</p:sld>
+</file>
+
+<file path=ppt/slides/slide7.xml><?xml version="1.0" encoding="utf-8"?>
+<p:sld xmlns:a="http://schemas.openxmlformats.org/drawingml/2006/main" xmlns:r="http://schemas.openxmlformats.org/officeDocument/2006/relationships" xmlns:p="http://schemas.openxmlformats.org/presentationml/2006/main">
+  <p:cSld>
+    <p:spTree>
+      <p:nvGrpSpPr>
+        <p:cNvPr id="1" name=""/>
+        <p:cNvGrpSpPr/>
+        <p:nvPr/>
+      </p:nvGrpSpPr>
+      <p:grpSpPr>
+        <a:xfrm>
+          <a:off x="0" y="0"/>
+          <a:ext cx="0" cy="0"/>
+          <a:chOff x="0" y="0"/>
+          <a:chExt cx="0" cy="0"/>
+        </a:xfrm>
+      </p:grpSpPr>
+      <p:pic>
+        <p:nvPicPr>
+          <p:cNvPr id="4" name="Picture 3"/>
+          <p:cNvPicPr>
+            <a:picLocks noChangeAspect="1"/>
+          </p:cNvPicPr>
+          <p:nvPr/>
+        </p:nvPicPr>
+        <p:blipFill>
+          <a:blip r:embed="rId2">
+            <a:extLst>
+              <a:ext uri="{28A0092B-C50C-407E-A947-70E740481C1C}">
+                <a14:useLocalDpi xmlns:a14="http://schemas.microsoft.com/office/drawing/2010/main" val="0"/>
+              </a:ext>
+            </a:extLst>
+          </a:blip>
+          <a:stretch>
+            <a:fillRect/>
+          </a:stretch>
+        </p:blipFill>
+        <p:spPr>
+          <a:xfrm>
+            <a:off x="5312972" y="1225144"/>
+            <a:ext cx="6058127" cy="4917974"/>
+          </a:xfrm>
+          <a:prstGeom prst="rect">
+            <a:avLst/>
+          </a:prstGeom>
+        </p:spPr>
+      </p:pic>
+      <p:sp>
+        <p:nvSpPr>
+          <p:cNvPr id="6" name="Title 1"/>
+          <p:cNvSpPr>
+            <a:spLocks noGrp="1"/>
+          </p:cNvSpPr>
+          <p:nvPr>
+            <p:ph type="title"/>
+          </p:nvPr>
+        </p:nvSpPr>
+        <p:spPr>
+          <a:xfrm>
+            <a:off x="507117" y="208726"/>
+            <a:ext cx="10515600" cy="391620"/>
+          </a:xfrm>
+        </p:spPr>
+        <p:txBody>
+          <a:bodyPr>
+            <a:normAutofit fontScale="90000"/>
+          </a:bodyPr>
+          <a:lstStyle/>
+          <a:p>
+            <a:r>
+              <a:rPr lang="en-US" dirty="0" smtClean="0"/>
+              <a:t>Tweets by keyword search</a:t>
+            </a:r>
+            <a:endParaRPr lang="en-US" dirty="0"/>
+          </a:p>
+        </p:txBody>
+      </p:sp>
+      <p:cxnSp>
+        <p:nvCxnSpPr>
+          <p:cNvPr id="7" name="Straight Connector 6"/>
+          <p:cNvCxnSpPr/>
+          <p:nvPr/>
+        </p:nvCxnSpPr>
+        <p:spPr>
+          <a:xfrm>
+            <a:off x="507117" y="792622"/>
+            <a:ext cx="11056883" cy="10509"/>
+          </a:xfrm>
+          <a:prstGeom prst="line">
+            <a:avLst/>
+          </a:prstGeom>
+        </p:spPr>
+        <p:style>
+          <a:lnRef idx="1">
+            <a:schemeClr val="accent1"/>
+          </a:lnRef>
+          <a:fillRef idx="0">
+            <a:schemeClr val="accent1"/>
+          </a:fillRef>
+          <a:effectRef idx="0">
+            <a:schemeClr val="accent1"/>
+          </a:effectRef>
+          <a:fontRef idx="minor">
+            <a:schemeClr val="tx1"/>
+          </a:fontRef>
+        </p:style>
+      </p:cxnSp>
+      <p:sp>
+        <p:nvSpPr>
+          <p:cNvPr id="8" name="Content Placeholder 2"/>
+          <p:cNvSpPr txBox="1">
+            <a:spLocks/>
+          </p:cNvSpPr>
+          <p:nvPr/>
+        </p:nvSpPr>
+        <p:spPr>
+          <a:xfrm>
+            <a:off x="788917" y="1225144"/>
+            <a:ext cx="10233800" cy="4351338"/>
+          </a:xfrm>
+          <a:prstGeom prst="rect">
+            <a:avLst/>
+          </a:prstGeom>
+        </p:spPr>
+        <p:txBody>
+          <a:bodyPr/>
+          <a:lstStyle>
+            <a:lvl1pPr marL="228600" indent="-228600" algn="l" defTabSz="914400" rtl="0" eaLnBrk="1" latinLnBrk="0" hangingPunct="1">
+              <a:lnSpc>
+                <a:spcPct val="90000"/>
+              </a:lnSpc>
+              <a:spcBef>
+                <a:spcPts val="1000"/>
+              </a:spcBef>
+              <a:buFont typeface="Arial" panose="020B0604020202020204" pitchFamily="34" charset="0"/>
+              <a:buChar char="•"/>
+              <a:defRPr sz="2800" kern="1200">
+                <a:gradFill>
+                  <a:gsLst>
+                    <a:gs pos="34000">
+                      <a:schemeClr val="tx1">
+                        <a:lumMod val="93000"/>
+                      </a:schemeClr>
+                    </a:gs>
+                    <a:gs pos="0">
+                      <a:schemeClr val="bg1">
+                        <a:lumMod val="25000"/>
+                        <a:lumOff val="75000"/>
+                      </a:schemeClr>
+                    </a:gs>
+                    <a:gs pos="100000">
+                      <a:schemeClr val="tx2">
+                        <a:lumMod val="0"/>
+                        <a:lumOff val="100000"/>
+                      </a:schemeClr>
+                    </a:gs>
+                  </a:gsLst>
+                  <a:lin ang="4800000" scaled="0"/>
+                </a:gradFill>
+                <a:latin typeface="+mn-lt"/>
+                <a:ea typeface="+mn-ea"/>
+                <a:cs typeface="+mn-cs"/>
+              </a:defRPr>
+            </a:lvl1pPr>
+            <a:lvl2pPr marL="685800" indent="-228600" algn="l" defTabSz="914400" rtl="0" eaLnBrk="1" latinLnBrk="0" hangingPunct="1">
+              <a:lnSpc>
+                <a:spcPct val="90000"/>
+              </a:lnSpc>
+              <a:spcBef>
+                <a:spcPts val="500"/>
+              </a:spcBef>
+              <a:buFont typeface="Arial" panose="020B0604020202020204" pitchFamily="34" charset="0"/>
+              <a:buChar char="•"/>
+              <a:defRPr sz="2400" kern="1200">
+                <a:gradFill>
+                  <a:gsLst>
+                    <a:gs pos="34000">
+                      <a:schemeClr val="tx1">
+                        <a:lumMod val="93000"/>
+                      </a:schemeClr>
+                    </a:gs>
+                    <a:gs pos="0">
+                      <a:schemeClr val="bg1">
+                        <a:lumMod val="25000"/>
+                        <a:lumOff val="75000"/>
+                      </a:schemeClr>
+                    </a:gs>
+                    <a:gs pos="100000">
+                      <a:schemeClr val="tx2">
+                        <a:lumMod val="0"/>
+                        <a:lumOff val="100000"/>
+                      </a:schemeClr>
+                    </a:gs>
+                  </a:gsLst>
+                  <a:lin ang="4800000" scaled="0"/>
+                </a:gradFill>
+                <a:latin typeface="+mn-lt"/>
+                <a:ea typeface="+mn-ea"/>
+                <a:cs typeface="+mn-cs"/>
+              </a:defRPr>
+            </a:lvl2pPr>
+            <a:lvl3pPr marL="1143000" indent="-228600" algn="l" defTabSz="914400" rtl="0" eaLnBrk="1" latinLnBrk="0" hangingPunct="1">
+              <a:lnSpc>
+                <a:spcPct val="90000"/>
+              </a:lnSpc>
+              <a:spcBef>
+                <a:spcPts val="500"/>
+              </a:spcBef>
+              <a:buFont typeface="Arial" panose="020B0604020202020204" pitchFamily="34" charset="0"/>
+              <a:buChar char="•"/>
+              <a:defRPr sz="2000" kern="1200">
+                <a:gradFill>
+                  <a:gsLst>
+                    <a:gs pos="34000">
+                      <a:schemeClr val="tx1">
+                        <a:lumMod val="93000"/>
+                      </a:schemeClr>
+                    </a:gs>
+                    <a:gs pos="0">
+                      <a:schemeClr val="bg1">
+                        <a:lumMod val="25000"/>
+                        <a:lumOff val="75000"/>
+                      </a:schemeClr>
+                    </a:gs>
+                    <a:gs pos="100000">
+                      <a:schemeClr val="tx2">
+                        <a:lumMod val="0"/>
+                        <a:lumOff val="100000"/>
+                      </a:schemeClr>
+                    </a:gs>
+                  </a:gsLst>
+                  <a:lin ang="4800000" scaled="0"/>
+                </a:gradFill>
+                <a:latin typeface="+mn-lt"/>
+                <a:ea typeface="+mn-ea"/>
+                <a:cs typeface="+mn-cs"/>
+              </a:defRPr>
+            </a:lvl3pPr>
+            <a:lvl4pPr marL="1600200" indent="-228600" algn="l" defTabSz="914400" rtl="0" eaLnBrk="1" latinLnBrk="0" hangingPunct="1">
+              <a:lnSpc>
+                <a:spcPct val="90000"/>
+              </a:lnSpc>
+              <a:spcBef>
+                <a:spcPts val="500"/>
+              </a:spcBef>
+              <a:buFont typeface="Arial" panose="020B0604020202020204" pitchFamily="34" charset="0"/>
+              <a:buChar char="•"/>
+              <a:defRPr sz="1800" kern="1200">
+                <a:gradFill>
+                  <a:gsLst>
+                    <a:gs pos="34000">
+                      <a:schemeClr val="tx1">
+                        <a:lumMod val="93000"/>
+                      </a:schemeClr>
+                    </a:gs>
+                    <a:gs pos="0">
+                      <a:schemeClr val="bg1">
+                        <a:lumMod val="25000"/>
+                        <a:lumOff val="75000"/>
+                      </a:schemeClr>
+                    </a:gs>
+                    <a:gs pos="100000">
+                      <a:schemeClr val="tx2">
+                        <a:lumMod val="0"/>
+                        <a:lumOff val="100000"/>
+                      </a:schemeClr>
+                    </a:gs>
+                  </a:gsLst>
+                  <a:lin ang="4800000" scaled="0"/>
+                </a:gradFill>
+                <a:latin typeface="+mn-lt"/>
+                <a:ea typeface="+mn-ea"/>
+                <a:cs typeface="+mn-cs"/>
+              </a:defRPr>
+            </a:lvl4pPr>
+            <a:lvl5pPr marL="2057400" indent="-228600" algn="l" defTabSz="914400" rtl="0" eaLnBrk="1" latinLnBrk="0" hangingPunct="1">
+              <a:lnSpc>
+                <a:spcPct val="90000"/>
+              </a:lnSpc>
+              <a:spcBef>
+                <a:spcPts val="500"/>
+              </a:spcBef>
+              <a:buFont typeface="Arial" panose="020B0604020202020204" pitchFamily="34" charset="0"/>
+              <a:buChar char="•"/>
+              <a:defRPr sz="1800" kern="1200">
+                <a:gradFill>
+                  <a:gsLst>
+                    <a:gs pos="34000">
+                      <a:schemeClr val="tx1">
+                        <a:lumMod val="93000"/>
+                      </a:schemeClr>
+                    </a:gs>
+                    <a:gs pos="0">
+                      <a:schemeClr val="bg1">
+                        <a:lumMod val="25000"/>
+                        <a:lumOff val="75000"/>
+                      </a:schemeClr>
+                    </a:gs>
+                    <a:gs pos="100000">
+                      <a:schemeClr val="tx2">
+                        <a:lumMod val="0"/>
+                        <a:lumOff val="100000"/>
+                      </a:schemeClr>
+                    </a:gs>
+                  </a:gsLst>
+                  <a:lin ang="4800000" scaled="0"/>
+                </a:gradFill>
+                <a:latin typeface="+mn-lt"/>
+                <a:ea typeface="+mn-ea"/>
+                <a:cs typeface="+mn-cs"/>
+              </a:defRPr>
+            </a:lvl5pPr>
+            <a:lvl6pPr marL="2514600" indent="-228600" algn="l" defTabSz="914400" rtl="0" eaLnBrk="1" latinLnBrk="0" hangingPunct="1">
+              <a:lnSpc>
+                <a:spcPct val="90000"/>
+              </a:lnSpc>
+              <a:spcBef>
+                <a:spcPts val="500"/>
+              </a:spcBef>
+              <a:buFont typeface="Arial" panose="020B0604020202020204" pitchFamily="34" charset="0"/>
+              <a:buChar char="•"/>
+              <a:defRPr sz="1800" kern="1200">
+                <a:solidFill>
+                  <a:schemeClr val="tx1"/>
+                </a:solidFill>
+                <a:latin typeface="+mn-lt"/>
+                <a:ea typeface="+mn-ea"/>
+                <a:cs typeface="+mn-cs"/>
+              </a:defRPr>
+            </a:lvl6pPr>
+            <a:lvl7pPr marL="2971800" indent="-228600" algn="l" defTabSz="914400" rtl="0" eaLnBrk="1" latinLnBrk="0" hangingPunct="1">
+              <a:lnSpc>
+                <a:spcPct val="90000"/>
+              </a:lnSpc>
+              <a:spcBef>
+                <a:spcPts val="500"/>
+              </a:spcBef>
+              <a:buFont typeface="Arial" panose="020B0604020202020204" pitchFamily="34" charset="0"/>
+              <a:buChar char="•"/>
+              <a:defRPr sz="1800" kern="1200">
+                <a:solidFill>
+                  <a:schemeClr val="tx1"/>
+                </a:solidFill>
+                <a:latin typeface="+mn-lt"/>
+                <a:ea typeface="+mn-ea"/>
+                <a:cs typeface="+mn-cs"/>
+              </a:defRPr>
+            </a:lvl7pPr>
+            <a:lvl8pPr marL="3429000" indent="-228600" algn="l" defTabSz="914400" rtl="0" eaLnBrk="1" latinLnBrk="0" hangingPunct="1">
+              <a:lnSpc>
+                <a:spcPct val="90000"/>
+              </a:lnSpc>
+              <a:spcBef>
+                <a:spcPts val="500"/>
+              </a:spcBef>
+              <a:buFont typeface="Arial" panose="020B0604020202020204" pitchFamily="34" charset="0"/>
+              <a:buChar char="•"/>
+              <a:defRPr sz="1800" kern="1200">
+                <a:solidFill>
+                  <a:schemeClr val="tx1"/>
+                </a:solidFill>
+                <a:latin typeface="+mn-lt"/>
+                <a:ea typeface="+mn-ea"/>
+                <a:cs typeface="+mn-cs"/>
+              </a:defRPr>
+            </a:lvl8pPr>
+            <a:lvl9pPr marL="3886200" indent="-228600" algn="l" defTabSz="914400" rtl="0" eaLnBrk="1" latinLnBrk="0" hangingPunct="1">
+              <a:lnSpc>
+                <a:spcPct val="90000"/>
+              </a:lnSpc>
+              <a:spcBef>
+                <a:spcPts val="500"/>
+              </a:spcBef>
+              <a:buFont typeface="Arial" panose="020B0604020202020204" pitchFamily="34" charset="0"/>
+              <a:buChar char="•"/>
+              <a:defRPr sz="1800" kern="1200">
+                <a:solidFill>
+                  <a:schemeClr val="tx1"/>
+                </a:solidFill>
+                <a:latin typeface="+mn-lt"/>
+                <a:ea typeface="+mn-ea"/>
+                <a:cs typeface="+mn-cs"/>
+              </a:defRPr>
+            </a:lvl9pPr>
+          </a:lstStyle>
+          <a:p>
+            <a:r>
+              <a:rPr lang="en-US" dirty="0" smtClean="0"/>
               <a:t>Health &amp; Fitness</a:t>
             </a:r>
           </a:p>
@@ -15678,7 +20333,7 @@
 </p:sld>
 </file>
 
-<file path=ppt/slides/slide6.xml><?xml version="1.0" encoding="utf-8"?>
+<file path=ppt/slides/slide8.xml><?xml version="1.0" encoding="utf-8"?>
 <p:sld xmlns:a="http://schemas.openxmlformats.org/drawingml/2006/main" xmlns:r="http://schemas.openxmlformats.org/officeDocument/2006/relationships" xmlns:p="http://schemas.openxmlformats.org/presentationml/2006/main">
   <p:cSld>
     <p:spTree>
@@ -15926,7 +20581,7 @@
 </p:sld>
 </file>
 
-<file path=ppt/slides/slide7.xml><?xml version="1.0" encoding="utf-8"?>
+<file path=ppt/slides/slide9.xml><?xml version="1.0" encoding="utf-8"?>
 <p:sld xmlns:a="http://schemas.openxmlformats.org/drawingml/2006/main" xmlns:r="http://schemas.openxmlformats.org/officeDocument/2006/relationships" xmlns:p="http://schemas.openxmlformats.org/presentationml/2006/main">
   <p:cSld>
     <p:spTree>
@@ -16465,832 +21120,6 @@
     <p:extLst>
       <p:ext uri="{BB962C8B-B14F-4D97-AF65-F5344CB8AC3E}">
         <p14:creationId xmlns:p14="http://schemas.microsoft.com/office/powerpoint/2010/main" val="1761687475"/>
-      </p:ext>
-    </p:extLst>
-  </p:cSld>
-  <p:clrMapOvr>
-    <a:masterClrMapping/>
-  </p:clrMapOvr>
-  <p:timing>
-    <p:tnLst>
-      <p:par>
-        <p:cTn id="1" dur="indefinite" restart="never" nodeType="tmRoot"/>
-      </p:par>
-    </p:tnLst>
-  </p:timing>
-</p:sld>
-</file>
-
-<file path=ppt/slides/slide8.xml><?xml version="1.0" encoding="utf-8"?>
-<p:sld xmlns:a="http://schemas.openxmlformats.org/drawingml/2006/main" xmlns:r="http://schemas.openxmlformats.org/officeDocument/2006/relationships" xmlns:p="http://schemas.openxmlformats.org/presentationml/2006/main">
-  <p:cSld>
-    <p:spTree>
-      <p:nvGrpSpPr>
-        <p:cNvPr id="1" name=""/>
-        <p:cNvGrpSpPr/>
-        <p:nvPr/>
-      </p:nvGrpSpPr>
-      <p:grpSpPr>
-        <a:xfrm>
-          <a:off x="0" y="0"/>
-          <a:ext cx="0" cy="0"/>
-          <a:chOff x="0" y="0"/>
-          <a:chExt cx="0" cy="0"/>
-        </a:xfrm>
-      </p:grpSpPr>
-      <p:sp>
-        <p:nvSpPr>
-          <p:cNvPr id="2" name="Title 1"/>
-          <p:cNvSpPr>
-            <a:spLocks noGrp="1"/>
-          </p:cNvSpPr>
-          <p:nvPr>
-            <p:ph type="title"/>
-          </p:nvPr>
-        </p:nvSpPr>
-        <p:spPr>
-          <a:xfrm>
-            <a:off x="570180" y="250279"/>
-            <a:ext cx="10515600" cy="391620"/>
-          </a:xfrm>
-        </p:spPr>
-        <p:txBody>
-          <a:bodyPr>
-            <a:normAutofit fontScale="90000"/>
-          </a:bodyPr>
-          <a:lstStyle/>
-          <a:p>
-            <a:r>
-              <a:rPr lang="en-US" dirty="0" smtClean="0"/>
-              <a:t>K-means Clustering</a:t>
-            </a:r>
-            <a:endParaRPr lang="en-US" dirty="0"/>
-          </a:p>
-        </p:txBody>
-      </p:sp>
-      <p:cxnSp>
-        <p:nvCxnSpPr>
-          <p:cNvPr id="7" name="Straight Connector 6"/>
-          <p:cNvCxnSpPr/>
-          <p:nvPr/>
-        </p:nvCxnSpPr>
-        <p:spPr>
-          <a:xfrm>
-            <a:off x="528138" y="825852"/>
-            <a:ext cx="11056883" cy="10509"/>
-          </a:xfrm>
-          <a:prstGeom prst="line">
-            <a:avLst/>
-          </a:prstGeom>
-        </p:spPr>
-        <p:style>
-          <a:lnRef idx="1">
-            <a:schemeClr val="accent1"/>
-          </a:lnRef>
-          <a:fillRef idx="0">
-            <a:schemeClr val="accent1"/>
-          </a:fillRef>
-          <a:effectRef idx="0">
-            <a:schemeClr val="accent1"/>
-          </a:effectRef>
-          <a:fontRef idx="minor">
-            <a:schemeClr val="tx1"/>
-          </a:fontRef>
-        </p:style>
-      </p:cxnSp>
-      <p:pic>
-        <p:nvPicPr>
-          <p:cNvPr id="4" name="Picture 3"/>
-          <p:cNvPicPr>
-            <a:picLocks noChangeAspect="1"/>
-          </p:cNvPicPr>
-          <p:nvPr/>
-        </p:nvPicPr>
-        <p:blipFill>
-          <a:blip r:embed="rId2">
-            <a:extLst>
-              <a:ext uri="{28A0092B-C50C-407E-A947-70E740481C1C}">
-                <a14:useLocalDpi xmlns:a14="http://schemas.microsoft.com/office/drawing/2010/main" val="0"/>
-              </a:ext>
-            </a:extLst>
-          </a:blip>
-          <a:stretch>
-            <a:fillRect/>
-          </a:stretch>
-        </p:blipFill>
-        <p:spPr>
-          <a:xfrm>
-            <a:off x="4538509" y="1220009"/>
-            <a:ext cx="5864099" cy="3900433"/>
-          </a:xfrm>
-          <a:prstGeom prst="rect">
-            <a:avLst/>
-          </a:prstGeom>
-        </p:spPr>
-      </p:pic>
-      <p:pic>
-        <p:nvPicPr>
-          <p:cNvPr id="11" name="Picture 10"/>
-          <p:cNvPicPr>
-            <a:picLocks noChangeAspect="1"/>
-          </p:cNvPicPr>
-          <p:nvPr/>
-        </p:nvPicPr>
-        <p:blipFill>
-          <a:blip r:embed="rId3">
-            <a:extLst>
-              <a:ext uri="{28A0092B-C50C-407E-A947-70E740481C1C}">
-                <a14:useLocalDpi xmlns:a14="http://schemas.microsoft.com/office/drawing/2010/main" val="0"/>
-              </a:ext>
-            </a:extLst>
-          </a:blip>
-          <a:stretch>
-            <a:fillRect/>
-          </a:stretch>
-        </p:blipFill>
-        <p:spPr>
-          <a:xfrm>
-            <a:off x="1810401" y="1500175"/>
-            <a:ext cx="1524000" cy="3340100"/>
-          </a:xfrm>
-          <a:prstGeom prst="rect">
-            <a:avLst/>
-          </a:prstGeom>
-        </p:spPr>
-      </p:pic>
-      <p:pic>
-        <p:nvPicPr>
-          <p:cNvPr id="15" name="Picture 14"/>
-          <p:cNvPicPr>
-            <a:picLocks noChangeAspect="1"/>
-          </p:cNvPicPr>
-          <p:nvPr/>
-        </p:nvPicPr>
-        <p:blipFill>
-          <a:blip r:embed="rId4">
-            <a:extLst>
-              <a:ext uri="{28A0092B-C50C-407E-A947-70E740481C1C}">
-                <a14:useLocalDpi xmlns:a14="http://schemas.microsoft.com/office/drawing/2010/main" val="0"/>
-              </a:ext>
-            </a:extLst>
-          </a:blip>
-          <a:stretch>
-            <a:fillRect/>
-          </a:stretch>
-        </p:blipFill>
-        <p:spPr>
-          <a:xfrm>
-            <a:off x="1027380" y="5449974"/>
-            <a:ext cx="10058400" cy="668564"/>
-          </a:xfrm>
-          <a:prstGeom prst="rect">
-            <a:avLst/>
-          </a:prstGeom>
-        </p:spPr>
-      </p:pic>
-    </p:spTree>
-    <p:extLst>
-      <p:ext uri="{BB962C8B-B14F-4D97-AF65-F5344CB8AC3E}">
-        <p14:creationId xmlns:p14="http://schemas.microsoft.com/office/powerpoint/2010/main" val="814411576"/>
-      </p:ext>
-    </p:extLst>
-  </p:cSld>
-  <p:clrMapOvr>
-    <a:masterClrMapping/>
-  </p:clrMapOvr>
-  <p:timing>
-    <p:tnLst>
-      <p:par>
-        <p:cTn id="1" dur="indefinite" restart="never" nodeType="tmRoot"/>
-      </p:par>
-    </p:tnLst>
-  </p:timing>
-</p:sld>
-</file>
-
-<file path=ppt/slides/slide9.xml><?xml version="1.0" encoding="utf-8"?>
-<p:sld xmlns:a="http://schemas.openxmlformats.org/drawingml/2006/main" xmlns:r="http://schemas.openxmlformats.org/officeDocument/2006/relationships" xmlns:p="http://schemas.openxmlformats.org/presentationml/2006/main">
-  <p:cSld>
-    <p:spTree>
-      <p:nvGrpSpPr>
-        <p:cNvPr id="1" name=""/>
-        <p:cNvGrpSpPr/>
-        <p:nvPr/>
-      </p:nvGrpSpPr>
-      <p:grpSpPr>
-        <a:xfrm>
-          <a:off x="0" y="0"/>
-          <a:ext cx="0" cy="0"/>
-          <a:chOff x="0" y="0"/>
-          <a:chExt cx="0" cy="0"/>
-        </a:xfrm>
-      </p:grpSpPr>
-      <p:sp>
-        <p:nvSpPr>
-          <p:cNvPr id="2" name="Title 1"/>
-          <p:cNvSpPr>
-            <a:spLocks noGrp="1"/>
-          </p:cNvSpPr>
-          <p:nvPr>
-            <p:ph type="title"/>
-          </p:nvPr>
-        </p:nvSpPr>
-        <p:spPr>
-          <a:xfrm>
-            <a:off x="622732" y="207955"/>
-            <a:ext cx="10515600" cy="391620"/>
-          </a:xfrm>
-        </p:spPr>
-        <p:txBody>
-          <a:bodyPr>
-            <a:normAutofit fontScale="90000"/>
-          </a:bodyPr>
-          <a:lstStyle/>
-          <a:p>
-            <a:r>
-              <a:rPr lang="en-US" dirty="0"/>
-              <a:t>Non-negative </a:t>
-            </a:r>
-            <a:r>
-              <a:rPr lang="en-US" dirty="0" smtClean="0"/>
-              <a:t>Matrix </a:t>
-            </a:r>
-            <a:r>
-              <a:rPr lang="en-US" dirty="0"/>
-              <a:t>F</a:t>
-            </a:r>
-            <a:r>
-              <a:rPr lang="en-US" dirty="0" smtClean="0"/>
-              <a:t>actorization</a:t>
-            </a:r>
-            <a:endParaRPr lang="en-US" dirty="0"/>
-          </a:p>
-        </p:txBody>
-      </p:sp>
-      <p:pic>
-        <p:nvPicPr>
-          <p:cNvPr id="3" name="Picture 2"/>
-          <p:cNvPicPr>
-            <a:picLocks noChangeAspect="1"/>
-          </p:cNvPicPr>
-          <p:nvPr/>
-        </p:nvPicPr>
-        <p:blipFill>
-          <a:blip r:embed="rId2">
-            <a:extLst>
-              <a:ext uri="{28A0092B-C50C-407E-A947-70E740481C1C}">
-                <a14:useLocalDpi xmlns:a14="http://schemas.microsoft.com/office/drawing/2010/main" val="0"/>
-              </a:ext>
-            </a:extLst>
-          </a:blip>
-          <a:stretch>
-            <a:fillRect/>
-          </a:stretch>
-        </p:blipFill>
-        <p:spPr>
-          <a:xfrm>
-            <a:off x="1079932" y="4497811"/>
-            <a:ext cx="10058400" cy="745066"/>
-          </a:xfrm>
-          <a:prstGeom prst="rect">
-            <a:avLst/>
-          </a:prstGeom>
-        </p:spPr>
-      </p:pic>
-      <p:pic>
-        <p:nvPicPr>
-          <p:cNvPr id="4" name="Picture 3"/>
-          <p:cNvPicPr>
-            <a:picLocks noChangeAspect="1"/>
-          </p:cNvPicPr>
-          <p:nvPr/>
-        </p:nvPicPr>
-        <p:blipFill>
-          <a:blip r:embed="rId3">
-            <a:extLst>
-              <a:ext uri="{28A0092B-C50C-407E-A947-70E740481C1C}">
-                <a14:useLocalDpi xmlns:a14="http://schemas.microsoft.com/office/drawing/2010/main" val="0"/>
-              </a:ext>
-            </a:extLst>
-          </a:blip>
-          <a:stretch>
-            <a:fillRect/>
-          </a:stretch>
-        </p:blipFill>
-        <p:spPr>
-          <a:xfrm>
-            <a:off x="1079932" y="3983502"/>
-            <a:ext cx="10058400" cy="629919"/>
-          </a:xfrm>
-          <a:prstGeom prst="rect">
-            <a:avLst/>
-          </a:prstGeom>
-        </p:spPr>
-      </p:pic>
-      <p:pic>
-        <p:nvPicPr>
-          <p:cNvPr id="5" name="Picture 4"/>
-          <p:cNvPicPr>
-            <a:picLocks noChangeAspect="1"/>
-          </p:cNvPicPr>
-          <p:nvPr/>
-        </p:nvPicPr>
-        <p:blipFill>
-          <a:blip r:embed="rId4">
-            <a:extLst>
-              <a:ext uri="{28A0092B-C50C-407E-A947-70E740481C1C}">
-                <a14:useLocalDpi xmlns:a14="http://schemas.microsoft.com/office/drawing/2010/main" val="0"/>
-              </a:ext>
-            </a:extLst>
-          </a:blip>
-          <a:stretch>
-            <a:fillRect/>
-          </a:stretch>
-        </p:blipFill>
-        <p:spPr>
-          <a:xfrm>
-            <a:off x="1079932" y="3365035"/>
-            <a:ext cx="10058400" cy="681527"/>
-          </a:xfrm>
-          <a:prstGeom prst="rect">
-            <a:avLst/>
-          </a:prstGeom>
-        </p:spPr>
-      </p:pic>
-      <p:pic>
-        <p:nvPicPr>
-          <p:cNvPr id="6" name="Picture 5"/>
-          <p:cNvPicPr>
-            <a:picLocks noChangeAspect="1"/>
-          </p:cNvPicPr>
-          <p:nvPr/>
-        </p:nvPicPr>
-        <p:blipFill>
-          <a:blip r:embed="rId5">
-            <a:extLst>
-              <a:ext uri="{28A0092B-C50C-407E-A947-70E740481C1C}">
-                <a14:useLocalDpi xmlns:a14="http://schemas.microsoft.com/office/drawing/2010/main" val="0"/>
-              </a:ext>
-            </a:extLst>
-          </a:blip>
-          <a:stretch>
-            <a:fillRect/>
-          </a:stretch>
-        </p:blipFill>
-        <p:spPr>
-          <a:xfrm>
-            <a:off x="1079932" y="1388477"/>
-            <a:ext cx="10058400" cy="667190"/>
-          </a:xfrm>
-          <a:prstGeom prst="rect">
-            <a:avLst/>
-          </a:prstGeom>
-        </p:spPr>
-      </p:pic>
-      <p:cxnSp>
-        <p:nvCxnSpPr>
-          <p:cNvPr id="7" name="Straight Connector 6"/>
-          <p:cNvCxnSpPr/>
-          <p:nvPr/>
-        </p:nvCxnSpPr>
-        <p:spPr>
-          <a:xfrm>
-            <a:off x="580690" y="756999"/>
-            <a:ext cx="11056883" cy="10509"/>
-          </a:xfrm>
-          <a:prstGeom prst="line">
-            <a:avLst/>
-          </a:prstGeom>
-        </p:spPr>
-        <p:style>
-          <a:lnRef idx="1">
-            <a:schemeClr val="accent1"/>
-          </a:lnRef>
-          <a:fillRef idx="0">
-            <a:schemeClr val="accent1"/>
-          </a:fillRef>
-          <a:effectRef idx="0">
-            <a:schemeClr val="accent1"/>
-          </a:effectRef>
-          <a:fontRef idx="minor">
-            <a:schemeClr val="tx1"/>
-          </a:fontRef>
-        </p:style>
-      </p:cxnSp>
-      <p:pic>
-        <p:nvPicPr>
-          <p:cNvPr id="8" name="Picture 7"/>
-          <p:cNvPicPr>
-            <a:picLocks noChangeAspect="1"/>
-          </p:cNvPicPr>
-          <p:nvPr/>
-        </p:nvPicPr>
-        <p:blipFill>
-          <a:blip r:embed="rId6">
-            <a:extLst>
-              <a:ext uri="{28A0092B-C50C-407E-A947-70E740481C1C}">
-                <a14:useLocalDpi xmlns:a14="http://schemas.microsoft.com/office/drawing/2010/main" val="0"/>
-              </a:ext>
-            </a:extLst>
-          </a:blip>
-          <a:stretch>
-            <a:fillRect/>
-          </a:stretch>
-        </p:blipFill>
-        <p:spPr>
-          <a:xfrm>
-            <a:off x="1079932" y="5958436"/>
-            <a:ext cx="10058400" cy="635000"/>
-          </a:xfrm>
-          <a:prstGeom prst="rect">
-            <a:avLst/>
-          </a:prstGeom>
-        </p:spPr>
-      </p:pic>
-      <p:sp>
-        <p:nvSpPr>
-          <p:cNvPr id="9" name="Content Placeholder 2"/>
-          <p:cNvSpPr txBox="1">
-            <a:spLocks/>
-          </p:cNvSpPr>
-          <p:nvPr/>
-        </p:nvSpPr>
-        <p:spPr>
-          <a:xfrm>
-            <a:off x="992231" y="865658"/>
-            <a:ext cx="10233800" cy="4351338"/>
-          </a:xfrm>
-          <a:prstGeom prst="rect">
-            <a:avLst/>
-          </a:prstGeom>
-        </p:spPr>
-        <p:txBody>
-          <a:bodyPr/>
-          <a:lstStyle>
-            <a:lvl1pPr marL="228600" indent="-228600" algn="l" defTabSz="914400" rtl="0" eaLnBrk="1" latinLnBrk="0" hangingPunct="1">
-              <a:lnSpc>
-                <a:spcPct val="90000"/>
-              </a:lnSpc>
-              <a:spcBef>
-                <a:spcPts val="1000"/>
-              </a:spcBef>
-              <a:buFont typeface="Arial" panose="020B0604020202020204" pitchFamily="34" charset="0"/>
-              <a:buChar char="•"/>
-              <a:defRPr sz="2800" kern="1200">
-                <a:gradFill>
-                  <a:gsLst>
-                    <a:gs pos="34000">
-                      <a:schemeClr val="tx1">
-                        <a:lumMod val="93000"/>
-                      </a:schemeClr>
-                    </a:gs>
-                    <a:gs pos="0">
-                      <a:schemeClr val="bg1">
-                        <a:lumMod val="25000"/>
-                        <a:lumOff val="75000"/>
-                      </a:schemeClr>
-                    </a:gs>
-                    <a:gs pos="100000">
-                      <a:schemeClr val="tx2">
-                        <a:lumMod val="0"/>
-                        <a:lumOff val="100000"/>
-                      </a:schemeClr>
-                    </a:gs>
-                  </a:gsLst>
-                  <a:lin ang="4800000" scaled="0"/>
-                </a:gradFill>
-                <a:latin typeface="+mn-lt"/>
-                <a:ea typeface="+mn-ea"/>
-                <a:cs typeface="+mn-cs"/>
-              </a:defRPr>
-            </a:lvl1pPr>
-            <a:lvl2pPr marL="685800" indent="-228600" algn="l" defTabSz="914400" rtl="0" eaLnBrk="1" latinLnBrk="0" hangingPunct="1">
-              <a:lnSpc>
-                <a:spcPct val="90000"/>
-              </a:lnSpc>
-              <a:spcBef>
-                <a:spcPts val="500"/>
-              </a:spcBef>
-              <a:buFont typeface="Arial" panose="020B0604020202020204" pitchFamily="34" charset="0"/>
-              <a:buChar char="•"/>
-              <a:defRPr sz="2400" kern="1200">
-                <a:gradFill>
-                  <a:gsLst>
-                    <a:gs pos="34000">
-                      <a:schemeClr val="tx1">
-                        <a:lumMod val="93000"/>
-                      </a:schemeClr>
-                    </a:gs>
-                    <a:gs pos="0">
-                      <a:schemeClr val="bg1">
-                        <a:lumMod val="25000"/>
-                        <a:lumOff val="75000"/>
-                      </a:schemeClr>
-                    </a:gs>
-                    <a:gs pos="100000">
-                      <a:schemeClr val="tx2">
-                        <a:lumMod val="0"/>
-                        <a:lumOff val="100000"/>
-                      </a:schemeClr>
-                    </a:gs>
-                  </a:gsLst>
-                  <a:lin ang="4800000" scaled="0"/>
-                </a:gradFill>
-                <a:latin typeface="+mn-lt"/>
-                <a:ea typeface="+mn-ea"/>
-                <a:cs typeface="+mn-cs"/>
-              </a:defRPr>
-            </a:lvl2pPr>
-            <a:lvl3pPr marL="1143000" indent="-228600" algn="l" defTabSz="914400" rtl="0" eaLnBrk="1" latinLnBrk="0" hangingPunct="1">
-              <a:lnSpc>
-                <a:spcPct val="90000"/>
-              </a:lnSpc>
-              <a:spcBef>
-                <a:spcPts val="500"/>
-              </a:spcBef>
-              <a:buFont typeface="Arial" panose="020B0604020202020204" pitchFamily="34" charset="0"/>
-              <a:buChar char="•"/>
-              <a:defRPr sz="2000" kern="1200">
-                <a:gradFill>
-                  <a:gsLst>
-                    <a:gs pos="34000">
-                      <a:schemeClr val="tx1">
-                        <a:lumMod val="93000"/>
-                      </a:schemeClr>
-                    </a:gs>
-                    <a:gs pos="0">
-                      <a:schemeClr val="bg1">
-                        <a:lumMod val="25000"/>
-                        <a:lumOff val="75000"/>
-                      </a:schemeClr>
-                    </a:gs>
-                    <a:gs pos="100000">
-                      <a:schemeClr val="tx2">
-                        <a:lumMod val="0"/>
-                        <a:lumOff val="100000"/>
-                      </a:schemeClr>
-                    </a:gs>
-                  </a:gsLst>
-                  <a:lin ang="4800000" scaled="0"/>
-                </a:gradFill>
-                <a:latin typeface="+mn-lt"/>
-                <a:ea typeface="+mn-ea"/>
-                <a:cs typeface="+mn-cs"/>
-              </a:defRPr>
-            </a:lvl3pPr>
-            <a:lvl4pPr marL="1600200" indent="-228600" algn="l" defTabSz="914400" rtl="0" eaLnBrk="1" latinLnBrk="0" hangingPunct="1">
-              <a:lnSpc>
-                <a:spcPct val="90000"/>
-              </a:lnSpc>
-              <a:spcBef>
-                <a:spcPts val="500"/>
-              </a:spcBef>
-              <a:buFont typeface="Arial" panose="020B0604020202020204" pitchFamily="34" charset="0"/>
-              <a:buChar char="•"/>
-              <a:defRPr sz="1800" kern="1200">
-                <a:gradFill>
-                  <a:gsLst>
-                    <a:gs pos="34000">
-                      <a:schemeClr val="tx1">
-                        <a:lumMod val="93000"/>
-                      </a:schemeClr>
-                    </a:gs>
-                    <a:gs pos="0">
-                      <a:schemeClr val="bg1">
-                        <a:lumMod val="25000"/>
-                        <a:lumOff val="75000"/>
-                      </a:schemeClr>
-                    </a:gs>
-                    <a:gs pos="100000">
-                      <a:schemeClr val="tx2">
-                        <a:lumMod val="0"/>
-                        <a:lumOff val="100000"/>
-                      </a:schemeClr>
-                    </a:gs>
-                  </a:gsLst>
-                  <a:lin ang="4800000" scaled="0"/>
-                </a:gradFill>
-                <a:latin typeface="+mn-lt"/>
-                <a:ea typeface="+mn-ea"/>
-                <a:cs typeface="+mn-cs"/>
-              </a:defRPr>
-            </a:lvl4pPr>
-            <a:lvl5pPr marL="2057400" indent="-228600" algn="l" defTabSz="914400" rtl="0" eaLnBrk="1" latinLnBrk="0" hangingPunct="1">
-              <a:lnSpc>
-                <a:spcPct val="90000"/>
-              </a:lnSpc>
-              <a:spcBef>
-                <a:spcPts val="500"/>
-              </a:spcBef>
-              <a:buFont typeface="Arial" panose="020B0604020202020204" pitchFamily="34" charset="0"/>
-              <a:buChar char="•"/>
-              <a:defRPr sz="1800" kern="1200">
-                <a:gradFill>
-                  <a:gsLst>
-                    <a:gs pos="34000">
-                      <a:schemeClr val="tx1">
-                        <a:lumMod val="93000"/>
-                      </a:schemeClr>
-                    </a:gs>
-                    <a:gs pos="0">
-                      <a:schemeClr val="bg1">
-                        <a:lumMod val="25000"/>
-                        <a:lumOff val="75000"/>
-                      </a:schemeClr>
-                    </a:gs>
-                    <a:gs pos="100000">
-                      <a:schemeClr val="tx2">
-                        <a:lumMod val="0"/>
-                        <a:lumOff val="100000"/>
-                      </a:schemeClr>
-                    </a:gs>
-                  </a:gsLst>
-                  <a:lin ang="4800000" scaled="0"/>
-                </a:gradFill>
-                <a:latin typeface="+mn-lt"/>
-                <a:ea typeface="+mn-ea"/>
-                <a:cs typeface="+mn-cs"/>
-              </a:defRPr>
-            </a:lvl5pPr>
-            <a:lvl6pPr marL="2514600" indent="-228600" algn="l" defTabSz="914400" rtl="0" eaLnBrk="1" latinLnBrk="0" hangingPunct="1">
-              <a:lnSpc>
-                <a:spcPct val="90000"/>
-              </a:lnSpc>
-              <a:spcBef>
-                <a:spcPts val="500"/>
-              </a:spcBef>
-              <a:buFont typeface="Arial" panose="020B0604020202020204" pitchFamily="34" charset="0"/>
-              <a:buChar char="•"/>
-              <a:defRPr sz="1800" kern="1200">
-                <a:solidFill>
-                  <a:schemeClr val="tx1"/>
-                </a:solidFill>
-                <a:latin typeface="+mn-lt"/>
-                <a:ea typeface="+mn-ea"/>
-                <a:cs typeface="+mn-cs"/>
-              </a:defRPr>
-            </a:lvl6pPr>
-            <a:lvl7pPr marL="2971800" indent="-228600" algn="l" defTabSz="914400" rtl="0" eaLnBrk="1" latinLnBrk="0" hangingPunct="1">
-              <a:lnSpc>
-                <a:spcPct val="90000"/>
-              </a:lnSpc>
-              <a:spcBef>
-                <a:spcPts val="500"/>
-              </a:spcBef>
-              <a:buFont typeface="Arial" panose="020B0604020202020204" pitchFamily="34" charset="0"/>
-              <a:buChar char="•"/>
-              <a:defRPr sz="1800" kern="1200">
-                <a:solidFill>
-                  <a:schemeClr val="tx1"/>
-                </a:solidFill>
-                <a:latin typeface="+mn-lt"/>
-                <a:ea typeface="+mn-ea"/>
-                <a:cs typeface="+mn-cs"/>
-              </a:defRPr>
-            </a:lvl7pPr>
-            <a:lvl8pPr marL="3429000" indent="-228600" algn="l" defTabSz="914400" rtl="0" eaLnBrk="1" latinLnBrk="0" hangingPunct="1">
-              <a:lnSpc>
-                <a:spcPct val="90000"/>
-              </a:lnSpc>
-              <a:spcBef>
-                <a:spcPts val="500"/>
-              </a:spcBef>
-              <a:buFont typeface="Arial" panose="020B0604020202020204" pitchFamily="34" charset="0"/>
-              <a:buChar char="•"/>
-              <a:defRPr sz="1800" kern="1200">
-                <a:solidFill>
-                  <a:schemeClr val="tx1"/>
-                </a:solidFill>
-                <a:latin typeface="+mn-lt"/>
-                <a:ea typeface="+mn-ea"/>
-                <a:cs typeface="+mn-cs"/>
-              </a:defRPr>
-            </a:lvl8pPr>
-            <a:lvl9pPr marL="3886200" indent="-228600" algn="l" defTabSz="914400" rtl="0" eaLnBrk="1" latinLnBrk="0" hangingPunct="1">
-              <a:lnSpc>
-                <a:spcPct val="90000"/>
-              </a:lnSpc>
-              <a:spcBef>
-                <a:spcPts val="500"/>
-              </a:spcBef>
-              <a:buFont typeface="Arial" panose="020B0604020202020204" pitchFamily="34" charset="0"/>
-              <a:buChar char="•"/>
-              <a:defRPr sz="1800" kern="1200">
-                <a:solidFill>
-                  <a:schemeClr val="tx1"/>
-                </a:solidFill>
-                <a:latin typeface="+mn-lt"/>
-                <a:ea typeface="+mn-ea"/>
-                <a:cs typeface="+mn-cs"/>
-              </a:defRPr>
-            </a:lvl9pPr>
-          </a:lstStyle>
-          <a:p>
-            <a:r>
-              <a:rPr lang="en-US" dirty="0" smtClean="0"/>
-              <a:t>Good grouping</a:t>
-            </a:r>
-          </a:p>
-          <a:p>
-            <a:endParaRPr lang="en-US" dirty="0"/>
-          </a:p>
-          <a:p>
-            <a:endParaRPr lang="en-US" dirty="0" smtClean="0"/>
-          </a:p>
-          <a:p>
-            <a:endParaRPr lang="en-US" dirty="0" smtClean="0"/>
-          </a:p>
-          <a:p>
-            <a:endParaRPr lang="en-US" dirty="0" smtClean="0"/>
-          </a:p>
-          <a:p>
-            <a:endParaRPr lang="en-US" dirty="0" smtClean="0"/>
-          </a:p>
-          <a:p>
-            <a:endParaRPr lang="en-US" dirty="0"/>
-          </a:p>
-          <a:p>
-            <a:r>
-              <a:rPr lang="en-US" dirty="0" smtClean="0"/>
-              <a:t>\</a:t>
-            </a:r>
-          </a:p>
-          <a:p>
-            <a:endParaRPr lang="en-US" dirty="0" smtClean="0"/>
-          </a:p>
-          <a:p>
-            <a:r>
-              <a:rPr lang="en-US" dirty="0" smtClean="0"/>
-              <a:t>Not so good grouping</a:t>
-            </a:r>
-            <a:endParaRPr lang="en-US" dirty="0"/>
-          </a:p>
-        </p:txBody>
-      </p:sp>
-      <p:pic>
-        <p:nvPicPr>
-          <p:cNvPr id="12" name="Picture 11"/>
-          <p:cNvPicPr>
-            <a:picLocks noChangeAspect="1"/>
-          </p:cNvPicPr>
-          <p:nvPr/>
-        </p:nvPicPr>
-        <p:blipFill>
-          <a:blip r:embed="rId7">
-            <a:extLst>
-              <a:ext uri="{28A0092B-C50C-407E-A947-70E740481C1C}">
-                <a14:useLocalDpi xmlns:a14="http://schemas.microsoft.com/office/drawing/2010/main" val="0"/>
-              </a:ext>
-            </a:extLst>
-          </a:blip>
-          <a:stretch>
-            <a:fillRect/>
-          </a:stretch>
-        </p:blipFill>
-        <p:spPr>
-          <a:xfrm>
-            <a:off x="1079932" y="2045378"/>
-            <a:ext cx="10058400" cy="662529"/>
-          </a:xfrm>
-          <a:prstGeom prst="rect">
-            <a:avLst/>
-          </a:prstGeom>
-        </p:spPr>
-      </p:pic>
-      <p:pic>
-        <p:nvPicPr>
-          <p:cNvPr id="13" name="Picture 12"/>
-          <p:cNvPicPr>
-            <a:picLocks noChangeAspect="1"/>
-          </p:cNvPicPr>
-          <p:nvPr/>
-        </p:nvPicPr>
-        <p:blipFill>
-          <a:blip r:embed="rId8">
-            <a:extLst>
-              <a:ext uri="{28A0092B-C50C-407E-A947-70E740481C1C}">
-                <a14:useLocalDpi xmlns:a14="http://schemas.microsoft.com/office/drawing/2010/main" val="0"/>
-              </a:ext>
-            </a:extLst>
-          </a:blip>
-          <a:stretch>
-            <a:fillRect/>
-          </a:stretch>
-        </p:blipFill>
-        <p:spPr>
-          <a:xfrm>
-            <a:off x="1079932" y="2703357"/>
-            <a:ext cx="10058400" cy="675940"/>
-          </a:xfrm>
-          <a:prstGeom prst="rect">
-            <a:avLst/>
-          </a:prstGeom>
-        </p:spPr>
-      </p:pic>
-    </p:spTree>
-    <p:extLst>
-      <p:ext uri="{BB962C8B-B14F-4D97-AF65-F5344CB8AC3E}">
-        <p14:creationId xmlns:p14="http://schemas.microsoft.com/office/powerpoint/2010/main" val="593911464"/>
       </p:ext>
     </p:extLst>
   </p:cSld>

--- a/Project4-Capstone/MHD_Capstone/MHD_Twitter_Clustering.pptx
+++ b/Project4-Capstone/MHD_Capstone/MHD_Twitter_Clustering.pptx
@@ -11,8 +11,8 @@
     <p:sldId id="256" r:id="rId2"/>
     <p:sldId id="277" r:id="rId3"/>
     <p:sldId id="266" r:id="rId4"/>
-    <p:sldId id="283" r:id="rId5"/>
-    <p:sldId id="284" r:id="rId6"/>
+    <p:sldId id="284" r:id="rId5"/>
+    <p:sldId id="283" r:id="rId6"/>
     <p:sldId id="281" r:id="rId7"/>
     <p:sldId id="257" r:id="rId8"/>
     <p:sldId id="264" r:id="rId9"/>
@@ -1720,7 +1720,7 @@
         <a:p>
           <a:r>
             <a:rPr lang="en-US" dirty="0" smtClean="0"/>
-            <a:t>Perfect Tweet Labeling System</a:t>
+            <a:t>Automated Tweet Labeling System</a:t>
           </a:r>
           <a:endParaRPr lang="en-US" dirty="0"/>
         </a:p>
@@ -1929,6 +1929,13 @@
         </dgm:presLayoutVars>
       </dgm:prSet>
       <dgm:spPr/>
+      <dgm:t>
+        <a:bodyPr/>
+        <a:lstStyle/>
+        <a:p>
+          <a:endParaRPr lang="en-US"/>
+        </a:p>
+      </dgm:t>
     </dgm:pt>
   </dgm:ptLst>
   <dgm:cxnLst>
@@ -3266,7 +3273,7 @@
           </a:pPr>
           <a:r>
             <a:rPr lang="en-US" sz="1300" kern="1200" dirty="0" smtClean="0"/>
-            <a:t>Perfect Tweet Labeling System</a:t>
+            <a:t>Automated Tweet Labeling System</a:t>
           </a:r>
           <a:endParaRPr lang="en-US" sz="1300" kern="1200" dirty="0"/>
         </a:p>
@@ -13771,6 +13778,13 @@
   <p:clrMapOvr>
     <a:masterClrMapping/>
   </p:clrMapOvr>
+  <p:timing>
+    <p:tnLst>
+      <p:par>
+        <p:cTn id="1" dur="indefinite" restart="never" nodeType="tmRoot"/>
+      </p:par>
+    </p:tnLst>
+  </p:timing>
 </p:sld>
 </file>
 
@@ -18516,7 +18530,7 @@
         <p:spPr>
           <a:xfrm>
             <a:off x="673304" y="1277695"/>
-            <a:ext cx="10530724" cy="4965449"/>
+            <a:ext cx="10530724" cy="2737257"/>
           </a:xfrm>
           <a:prstGeom prst="rect">
             <a:avLst/>
@@ -18786,8 +18800,18 @@
           <a:p>
             <a:r>
               <a:rPr lang="en-US" dirty="0" smtClean="0"/>
+              <a:t>Why Twitter?</a:t>
+            </a:r>
+          </a:p>
+          <a:p>
+            <a:endParaRPr lang="en-US" dirty="0" smtClean="0"/>
+          </a:p>
+          <a:p>
+            <a:r>
+              <a:rPr lang="en-US" dirty="0" smtClean="0"/>
               <a:t>Unlabeled Data</a:t>
             </a:r>
+            <a:endParaRPr lang="en-US" dirty="0" smtClean="0"/>
           </a:p>
           <a:p>
             <a:endParaRPr lang="en-US" dirty="0" smtClean="0"/>
@@ -18800,13 +18824,6 @@
             <a:endParaRPr lang="en-US" dirty="0" smtClean="0"/>
           </a:p>
           <a:p>
-            <a:endParaRPr lang="en-US" dirty="0" smtClean="0"/>
-          </a:p>
-          <a:p>
-            <a:r>
-              <a:rPr lang="en-US" dirty="0" smtClean="0"/>
-              <a:t>Unsupervised Learning</a:t>
-            </a:r>
             <a:endParaRPr lang="en-US" dirty="0" smtClean="0"/>
           </a:p>
         </p:txBody>
@@ -18860,6 +18877,244 @@
         </p:nvSpPr>
         <p:spPr>
           <a:xfrm>
+            <a:off x="507117" y="334846"/>
+            <a:ext cx="10515600" cy="391620"/>
+          </a:xfrm>
+        </p:spPr>
+        <p:txBody>
+          <a:bodyPr>
+            <a:normAutofit fontScale="90000"/>
+          </a:bodyPr>
+          <a:lstStyle/>
+          <a:p>
+            <a:r>
+              <a:rPr lang="en-US" dirty="0" smtClean="0"/>
+              <a:t>Workflow</a:t>
+            </a:r>
+            <a:endParaRPr lang="en-US" dirty="0"/>
+          </a:p>
+        </p:txBody>
+      </p:sp>
+      <p:cxnSp>
+        <p:nvCxnSpPr>
+          <p:cNvPr id="5" name="Straight Connector 4"/>
+          <p:cNvCxnSpPr/>
+          <p:nvPr/>
+        </p:nvCxnSpPr>
+        <p:spPr>
+          <a:xfrm>
+            <a:off x="507117" y="803132"/>
+            <a:ext cx="11056883" cy="10509"/>
+          </a:xfrm>
+          <a:prstGeom prst="line">
+            <a:avLst/>
+          </a:prstGeom>
+        </p:spPr>
+        <p:style>
+          <a:lnRef idx="1">
+            <a:schemeClr val="accent1"/>
+          </a:lnRef>
+          <a:fillRef idx="0">
+            <a:schemeClr val="accent1"/>
+          </a:fillRef>
+          <a:effectRef idx="0">
+            <a:schemeClr val="accent1"/>
+          </a:effectRef>
+          <a:fontRef idx="minor">
+            <a:schemeClr val="tx1"/>
+          </a:fontRef>
+        </p:style>
+      </p:cxnSp>
+      <p:graphicFrame>
+        <p:nvGraphicFramePr>
+          <p:cNvPr id="2" name="Diagram 1"/>
+          <p:cNvGraphicFramePr/>
+          <p:nvPr>
+            <p:extLst>
+              <p:ext uri="{D42A27DB-BD31-4B8C-83A1-F6EECF244321}">
+                <p14:modId xmlns:p14="http://schemas.microsoft.com/office/powerpoint/2010/main" val="1594599967"/>
+              </p:ext>
+            </p:extLst>
+          </p:nvPr>
+        </p:nvGraphicFramePr>
+        <p:xfrm>
+          <a:off x="388883" y="719666"/>
+          <a:ext cx="11403724" cy="5418667"/>
+        </p:xfrm>
+        <a:graphic>
+          <a:graphicData uri="http://schemas.openxmlformats.org/drawingml/2006/diagram">
+            <dgm:relIds xmlns:dgm="http://schemas.openxmlformats.org/drawingml/2006/diagram" xmlns:r="http://schemas.openxmlformats.org/officeDocument/2006/relationships" r:dm="rId2" r:lo="rId3" r:qs="rId4" r:cs="rId5"/>
+          </a:graphicData>
+        </a:graphic>
+      </p:graphicFrame>
+      <p:sp>
+        <p:nvSpPr>
+          <p:cNvPr id="3" name="Multiply 2"/>
+          <p:cNvSpPr/>
+          <p:nvPr/>
+        </p:nvSpPr>
+        <p:spPr>
+          <a:xfrm>
+            <a:off x="4445875" y="2971799"/>
+            <a:ext cx="914400" cy="914400"/>
+          </a:xfrm>
+          <a:prstGeom prst="mathMultiply">
+            <a:avLst/>
+          </a:prstGeom>
+          <a:solidFill>
+            <a:srgbClr val="FF0000"/>
+          </a:solidFill>
+          <a:ln>
+            <a:solidFill>
+              <a:srgbClr val="FF0000"/>
+            </a:solidFill>
+          </a:ln>
+        </p:spPr>
+        <p:style>
+          <a:lnRef idx="2">
+            <a:schemeClr val="accent1">
+              <a:shade val="50000"/>
+            </a:schemeClr>
+          </a:lnRef>
+          <a:fillRef idx="1">
+            <a:schemeClr val="accent1"/>
+          </a:fillRef>
+          <a:effectRef idx="0">
+            <a:schemeClr val="accent1"/>
+          </a:effectRef>
+          <a:fontRef idx="minor">
+            <a:schemeClr val="lt1"/>
+          </a:fontRef>
+        </p:style>
+        <p:txBody>
+          <a:bodyPr rtlCol="0" anchor="ctr"/>
+          <a:lstStyle/>
+          <a:p>
+            <a:pPr algn="ctr"/>
+            <a:endParaRPr lang="en-US"/>
+          </a:p>
+        </p:txBody>
+      </p:sp>
+    </p:spTree>
+    <p:extLst>
+      <p:ext uri="{BB962C8B-B14F-4D97-AF65-F5344CB8AC3E}">
+        <p14:creationId xmlns:p14="http://schemas.microsoft.com/office/powerpoint/2010/main" val="966385158"/>
+      </p:ext>
+    </p:extLst>
+  </p:cSld>
+  <p:clrMapOvr>
+    <a:masterClrMapping/>
+  </p:clrMapOvr>
+  <p:timing>
+    <p:tnLst>
+      <p:par>
+        <p:cTn id="1" dur="indefinite" restart="never" nodeType="tmRoot">
+          <p:childTnLst>
+            <p:seq concurrent="1" nextAc="seek">
+              <p:cTn id="2" dur="indefinite" nodeType="mainSeq">
+                <p:childTnLst>
+                  <p:par>
+                    <p:cTn id="3" fill="hold">
+                      <p:stCondLst>
+                        <p:cond delay="indefinite"/>
+                      </p:stCondLst>
+                      <p:childTnLst>
+                        <p:par>
+                          <p:cTn id="4" fill="hold">
+                            <p:stCondLst>
+                              <p:cond delay="0"/>
+                            </p:stCondLst>
+                            <p:childTnLst>
+                              <p:par>
+                                <p:cTn id="5" presetID="1" presetClass="entr" presetSubtype="0" fill="hold" grpId="0" nodeType="clickEffect">
+                                  <p:stCondLst>
+                                    <p:cond delay="0"/>
+                                  </p:stCondLst>
+                                  <p:childTnLst>
+                                    <p:set>
+                                      <p:cBhvr>
+                                        <p:cTn id="6" dur="1" fill="hold">
+                                          <p:stCondLst>
+                                            <p:cond delay="0"/>
+                                          </p:stCondLst>
+                                        </p:cTn>
+                                        <p:tgtEl>
+                                          <p:spTgt spid="3"/>
+                                        </p:tgtEl>
+                                        <p:attrNameLst>
+                                          <p:attrName>style.visibility</p:attrName>
+                                        </p:attrNameLst>
+                                      </p:cBhvr>
+                                      <p:to>
+                                        <p:strVal val="visible"/>
+                                      </p:to>
+                                    </p:set>
+                                  </p:childTnLst>
+                                </p:cTn>
+                              </p:par>
+                            </p:childTnLst>
+                          </p:cTn>
+                        </p:par>
+                      </p:childTnLst>
+                    </p:cTn>
+                  </p:par>
+                </p:childTnLst>
+              </p:cTn>
+              <p:prevCondLst>
+                <p:cond evt="onPrev" delay="0">
+                  <p:tgtEl>
+                    <p:sldTgt/>
+                  </p:tgtEl>
+                </p:cond>
+              </p:prevCondLst>
+              <p:nextCondLst>
+                <p:cond evt="onNext" delay="0">
+                  <p:tgtEl>
+                    <p:sldTgt/>
+                  </p:tgtEl>
+                </p:cond>
+              </p:nextCondLst>
+            </p:seq>
+          </p:childTnLst>
+        </p:cTn>
+      </p:par>
+    </p:tnLst>
+    <p:bldLst>
+      <p:bldP spid="3" grpId="0" animBg="1"/>
+    </p:bldLst>
+  </p:timing>
+</p:sld>
+</file>
+
+<file path=ppt/slides/slide5.xml><?xml version="1.0" encoding="utf-8"?>
+<p:sld xmlns:a="http://schemas.openxmlformats.org/drawingml/2006/main" xmlns:r="http://schemas.openxmlformats.org/officeDocument/2006/relationships" xmlns:p="http://schemas.openxmlformats.org/presentationml/2006/main">
+  <p:cSld>
+    <p:spTree>
+      <p:nvGrpSpPr>
+        <p:cNvPr id="1" name=""/>
+        <p:cNvGrpSpPr/>
+        <p:nvPr/>
+      </p:nvGrpSpPr>
+      <p:grpSpPr>
+        <a:xfrm>
+          <a:off x="0" y="0"/>
+          <a:ext cx="0" cy="0"/>
+          <a:chOff x="0" y="0"/>
+          <a:chExt cx="0" cy="0"/>
+        </a:xfrm>
+      </p:grpSpPr>
+      <p:sp>
+        <p:nvSpPr>
+          <p:cNvPr id="4" name="Title 1"/>
+          <p:cNvSpPr>
+            <a:spLocks noGrp="1"/>
+          </p:cNvSpPr>
+          <p:nvPr>
+            <p:ph type="title"/>
+          </p:nvPr>
+        </p:nvSpPr>
+        <p:spPr>
+          <a:xfrm>
             <a:off x="507117" y="208726"/>
             <a:ext cx="10515600" cy="391620"/>
           </a:xfrm>
@@ -18872,7 +19127,7 @@
           <a:p>
             <a:r>
               <a:rPr lang="en-US" dirty="0" smtClean="0"/>
-              <a:t>Getting the Data</a:t>
+              <a:t>Getting/Cleaning the Data</a:t>
             </a:r>
             <a:endParaRPr lang="en-US" dirty="0"/>
           </a:p>
@@ -18918,7 +19173,7 @@
         </p:nvSpPr>
         <p:spPr>
           <a:xfrm>
-            <a:off x="673304" y="1277695"/>
+            <a:off x="507117" y="1016427"/>
             <a:ext cx="10530724" cy="4965449"/>
           </a:xfrm>
           <a:prstGeom prst="rect">
@@ -19194,18 +19449,41 @@
               <a:rPr lang="en-US" dirty="0" smtClean="0"/>
               <a:t>Twitter Streaming API</a:t>
             </a:r>
-            <a:endParaRPr lang="en-US" dirty="0" smtClean="0"/>
-          </a:p>
-          <a:p>
-            <a:endParaRPr lang="en-US" dirty="0" smtClean="0"/>
-          </a:p>
-          <a:p>
             <a:endParaRPr lang="en-US" dirty="0"/>
           </a:p>
           <a:p>
             <a:r>
               <a:rPr lang="en-US" dirty="0" err="1" smtClean="0"/>
               <a:t>Tweepy</a:t>
+            </a:r>
+            <a:endParaRPr lang="en-US" dirty="0" smtClean="0"/>
+          </a:p>
+          <a:p>
+            <a:r>
+              <a:rPr lang="en-US" dirty="0" smtClean="0"/>
+              <a:t>Cleaning tweets</a:t>
+            </a:r>
+            <a:endParaRPr lang="en-US" dirty="0" smtClean="0"/>
+          </a:p>
+          <a:p>
+            <a:pPr lvl="1"/>
+            <a:r>
+              <a:rPr lang="en-US" dirty="0" smtClean="0"/>
+              <a:t>RT</a:t>
+            </a:r>
+          </a:p>
+          <a:p>
+            <a:pPr lvl="1"/>
+            <a:r>
+              <a:rPr lang="en-US" dirty="0" smtClean="0"/>
+              <a:t>@</a:t>
+            </a:r>
+          </a:p>
+          <a:p>
+            <a:pPr lvl="1"/>
+            <a:r>
+              <a:rPr lang="en-US" dirty="0" smtClean="0"/>
+              <a:t>links</a:t>
             </a:r>
             <a:endParaRPr lang="en-US" dirty="0" smtClean="0"/>
           </a:p>
@@ -19233,8 +19511,68 @@
         </p:blipFill>
         <p:spPr>
           <a:xfrm>
-            <a:off x="4686771" y="1555531"/>
-            <a:ext cx="6877229" cy="4112651"/>
+            <a:off x="5732510" y="1427501"/>
+            <a:ext cx="4611421" cy="2757675"/>
+          </a:xfrm>
+          <a:prstGeom prst="rect">
+            <a:avLst/>
+          </a:prstGeom>
+        </p:spPr>
+      </p:pic>
+      <p:pic>
+        <p:nvPicPr>
+          <p:cNvPr id="6" name="Picture 5"/>
+          <p:cNvPicPr>
+            <a:picLocks noChangeAspect="1"/>
+          </p:cNvPicPr>
+          <p:nvPr/>
+        </p:nvPicPr>
+        <p:blipFill>
+          <a:blip r:embed="rId3">
+            <a:extLst>
+              <a:ext uri="{28A0092B-C50C-407E-A947-70E740481C1C}">
+                <a14:useLocalDpi xmlns:a14="http://schemas.microsoft.com/office/drawing/2010/main" val="0"/>
+              </a:ext>
+            </a:extLst>
+          </a:blip>
+          <a:stretch>
+            <a:fillRect/>
+          </a:stretch>
+        </p:blipFill>
+        <p:spPr>
+          <a:xfrm>
+            <a:off x="679231" y="4596249"/>
+            <a:ext cx="9664700" cy="292100"/>
+          </a:xfrm>
+          <a:prstGeom prst="rect">
+            <a:avLst/>
+          </a:prstGeom>
+        </p:spPr>
+      </p:pic>
+      <p:pic>
+        <p:nvPicPr>
+          <p:cNvPr id="8" name="Picture 7"/>
+          <p:cNvPicPr>
+            <a:picLocks noChangeAspect="1"/>
+          </p:cNvPicPr>
+          <p:nvPr/>
+        </p:nvPicPr>
+        <p:blipFill>
+          <a:blip r:embed="rId4">
+            <a:extLst>
+              <a:ext uri="{28A0092B-C50C-407E-A947-70E740481C1C}">
+                <a14:useLocalDpi xmlns:a14="http://schemas.microsoft.com/office/drawing/2010/main" val="0"/>
+              </a:ext>
+            </a:extLst>
+          </a:blip>
+          <a:stretch>
+            <a:fillRect/>
+          </a:stretch>
+        </p:blipFill>
+        <p:spPr>
+          <a:xfrm>
+            <a:off x="1923831" y="5091135"/>
+            <a:ext cx="7175500" cy="254000"/>
           </a:xfrm>
           <a:prstGeom prst="rect">
             <a:avLst/>
@@ -19245,173 +19583,6 @@
     <p:extLst>
       <p:ext uri="{BB962C8B-B14F-4D97-AF65-F5344CB8AC3E}">
         <p14:creationId xmlns:p14="http://schemas.microsoft.com/office/powerpoint/2010/main" val="1413354792"/>
-      </p:ext>
-    </p:extLst>
-  </p:cSld>
-  <p:clrMapOvr>
-    <a:masterClrMapping/>
-  </p:clrMapOvr>
-  <p:timing>
-    <p:tnLst>
-      <p:par>
-        <p:cTn id="1" dur="indefinite" restart="never" nodeType="tmRoot"/>
-      </p:par>
-    </p:tnLst>
-  </p:timing>
-</p:sld>
-</file>
-
-<file path=ppt/slides/slide5.xml><?xml version="1.0" encoding="utf-8"?>
-<p:sld xmlns:a="http://schemas.openxmlformats.org/drawingml/2006/main" xmlns:r="http://schemas.openxmlformats.org/officeDocument/2006/relationships" xmlns:p="http://schemas.openxmlformats.org/presentationml/2006/main">
-  <p:cSld>
-    <p:spTree>
-      <p:nvGrpSpPr>
-        <p:cNvPr id="1" name=""/>
-        <p:cNvGrpSpPr/>
-        <p:nvPr/>
-      </p:nvGrpSpPr>
-      <p:grpSpPr>
-        <a:xfrm>
-          <a:off x="0" y="0"/>
-          <a:ext cx="0" cy="0"/>
-          <a:chOff x="0" y="0"/>
-          <a:chExt cx="0" cy="0"/>
-        </a:xfrm>
-      </p:grpSpPr>
-      <p:sp>
-        <p:nvSpPr>
-          <p:cNvPr id="4" name="Title 1"/>
-          <p:cNvSpPr>
-            <a:spLocks noGrp="1"/>
-          </p:cNvSpPr>
-          <p:nvPr>
-            <p:ph type="title"/>
-          </p:nvPr>
-        </p:nvSpPr>
-        <p:spPr>
-          <a:xfrm>
-            <a:off x="507117" y="208726"/>
-            <a:ext cx="10515600" cy="391620"/>
-          </a:xfrm>
-        </p:spPr>
-        <p:txBody>
-          <a:bodyPr>
-            <a:normAutofit fontScale="90000"/>
-          </a:bodyPr>
-          <a:lstStyle/>
-          <a:p>
-            <a:r>
-              <a:rPr lang="en-US" dirty="0" smtClean="0"/>
-              <a:t>Workflow</a:t>
-            </a:r>
-            <a:endParaRPr lang="en-US" dirty="0"/>
-          </a:p>
-        </p:txBody>
-      </p:sp>
-      <p:cxnSp>
-        <p:nvCxnSpPr>
-          <p:cNvPr id="5" name="Straight Connector 4"/>
-          <p:cNvCxnSpPr/>
-          <p:nvPr/>
-        </p:nvCxnSpPr>
-        <p:spPr>
-          <a:xfrm>
-            <a:off x="507117" y="803132"/>
-            <a:ext cx="11056883" cy="10509"/>
-          </a:xfrm>
-          <a:prstGeom prst="line">
-            <a:avLst/>
-          </a:prstGeom>
-        </p:spPr>
-        <p:style>
-          <a:lnRef idx="1">
-            <a:schemeClr val="accent1"/>
-          </a:lnRef>
-          <a:fillRef idx="0">
-            <a:schemeClr val="accent1"/>
-          </a:fillRef>
-          <a:effectRef idx="0">
-            <a:schemeClr val="accent1"/>
-          </a:effectRef>
-          <a:fontRef idx="minor">
-            <a:schemeClr val="tx1"/>
-          </a:fontRef>
-        </p:style>
-      </p:cxnSp>
-      <p:graphicFrame>
-        <p:nvGraphicFramePr>
-          <p:cNvPr id="2" name="Diagram 1"/>
-          <p:cNvGraphicFramePr/>
-          <p:nvPr>
-            <p:extLst>
-              <p:ext uri="{D42A27DB-BD31-4B8C-83A1-F6EECF244321}">
-                <p14:modId xmlns:p14="http://schemas.microsoft.com/office/powerpoint/2010/main" val="1095896533"/>
-              </p:ext>
-            </p:extLst>
-          </p:nvPr>
-        </p:nvGraphicFramePr>
-        <p:xfrm>
-          <a:off x="388883" y="719666"/>
-          <a:ext cx="11403724" cy="5418667"/>
-        </p:xfrm>
-        <a:graphic>
-          <a:graphicData uri="http://schemas.openxmlformats.org/drawingml/2006/diagram">
-            <dgm:relIds xmlns:dgm="http://schemas.openxmlformats.org/drawingml/2006/diagram" xmlns:r="http://schemas.openxmlformats.org/officeDocument/2006/relationships" r:dm="rId2" r:lo="rId3" r:qs="rId4" r:cs="rId5"/>
-          </a:graphicData>
-        </a:graphic>
-      </p:graphicFrame>
-      <p:sp>
-        <p:nvSpPr>
-          <p:cNvPr id="3" name="Multiply 2"/>
-          <p:cNvSpPr/>
-          <p:nvPr/>
-        </p:nvSpPr>
-        <p:spPr>
-          <a:xfrm>
-            <a:off x="4445875" y="2971799"/>
-            <a:ext cx="914400" cy="914400"/>
-          </a:xfrm>
-          <a:prstGeom prst="mathMultiply">
-            <a:avLst/>
-          </a:prstGeom>
-          <a:solidFill>
-            <a:srgbClr val="FF0000"/>
-          </a:solidFill>
-          <a:ln>
-            <a:solidFill>
-              <a:srgbClr val="FF0000"/>
-            </a:solidFill>
-          </a:ln>
-        </p:spPr>
-        <p:style>
-          <a:lnRef idx="2">
-            <a:schemeClr val="accent1">
-              <a:shade val="50000"/>
-            </a:schemeClr>
-          </a:lnRef>
-          <a:fillRef idx="1">
-            <a:schemeClr val="accent1"/>
-          </a:fillRef>
-          <a:effectRef idx="0">
-            <a:schemeClr val="accent1"/>
-          </a:effectRef>
-          <a:fontRef idx="minor">
-            <a:schemeClr val="lt1"/>
-          </a:fontRef>
-        </p:style>
-        <p:txBody>
-          <a:bodyPr rtlCol="0" anchor="ctr"/>
-          <a:lstStyle/>
-          <a:p>
-            <a:pPr algn="ctr"/>
-            <a:endParaRPr lang="en-US"/>
-          </a:p>
-        </p:txBody>
-      </p:sp>
-    </p:spTree>
-    <p:extLst>
-      <p:ext uri="{BB962C8B-B14F-4D97-AF65-F5344CB8AC3E}">
-        <p14:creationId xmlns:p14="http://schemas.microsoft.com/office/powerpoint/2010/main" val="966385158"/>
       </p:ext>
     </p:extLst>
   </p:cSld>
@@ -20578,6 +20749,13 @@
   <p:clrMapOvr>
     <a:masterClrMapping/>
   </p:clrMapOvr>
+  <p:timing>
+    <p:tnLst>
+      <p:par>
+        <p:cTn id="1" dur="indefinite" restart="never" nodeType="tmRoot"/>
+      </p:par>
+    </p:tnLst>
+  </p:timing>
 </p:sld>
 </file>
 

--- a/Project4-Capstone/MHD_Capstone/MHD_Twitter_Clustering.pptx
+++ b/Project4-Capstone/MHD_Capstone/MHD_Twitter_Clustering.pptx
@@ -15771,7 +15771,7 @@
         </p:nvSpPr>
         <p:spPr>
           <a:xfrm>
-            <a:off x="1836129" y="1170952"/>
+            <a:off x="1904445" y="778582"/>
             <a:ext cx="2454781" cy="545592"/>
           </a:xfrm>
         </p:spPr>
@@ -15800,7 +15800,7 @@
         </p:nvSpPr>
         <p:spPr>
           <a:xfrm>
-            <a:off x="7561035" y="1339282"/>
+            <a:off x="7700848" y="778582"/>
             <a:ext cx="2454781" cy="545592"/>
           </a:xfrm>
           <a:prstGeom prst="rect">
@@ -16135,8 +16135,8 @@
         </p:blipFill>
         <p:spPr>
           <a:xfrm>
-            <a:off x="777275" y="1884874"/>
-            <a:ext cx="4572490" cy="4036480"/>
+            <a:off x="1587177" y="1217474"/>
+            <a:ext cx="3089316" cy="2727171"/>
           </a:xfrm>
           <a:prstGeom prst="rect">
             <a:avLst/>
@@ -16165,8 +16165,68 @@
         </p:blipFill>
         <p:spPr>
           <a:xfrm>
-            <a:off x="6439418" y="1884874"/>
-            <a:ext cx="4698014" cy="4036480"/>
+            <a:off x="7462345" y="1217474"/>
+            <a:ext cx="3174124" cy="2727171"/>
+          </a:xfrm>
+          <a:prstGeom prst="rect">
+            <a:avLst/>
+          </a:prstGeom>
+        </p:spPr>
+      </p:pic>
+      <p:pic>
+        <p:nvPicPr>
+          <p:cNvPr id="11" name="Picture 10"/>
+          <p:cNvPicPr>
+            <a:picLocks noChangeAspect="1"/>
+          </p:cNvPicPr>
+          <p:nvPr/>
+        </p:nvPicPr>
+        <p:blipFill>
+          <a:blip r:embed="rId4">
+            <a:extLst>
+              <a:ext uri="{28A0092B-C50C-407E-A947-70E740481C1C}">
+                <a14:useLocalDpi xmlns:a14="http://schemas.microsoft.com/office/drawing/2010/main" val="0"/>
+              </a:ext>
+            </a:extLst>
+          </a:blip>
+          <a:stretch>
+            <a:fillRect/>
+          </a:stretch>
+        </p:blipFill>
+        <p:spPr>
+          <a:xfrm>
+            <a:off x="7462345" y="3944645"/>
+            <a:ext cx="3174124" cy="2721772"/>
+          </a:xfrm>
+          <a:prstGeom prst="rect">
+            <a:avLst/>
+          </a:prstGeom>
+        </p:spPr>
+      </p:pic>
+      <p:pic>
+        <p:nvPicPr>
+          <p:cNvPr id="12" name="Picture 11"/>
+          <p:cNvPicPr>
+            <a:picLocks noChangeAspect="1"/>
+          </p:cNvPicPr>
+          <p:nvPr/>
+        </p:nvPicPr>
+        <p:blipFill>
+          <a:blip r:embed="rId5">
+            <a:extLst>
+              <a:ext uri="{28A0092B-C50C-407E-A947-70E740481C1C}">
+                <a14:useLocalDpi xmlns:a14="http://schemas.microsoft.com/office/drawing/2010/main" val="0"/>
+              </a:ext>
+            </a:extLst>
+          </a:blip>
+          <a:stretch>
+            <a:fillRect/>
+          </a:stretch>
+        </p:blipFill>
+        <p:spPr>
+          <a:xfrm>
+            <a:off x="1587177" y="3944645"/>
+            <a:ext cx="3089316" cy="2610584"/>
           </a:xfrm>
           <a:prstGeom prst="rect">
             <a:avLst/>

--- a/Project4-Capstone/MHD_Capstone/MHD_Twitter_Clustering.pptx
+++ b/Project4-Capstone/MHD_Capstone/MHD_Twitter_Clustering.pptx
@@ -6873,6 +6873,90 @@
 </p:notesMaster>
 </file>
 
+<file path=ppt/notesSlides/notesSlide1.xml><?xml version="1.0" encoding="utf-8"?>
+<p:notes xmlns:a="http://schemas.openxmlformats.org/drawingml/2006/main" xmlns:r="http://schemas.openxmlformats.org/officeDocument/2006/relationships" xmlns:p="http://schemas.openxmlformats.org/presentationml/2006/main">
+  <p:cSld>
+    <p:spTree>
+      <p:nvGrpSpPr>
+        <p:cNvPr id="1" name=""/>
+        <p:cNvGrpSpPr/>
+        <p:nvPr/>
+      </p:nvGrpSpPr>
+      <p:grpSpPr>
+        <a:xfrm>
+          <a:off x="0" y="0"/>
+          <a:ext cx="0" cy="0"/>
+          <a:chOff x="0" y="0"/>
+          <a:chExt cx="0" cy="0"/>
+        </a:xfrm>
+      </p:grpSpPr>
+      <p:sp>
+        <p:nvSpPr>
+          <p:cNvPr id="2" name="Slide Image Placeholder 1"/>
+          <p:cNvSpPr>
+            <a:spLocks noGrp="1" noRot="1" noChangeAspect="1"/>
+          </p:cNvSpPr>
+          <p:nvPr>
+            <p:ph type="sldImg"/>
+          </p:nvPr>
+        </p:nvSpPr>
+        <p:spPr/>
+      </p:sp>
+      <p:sp>
+        <p:nvSpPr>
+          <p:cNvPr id="3" name="Notes Placeholder 2"/>
+          <p:cNvSpPr>
+            <a:spLocks noGrp="1"/>
+          </p:cNvSpPr>
+          <p:nvPr>
+            <p:ph type="body" idx="1"/>
+          </p:nvPr>
+        </p:nvSpPr>
+        <p:spPr/>
+        <p:txBody>
+          <a:bodyPr/>
+          <a:lstStyle/>
+          <a:p>
+            <a:endParaRPr lang="en-US" dirty="0"/>
+          </a:p>
+        </p:txBody>
+      </p:sp>
+      <p:sp>
+        <p:nvSpPr>
+          <p:cNvPr id="4" name="Slide Number Placeholder 3"/>
+          <p:cNvSpPr>
+            <a:spLocks noGrp="1"/>
+          </p:cNvSpPr>
+          <p:nvPr>
+            <p:ph type="sldNum" sz="quarter" idx="10"/>
+          </p:nvPr>
+        </p:nvSpPr>
+        <p:spPr/>
+        <p:txBody>
+          <a:bodyPr/>
+          <a:lstStyle/>
+          <a:p>
+            <a:fld id="{7086CE40-0812-CE42-BC04-AA5C45CB7A54}" type="slidenum">
+              <a:rPr lang="en-US" smtClean="0"/>
+              <a:t>6</a:t>
+            </a:fld>
+            <a:endParaRPr lang="en-US"/>
+          </a:p>
+        </p:txBody>
+      </p:sp>
+    </p:spTree>
+    <p:extLst>
+      <p:ext uri="{BB962C8B-B14F-4D97-AF65-F5344CB8AC3E}">
+        <p14:creationId xmlns:p14="http://schemas.microsoft.com/office/powerpoint/2010/main" val="142492830"/>
+      </p:ext>
+    </p:extLst>
+  </p:cSld>
+  <p:clrMapOvr>
+    <a:masterClrMapping/>
+  </p:clrMapOvr>
+</p:notes>
+</file>
+
 <file path=ppt/slideLayouts/slideLayout1.xml><?xml version="1.0" encoding="utf-8"?>
 <p:sldLayout xmlns:a="http://schemas.openxmlformats.org/drawingml/2006/main" xmlns:r="http://schemas.openxmlformats.org/officeDocument/2006/relationships" xmlns:p="http://schemas.openxmlformats.org/presentationml/2006/main" type="title" preserve="1">
   <p:cSld name="Title Slide">
@@ -20058,6 +20142,36 @@
           </a:p>
         </p:txBody>
       </p:sp>
+      <p:pic>
+        <p:nvPicPr>
+          <p:cNvPr id="3" name="Picture 2"/>
+          <p:cNvPicPr>
+            <a:picLocks noChangeAspect="1"/>
+          </p:cNvPicPr>
+          <p:nvPr/>
+        </p:nvPicPr>
+        <p:blipFill>
+          <a:blip r:embed="rId3">
+            <a:extLst>
+              <a:ext uri="{28A0092B-C50C-407E-A947-70E740481C1C}">
+                <a14:useLocalDpi xmlns:a14="http://schemas.microsoft.com/office/drawing/2010/main" val="0"/>
+              </a:ext>
+            </a:extLst>
+          </a:blip>
+          <a:stretch>
+            <a:fillRect/>
+          </a:stretch>
+        </p:blipFill>
+        <p:spPr>
+          <a:xfrm>
+            <a:off x="1662817" y="4784396"/>
+            <a:ext cx="8204200" cy="723900"/>
+          </a:xfrm>
+          <a:prstGeom prst="rect">
+            <a:avLst/>
+          </a:prstGeom>
+        </p:spPr>
+      </p:pic>
     </p:spTree>
     <p:extLst>
       <p:ext uri="{BB962C8B-B14F-4D97-AF65-F5344CB8AC3E}">

--- a/Project4-Capstone/MHD_Capstone/MHD_Twitter_Clustering.pptx
+++ b/Project4-Capstone/MHD_Capstone/MHD_Twitter_Clustering.pptx
@@ -13658,15 +13658,7 @@
           <a:p>
             <a:r>
               <a:rPr lang="en-US" dirty="0" smtClean="0"/>
-              <a:t>Latent </a:t>
-            </a:r>
-            <a:r>
-              <a:rPr lang="en-US" dirty="0" err="1" smtClean="0"/>
-              <a:t>Dirichlet</a:t>
-            </a:r>
-            <a:r>
-              <a:rPr lang="en-US" dirty="0" smtClean="0"/>
-              <a:t> Allocation</a:t>
+              <a:t>Latent Dirichlet Allocation</a:t>
             </a:r>
             <a:endParaRPr lang="en-US" dirty="0"/>
           </a:p>
@@ -19627,7 +19619,14 @@
             <a:pPr lvl="1"/>
             <a:r>
               <a:rPr lang="en-US" dirty="0" smtClean="0"/>
-              <a:t>links</a:t>
+              <a:t>Links</a:t>
+            </a:r>
+          </a:p>
+          <a:p>
+            <a:pPr lvl="1"/>
+            <a:r>
+              <a:rPr lang="en-US" dirty="0" err="1" smtClean="0"/>
+              <a:t>Stopwords</a:t>
             </a:r>
             <a:endParaRPr lang="en-US" dirty="0" smtClean="0"/>
           </a:p>
@@ -19685,7 +19684,7 @@
         </p:blipFill>
         <p:spPr>
           <a:xfrm>
-            <a:off x="679231" y="4596249"/>
+            <a:off x="679231" y="4785429"/>
             <a:ext cx="9664700" cy="292100"/>
           </a:xfrm>
           <a:prstGeom prst="rect">
@@ -19715,7 +19714,7 @@
         </p:blipFill>
         <p:spPr>
           <a:xfrm>
-            <a:off x="1923831" y="5091135"/>
+            <a:off x="1923831" y="5248785"/>
             <a:ext cx="7175500" cy="254000"/>
           </a:xfrm>
           <a:prstGeom prst="rect">
@@ -20101,22 +20100,14 @@
           <a:p>
             <a:r>
               <a:rPr lang="en-US" dirty="0" smtClean="0"/>
-              <a:t>Latent </a:t>
+              <a:t>Latent Dirichlet Allocation</a:t>
             </a:r>
-            <a:r>
-              <a:rPr lang="en-US" dirty="0" err="1" smtClean="0"/>
-              <a:t>Dirichlet</a:t>
-            </a:r>
+          </a:p>
+          <a:p>
+            <a:pPr lvl="1"/>
             <a:r>
               <a:rPr lang="en-US" dirty="0" smtClean="0"/>
-              <a:t> Allocation</a:t>
-            </a:r>
-          </a:p>
-          <a:p>
-            <a:pPr lvl="1"/>
-            <a:r>
-              <a:rPr lang="en-US" dirty="0" err="1" smtClean="0"/>
-              <a:t>Probabilites</a:t>
+              <a:t>Probabilities</a:t>
             </a:r>
             <a:endParaRPr lang="en-US" dirty="0" smtClean="0"/>
           </a:p>
@@ -20622,6 +20613,13 @@
           <a:p>
             <a:r>
               <a:rPr lang="en-US" dirty="0" smtClean="0"/>
+              <a:t>Lifestyle</a:t>
+            </a:r>
+            <a:endParaRPr lang="en-US" dirty="0" smtClean="0"/>
+          </a:p>
+          <a:p>
+            <a:r>
+              <a:rPr lang="en-US" dirty="0" smtClean="0"/>
               <a:t>Dating/Relationships</a:t>
             </a:r>
           </a:p>
@@ -20630,8 +20628,6 @@
               <a:rPr lang="en-US" dirty="0" smtClean="0"/>
               <a:t>Wedding/Marriage</a:t>
             </a:r>
-          </a:p>
-          <a:p>
             <a:endParaRPr lang="en-US" dirty="0" smtClean="0"/>
           </a:p>
           <a:p>
@@ -20719,15 +20715,7 @@
           <a:p>
             <a:r>
               <a:rPr lang="en-US" dirty="0" smtClean="0"/>
-              <a:t>Latent </a:t>
-            </a:r>
-            <a:r>
-              <a:rPr lang="en-US" dirty="0" err="1" smtClean="0"/>
-              <a:t>Dirichlet</a:t>
-            </a:r>
-            <a:r>
-              <a:rPr lang="en-US" dirty="0" smtClean="0"/>
-              <a:t> Allocation</a:t>
+              <a:t>Latent Dirichlet Allocation</a:t>
             </a:r>
             <a:endParaRPr lang="en-US" dirty="0"/>
           </a:p>
